--- a/IntroToscRNASeq_Background.pptx
+++ b/IntroToscRNASeq_Background.pptx
@@ -11534,21 +11534,7 @@
                 <a:latin typeface="Helvetica Neue Light" panose="02000403000000020004" pitchFamily="2" charset="0"/>
                 <a:ea typeface="Helvetica Neue Light" panose="02000403000000020004" pitchFamily="2" charset="0"/>
               </a:rPr>
-              <a:t>Accuracy: Pearson correlation with known </a:t>
-            </a:r>
-            <a:r>
-              <a:rPr lang="en-US" sz="1400" dirty="0" err="1">
-                <a:latin typeface="Helvetica Neue Light" panose="02000403000000020004" pitchFamily="2" charset="0"/>
-                <a:ea typeface="Helvetica Neue Light" panose="02000403000000020004" pitchFamily="2" charset="0"/>
-              </a:rPr>
-              <a:t>spik</a:t>
-            </a:r>
-            <a:r>
-              <a:rPr lang="en-US" sz="1400" dirty="0">
-                <a:latin typeface="Helvetica Neue Light" panose="02000403000000020004" pitchFamily="2" charset="0"/>
-                <a:ea typeface="Helvetica Neue Light" panose="02000403000000020004" pitchFamily="2" charset="0"/>
-              </a:rPr>
-              <a:t>-in concentration</a:t>
+              <a:t>Accuracy: Pearson correlation with known spike-in concentration</a:t>
             </a:r>
           </a:p>
           <a:p>
@@ -11664,52 +11650,161 @@
           </a:p>
         </p:txBody>
       </p:sp>
-      <p:sp>
-        <p:nvSpPr>
-          <p:cNvPr id="9" name="Rectangle 8">
-            <a:extLst>
-              <a:ext uri="{FF2B5EF4-FFF2-40B4-BE49-F238E27FC236}">
-                <a16:creationId xmlns:a16="http://schemas.microsoft.com/office/drawing/2014/main" id="{B6A95508-917B-2F4C-BB35-D6C33C3534D8}"/>
-              </a:ext>
-            </a:extLst>
-          </p:cNvPr>
-          <p:cNvSpPr/>
+      <p:grpSp>
+        <p:nvGrpSpPr>
+          <p:cNvPr id="2" name="Group 1">
+            <a:extLst>
+              <a:ext uri="{FF2B5EF4-FFF2-40B4-BE49-F238E27FC236}">
+                <a16:creationId xmlns:a16="http://schemas.microsoft.com/office/drawing/2014/main" id="{62C725A4-7854-FB4C-8408-19CDB218E5A8}"/>
+              </a:ext>
+            </a:extLst>
+          </p:cNvPr>
+          <p:cNvGrpSpPr/>
           <p:nvPr/>
-        </p:nvSpPr>
-        <p:spPr>
+        </p:nvGrpSpPr>
+        <p:grpSpPr>
           <a:xfrm>
-            <a:off x="8793125" y="1800446"/>
-            <a:ext cx="425302" cy="4061526"/>
+            <a:off x="8108180" y="1571478"/>
+            <a:ext cx="4043832" cy="4290494"/>
+            <a:chOff x="8108180" y="1571478"/>
+            <a:chExt cx="4043832" cy="4290494"/>
           </a:xfrm>
-          <a:prstGeom prst="rect">
-            <a:avLst/>
-          </a:prstGeom>
-        </p:spPr>
-        <p:style>
-          <a:lnRef idx="2">
-            <a:schemeClr val="accent1">
-              <a:shade val="50000"/>
-            </a:schemeClr>
-          </a:lnRef>
-          <a:fillRef idx="1">
-            <a:schemeClr val="accent1"/>
-          </a:fillRef>
-          <a:effectRef idx="0">
-            <a:schemeClr val="accent1"/>
-          </a:effectRef>
-          <a:fontRef idx="minor">
-            <a:schemeClr val="lt1"/>
-          </a:fontRef>
-        </p:style>
-        <p:txBody>
-          <a:bodyPr rtlCol="0" anchor="ctr"/>
-          <a:lstStyle/>
-          <a:p>
-            <a:pPr algn="ctr"/>
-            <a:endParaRPr lang="en-US"/>
-          </a:p>
-        </p:txBody>
-      </p:sp>
+        </p:grpSpPr>
+        <p:sp>
+          <p:nvSpPr>
+            <p:cNvPr id="9" name="Rectangle 8">
+              <a:extLst>
+                <a:ext uri="{FF2B5EF4-FFF2-40B4-BE49-F238E27FC236}">
+                  <a16:creationId xmlns:a16="http://schemas.microsoft.com/office/drawing/2014/main" id="{B6A95508-917B-2F4C-BB35-D6C33C3534D8}"/>
+                </a:ext>
+              </a:extLst>
+            </p:cNvPr>
+            <p:cNvSpPr/>
+            <p:nvPr/>
+          </p:nvSpPr>
+          <p:spPr>
+            <a:xfrm>
+              <a:off x="8843365" y="1800446"/>
+              <a:ext cx="233917" cy="4061526"/>
+            </a:xfrm>
+            <a:prstGeom prst="rect">
+              <a:avLst/>
+            </a:prstGeom>
+            <a:noFill/>
+            <a:ln w="34925"/>
+          </p:spPr>
+          <p:style>
+            <a:lnRef idx="2">
+              <a:schemeClr val="accent1">
+                <a:shade val="50000"/>
+              </a:schemeClr>
+            </a:lnRef>
+            <a:fillRef idx="1">
+              <a:schemeClr val="accent1"/>
+            </a:fillRef>
+            <a:effectRef idx="0">
+              <a:schemeClr val="accent1"/>
+            </a:effectRef>
+            <a:fontRef idx="minor">
+              <a:schemeClr val="lt1"/>
+            </a:fontRef>
+          </p:style>
+          <p:txBody>
+            <a:bodyPr rtlCol="0" anchor="ctr"/>
+            <a:lstStyle/>
+            <a:p>
+              <a:pPr algn="ctr"/>
+              <a:endParaRPr lang="en-US"/>
+            </a:p>
+          </p:txBody>
+        </p:sp>
+        <p:sp>
+          <p:nvSpPr>
+            <p:cNvPr id="8" name="Rectangle 7">
+              <a:extLst>
+                <a:ext uri="{FF2B5EF4-FFF2-40B4-BE49-F238E27FC236}">
+                  <a16:creationId xmlns:a16="http://schemas.microsoft.com/office/drawing/2014/main" id="{5750CF89-B39A-1C4D-BAF4-23EE96A27681}"/>
+                </a:ext>
+              </a:extLst>
+            </p:cNvPr>
+            <p:cNvSpPr/>
+            <p:nvPr/>
+          </p:nvSpPr>
+          <p:spPr>
+            <a:xfrm>
+              <a:off x="8108180" y="1800446"/>
+              <a:ext cx="327412" cy="4061526"/>
+            </a:xfrm>
+            <a:prstGeom prst="rect">
+              <a:avLst/>
+            </a:prstGeom>
+            <a:noFill/>
+            <a:ln w="34925"/>
+          </p:spPr>
+          <p:style>
+            <a:lnRef idx="2">
+              <a:schemeClr val="accent1">
+                <a:shade val="50000"/>
+              </a:schemeClr>
+            </a:lnRef>
+            <a:fillRef idx="1">
+              <a:schemeClr val="accent1"/>
+            </a:fillRef>
+            <a:effectRef idx="0">
+              <a:schemeClr val="accent1"/>
+            </a:effectRef>
+            <a:fontRef idx="minor">
+              <a:schemeClr val="lt1"/>
+            </a:fontRef>
+          </p:style>
+          <p:txBody>
+            <a:bodyPr rtlCol="0" anchor="ctr"/>
+            <a:lstStyle/>
+            <a:p>
+              <a:pPr algn="ctr"/>
+              <a:endParaRPr lang="en-US"/>
+            </a:p>
+          </p:txBody>
+        </p:sp>
+        <p:sp>
+          <p:nvSpPr>
+            <p:cNvPr id="10" name="TextBox 9">
+              <a:extLst>
+                <a:ext uri="{FF2B5EF4-FFF2-40B4-BE49-F238E27FC236}">
+                  <a16:creationId xmlns:a16="http://schemas.microsoft.com/office/drawing/2014/main" id="{F0FBBF4F-393D-F44D-9DBB-FC9FC9E9B94C}"/>
+                </a:ext>
+              </a:extLst>
+            </p:cNvPr>
+            <p:cNvSpPr txBox="1"/>
+            <p:nvPr/>
+          </p:nvSpPr>
+          <p:spPr>
+            <a:xfrm>
+              <a:off x="9527566" y="1571478"/>
+              <a:ext cx="2624446" cy="646331"/>
+            </a:xfrm>
+            <a:prstGeom prst="rect">
+              <a:avLst/>
+            </a:prstGeom>
+            <a:noFill/>
+          </p:spPr>
+          <p:txBody>
+            <a:bodyPr wrap="square" rtlCol="0">
+              <a:spAutoFit/>
+            </a:bodyPr>
+            <a:lstStyle/>
+            <a:p>
+              <a:r>
+                <a:rPr lang="en-US" b="1" dirty="0">
+                  <a:latin typeface="Helvetica Neue Light" panose="02000403000000020004" pitchFamily="2" charset="0"/>
+                  <a:ea typeface="Helvetica Neue Light" panose="02000403000000020004" pitchFamily="2" charset="0"/>
+                </a:rPr>
+                <a:t>Library prep services in Bauer Core</a:t>
+              </a:r>
+            </a:p>
+          </p:txBody>
+        </p:sp>
+      </p:grpSp>
     </p:spTree>
     <p:extLst>
       <p:ext uri="{BB962C8B-B14F-4D97-AF65-F5344CB8AC3E}">
@@ -11720,6 +11815,81 @@
   <p:clrMapOvr>
     <a:masterClrMapping/>
   </p:clrMapOvr>
+  <p:timing>
+    <p:tnLst>
+      <p:par>
+        <p:cTn id="1" dur="indefinite" restart="never" nodeType="tmRoot">
+          <p:childTnLst>
+            <p:seq concurrent="1" nextAc="seek">
+              <p:cTn id="2" dur="indefinite" nodeType="mainSeq">
+                <p:childTnLst>
+                  <p:par>
+                    <p:cTn id="3" fill="hold">
+                      <p:stCondLst>
+                        <p:cond delay="indefinite"/>
+                      </p:stCondLst>
+                      <p:childTnLst>
+                        <p:par>
+                          <p:cTn id="4" fill="hold">
+                            <p:stCondLst>
+                              <p:cond delay="0"/>
+                            </p:stCondLst>
+                            <p:childTnLst>
+                              <p:par>
+                                <p:cTn id="5" presetID="1" presetClass="entr" presetSubtype="0" fill="hold" nodeType="clickEffect">
+                                  <p:stCondLst>
+                                    <p:cond delay="0"/>
+                                  </p:stCondLst>
+                                  <p:childTnLst>
+                                    <p:set>
+                                      <p:cBhvr>
+                                        <p:cTn id="6" dur="1" fill="hold">
+                                          <p:stCondLst>
+                                            <p:cond delay="0"/>
+                                          </p:stCondLst>
+                                        </p:cTn>
+                                        <p:tgtEl>
+                                          <p:spTgt spid="2"/>
+                                        </p:tgtEl>
+                                        <p:attrNameLst>
+                                          <p:attrName>style.visibility</p:attrName>
+                                        </p:attrNameLst>
+                                      </p:cBhvr>
+                                      <p:to>
+                                        <p:strVal val="visible"/>
+                                      </p:to>
+                                    </p:set>
+                                  </p:childTnLst>
+                                </p:cTn>
+                              </p:par>
+                            </p:childTnLst>
+                          </p:cTn>
+                        </p:par>
+                      </p:childTnLst>
+                    </p:cTn>
+                  </p:par>
+                </p:childTnLst>
+              </p:cTn>
+              <p:prevCondLst>
+                <p:cond evt="onPrev" delay="0">
+                  <p:tgtEl>
+                    <p:sldTgt/>
+                  </p:tgtEl>
+                </p:cond>
+              </p:prevCondLst>
+              <p:nextCondLst>
+                <p:cond evt="onNext" delay="0">
+                  <p:tgtEl>
+                    <p:sldTgt/>
+                  </p:tgtEl>
+                </p:cond>
+              </p:nextCondLst>
+            </p:seq>
+          </p:childTnLst>
+        </p:cTn>
+      </p:par>
+    </p:tnLst>
+  </p:timing>
 </p:sld>
 </file>
 

--- a/IntroToscRNASeq_Background.pptx
+++ b/IntroToscRNASeq_Background.pptx
@@ -5,37 +5,44 @@
     <p:sldMasterId id="2147483648" r:id="rId1"/>
   </p:sldMasterIdLst>
   <p:notesMasterIdLst>
-    <p:notesMasterId r:id="rId30"/>
+    <p:notesMasterId r:id="rId37"/>
   </p:notesMasterIdLst>
   <p:sldIdLst>
     <p:sldId id="256" r:id="rId2"/>
     <p:sldId id="263" r:id="rId3"/>
-    <p:sldId id="266" r:id="rId4"/>
-    <p:sldId id="262" r:id="rId5"/>
-    <p:sldId id="257" r:id="rId6"/>
-    <p:sldId id="259" r:id="rId7"/>
-    <p:sldId id="260" r:id="rId8"/>
-    <p:sldId id="258" r:id="rId9"/>
-    <p:sldId id="267" r:id="rId10"/>
-    <p:sldId id="268" r:id="rId11"/>
-    <p:sldId id="278" r:id="rId12"/>
-    <p:sldId id="277" r:id="rId13"/>
-    <p:sldId id="279" r:id="rId14"/>
-    <p:sldId id="261" r:id="rId15"/>
-    <p:sldId id="264" r:id="rId16"/>
-    <p:sldId id="265" r:id="rId17"/>
-    <p:sldId id="269" r:id="rId18"/>
-    <p:sldId id="270" r:id="rId19"/>
-    <p:sldId id="272" r:id="rId20"/>
-    <p:sldId id="271" r:id="rId21"/>
-    <p:sldId id="273" r:id="rId22"/>
-    <p:sldId id="274" r:id="rId23"/>
-    <p:sldId id="275" r:id="rId24"/>
-    <p:sldId id="276" r:id="rId25"/>
-    <p:sldId id="280" r:id="rId26"/>
-    <p:sldId id="281" r:id="rId27"/>
-    <p:sldId id="282" r:id="rId28"/>
-    <p:sldId id="283" r:id="rId29"/>
+    <p:sldId id="262" r:id="rId4"/>
+    <p:sldId id="257" r:id="rId5"/>
+    <p:sldId id="286" r:id="rId6"/>
+    <p:sldId id="287" r:id="rId7"/>
+    <p:sldId id="259" r:id="rId8"/>
+    <p:sldId id="260" r:id="rId9"/>
+    <p:sldId id="258" r:id="rId10"/>
+    <p:sldId id="267" r:id="rId11"/>
+    <p:sldId id="284" r:id="rId12"/>
+    <p:sldId id="268" r:id="rId13"/>
+    <p:sldId id="278" r:id="rId14"/>
+    <p:sldId id="277" r:id="rId15"/>
+    <p:sldId id="288" r:id="rId16"/>
+    <p:sldId id="279" r:id="rId17"/>
+    <p:sldId id="289" r:id="rId18"/>
+    <p:sldId id="261" r:id="rId19"/>
+    <p:sldId id="264" r:id="rId20"/>
+    <p:sldId id="265" r:id="rId21"/>
+    <p:sldId id="269" r:id="rId22"/>
+    <p:sldId id="270" r:id="rId23"/>
+    <p:sldId id="272" r:id="rId24"/>
+    <p:sldId id="271" r:id="rId25"/>
+    <p:sldId id="273" r:id="rId26"/>
+    <p:sldId id="274" r:id="rId27"/>
+    <p:sldId id="275" r:id="rId28"/>
+    <p:sldId id="276" r:id="rId29"/>
+    <p:sldId id="280" r:id="rId30"/>
+    <p:sldId id="281" r:id="rId31"/>
+    <p:sldId id="282" r:id="rId32"/>
+    <p:sldId id="283" r:id="rId33"/>
+    <p:sldId id="285" r:id="rId34"/>
+    <p:sldId id="290" r:id="rId35"/>
+    <p:sldId id="291" r:id="rId36"/>
   </p:sldIdLst>
   <p:sldSz cx="12192000" cy="6858000"/>
   <p:notesSz cx="6858000" cy="9144000"/>
@@ -224,7 +231,7 @@
           <a:p>
             <a:fld id="{5140A87A-4B1A-6642-BD6F-FDE59003FC4E}" type="datetimeFigureOut">
               <a:rPr lang="en-US" smtClean="0"/>
-              <a:t>8/1/18</a:t>
+              <a:t>8/7/18</a:t>
             </a:fld>
             <a:endParaRPr lang="en-US"/>
           </a:p>
@@ -535,18 +542,7 @@
           <a:bodyPr/>
           <a:lstStyle/>
           <a:p>
-            <a:r>
-              <a:rPr lang="en-US" dirty="0"/>
-              <a:t>Normalizing between cell /sample effects perhaps most important, as within cell corrections for GC content, </a:t>
-            </a:r>
-            <a:r>
-              <a:rPr lang="en-US" dirty="0" err="1"/>
-              <a:t>etc</a:t>
-            </a:r>
-            <a:r>
-              <a:rPr lang="en-US" dirty="0"/>
-              <a:t> more straightforward???</a:t>
-            </a:r>
+            <a:endParaRPr lang="en-US" dirty="0"/>
           </a:p>
         </p:txBody>
       </p:sp>
@@ -567,7 +563,7 @@
           <a:p>
             <a:fld id="{6E652084-0313-0548-B238-BED4EADA892D}" type="slidenum">
               <a:rPr lang="en-US" smtClean="0"/>
-              <a:t>25</a:t>
+              <a:t>1</a:t>
             </a:fld>
             <a:endParaRPr lang="en-US"/>
           </a:p>
@@ -576,7 +572,7 @@
     </p:spTree>
     <p:extLst>
       <p:ext uri="{BB962C8B-B14F-4D97-AF65-F5344CB8AC3E}">
-        <p14:creationId xmlns:p14="http://schemas.microsoft.com/office/powerpoint/2010/main" val="2052428926"/>
+        <p14:creationId xmlns:p14="http://schemas.microsoft.com/office/powerpoint/2010/main" val="1104450954"/>
       </p:ext>
     </p:extLst>
   </p:cSld>
@@ -631,20 +627,16 @@
           <a:lstStyle/>
           <a:p>
             <a:r>
+              <a:rPr lang="en-US" dirty="0"/>
+              <a:t>Normalizing between cell /sample effects perhaps most important, as within cell corrections for GC content, </a:t>
+            </a:r>
+            <a:r>
               <a:rPr lang="en-US" dirty="0" err="1"/>
-              <a:t>DESeq</a:t>
+              <a:t>etc</a:t>
             </a:r>
             <a:r>
               <a:rPr lang="en-US" dirty="0"/>
-              <a:t> doesn’t deal with zero inflation well as constructs a </a:t>
-            </a:r>
-            <a:r>
-              <a:rPr lang="en-US" dirty="0" err="1"/>
-              <a:t>pseudoreference</a:t>
-            </a:r>
-            <a:r>
-              <a:rPr lang="en-US" dirty="0"/>
-              <a:t> sample based upon geometric mean of genes across cells ---problem because geometric mean is based on many zeroes</a:t>
+              <a:t> more straightforward???</a:t>
             </a:r>
           </a:p>
         </p:txBody>
@@ -666,7 +658,7 @@
           <a:p>
             <a:fld id="{6E652084-0313-0548-B238-BED4EADA892D}" type="slidenum">
               <a:rPr lang="en-US" smtClean="0"/>
-              <a:t>26</a:t>
+              <a:t>29</a:t>
             </a:fld>
             <a:endParaRPr lang="en-US"/>
           </a:p>
@@ -675,7 +667,7 @@
     </p:spTree>
     <p:extLst>
       <p:ext uri="{BB962C8B-B14F-4D97-AF65-F5344CB8AC3E}">
-        <p14:creationId xmlns:p14="http://schemas.microsoft.com/office/powerpoint/2010/main" val="2392770584"/>
+        <p14:creationId xmlns:p14="http://schemas.microsoft.com/office/powerpoint/2010/main" val="2052428926"/>
       </p:ext>
     </p:extLst>
   </p:cSld>
@@ -765,7 +757,7 @@
           <a:p>
             <a:fld id="{6E652084-0313-0548-B238-BED4EADA892D}" type="slidenum">
               <a:rPr lang="en-US" smtClean="0"/>
-              <a:t>27</a:t>
+              <a:t>30</a:t>
             </a:fld>
             <a:endParaRPr lang="en-US"/>
           </a:p>
@@ -774,7 +766,7 @@
     </p:spTree>
     <p:extLst>
       <p:ext uri="{BB962C8B-B14F-4D97-AF65-F5344CB8AC3E}">
-        <p14:creationId xmlns:p14="http://schemas.microsoft.com/office/powerpoint/2010/main" val="3477920098"/>
+        <p14:creationId xmlns:p14="http://schemas.microsoft.com/office/powerpoint/2010/main" val="2392770584"/>
       </p:ext>
     </p:extLst>
   </p:cSld>
@@ -864,7 +856,106 @@
           <a:p>
             <a:fld id="{6E652084-0313-0548-B238-BED4EADA892D}" type="slidenum">
               <a:rPr lang="en-US" smtClean="0"/>
-              <a:t>28</a:t>
+              <a:t>31</a:t>
+            </a:fld>
+            <a:endParaRPr lang="en-US"/>
+          </a:p>
+        </p:txBody>
+      </p:sp>
+    </p:spTree>
+    <p:extLst>
+      <p:ext uri="{BB962C8B-B14F-4D97-AF65-F5344CB8AC3E}">
+        <p14:creationId xmlns:p14="http://schemas.microsoft.com/office/powerpoint/2010/main" val="3477920098"/>
+      </p:ext>
+    </p:extLst>
+  </p:cSld>
+  <p:clrMapOvr>
+    <a:masterClrMapping/>
+  </p:clrMapOvr>
+</p:notes>
+</file>
+
+<file path=ppt/notesSlides/notesSlide5.xml><?xml version="1.0" encoding="utf-8"?>
+<p:notes xmlns:a="http://schemas.openxmlformats.org/drawingml/2006/main" xmlns:r="http://schemas.openxmlformats.org/officeDocument/2006/relationships" xmlns:p="http://schemas.openxmlformats.org/presentationml/2006/main">
+  <p:cSld>
+    <p:spTree>
+      <p:nvGrpSpPr>
+        <p:cNvPr id="1" name=""/>
+        <p:cNvGrpSpPr/>
+        <p:nvPr/>
+      </p:nvGrpSpPr>
+      <p:grpSpPr>
+        <a:xfrm>
+          <a:off x="0" y="0"/>
+          <a:ext cx="0" cy="0"/>
+          <a:chOff x="0" y="0"/>
+          <a:chExt cx="0" cy="0"/>
+        </a:xfrm>
+      </p:grpSpPr>
+      <p:sp>
+        <p:nvSpPr>
+          <p:cNvPr id="2" name="Slide Image Placeholder 1"/>
+          <p:cNvSpPr>
+            <a:spLocks noGrp="1" noRot="1" noChangeAspect="1"/>
+          </p:cNvSpPr>
+          <p:nvPr>
+            <p:ph type="sldImg"/>
+          </p:nvPr>
+        </p:nvSpPr>
+        <p:spPr/>
+      </p:sp>
+      <p:sp>
+        <p:nvSpPr>
+          <p:cNvPr id="3" name="Notes Placeholder 2"/>
+          <p:cNvSpPr>
+            <a:spLocks noGrp="1"/>
+          </p:cNvSpPr>
+          <p:nvPr>
+            <p:ph type="body" idx="1"/>
+          </p:nvPr>
+        </p:nvSpPr>
+        <p:spPr/>
+        <p:txBody>
+          <a:bodyPr/>
+          <a:lstStyle/>
+          <a:p>
+            <a:r>
+              <a:rPr lang="en-US" dirty="0" err="1"/>
+              <a:t>DESeq</a:t>
+            </a:r>
+            <a:r>
+              <a:rPr lang="en-US" dirty="0"/>
+              <a:t> doesn’t deal with zero inflation well as constructs a </a:t>
+            </a:r>
+            <a:r>
+              <a:rPr lang="en-US" dirty="0" err="1"/>
+              <a:t>pseudoreference</a:t>
+            </a:r>
+            <a:r>
+              <a:rPr lang="en-US" dirty="0"/>
+              <a:t> sample based upon geometric mean of genes across cells ---problem because geometric mean is based on many zeroes</a:t>
+            </a:r>
+          </a:p>
+        </p:txBody>
+      </p:sp>
+      <p:sp>
+        <p:nvSpPr>
+          <p:cNvPr id="4" name="Slide Number Placeholder 3"/>
+          <p:cNvSpPr>
+            <a:spLocks noGrp="1"/>
+          </p:cNvSpPr>
+          <p:nvPr>
+            <p:ph type="sldNum" sz="quarter" idx="10"/>
+          </p:nvPr>
+        </p:nvSpPr>
+        <p:spPr/>
+        <p:txBody>
+          <a:bodyPr/>
+          <a:lstStyle/>
+          <a:p>
+            <a:fld id="{6E652084-0313-0548-B238-BED4EADA892D}" type="slidenum">
+              <a:rPr lang="en-US" smtClean="0"/>
+              <a:t>32</a:t>
             </a:fld>
             <a:endParaRPr lang="en-US"/>
           </a:p>
@@ -1030,7 +1121,7 @@
           <a:p>
             <a:fld id="{7987AD7C-CA39-0947-A314-ACB8A37E2D1D}" type="datetimeFigureOut">
               <a:rPr lang="en-US" smtClean="0"/>
-              <a:t>8/1/18</a:t>
+              <a:t>8/7/18</a:t>
             </a:fld>
             <a:endParaRPr lang="en-US"/>
           </a:p>
@@ -1228,7 +1319,7 @@
           <a:p>
             <a:fld id="{7987AD7C-CA39-0947-A314-ACB8A37E2D1D}" type="datetimeFigureOut">
               <a:rPr lang="en-US" smtClean="0"/>
-              <a:t>8/1/18</a:t>
+              <a:t>8/7/18</a:t>
             </a:fld>
             <a:endParaRPr lang="en-US"/>
           </a:p>
@@ -1436,7 +1527,7 @@
           <a:p>
             <a:fld id="{7987AD7C-CA39-0947-A314-ACB8A37E2D1D}" type="datetimeFigureOut">
               <a:rPr lang="en-US" smtClean="0"/>
-              <a:t>8/1/18</a:t>
+              <a:t>8/7/18</a:t>
             </a:fld>
             <a:endParaRPr lang="en-US"/>
           </a:p>
@@ -1634,7 +1725,7 @@
           <a:p>
             <a:fld id="{7987AD7C-CA39-0947-A314-ACB8A37E2D1D}" type="datetimeFigureOut">
               <a:rPr lang="en-US" smtClean="0"/>
-              <a:t>8/1/18</a:t>
+              <a:t>8/7/18</a:t>
             </a:fld>
             <a:endParaRPr lang="en-US"/>
           </a:p>
@@ -1909,7 +2000,7 @@
           <a:p>
             <a:fld id="{7987AD7C-CA39-0947-A314-ACB8A37E2D1D}" type="datetimeFigureOut">
               <a:rPr lang="en-US" smtClean="0"/>
-              <a:t>8/1/18</a:t>
+              <a:t>8/7/18</a:t>
             </a:fld>
             <a:endParaRPr lang="en-US"/>
           </a:p>
@@ -2174,7 +2265,7 @@
           <a:p>
             <a:fld id="{7987AD7C-CA39-0947-A314-ACB8A37E2D1D}" type="datetimeFigureOut">
               <a:rPr lang="en-US" smtClean="0"/>
-              <a:t>8/1/18</a:t>
+              <a:t>8/7/18</a:t>
             </a:fld>
             <a:endParaRPr lang="en-US"/>
           </a:p>
@@ -2586,7 +2677,7 @@
           <a:p>
             <a:fld id="{7987AD7C-CA39-0947-A314-ACB8A37E2D1D}" type="datetimeFigureOut">
               <a:rPr lang="en-US" smtClean="0"/>
-              <a:t>8/1/18</a:t>
+              <a:t>8/7/18</a:t>
             </a:fld>
             <a:endParaRPr lang="en-US"/>
           </a:p>
@@ -2727,7 +2818,7 @@
           <a:p>
             <a:fld id="{7987AD7C-CA39-0947-A314-ACB8A37E2D1D}" type="datetimeFigureOut">
               <a:rPr lang="en-US" smtClean="0"/>
-              <a:t>8/1/18</a:t>
+              <a:t>8/7/18</a:t>
             </a:fld>
             <a:endParaRPr lang="en-US"/>
           </a:p>
@@ -2840,7 +2931,7 @@
           <a:p>
             <a:fld id="{7987AD7C-CA39-0947-A314-ACB8A37E2D1D}" type="datetimeFigureOut">
               <a:rPr lang="en-US" smtClean="0"/>
-              <a:t>8/1/18</a:t>
+              <a:t>8/7/18</a:t>
             </a:fld>
             <a:endParaRPr lang="en-US"/>
           </a:p>
@@ -3151,7 +3242,7 @@
           <a:p>
             <a:fld id="{7987AD7C-CA39-0947-A314-ACB8A37E2D1D}" type="datetimeFigureOut">
               <a:rPr lang="en-US" smtClean="0"/>
-              <a:t>8/1/18</a:t>
+              <a:t>8/7/18</a:t>
             </a:fld>
             <a:endParaRPr lang="en-US"/>
           </a:p>
@@ -3439,7 +3530,7 @@
           <a:p>
             <a:fld id="{7987AD7C-CA39-0947-A314-ACB8A37E2D1D}" type="datetimeFigureOut">
               <a:rPr lang="en-US" smtClean="0"/>
-              <a:t>8/1/18</a:t>
+              <a:t>8/7/18</a:t>
             </a:fld>
             <a:endParaRPr lang="en-US"/>
           </a:p>
@@ -3680,7 +3771,7 @@
           <a:p>
             <a:fld id="{7987AD7C-CA39-0947-A314-ACB8A37E2D1D}" type="datetimeFigureOut">
               <a:rPr lang="en-US" smtClean="0"/>
-              <a:t>8/1/18</a:t>
+              <a:t>8/7/18</a:t>
             </a:fld>
             <a:endParaRPr lang="en-US"/>
           </a:p>
@@ -4182,8 +4273,19 @@
                 <a:latin typeface="Helvetica Neue Light"/>
                 <a:cs typeface="Helvetica Neue Light"/>
               </a:rPr>
-              <a:t>Adam H. Freedman</a:t>
-            </a:r>
+              <a:t>Adam H. Freedman and Yasin </a:t>
+            </a:r>
+            <a:r>
+              <a:rPr lang="en-US" sz="2800" dirty="0" err="1">
+                <a:latin typeface="Helvetica Neue Light"/>
+                <a:cs typeface="Helvetica Neue Light"/>
+              </a:rPr>
+              <a:t>Kamaz</a:t>
+            </a:r>
+            <a:endParaRPr lang="en-US" sz="2800" dirty="0">
+              <a:latin typeface="Helvetica Neue Light"/>
+              <a:cs typeface="Helvetica Neue Light"/>
+            </a:endParaRPr>
           </a:p>
           <a:p>
             <a:r>
@@ -4211,7 +4313,7 @@
           <p:nvPr/>
         </p:nvPicPr>
         <p:blipFill>
-          <a:blip r:embed="rId2">
+          <a:blip r:embed="rId3">
             <a:extLst>
               <a:ext uri="{28A0092B-C50C-407E-A947-70E740481C1C}">
                 <a14:useLocalDpi xmlns:a14="http://schemas.microsoft.com/office/drawing/2010/main" val="0"/>
@@ -4247,7 +4349,7 @@
           <p:nvPr/>
         </p:nvPicPr>
         <p:blipFill>
-          <a:blip r:embed="rId3">
+          <a:blip r:embed="rId4">
             <a:extLst>
               <a:ext uri="{28A0092B-C50C-407E-A947-70E740481C1C}">
                 <a14:useLocalDpi xmlns:a14="http://schemas.microsoft.com/office/drawing/2010/main" val="0"/>
@@ -4326,7 +4428,7 @@
           <a:p>
             <a:r>
               <a:rPr lang="en-US" dirty="0"/>
-              <a:t>Typical applications of approaches </a:t>
+              <a:t>Two broad classes of experimental approaches</a:t>
             </a:r>
           </a:p>
         </p:txBody>
@@ -4391,13 +4493,13 @@
         </p:nvSpPr>
         <p:spPr>
           <a:xfrm>
-            <a:off x="838200" y="2077873"/>
-            <a:ext cx="10640786" cy="3009133"/>
+            <a:off x="838200" y="1699501"/>
+            <a:ext cx="10640786" cy="4351338"/>
           </a:xfrm>
         </p:spPr>
         <p:txBody>
           <a:bodyPr>
-            <a:normAutofit/>
+            <a:normAutofit fontScale="92500" lnSpcReduction="10000"/>
           </a:bodyPr>
           <a:lstStyle/>
           <a:p>
@@ -4416,7 +4518,77 @@
                 <a:latin typeface="Helvetica Neue Light" panose="02000403000000020004" pitchFamily="2" charset="0"/>
                 <a:ea typeface="Helvetica Neue Light" panose="02000403000000020004" pitchFamily="2" charset="0"/>
               </a:rPr>
-              <a:t>Isoform and gene-level expression analyses</a:t>
+              <a:t>paired end sequencing of fragment</a:t>
+            </a:r>
+          </a:p>
+          <a:p>
+            <a:pPr lvl="1"/>
+            <a:r>
+              <a:rPr lang="en-US" dirty="0">
+                <a:latin typeface="Helvetica Neue Light" panose="02000403000000020004" pitchFamily="2" charset="0"/>
+                <a:ea typeface="Helvetica Neue Light" panose="02000403000000020004" pitchFamily="2" charset="0"/>
+              </a:rPr>
+              <a:t>whole transcript coverage</a:t>
+            </a:r>
+          </a:p>
+          <a:p>
+            <a:pPr lvl="1"/>
+            <a:r>
+              <a:rPr lang="en-US" dirty="0">
+                <a:latin typeface="Helvetica Neue Light" panose="02000403000000020004" pitchFamily="2" charset="0"/>
+                <a:ea typeface="Helvetica Neue Light" panose="02000403000000020004" pitchFamily="2" charset="0"/>
+              </a:rPr>
+              <a:t>typically small # of cells</a:t>
+            </a:r>
+          </a:p>
+          <a:p>
+            <a:pPr lvl="1"/>
+            <a:r>
+              <a:rPr lang="en-US" dirty="0">
+                <a:latin typeface="Helvetica Neue Light" panose="02000403000000020004" pitchFamily="2" charset="0"/>
+                <a:ea typeface="Helvetica Neue Light" panose="02000403000000020004" pitchFamily="2" charset="0"/>
+              </a:rPr>
+              <a:t>@ Bauer Core: SMART-</a:t>
+            </a:r>
+            <a:r>
+              <a:rPr lang="en-US" dirty="0" err="1">
+                <a:latin typeface="Helvetica Neue Light" panose="02000403000000020004" pitchFamily="2" charset="0"/>
+                <a:ea typeface="Helvetica Neue Light" panose="02000403000000020004" pitchFamily="2" charset="0"/>
+              </a:rPr>
+              <a:t>seq</a:t>
+            </a:r>
+            <a:endParaRPr lang="en-US" dirty="0">
+              <a:latin typeface="Helvetica Neue Light" panose="02000403000000020004" pitchFamily="2" charset="0"/>
+              <a:ea typeface="Helvetica Neue Light" panose="02000403000000020004" pitchFamily="2" charset="0"/>
+            </a:endParaRPr>
+          </a:p>
+          <a:p>
+            <a:r>
+              <a:rPr lang="en-US" dirty="0">
+                <a:latin typeface="Helvetica Neue Light" panose="02000403000000020004" pitchFamily="2" charset="0"/>
+                <a:ea typeface="Helvetica Neue Light" panose="02000403000000020004" pitchFamily="2" charset="0"/>
+              </a:rPr>
+              <a:t>Tag-based</a:t>
+            </a:r>
+          </a:p>
+          <a:p>
+            <a:pPr lvl="1"/>
+            <a:r>
+              <a:rPr lang="en-US" dirty="0">
+                <a:latin typeface="Helvetica Neue Light" panose="02000403000000020004" pitchFamily="2" charset="0"/>
+                <a:ea typeface="Helvetica Neue Light" panose="02000403000000020004" pitchFamily="2" charset="0"/>
+              </a:rPr>
+              <a:t>Paired end library, but only 1 read is fragment sequence</a:t>
+            </a:r>
+          </a:p>
+          <a:p>
+            <a:pPr lvl="1"/>
+            <a:r>
+              <a:rPr lang="en-US" dirty="0">
+                <a:latin typeface="Helvetica Neue Light" panose="02000403000000020004" pitchFamily="2" charset="0"/>
+                <a:ea typeface="Helvetica Neue Light" panose="02000403000000020004" pitchFamily="2" charset="0"/>
+              </a:rPr>
+              <a:t>Other contains well/cell barcode and Unique Molecular Identifier (UMI)</a:t>
             </a:r>
           </a:p>
           <a:p>
@@ -4426,7 +4598,17 @@
                 <a:latin typeface="Helvetica Neue Light" panose="02000403000000020004" pitchFamily="2" charset="0"/>
                 <a:ea typeface="Helvetica Neue Light" panose="02000403000000020004" pitchFamily="2" charset="0"/>
               </a:rPr>
-              <a:t>Former much more noisy unless sequence to very high depth</a:t>
+              <a:t>UMI tags a single RNA molecule</a:t>
+            </a:r>
+          </a:p>
+          <a:p>
+            <a:pPr lvl="2"/>
+            <a:r>
+              <a:rPr lang="en-US" dirty="0">
+                <a:latin typeface="Helvetica Neue Light" panose="02000403000000020004" pitchFamily="2" charset="0"/>
+                <a:ea typeface="Helvetica Neue Light" panose="02000403000000020004" pitchFamily="2" charset="0"/>
+              </a:rPr>
+              <a:t>RNA counts are obtained by collapsing on UMIs</a:t>
             </a:r>
           </a:p>
           <a:p>
@@ -4436,44 +4618,90 @@
                 <a:latin typeface="Helvetica Neue Light" panose="02000403000000020004" pitchFamily="2" charset="0"/>
                 <a:ea typeface="Helvetica Neue Light" panose="02000403000000020004" pitchFamily="2" charset="0"/>
               </a:rPr>
-              <a:t>Alternative splicing</a:t>
-            </a:r>
-          </a:p>
-          <a:p>
+              <a:t>thousands of cells</a:t>
+            </a:r>
+          </a:p>
+          <a:p>
+            <a:pPr lvl="1"/>
             <a:r>
               <a:rPr lang="en-US" dirty="0">
                 <a:latin typeface="Helvetica Neue Light" panose="02000403000000020004" pitchFamily="2" charset="0"/>
                 <a:ea typeface="Helvetica Neue Light" panose="02000403000000020004" pitchFamily="2" charset="0"/>
               </a:rPr>
-              <a:t>Tag-based</a:t>
+              <a:t>@ Bauer core: 10x</a:t>
             </a:r>
           </a:p>
           <a:p>
             <a:pPr lvl="1"/>
-            <a:r>
-              <a:rPr lang="en-US" dirty="0">
-                <a:latin typeface="Helvetica Neue Light" panose="02000403000000020004" pitchFamily="2" charset="0"/>
-                <a:ea typeface="Helvetica Neue Light" panose="02000403000000020004" pitchFamily="2" charset="0"/>
-              </a:rPr>
-              <a:t>Gene-level expression analyses</a:t>
-            </a:r>
-          </a:p>
-          <a:p>
-            <a:pPr lvl="2"/>
-            <a:r>
-              <a:rPr lang="en-US" dirty="0">
-                <a:latin typeface="Helvetica Neue Light" panose="02000403000000020004" pitchFamily="2" charset="0"/>
-                <a:ea typeface="Helvetica Neue Light" panose="02000403000000020004" pitchFamily="2" charset="0"/>
-              </a:rPr>
-              <a:t>Since only capture one end (typically 3’), you can’t detect isoform variations</a:t>
-            </a:r>
+            <a:endParaRPr lang="en-US" dirty="0">
+              <a:latin typeface="Helvetica Neue Light" panose="02000403000000020004" pitchFamily="2" charset="0"/>
+              <a:ea typeface="Helvetica Neue Light" panose="02000403000000020004" pitchFamily="2" charset="0"/>
+            </a:endParaRPr>
           </a:p>
         </p:txBody>
       </p:sp>
+      <p:pic>
+        <p:nvPicPr>
+          <p:cNvPr id="6" name="Picture 5">
+            <a:extLst>
+              <a:ext uri="{FF2B5EF4-FFF2-40B4-BE49-F238E27FC236}">
+                <a16:creationId xmlns:a16="http://schemas.microsoft.com/office/drawing/2014/main" id="{D6FA399B-5C7A-A746-9FE0-E662ADB80369}"/>
+              </a:ext>
+            </a:extLst>
+          </p:cNvPr>
+          <p:cNvPicPr>
+            <a:picLocks noChangeAspect="1"/>
+          </p:cNvPicPr>
+          <p:nvPr/>
+        </p:nvPicPr>
+        <p:blipFill rotWithShape="1">
+          <a:blip r:embed="rId2"/>
+          <a:srcRect l="71825" r="-156"/>
+          <a:stretch/>
+        </p:blipFill>
+        <p:spPr>
+          <a:xfrm>
+            <a:off x="7954229" y="2028935"/>
+            <a:ext cx="2651760" cy="1244600"/>
+          </a:xfrm>
+          <a:prstGeom prst="rect">
+            <a:avLst/>
+          </a:prstGeom>
+        </p:spPr>
+      </p:pic>
+      <p:pic>
+        <p:nvPicPr>
+          <p:cNvPr id="8" name="Picture 7">
+            <a:extLst>
+              <a:ext uri="{FF2B5EF4-FFF2-40B4-BE49-F238E27FC236}">
+                <a16:creationId xmlns:a16="http://schemas.microsoft.com/office/drawing/2014/main" id="{8A309BC3-2B11-B14B-A59A-3711A98BD327}"/>
+              </a:ext>
+            </a:extLst>
+          </p:cNvPr>
+          <p:cNvPicPr>
+            <a:picLocks noChangeAspect="1"/>
+          </p:cNvPicPr>
+          <p:nvPr/>
+        </p:nvPicPr>
+        <p:blipFill rotWithShape="1">
+          <a:blip r:embed="rId2"/>
+          <a:srcRect l="8324" r="59439"/>
+          <a:stretch/>
+        </p:blipFill>
+        <p:spPr>
+          <a:xfrm>
+            <a:off x="7954229" y="5281395"/>
+            <a:ext cx="3017520" cy="1244600"/>
+          </a:xfrm>
+          <a:prstGeom prst="rect">
+            <a:avLst/>
+          </a:prstGeom>
+        </p:spPr>
+      </p:pic>
     </p:spTree>
     <p:extLst>
       <p:ext uri="{BB962C8B-B14F-4D97-AF65-F5344CB8AC3E}">
-        <p14:creationId xmlns:p14="http://schemas.microsoft.com/office/powerpoint/2010/main" val="3758335799"/>
+        <p14:creationId xmlns:p14="http://schemas.microsoft.com/office/powerpoint/2010/main" val="3076939021"/>
       </p:ext>
     </p:extLst>
   </p:cSld>
@@ -4502,10 +4730,10 @@
       </p:grpSpPr>
       <p:sp>
         <p:nvSpPr>
-          <p:cNvPr id="3" name="Title 2">
-            <a:extLst>
-              <a:ext uri="{FF2B5EF4-FFF2-40B4-BE49-F238E27FC236}">
-                <a16:creationId xmlns:a16="http://schemas.microsoft.com/office/drawing/2014/main" id="{24343E03-A292-474F-B337-C909646B8FF1}"/>
+          <p:cNvPr id="4" name="Title 1">
+            <a:extLst>
+              <a:ext uri="{FF2B5EF4-FFF2-40B4-BE49-F238E27FC236}">
+                <a16:creationId xmlns:a16="http://schemas.microsoft.com/office/drawing/2014/main" id="{8E78658E-9087-214F-84AF-33F023194D43}"/>
               </a:ext>
             </a:extLst>
           </p:cNvPr>
@@ -4518,28 +4746,245 @@
         </p:nvSpPr>
         <p:spPr>
           <a:xfrm>
-            <a:off x="838200" y="2704564"/>
-            <a:ext cx="10515600" cy="1325563"/>
+            <a:off x="262467" y="365125"/>
+            <a:ext cx="11634788" cy="1325563"/>
           </a:xfrm>
         </p:spPr>
         <p:txBody>
           <a:bodyPr/>
           <a:lstStyle/>
           <a:p>
-            <a:pPr algn="ctr"/>
-            <a:r>
-              <a:rPr lang="en-US" dirty="0" err="1">
-                <a:latin typeface="Helvetica Neue Light" panose="02000403000000020004" pitchFamily="2" charset="0"/>
-                <a:ea typeface="Helvetica Neue Light" panose="02000403000000020004" pitchFamily="2" charset="0"/>
-              </a:rPr>
-              <a:t>scRNA-seq</a:t>
-            </a:r>
+            <a:r>
+              <a:rPr lang="en-US" dirty="0"/>
+              <a:t>What are UMIs and why should we care?</a:t>
+            </a:r>
+          </a:p>
+        </p:txBody>
+      </p:sp>
+      <p:cxnSp>
+        <p:nvCxnSpPr>
+          <p:cNvPr id="5" name="Straight Connector 4">
+            <a:extLst>
+              <a:ext uri="{FF2B5EF4-FFF2-40B4-BE49-F238E27FC236}">
+                <a16:creationId xmlns:a16="http://schemas.microsoft.com/office/drawing/2014/main" id="{97A6922C-54C3-694F-9492-EAC388C3E954}"/>
+              </a:ext>
+            </a:extLst>
+          </p:cNvPr>
+          <p:cNvCxnSpPr/>
+          <p:nvPr/>
+        </p:nvCxnSpPr>
+        <p:spPr>
+          <a:xfrm>
+            <a:off x="262467" y="1417638"/>
+            <a:ext cx="11216519" cy="0"/>
+          </a:xfrm>
+          <a:prstGeom prst="line">
+            <a:avLst/>
+          </a:prstGeom>
+          <a:ln w="19050">
+            <a:solidFill>
+              <a:schemeClr val="tx1"/>
+            </a:solidFill>
+          </a:ln>
+          <a:effectLst/>
+        </p:spPr>
+        <p:style>
+          <a:lnRef idx="2">
+            <a:schemeClr val="accent1"/>
+          </a:lnRef>
+          <a:fillRef idx="0">
+            <a:schemeClr val="accent1"/>
+          </a:fillRef>
+          <a:effectRef idx="1">
+            <a:schemeClr val="accent1"/>
+          </a:effectRef>
+          <a:fontRef idx="minor">
+            <a:schemeClr val="tx1"/>
+          </a:fontRef>
+        </p:style>
+      </p:cxnSp>
+      <p:sp>
+        <p:nvSpPr>
+          <p:cNvPr id="16" name="Content Placeholder 7">
+            <a:extLst>
+              <a:ext uri="{FF2B5EF4-FFF2-40B4-BE49-F238E27FC236}">
+                <a16:creationId xmlns:a16="http://schemas.microsoft.com/office/drawing/2014/main" id="{CBE7B0D9-C17B-7A49-B050-84F4FF4B1648}"/>
+              </a:ext>
+            </a:extLst>
+          </p:cNvPr>
+          <p:cNvSpPr>
+            <a:spLocks noGrp="1"/>
+          </p:cNvSpPr>
+          <p:nvPr>
+            <p:ph sz="half" idx="1"/>
+          </p:nvPr>
+        </p:nvSpPr>
+        <p:spPr>
+          <a:xfrm>
+            <a:off x="838200" y="1699501"/>
+            <a:ext cx="6085148" cy="4351338"/>
+          </a:xfrm>
+        </p:spPr>
+        <p:txBody>
+          <a:bodyPr>
+            <a:normAutofit lnSpcReduction="10000"/>
+          </a:bodyPr>
+          <a:lstStyle/>
+          <a:p>
             <a:r>
               <a:rPr lang="en-US" dirty="0">
                 <a:latin typeface="Helvetica Neue Light" panose="02000403000000020004" pitchFamily="2" charset="0"/>
                 <a:ea typeface="Helvetica Neue Light" panose="02000403000000020004" pitchFamily="2" charset="0"/>
               </a:rPr>
-              <a:t> technical challenges</a:t>
+              <a:t>Mix of random UMIs of set length added to each well/droplet</a:t>
+            </a:r>
+          </a:p>
+          <a:p>
+            <a:pPr lvl="1"/>
+            <a:r>
+              <a:rPr lang="en-US" dirty="0">
+                <a:latin typeface="Helvetica Neue Light" panose="02000403000000020004" pitchFamily="2" charset="0"/>
+                <a:ea typeface="Helvetica Neue Light" panose="02000403000000020004" pitchFamily="2" charset="0"/>
+              </a:rPr>
+              <a:t>UMIs ligated onto individual RNA fragments</a:t>
+            </a:r>
+          </a:p>
+          <a:p>
+            <a:pPr lvl="2"/>
+            <a:r>
+              <a:rPr lang="en-US" dirty="0">
+                <a:latin typeface="Helvetica Neue Light" panose="02000403000000020004" pitchFamily="2" charset="0"/>
+                <a:ea typeface="Helvetica Neue Light" panose="02000403000000020004" pitchFamily="2" charset="0"/>
+              </a:rPr>
+              <a:t>Concentration targeted so that 1 unique UMI per molecule</a:t>
+            </a:r>
+          </a:p>
+          <a:p>
+            <a:pPr lvl="1"/>
+            <a:r>
+              <a:rPr lang="en-US" dirty="0">
+                <a:latin typeface="Helvetica Neue Light" panose="02000403000000020004" pitchFamily="2" charset="0"/>
+                <a:ea typeface="Helvetica Neue Light" panose="02000403000000020004" pitchFamily="2" charset="0"/>
+              </a:rPr>
+              <a:t>Counting is done at UMI level</a:t>
+            </a:r>
+          </a:p>
+          <a:p>
+            <a:pPr lvl="2"/>
+            <a:r>
+              <a:rPr lang="en-US" dirty="0">
+                <a:latin typeface="Helvetica Neue Light" panose="02000403000000020004" pitchFamily="2" charset="0"/>
+                <a:ea typeface="Helvetica Neue Light" panose="02000403000000020004" pitchFamily="2" charset="0"/>
+              </a:rPr>
+              <a:t>Post PCR instances of &gt; 1 UMI collapsed</a:t>
+            </a:r>
+          </a:p>
+          <a:p>
+            <a:pPr lvl="2"/>
+            <a:r>
+              <a:rPr lang="en-US" dirty="0">
+                <a:latin typeface="Helvetica Neue Light" panose="02000403000000020004" pitchFamily="2" charset="0"/>
+                <a:ea typeface="Helvetica Neue Light" panose="02000403000000020004" pitchFamily="2" charset="0"/>
+              </a:rPr>
+              <a:t>Removes PCR bias</a:t>
+            </a:r>
+          </a:p>
+          <a:p>
+            <a:r>
+              <a:rPr lang="en-US" dirty="0">
+                <a:latin typeface="Helvetica Neue Light" panose="02000403000000020004" pitchFamily="2" charset="0"/>
+                <a:ea typeface="Helvetica Neue Light" panose="02000403000000020004" pitchFamily="2" charset="0"/>
+              </a:rPr>
+              <a:t>Combined with cell/well barcodes so can trace molecules across multiplexed cell libraries</a:t>
+            </a:r>
+          </a:p>
+          <a:p>
+            <a:pPr lvl="1"/>
+            <a:endParaRPr lang="en-US" dirty="0">
+              <a:latin typeface="Helvetica Neue Light" panose="02000403000000020004" pitchFamily="2" charset="0"/>
+              <a:ea typeface="Helvetica Neue Light" panose="02000403000000020004" pitchFamily="2" charset="0"/>
+            </a:endParaRPr>
+          </a:p>
+          <a:p>
+            <a:pPr lvl="1"/>
+            <a:endParaRPr lang="en-US" dirty="0">
+              <a:latin typeface="Helvetica Neue Light" panose="02000403000000020004" pitchFamily="2" charset="0"/>
+              <a:ea typeface="Helvetica Neue Light" panose="02000403000000020004" pitchFamily="2" charset="0"/>
+            </a:endParaRPr>
+          </a:p>
+        </p:txBody>
+      </p:sp>
+      <p:pic>
+        <p:nvPicPr>
+          <p:cNvPr id="3" name="Picture 2">
+            <a:extLst>
+              <a:ext uri="{FF2B5EF4-FFF2-40B4-BE49-F238E27FC236}">
+                <a16:creationId xmlns:a16="http://schemas.microsoft.com/office/drawing/2014/main" id="{D4A01C30-33B5-C94F-B506-BB37417FEEE5}"/>
+              </a:ext>
+            </a:extLst>
+          </p:cNvPr>
+          <p:cNvPicPr>
+            <a:picLocks noChangeAspect="1"/>
+          </p:cNvPicPr>
+          <p:nvPr/>
+        </p:nvPicPr>
+        <p:blipFill>
+          <a:blip r:embed="rId2"/>
+          <a:stretch>
+            <a:fillRect/>
+          </a:stretch>
+        </p:blipFill>
+        <p:spPr>
+          <a:xfrm>
+            <a:off x="6923348" y="1482844"/>
+            <a:ext cx="3145683" cy="5133407"/>
+          </a:xfrm>
+          <a:prstGeom prst="rect">
+            <a:avLst/>
+          </a:prstGeom>
+        </p:spPr>
+      </p:pic>
+      <p:sp>
+        <p:nvSpPr>
+          <p:cNvPr id="9" name="TextBox 8">
+            <a:extLst>
+              <a:ext uri="{FF2B5EF4-FFF2-40B4-BE49-F238E27FC236}">
+                <a16:creationId xmlns:a16="http://schemas.microsoft.com/office/drawing/2014/main" id="{2DE2B961-07B5-3B4E-A88C-27D01BADB479}"/>
+              </a:ext>
+            </a:extLst>
+          </p:cNvPr>
+          <p:cNvSpPr txBox="1"/>
+          <p:nvPr/>
+        </p:nvSpPr>
+        <p:spPr>
+          <a:xfrm>
+            <a:off x="7797230" y="6450492"/>
+            <a:ext cx="2781587" cy="276999"/>
+          </a:xfrm>
+          <a:prstGeom prst="rect">
+            <a:avLst/>
+          </a:prstGeom>
+          <a:noFill/>
+        </p:spPr>
+        <p:txBody>
+          <a:bodyPr wrap="square" rtlCol="0">
+            <a:spAutoFit/>
+          </a:bodyPr>
+          <a:lstStyle/>
+          <a:p>
+            <a:r>
+              <a:rPr lang="en-US" sz="1200" dirty="0">
+                <a:latin typeface="Helvetica Neue Light" panose="02000403000000020004" pitchFamily="2" charset="0"/>
+                <a:ea typeface="Helvetica Neue Light" panose="02000403000000020004" pitchFamily="2" charset="0"/>
+              </a:rPr>
+              <a:t>Islam et al. 2014 </a:t>
+            </a:r>
+            <a:r>
+              <a:rPr lang="en-US" sz="1200" i="1" dirty="0">
+                <a:latin typeface="Helvetica Neue Light" panose="02000403000000020004" pitchFamily="2" charset="0"/>
+                <a:ea typeface="Helvetica Neue Light" panose="02000403000000020004" pitchFamily="2" charset="0"/>
+              </a:rPr>
+              <a:t>Nature Methods</a:t>
             </a:r>
           </a:p>
         </p:txBody>
@@ -4547,7 +4992,7 @@
     </p:spTree>
     <p:extLst>
       <p:ext uri="{BB962C8B-B14F-4D97-AF65-F5344CB8AC3E}">
-        <p14:creationId xmlns:p14="http://schemas.microsoft.com/office/powerpoint/2010/main" val="728217663"/>
+        <p14:creationId xmlns:p14="http://schemas.microsoft.com/office/powerpoint/2010/main" val="922736508"/>
       </p:ext>
     </p:extLst>
   </p:cSld>
@@ -4576,10 +5021,10 @@
       </p:grpSpPr>
       <p:sp>
         <p:nvSpPr>
-          <p:cNvPr id="8" name="Content Placeholder 7">
-            <a:extLst>
-              <a:ext uri="{FF2B5EF4-FFF2-40B4-BE49-F238E27FC236}">
-                <a16:creationId xmlns:a16="http://schemas.microsoft.com/office/drawing/2014/main" id="{4D9249D6-75D5-9C4A-9BF5-73D774786400}"/>
+          <p:cNvPr id="4" name="Title 1">
+            <a:extLst>
+              <a:ext uri="{FF2B5EF4-FFF2-40B4-BE49-F238E27FC236}">
+                <a16:creationId xmlns:a16="http://schemas.microsoft.com/office/drawing/2014/main" id="{8E78658E-9087-214F-84AF-33F023194D43}"/>
               </a:ext>
             </a:extLst>
           </p:cNvPr>
@@ -4587,123 +5032,23 @@
             <a:spLocks noGrp="1"/>
           </p:cNvSpPr>
           <p:nvPr>
-            <p:ph sz="half" idx="1"/>
+            <p:ph type="title"/>
           </p:nvPr>
         </p:nvSpPr>
         <p:spPr>
           <a:xfrm>
-            <a:off x="838200" y="1825625"/>
-            <a:ext cx="10640786" cy="4351338"/>
+            <a:off x="262467" y="365125"/>
+            <a:ext cx="11634788" cy="1325563"/>
           </a:xfrm>
         </p:spPr>
         <p:txBody>
-          <a:bodyPr>
-            <a:normAutofit lnSpcReduction="10000"/>
-          </a:bodyPr>
+          <a:bodyPr/>
           <a:lstStyle/>
           <a:p>
             <a:r>
-              <a:rPr lang="en-US" dirty="0">
-                <a:latin typeface="Helvetica Neue Light" panose="02000403000000020004" pitchFamily="2" charset="0"/>
-                <a:ea typeface="Helvetica Neue Light" panose="02000403000000020004" pitchFamily="2" charset="0"/>
-              </a:rPr>
-              <a:t>&gt;1 cell can wind up in a droplet/well during library construction</a:t>
-            </a:r>
-          </a:p>
-          <a:p>
-            <a:pPr lvl="1"/>
-            <a:r>
-              <a:rPr lang="en-US" dirty="0">
-                <a:latin typeface="Helvetica Neue Light" panose="02000403000000020004" pitchFamily="2" charset="0"/>
-                <a:ea typeface="Helvetica Neue Light" panose="02000403000000020004" pitchFamily="2" charset="0"/>
-              </a:rPr>
-              <a:t>Not super high frequency events, with the majority being w/ 2 cells</a:t>
-            </a:r>
-          </a:p>
-          <a:p>
-            <a:r>
-              <a:rPr lang="en-US" dirty="0">
-                <a:latin typeface="Helvetica Neue Light" panose="02000403000000020004" pitchFamily="2" charset="0"/>
-                <a:ea typeface="Helvetica Neue Light" panose="02000403000000020004" pitchFamily="2" charset="0"/>
-              </a:rPr>
-              <a:t>Unless one visually inspects wells (e.g. C1), on cannot confirm doublets</a:t>
-            </a:r>
-          </a:p>
-          <a:p>
-            <a:pPr lvl="1"/>
-            <a:r>
-              <a:rPr lang="en-US" dirty="0">
-                <a:latin typeface="Helvetica Neue Light" panose="02000403000000020004" pitchFamily="2" charset="0"/>
-                <a:ea typeface="Helvetica Neue Light" panose="02000403000000020004" pitchFamily="2" charset="0"/>
-              </a:rPr>
-              <a:t>Some data suggesting that even visual detection not 100% efficient</a:t>
-            </a:r>
-          </a:p>
-          <a:p>
-            <a:pPr lvl="1"/>
-            <a:r>
-              <a:rPr lang="en-US" dirty="0">
-                <a:latin typeface="Helvetica Neue Light" panose="02000403000000020004" pitchFamily="2" charset="0"/>
-                <a:ea typeface="Helvetica Neue Light" panose="02000403000000020004" pitchFamily="2" charset="0"/>
-              </a:rPr>
-              <a:t>Not practical for high throughput assays (e.g. 10x)</a:t>
-            </a:r>
-          </a:p>
-          <a:p>
-            <a:r>
-              <a:rPr lang="en-US" dirty="0">
-                <a:latin typeface="Helvetica Neue Light" panose="02000403000000020004" pitchFamily="2" charset="0"/>
-                <a:ea typeface="Helvetica Neue Light" panose="02000403000000020004" pitchFamily="2" charset="0"/>
-              </a:rPr>
-              <a:t>Two kinds</a:t>
-            </a:r>
-          </a:p>
-          <a:p>
-            <a:pPr lvl="1"/>
-            <a:r>
-              <a:rPr lang="en-US" dirty="0">
-                <a:latin typeface="Helvetica Neue Light" panose="02000403000000020004" pitchFamily="2" charset="0"/>
-                <a:ea typeface="Helvetica Neue Light" panose="02000403000000020004" pitchFamily="2" charset="0"/>
-              </a:rPr>
-              <a:t>Same cell type</a:t>
-            </a:r>
-          </a:p>
-          <a:p>
-            <a:pPr lvl="2"/>
-            <a:r>
-              <a:rPr lang="en-US" dirty="0">
-                <a:latin typeface="Helvetica Neue Light" panose="02000403000000020004" pitchFamily="2" charset="0"/>
-                <a:ea typeface="Helvetica Neue Light" panose="02000403000000020004" pitchFamily="2" charset="0"/>
-              </a:rPr>
-              <a:t>Not as big of an issue</a:t>
-            </a:r>
-          </a:p>
-          <a:p>
-            <a:pPr lvl="1"/>
-            <a:r>
-              <a:rPr lang="en-US" dirty="0">
-                <a:latin typeface="Helvetica Neue Light" panose="02000403000000020004" pitchFamily="2" charset="0"/>
-                <a:ea typeface="Helvetica Neue Light" panose="02000403000000020004" pitchFamily="2" charset="0"/>
-              </a:rPr>
-              <a:t>Different cell types</a:t>
-            </a:r>
-          </a:p>
-          <a:p>
-            <a:pPr lvl="2"/>
-            <a:r>
-              <a:rPr lang="en-US" dirty="0">
-                <a:latin typeface="Helvetica Neue Light" panose="02000403000000020004" pitchFamily="2" charset="0"/>
-                <a:ea typeface="Helvetica Neue Light" panose="02000403000000020004" pitchFamily="2" charset="0"/>
-              </a:rPr>
-              <a:t>novel expression patterns that may appear to be distinct cell populations</a:t>
-            </a:r>
-          </a:p>
-          <a:p>
-            <a:pPr lvl="1"/>
-            <a:endParaRPr lang="en-US" dirty="0">
-              <a:latin typeface="Helvetica Neue Light" panose="02000403000000020004" pitchFamily="2" charset="0"/>
-              <a:ea typeface="Helvetica Neue Light" panose="02000403000000020004" pitchFamily="2" charset="0"/>
-            </a:endParaRPr>
+              <a:rPr lang="en-US" dirty="0"/>
+              <a:t>Typical applications of approaches </a:t>
+            </a:r>
           </a:p>
         </p:txBody>
       </p:sp>
@@ -4751,10 +5096,10 @@
       </p:cxnSp>
       <p:sp>
         <p:nvSpPr>
-          <p:cNvPr id="12" name="Title 1">
-            <a:extLst>
-              <a:ext uri="{FF2B5EF4-FFF2-40B4-BE49-F238E27FC236}">
-                <a16:creationId xmlns:a16="http://schemas.microsoft.com/office/drawing/2014/main" id="{B48711B5-D460-7044-939F-EAFD1BB7A648}"/>
+          <p:cNvPr id="16" name="Content Placeholder 7">
+            <a:extLst>
+              <a:ext uri="{FF2B5EF4-FFF2-40B4-BE49-F238E27FC236}">
+                <a16:creationId xmlns:a16="http://schemas.microsoft.com/office/drawing/2014/main" id="{CBE7B0D9-C17B-7A49-B050-84F4FF4B1648}"/>
               </a:ext>
             </a:extLst>
           </p:cNvPr>
@@ -4762,22 +5107,96 @@
             <a:spLocks noGrp="1"/>
           </p:cNvSpPr>
           <p:nvPr>
-            <p:ph type="title"/>
+            <p:ph sz="half" idx="1"/>
           </p:nvPr>
         </p:nvSpPr>
         <p:spPr>
           <a:xfrm>
-            <a:off x="262467" y="365125"/>
-            <a:ext cx="11634788" cy="1325563"/>
+            <a:off x="838200" y="2077873"/>
+            <a:ext cx="10640786" cy="3009133"/>
           </a:xfrm>
         </p:spPr>
         <p:txBody>
-          <a:bodyPr/>
+          <a:bodyPr>
+            <a:normAutofit fontScale="92500" lnSpcReduction="10000"/>
+          </a:bodyPr>
           <a:lstStyle/>
           <a:p>
             <a:r>
-              <a:rPr lang="en-US" dirty="0"/>
-              <a:t>Doublets</a:t>
+              <a:rPr lang="en-US" dirty="0">
+                <a:latin typeface="Helvetica Neue Light" panose="02000403000000020004" pitchFamily="2" charset="0"/>
+                <a:ea typeface="Helvetica Neue Light" panose="02000403000000020004" pitchFamily="2" charset="0"/>
+              </a:rPr>
+              <a:t>Read-based</a:t>
+            </a:r>
+          </a:p>
+          <a:p>
+            <a:pPr lvl="1"/>
+            <a:r>
+              <a:rPr lang="en-US" dirty="0">
+                <a:latin typeface="Helvetica Neue Light" panose="02000403000000020004" pitchFamily="2" charset="0"/>
+                <a:ea typeface="Helvetica Neue Light" panose="02000403000000020004" pitchFamily="2" charset="0"/>
+              </a:rPr>
+              <a:t>Isoform and gene-level expression analyses</a:t>
+            </a:r>
+          </a:p>
+          <a:p>
+            <a:pPr lvl="2"/>
+            <a:r>
+              <a:rPr lang="en-US" dirty="0">
+                <a:latin typeface="Helvetica Neue Light" panose="02000403000000020004" pitchFamily="2" charset="0"/>
+                <a:ea typeface="Helvetica Neue Light" panose="02000403000000020004" pitchFamily="2" charset="0"/>
+              </a:rPr>
+              <a:t>Former much more noisy unless sequence to very high depth</a:t>
+            </a:r>
+          </a:p>
+          <a:p>
+            <a:pPr lvl="1"/>
+            <a:r>
+              <a:rPr lang="en-US" dirty="0">
+                <a:latin typeface="Helvetica Neue Light" panose="02000403000000020004" pitchFamily="2" charset="0"/>
+                <a:ea typeface="Helvetica Neue Light" panose="02000403000000020004" pitchFamily="2" charset="0"/>
+              </a:rPr>
+              <a:t>Alternative splicing</a:t>
+            </a:r>
+          </a:p>
+          <a:p>
+            <a:r>
+              <a:rPr lang="en-US" dirty="0">
+                <a:latin typeface="Helvetica Neue Light" panose="02000403000000020004" pitchFamily="2" charset="0"/>
+                <a:ea typeface="Helvetica Neue Light" panose="02000403000000020004" pitchFamily="2" charset="0"/>
+              </a:rPr>
+              <a:t>Tag-based (UMI)</a:t>
+            </a:r>
+          </a:p>
+          <a:p>
+            <a:pPr lvl="1"/>
+            <a:r>
+              <a:rPr lang="en-US" dirty="0">
+                <a:latin typeface="Helvetica Neue Light" panose="02000403000000020004" pitchFamily="2" charset="0"/>
+                <a:ea typeface="Helvetica Neue Light" panose="02000403000000020004" pitchFamily="2" charset="0"/>
+              </a:rPr>
+              <a:t>Gene-level expression analyses</a:t>
+            </a:r>
+          </a:p>
+          <a:p>
+            <a:pPr lvl="2"/>
+            <a:r>
+              <a:rPr lang="en-US" dirty="0">
+                <a:latin typeface="Helvetica Neue Light" panose="02000403000000020004" pitchFamily="2" charset="0"/>
+                <a:ea typeface="Helvetica Neue Light" panose="02000403000000020004" pitchFamily="2" charset="0"/>
+              </a:rPr>
+              <a:t>Since only capture one end (typically 3’), you can’t detect isoform variations</a:t>
+            </a:r>
+          </a:p>
+          <a:p>
+            <a:pPr lvl="2"/>
+            <a:r>
+              <a:rPr lang="en-US" dirty="0">
+                <a:latin typeface="Helvetica Neue Light" panose="02000403000000020004" pitchFamily="2" charset="0"/>
+                <a:ea typeface="Helvetica Neue Light" panose="02000403000000020004" pitchFamily="2" charset="0"/>
+              </a:rPr>
+              <a:t>Expression estimates typically more robust than non-UMI approaches that have an enrichment/PCR step</a:t>
             </a:r>
           </a:p>
         </p:txBody>
@@ -4785,7 +5204,7 @@
     </p:spTree>
     <p:extLst>
       <p:ext uri="{BB962C8B-B14F-4D97-AF65-F5344CB8AC3E}">
-        <p14:creationId xmlns:p14="http://schemas.microsoft.com/office/powerpoint/2010/main" val="3190443631"/>
+        <p14:creationId xmlns:p14="http://schemas.microsoft.com/office/powerpoint/2010/main" val="3758335799"/>
       </p:ext>
     </p:extLst>
   </p:cSld>
@@ -4814,182 +5233,10 @@
       </p:grpSpPr>
       <p:sp>
         <p:nvSpPr>
-          <p:cNvPr id="8" name="Content Placeholder 7">
-            <a:extLst>
-              <a:ext uri="{FF2B5EF4-FFF2-40B4-BE49-F238E27FC236}">
-                <a16:creationId xmlns:a16="http://schemas.microsoft.com/office/drawing/2014/main" id="{4D9249D6-75D5-9C4A-9BF5-73D774786400}"/>
-              </a:ext>
-            </a:extLst>
-          </p:cNvPr>
-          <p:cNvSpPr>
-            <a:spLocks noGrp="1"/>
-          </p:cNvSpPr>
-          <p:nvPr>
-            <p:ph sz="half" idx="1"/>
-          </p:nvPr>
-        </p:nvSpPr>
-        <p:spPr>
-          <a:xfrm>
-            <a:off x="838200" y="1825625"/>
-            <a:ext cx="10640786" cy="4351338"/>
-          </a:xfrm>
-        </p:spPr>
-        <p:txBody>
-          <a:bodyPr>
-            <a:normAutofit/>
-          </a:bodyPr>
-          <a:lstStyle/>
-          <a:p>
-            <a:r>
-              <a:rPr lang="en-US" dirty="0">
-                <a:latin typeface="Helvetica Neue Light" panose="02000403000000020004" pitchFamily="2" charset="0"/>
-                <a:ea typeface="Helvetica Neue Light" panose="02000403000000020004" pitchFamily="2" charset="0"/>
-              </a:rPr>
-              <a:t>6 months ago, 10x said they weren’t looking at the doublet problem</a:t>
-            </a:r>
-          </a:p>
-          <a:p>
-            <a:r>
-              <a:rPr lang="en-US" dirty="0">
-                <a:latin typeface="Helvetica Neue Light" panose="02000403000000020004" pitchFamily="2" charset="0"/>
-                <a:ea typeface="Helvetica Neue Light" panose="02000403000000020004" pitchFamily="2" charset="0"/>
-              </a:rPr>
-              <a:t>Just a few weeks ago, 3 tools published on </a:t>
-            </a:r>
-            <a:r>
-              <a:rPr lang="en-US" dirty="0" err="1">
-                <a:latin typeface="Helvetica Neue Light" panose="02000403000000020004" pitchFamily="2" charset="0"/>
-                <a:ea typeface="Helvetica Neue Light" panose="02000403000000020004" pitchFamily="2" charset="0"/>
-              </a:rPr>
-              <a:t>bioRxiv</a:t>
-            </a:r>
-            <a:endParaRPr lang="en-US" dirty="0">
-              <a:latin typeface="Helvetica Neue Light" panose="02000403000000020004" pitchFamily="2" charset="0"/>
-              <a:ea typeface="Helvetica Neue Light" panose="02000403000000020004" pitchFamily="2" charset="0"/>
-            </a:endParaRPr>
-          </a:p>
-          <a:p>
-            <a:pPr lvl="1"/>
-            <a:r>
-              <a:rPr lang="en-US" dirty="0" err="1">
-                <a:latin typeface="Helvetica Neue Light" panose="02000403000000020004" pitchFamily="2" charset="0"/>
-                <a:ea typeface="Helvetica Neue Light" panose="02000403000000020004" pitchFamily="2" charset="0"/>
-              </a:rPr>
-              <a:t>Scrubblet</a:t>
-            </a:r>
-            <a:endParaRPr lang="en-US" dirty="0">
-              <a:latin typeface="Helvetica Neue Light" panose="02000403000000020004" pitchFamily="2" charset="0"/>
-              <a:ea typeface="Helvetica Neue Light" panose="02000403000000020004" pitchFamily="2" charset="0"/>
-            </a:endParaRPr>
-          </a:p>
-          <a:p>
-            <a:pPr lvl="1"/>
-            <a:r>
-              <a:rPr lang="en-US" dirty="0" err="1">
-                <a:latin typeface="Helvetica Neue Light" panose="02000403000000020004" pitchFamily="2" charset="0"/>
-                <a:ea typeface="Helvetica Neue Light" panose="02000403000000020004" pitchFamily="2" charset="0"/>
-              </a:rPr>
-              <a:t>DoubleDecon</a:t>
-            </a:r>
-            <a:endParaRPr lang="en-US" dirty="0">
-              <a:latin typeface="Helvetica Neue Light" panose="02000403000000020004" pitchFamily="2" charset="0"/>
-              <a:ea typeface="Helvetica Neue Light" panose="02000403000000020004" pitchFamily="2" charset="0"/>
-            </a:endParaRPr>
-          </a:p>
-          <a:p>
-            <a:pPr lvl="1"/>
-            <a:r>
-              <a:rPr lang="en-US" dirty="0" err="1">
-                <a:latin typeface="Helvetica Neue Light" panose="02000403000000020004" pitchFamily="2" charset="0"/>
-                <a:ea typeface="Helvetica Neue Light" panose="02000403000000020004" pitchFamily="2" charset="0"/>
-              </a:rPr>
-              <a:t>DoubletFinder</a:t>
-            </a:r>
-            <a:endParaRPr lang="en-US" dirty="0">
-              <a:latin typeface="Helvetica Neue Light" panose="02000403000000020004" pitchFamily="2" charset="0"/>
-              <a:ea typeface="Helvetica Neue Light" panose="02000403000000020004" pitchFamily="2" charset="0"/>
-            </a:endParaRPr>
-          </a:p>
-          <a:p>
-            <a:r>
-              <a:rPr lang="en-US" dirty="0">
-                <a:latin typeface="Helvetica Neue Light" panose="02000403000000020004" pitchFamily="2" charset="0"/>
-                <a:ea typeface="Helvetica Neue Light" panose="02000403000000020004" pitchFamily="2" charset="0"/>
-              </a:rPr>
-              <a:t>We’ll walk through using </a:t>
-            </a:r>
-            <a:r>
-              <a:rPr lang="en-US" dirty="0" err="1">
-                <a:latin typeface="Helvetica Neue Light" panose="02000403000000020004" pitchFamily="2" charset="0"/>
-                <a:ea typeface="Helvetica Neue Light" panose="02000403000000020004" pitchFamily="2" charset="0"/>
-              </a:rPr>
-              <a:t>Scrubblet</a:t>
-            </a:r>
-            <a:r>
-              <a:rPr lang="en-US" dirty="0">
-                <a:latin typeface="Helvetica Neue Light" panose="02000403000000020004" pitchFamily="2" charset="0"/>
-                <a:ea typeface="Helvetica Neue Light" panose="02000403000000020004" pitchFamily="2" charset="0"/>
-              </a:rPr>
-              <a:t> in a little bit …</a:t>
-            </a:r>
-          </a:p>
-          <a:p>
-            <a:pPr lvl="1"/>
-            <a:endParaRPr lang="en-US" dirty="0">
-              <a:latin typeface="Helvetica Neue Light" panose="02000403000000020004" pitchFamily="2" charset="0"/>
-              <a:ea typeface="Helvetica Neue Light" panose="02000403000000020004" pitchFamily="2" charset="0"/>
-            </a:endParaRPr>
-          </a:p>
-        </p:txBody>
-      </p:sp>
-      <p:cxnSp>
-        <p:nvCxnSpPr>
-          <p:cNvPr id="5" name="Straight Connector 4">
-            <a:extLst>
-              <a:ext uri="{FF2B5EF4-FFF2-40B4-BE49-F238E27FC236}">
-                <a16:creationId xmlns:a16="http://schemas.microsoft.com/office/drawing/2014/main" id="{97A6922C-54C3-694F-9492-EAC388C3E954}"/>
-              </a:ext>
-            </a:extLst>
-          </p:cNvPr>
-          <p:cNvCxnSpPr/>
-          <p:nvPr/>
-        </p:nvCxnSpPr>
-        <p:spPr>
-          <a:xfrm>
-            <a:off x="262467" y="1417638"/>
-            <a:ext cx="11216519" cy="0"/>
-          </a:xfrm>
-          <a:prstGeom prst="line">
-            <a:avLst/>
-          </a:prstGeom>
-          <a:ln w="19050">
-            <a:solidFill>
-              <a:schemeClr val="tx1"/>
-            </a:solidFill>
-          </a:ln>
-          <a:effectLst/>
-        </p:spPr>
-        <p:style>
-          <a:lnRef idx="2">
-            <a:schemeClr val="accent1"/>
-          </a:lnRef>
-          <a:fillRef idx="0">
-            <a:schemeClr val="accent1"/>
-          </a:fillRef>
-          <a:effectRef idx="1">
-            <a:schemeClr val="accent1"/>
-          </a:effectRef>
-          <a:fontRef idx="minor">
-            <a:schemeClr val="tx1"/>
-          </a:fontRef>
-        </p:style>
-      </p:cxnSp>
-      <p:sp>
-        <p:nvSpPr>
-          <p:cNvPr id="12" name="Title 1">
-            <a:extLst>
-              <a:ext uri="{FF2B5EF4-FFF2-40B4-BE49-F238E27FC236}">
-                <a16:creationId xmlns:a16="http://schemas.microsoft.com/office/drawing/2014/main" id="{B48711B5-D460-7044-939F-EAFD1BB7A648}"/>
+          <p:cNvPr id="3" name="Title 2">
+            <a:extLst>
+              <a:ext uri="{FF2B5EF4-FFF2-40B4-BE49-F238E27FC236}">
+                <a16:creationId xmlns:a16="http://schemas.microsoft.com/office/drawing/2014/main" id="{24343E03-A292-474F-B337-C909646B8FF1}"/>
               </a:ext>
             </a:extLst>
           </p:cNvPr>
@@ -5002,17 +5249,28 @@
         </p:nvSpPr>
         <p:spPr>
           <a:xfrm>
-            <a:off x="262467" y="365125"/>
-            <a:ext cx="11634788" cy="1325563"/>
+            <a:off x="838200" y="2704564"/>
+            <a:ext cx="10515600" cy="1325563"/>
           </a:xfrm>
         </p:spPr>
         <p:txBody>
           <a:bodyPr/>
           <a:lstStyle/>
           <a:p>
-            <a:r>
-              <a:rPr lang="en-US" dirty="0"/>
-              <a:t>Doublets: continued</a:t>
+            <a:pPr algn="ctr"/>
+            <a:r>
+              <a:rPr lang="en-US" dirty="0" err="1">
+                <a:latin typeface="Helvetica Neue Light" panose="02000403000000020004" pitchFamily="2" charset="0"/>
+                <a:ea typeface="Helvetica Neue Light" panose="02000403000000020004" pitchFamily="2" charset="0"/>
+              </a:rPr>
+              <a:t>scRNA-seq</a:t>
+            </a:r>
+            <a:r>
+              <a:rPr lang="en-US" dirty="0">
+                <a:latin typeface="Helvetica Neue Light" panose="02000403000000020004" pitchFamily="2" charset="0"/>
+                <a:ea typeface="Helvetica Neue Light" panose="02000403000000020004" pitchFamily="2" charset="0"/>
+              </a:rPr>
+              <a:t> technical challenges</a:t>
             </a:r>
           </a:p>
         </p:txBody>
@@ -5020,7 +5278,7 @@
     </p:spTree>
     <p:extLst>
       <p:ext uri="{BB962C8B-B14F-4D97-AF65-F5344CB8AC3E}">
-        <p14:creationId xmlns:p14="http://schemas.microsoft.com/office/powerpoint/2010/main" val="385965136"/>
+        <p14:creationId xmlns:p14="http://schemas.microsoft.com/office/powerpoint/2010/main" val="728217663"/>
       </p:ext>
     </p:extLst>
   </p:cSld>
@@ -5065,13 +5323,13 @@
         </p:nvSpPr>
         <p:spPr>
           <a:xfrm>
-            <a:off x="838200" y="1825625"/>
-            <a:ext cx="10640786" cy="4351338"/>
+            <a:off x="210876" y="1623607"/>
+            <a:ext cx="6179288" cy="4351338"/>
           </a:xfrm>
         </p:spPr>
         <p:txBody>
           <a:bodyPr>
-            <a:normAutofit lnSpcReduction="10000"/>
+            <a:normAutofit/>
           </a:bodyPr>
           <a:lstStyle/>
           <a:p>
@@ -5080,19 +5338,8 @@
                 <a:latin typeface="Helvetica Neue Light" panose="02000403000000020004" pitchFamily="2" charset="0"/>
                 <a:ea typeface="Helvetica Neue Light" panose="02000403000000020004" pitchFamily="2" charset="0"/>
               </a:rPr>
-              <a:t>Bulk RNA-</a:t>
-            </a:r>
-            <a:r>
-              <a:rPr lang="en-US" dirty="0" err="1">
-                <a:latin typeface="Helvetica Neue Light" panose="02000403000000020004" pitchFamily="2" charset="0"/>
-                <a:ea typeface="Helvetica Neue Light" panose="02000403000000020004" pitchFamily="2" charset="0"/>
-              </a:rPr>
-              <a:t>seq</a:t>
-            </a:r>
-            <a:endParaRPr lang="en-US" dirty="0">
-              <a:latin typeface="Helvetica Neue Light" panose="02000403000000020004" pitchFamily="2" charset="0"/>
-              <a:ea typeface="Helvetica Neue Light" panose="02000403000000020004" pitchFamily="2" charset="0"/>
-            </a:endParaRPr>
+              <a:t>&gt;1 cell can wind up in a droplet/well during library construction</a:t>
+            </a:r>
           </a:p>
           <a:p>
             <a:pPr lvl="1"/>
@@ -5101,27 +5348,26 @@
                 <a:latin typeface="Helvetica Neue Light" panose="02000403000000020004" pitchFamily="2" charset="0"/>
                 <a:ea typeface="Helvetica Neue Light" panose="02000403000000020004" pitchFamily="2" charset="0"/>
               </a:rPr>
-              <a:t>average across many millions of cells</a:t>
-            </a:r>
-          </a:p>
-          <a:p>
-            <a:pPr lvl="2"/>
+              <a:t>majority being w/ 2 cells</a:t>
+            </a:r>
+          </a:p>
+          <a:p>
             <a:r>
               <a:rPr lang="en-US" dirty="0">
                 <a:latin typeface="Helvetica Neue Light" panose="02000403000000020004" pitchFamily="2" charset="0"/>
                 <a:ea typeface="Helvetica Neue Light" panose="02000403000000020004" pitchFamily="2" charset="0"/>
               </a:rPr>
-              <a:t>Unless cells pre-sorted, averaged across cell types</a:t>
-            </a:r>
-          </a:p>
-          <a:p>
-            <a:pPr lvl="2"/>
+              <a:t>Unless one visually inspects wells (e.g. C1), on cannot confirm doublets</a:t>
+            </a:r>
+          </a:p>
+          <a:p>
+            <a:pPr lvl="1"/>
             <a:r>
               <a:rPr lang="en-US" dirty="0">
                 <a:latin typeface="Helvetica Neue Light" panose="02000403000000020004" pitchFamily="2" charset="0"/>
                 <a:ea typeface="Helvetica Neue Light" panose="02000403000000020004" pitchFamily="2" charset="0"/>
               </a:rPr>
-              <a:t>Even if sorted, averaged across subpopulations sharing cell markers/morphology</a:t>
+              <a:t>Some data suggesting that even visual detection not 100% efficient</a:t>
             </a:r>
           </a:p>
           <a:p>
@@ -5131,88 +5377,13 @@
                 <a:latin typeface="Helvetica Neue Light" panose="02000403000000020004" pitchFamily="2" charset="0"/>
                 <a:ea typeface="Helvetica Neue Light" panose="02000403000000020004" pitchFamily="2" charset="0"/>
               </a:rPr>
-              <a:t>millions of reads per sample</a:t>
-            </a:r>
-          </a:p>
-          <a:p>
-            <a:r>
-              <a:rPr lang="en-US" dirty="0" err="1">
-                <a:latin typeface="Helvetica Neue Light" panose="02000403000000020004" pitchFamily="2" charset="0"/>
-                <a:ea typeface="Helvetica Neue Light" panose="02000403000000020004" pitchFamily="2" charset="0"/>
-              </a:rPr>
-              <a:t>scRNA-seq</a:t>
-            </a:r>
-            <a:endParaRPr lang="en-US" dirty="0">
-              <a:latin typeface="Helvetica Neue Light" panose="02000403000000020004" pitchFamily="2" charset="0"/>
-              <a:ea typeface="Helvetica Neue Light" panose="02000403000000020004" pitchFamily="2" charset="0"/>
-            </a:endParaRPr>
-          </a:p>
-          <a:p>
-            <a:pPr lvl="1"/>
-            <a:r>
-              <a:rPr lang="en-US" dirty="0">
-                <a:latin typeface="Helvetica Neue Light" panose="02000403000000020004" pitchFamily="2" charset="0"/>
-                <a:ea typeface="Helvetica Neue Light" panose="02000403000000020004" pitchFamily="2" charset="0"/>
-              </a:rPr>
-              <a:t>far fewer cells</a:t>
-            </a:r>
-          </a:p>
-          <a:p>
-            <a:pPr lvl="2"/>
-            <a:r>
-              <a:rPr lang="en-US" dirty="0">
-                <a:latin typeface="Helvetica Neue Light" panose="02000403000000020004" pitchFamily="2" charset="0"/>
-                <a:ea typeface="Helvetica Neue Light" panose="02000403000000020004" pitchFamily="2" charset="0"/>
-              </a:rPr>
-              <a:t>Far fewer reads per cell than reads per bulk RNA-</a:t>
-            </a:r>
-            <a:r>
-              <a:rPr lang="en-US" dirty="0" err="1">
-                <a:latin typeface="Helvetica Neue Light" panose="02000403000000020004" pitchFamily="2" charset="0"/>
-                <a:ea typeface="Helvetica Neue Light" panose="02000403000000020004" pitchFamily="2" charset="0"/>
-              </a:rPr>
-              <a:t>seq</a:t>
-            </a:r>
-            <a:r>
-              <a:rPr lang="en-US" dirty="0">
-                <a:latin typeface="Helvetica Neue Light" panose="02000403000000020004" pitchFamily="2" charset="0"/>
-                <a:ea typeface="Helvetica Neue Light" panose="02000403000000020004" pitchFamily="2" charset="0"/>
-              </a:rPr>
-              <a:t> sample</a:t>
-            </a:r>
-          </a:p>
-          <a:p>
-            <a:pPr lvl="1"/>
-            <a:r>
-              <a:rPr lang="en-US" dirty="0">
-                <a:latin typeface="Helvetica Neue Light" panose="02000403000000020004" pitchFamily="2" charset="0"/>
-                <a:ea typeface="Helvetica Neue Light" panose="02000403000000020004" pitchFamily="2" charset="0"/>
-              </a:rPr>
-              <a:t>”zero inflation”</a:t>
-            </a:r>
-          </a:p>
-          <a:p>
-            <a:pPr lvl="2"/>
-            <a:r>
-              <a:rPr lang="en-US" dirty="0">
-                <a:latin typeface="Helvetica Neue Light" panose="02000403000000020004" pitchFamily="2" charset="0"/>
-                <a:ea typeface="Helvetica Neue Light" panose="02000403000000020004" pitchFamily="2" charset="0"/>
-              </a:rPr>
-              <a:t>Technical: dropouts (expressed but not detected)</a:t>
-            </a:r>
-          </a:p>
-          <a:p>
-            <a:pPr lvl="2"/>
-            <a:r>
-              <a:rPr lang="en-US" dirty="0">
-                <a:latin typeface="Helvetica Neue Light" panose="02000403000000020004" pitchFamily="2" charset="0"/>
-                <a:ea typeface="Helvetica Neue Light" panose="02000403000000020004" pitchFamily="2" charset="0"/>
-              </a:rPr>
-              <a:t>Biological: intra-cellular temporal variation in expression (some genes ”off” when a cell is sampled)</a:t>
-            </a:r>
-          </a:p>
-          <a:p>
-            <a:pPr lvl="1"/>
+              <a:t>Not practical for high throughput assays (e.g. 10x)</a:t>
+            </a:r>
+          </a:p>
+          <a:p>
+            <a:pPr marL="457200" lvl="1" indent="0">
+              <a:buNone/>
+            </a:pPr>
             <a:endParaRPr lang="en-US" dirty="0">
               <a:latin typeface="Helvetica Neue Light" panose="02000403000000020004" pitchFamily="2" charset="0"/>
               <a:ea typeface="Helvetica Neue Light" panose="02000403000000020004" pitchFamily="2" charset="0"/>
@@ -5289,6 +5460,1506 @@
           <a:lstStyle/>
           <a:p>
             <a:r>
+              <a:rPr lang="en-US" dirty="0"/>
+              <a:t>Doublets: what are they?</a:t>
+            </a:r>
+          </a:p>
+        </p:txBody>
+      </p:sp>
+      <p:pic>
+        <p:nvPicPr>
+          <p:cNvPr id="3" name="Picture 2">
+            <a:extLst>
+              <a:ext uri="{FF2B5EF4-FFF2-40B4-BE49-F238E27FC236}">
+                <a16:creationId xmlns:a16="http://schemas.microsoft.com/office/drawing/2014/main" id="{AB7691D6-636B-1B4F-B035-CC21CB9484AD}"/>
+              </a:ext>
+            </a:extLst>
+          </p:cNvPr>
+          <p:cNvPicPr>
+            <a:picLocks noChangeAspect="1"/>
+          </p:cNvPicPr>
+          <p:nvPr/>
+        </p:nvPicPr>
+        <p:blipFill>
+          <a:blip r:embed="rId2"/>
+          <a:stretch>
+            <a:fillRect/>
+          </a:stretch>
+        </p:blipFill>
+        <p:spPr>
+          <a:xfrm>
+            <a:off x="6570921" y="1875390"/>
+            <a:ext cx="4986966" cy="3296469"/>
+          </a:xfrm>
+          <a:prstGeom prst="rect">
+            <a:avLst/>
+          </a:prstGeom>
+        </p:spPr>
+      </p:pic>
+      <p:sp>
+        <p:nvSpPr>
+          <p:cNvPr id="4" name="Rectangle 3">
+            <a:extLst>
+              <a:ext uri="{FF2B5EF4-FFF2-40B4-BE49-F238E27FC236}">
+                <a16:creationId xmlns:a16="http://schemas.microsoft.com/office/drawing/2014/main" id="{B57DD11F-E610-9D40-BAAF-C8FF36AB221B}"/>
+              </a:ext>
+            </a:extLst>
+          </p:cNvPr>
+          <p:cNvSpPr/>
+          <p:nvPr/>
+        </p:nvSpPr>
+        <p:spPr>
+          <a:xfrm>
+            <a:off x="6858000" y="2126511"/>
+            <a:ext cx="361507" cy="322375"/>
+          </a:xfrm>
+          <a:prstGeom prst="rect">
+            <a:avLst/>
+          </a:prstGeom>
+          <a:solidFill>
+            <a:schemeClr val="bg1"/>
+          </a:solidFill>
+          <a:ln>
+            <a:noFill/>
+          </a:ln>
+        </p:spPr>
+        <p:style>
+          <a:lnRef idx="2">
+            <a:schemeClr val="accent1">
+              <a:shade val="50000"/>
+            </a:schemeClr>
+          </a:lnRef>
+          <a:fillRef idx="1">
+            <a:schemeClr val="accent1"/>
+          </a:fillRef>
+          <a:effectRef idx="0">
+            <a:schemeClr val="accent1"/>
+          </a:effectRef>
+          <a:fontRef idx="minor">
+            <a:schemeClr val="lt1"/>
+          </a:fontRef>
+        </p:style>
+        <p:txBody>
+          <a:bodyPr rtlCol="0" anchor="ctr"/>
+          <a:lstStyle/>
+          <a:p>
+            <a:pPr algn="ctr"/>
+            <a:endParaRPr lang="en-US"/>
+          </a:p>
+        </p:txBody>
+      </p:sp>
+      <p:sp>
+        <p:nvSpPr>
+          <p:cNvPr id="9" name="TextBox 8">
+            <a:extLst>
+              <a:ext uri="{FF2B5EF4-FFF2-40B4-BE49-F238E27FC236}">
+                <a16:creationId xmlns:a16="http://schemas.microsoft.com/office/drawing/2014/main" id="{3C8062AA-C8F0-EF45-9CAD-F8A54ADDE6E3}"/>
+              </a:ext>
+            </a:extLst>
+          </p:cNvPr>
+          <p:cNvSpPr txBox="1"/>
+          <p:nvPr/>
+        </p:nvSpPr>
+        <p:spPr>
+          <a:xfrm>
+            <a:off x="8541509" y="5208817"/>
+            <a:ext cx="2781587" cy="276999"/>
+          </a:xfrm>
+          <a:prstGeom prst="rect">
+            <a:avLst/>
+          </a:prstGeom>
+          <a:noFill/>
+        </p:spPr>
+        <p:txBody>
+          <a:bodyPr wrap="square" rtlCol="0">
+            <a:spAutoFit/>
+          </a:bodyPr>
+          <a:lstStyle/>
+          <a:p>
+            <a:r>
+              <a:rPr lang="en-US" sz="1200" dirty="0" err="1">
+                <a:latin typeface="Helvetica Neue Light" panose="02000403000000020004" pitchFamily="2" charset="0"/>
+                <a:ea typeface="Helvetica Neue Light" panose="02000403000000020004" pitchFamily="2" charset="0"/>
+              </a:rPr>
+              <a:t>Wolock</a:t>
+            </a:r>
+            <a:r>
+              <a:rPr lang="en-US" sz="1200" dirty="0">
+                <a:latin typeface="Helvetica Neue Light" panose="02000403000000020004" pitchFamily="2" charset="0"/>
+                <a:ea typeface="Helvetica Neue Light" panose="02000403000000020004" pitchFamily="2" charset="0"/>
+              </a:rPr>
+              <a:t> et al., 2018, </a:t>
+            </a:r>
+            <a:r>
+              <a:rPr lang="en-US" sz="1200" i="1" dirty="0" err="1">
+                <a:latin typeface="Helvetica Neue Light" panose="02000403000000020004" pitchFamily="2" charset="0"/>
+                <a:ea typeface="Helvetica Neue Light" panose="02000403000000020004" pitchFamily="2" charset="0"/>
+              </a:rPr>
+              <a:t>bioRxiv</a:t>
+            </a:r>
+            <a:endParaRPr lang="en-US" sz="1200" i="1" dirty="0">
+              <a:latin typeface="Helvetica Neue Light" panose="02000403000000020004" pitchFamily="2" charset="0"/>
+              <a:ea typeface="Helvetica Neue Light" panose="02000403000000020004" pitchFamily="2" charset="0"/>
+            </a:endParaRPr>
+          </a:p>
+        </p:txBody>
+      </p:sp>
+    </p:spTree>
+    <p:extLst>
+      <p:ext uri="{BB962C8B-B14F-4D97-AF65-F5344CB8AC3E}">
+        <p14:creationId xmlns:p14="http://schemas.microsoft.com/office/powerpoint/2010/main" val="3190443631"/>
+      </p:ext>
+    </p:extLst>
+  </p:cSld>
+  <p:clrMapOvr>
+    <a:masterClrMapping/>
+  </p:clrMapOvr>
+</p:sld>
+</file>
+
+<file path=ppt/slides/slide15.xml><?xml version="1.0" encoding="utf-8"?>
+<p:sld xmlns:a="http://schemas.openxmlformats.org/drawingml/2006/main" xmlns:r="http://schemas.openxmlformats.org/officeDocument/2006/relationships" xmlns:p="http://schemas.openxmlformats.org/presentationml/2006/main">
+  <p:cSld>
+    <p:spTree>
+      <p:nvGrpSpPr>
+        <p:cNvPr id="1" name=""/>
+        <p:cNvGrpSpPr/>
+        <p:nvPr/>
+      </p:nvGrpSpPr>
+      <p:grpSpPr>
+        <a:xfrm>
+          <a:off x="0" y="0"/>
+          <a:ext cx="0" cy="0"/>
+          <a:chOff x="0" y="0"/>
+          <a:chExt cx="0" cy="0"/>
+        </a:xfrm>
+      </p:grpSpPr>
+      <p:sp>
+        <p:nvSpPr>
+          <p:cNvPr id="8" name="Content Placeholder 7">
+            <a:extLst>
+              <a:ext uri="{FF2B5EF4-FFF2-40B4-BE49-F238E27FC236}">
+                <a16:creationId xmlns:a16="http://schemas.microsoft.com/office/drawing/2014/main" id="{4D9249D6-75D5-9C4A-9BF5-73D774786400}"/>
+              </a:ext>
+            </a:extLst>
+          </p:cNvPr>
+          <p:cNvSpPr>
+            <a:spLocks noGrp="1"/>
+          </p:cNvSpPr>
+          <p:nvPr>
+            <p:ph sz="half" idx="1"/>
+          </p:nvPr>
+        </p:nvSpPr>
+        <p:spPr>
+          <a:xfrm>
+            <a:off x="838200" y="1825625"/>
+            <a:ext cx="10640786" cy="4351338"/>
+          </a:xfrm>
+        </p:spPr>
+        <p:txBody>
+          <a:bodyPr>
+            <a:normAutofit/>
+          </a:bodyPr>
+          <a:lstStyle/>
+          <a:p>
+            <a:endParaRPr lang="en-US" dirty="0">
+              <a:latin typeface="Helvetica Neue Light" panose="02000403000000020004" pitchFamily="2" charset="0"/>
+              <a:ea typeface="Helvetica Neue Light" panose="02000403000000020004" pitchFamily="2" charset="0"/>
+            </a:endParaRPr>
+          </a:p>
+          <a:p>
+            <a:pPr lvl="1"/>
+            <a:endParaRPr lang="en-US" dirty="0">
+              <a:latin typeface="Helvetica Neue Light" panose="02000403000000020004" pitchFamily="2" charset="0"/>
+              <a:ea typeface="Helvetica Neue Light" panose="02000403000000020004" pitchFamily="2" charset="0"/>
+            </a:endParaRPr>
+          </a:p>
+        </p:txBody>
+      </p:sp>
+      <p:cxnSp>
+        <p:nvCxnSpPr>
+          <p:cNvPr id="5" name="Straight Connector 4">
+            <a:extLst>
+              <a:ext uri="{FF2B5EF4-FFF2-40B4-BE49-F238E27FC236}">
+                <a16:creationId xmlns:a16="http://schemas.microsoft.com/office/drawing/2014/main" id="{97A6922C-54C3-694F-9492-EAC388C3E954}"/>
+              </a:ext>
+            </a:extLst>
+          </p:cNvPr>
+          <p:cNvCxnSpPr/>
+          <p:nvPr/>
+        </p:nvCxnSpPr>
+        <p:spPr>
+          <a:xfrm>
+            <a:off x="262467" y="1417638"/>
+            <a:ext cx="11216519" cy="0"/>
+          </a:xfrm>
+          <a:prstGeom prst="line">
+            <a:avLst/>
+          </a:prstGeom>
+          <a:ln w="19050">
+            <a:solidFill>
+              <a:schemeClr val="tx1"/>
+            </a:solidFill>
+          </a:ln>
+          <a:effectLst/>
+        </p:spPr>
+        <p:style>
+          <a:lnRef idx="2">
+            <a:schemeClr val="accent1"/>
+          </a:lnRef>
+          <a:fillRef idx="0">
+            <a:schemeClr val="accent1"/>
+          </a:fillRef>
+          <a:effectRef idx="1">
+            <a:schemeClr val="accent1"/>
+          </a:effectRef>
+          <a:fontRef idx="minor">
+            <a:schemeClr val="tx1"/>
+          </a:fontRef>
+        </p:style>
+      </p:cxnSp>
+      <p:sp>
+        <p:nvSpPr>
+          <p:cNvPr id="12" name="Title 1">
+            <a:extLst>
+              <a:ext uri="{FF2B5EF4-FFF2-40B4-BE49-F238E27FC236}">
+                <a16:creationId xmlns:a16="http://schemas.microsoft.com/office/drawing/2014/main" id="{B48711B5-D460-7044-939F-EAFD1BB7A648}"/>
+              </a:ext>
+            </a:extLst>
+          </p:cNvPr>
+          <p:cNvSpPr>
+            <a:spLocks noGrp="1"/>
+          </p:cNvSpPr>
+          <p:nvPr>
+            <p:ph type="title"/>
+          </p:nvPr>
+        </p:nvSpPr>
+        <p:spPr>
+          <a:xfrm>
+            <a:off x="262467" y="365125"/>
+            <a:ext cx="11634788" cy="1325563"/>
+          </a:xfrm>
+        </p:spPr>
+        <p:txBody>
+          <a:bodyPr/>
+          <a:lstStyle/>
+          <a:p>
+            <a:r>
+              <a:rPr lang="en-US" dirty="0"/>
+              <a:t>Doublets: why do we care?</a:t>
+            </a:r>
+          </a:p>
+        </p:txBody>
+      </p:sp>
+      <p:pic>
+        <p:nvPicPr>
+          <p:cNvPr id="3" name="Picture 2">
+            <a:extLst>
+              <a:ext uri="{FF2B5EF4-FFF2-40B4-BE49-F238E27FC236}">
+                <a16:creationId xmlns:a16="http://schemas.microsoft.com/office/drawing/2014/main" id="{207D1789-FC85-BA47-8A98-9ECEE5718C48}"/>
+              </a:ext>
+            </a:extLst>
+          </p:cNvPr>
+          <p:cNvPicPr>
+            <a:picLocks noChangeAspect="1"/>
+          </p:cNvPicPr>
+          <p:nvPr/>
+        </p:nvPicPr>
+        <p:blipFill>
+          <a:blip r:embed="rId2"/>
+          <a:stretch>
+            <a:fillRect/>
+          </a:stretch>
+        </p:blipFill>
+        <p:spPr>
+          <a:xfrm>
+            <a:off x="838200" y="1917438"/>
+            <a:ext cx="6190216" cy="3453296"/>
+          </a:xfrm>
+          <a:prstGeom prst="rect">
+            <a:avLst/>
+          </a:prstGeom>
+        </p:spPr>
+      </p:pic>
+      <p:sp>
+        <p:nvSpPr>
+          <p:cNvPr id="7" name="Rectangle 6">
+            <a:extLst>
+              <a:ext uri="{FF2B5EF4-FFF2-40B4-BE49-F238E27FC236}">
+                <a16:creationId xmlns:a16="http://schemas.microsoft.com/office/drawing/2014/main" id="{9DD18FDF-B431-094C-AF09-C1CCC2CD1535}"/>
+              </a:ext>
+            </a:extLst>
+          </p:cNvPr>
+          <p:cNvSpPr/>
+          <p:nvPr/>
+        </p:nvSpPr>
+        <p:spPr>
+          <a:xfrm>
+            <a:off x="838200" y="2147777"/>
+            <a:ext cx="361507" cy="322375"/>
+          </a:xfrm>
+          <a:prstGeom prst="rect">
+            <a:avLst/>
+          </a:prstGeom>
+          <a:solidFill>
+            <a:schemeClr val="bg1"/>
+          </a:solidFill>
+          <a:ln>
+            <a:noFill/>
+          </a:ln>
+        </p:spPr>
+        <p:style>
+          <a:lnRef idx="2">
+            <a:schemeClr val="accent1">
+              <a:shade val="50000"/>
+            </a:schemeClr>
+          </a:lnRef>
+          <a:fillRef idx="1">
+            <a:schemeClr val="accent1"/>
+          </a:fillRef>
+          <a:effectRef idx="0">
+            <a:schemeClr val="accent1"/>
+          </a:effectRef>
+          <a:fontRef idx="minor">
+            <a:schemeClr val="lt1"/>
+          </a:fontRef>
+        </p:style>
+        <p:txBody>
+          <a:bodyPr rtlCol="0" anchor="ctr"/>
+          <a:lstStyle/>
+          <a:p>
+            <a:pPr algn="ctr"/>
+            <a:endParaRPr lang="en-US"/>
+          </a:p>
+        </p:txBody>
+      </p:sp>
+      <p:sp>
+        <p:nvSpPr>
+          <p:cNvPr id="9" name="Content Placeholder 7">
+            <a:extLst>
+              <a:ext uri="{FF2B5EF4-FFF2-40B4-BE49-F238E27FC236}">
+                <a16:creationId xmlns:a16="http://schemas.microsoft.com/office/drawing/2014/main" id="{6BA5693E-55C9-6840-95FC-05C1BE08A6B1}"/>
+              </a:ext>
+            </a:extLst>
+          </p:cNvPr>
+          <p:cNvSpPr txBox="1">
+            <a:spLocks/>
+          </p:cNvSpPr>
+          <p:nvPr/>
+        </p:nvSpPr>
+        <p:spPr>
+          <a:xfrm>
+            <a:off x="6856226" y="1946161"/>
+            <a:ext cx="5041030" cy="4351338"/>
+          </a:xfrm>
+          <a:prstGeom prst="rect">
+            <a:avLst/>
+          </a:prstGeom>
+        </p:spPr>
+        <p:txBody>
+          <a:bodyPr vert="horz" lIns="91440" tIns="45720" rIns="91440" bIns="45720" rtlCol="0">
+            <a:normAutofit fontScale="92500"/>
+          </a:bodyPr>
+          <a:lstStyle>
+            <a:lvl1pPr marL="228600" indent="-228600" algn="l" defTabSz="914400" rtl="0" eaLnBrk="1" latinLnBrk="0" hangingPunct="1">
+              <a:lnSpc>
+                <a:spcPct val="90000"/>
+              </a:lnSpc>
+              <a:spcBef>
+                <a:spcPts val="1000"/>
+              </a:spcBef>
+              <a:buFont typeface="Arial" panose="020B0604020202020204" pitchFamily="34" charset="0"/>
+              <a:buChar char="•"/>
+              <a:defRPr sz="2800" kern="1200">
+                <a:solidFill>
+                  <a:schemeClr val="tx1"/>
+                </a:solidFill>
+                <a:latin typeface="+mn-lt"/>
+                <a:ea typeface="+mn-ea"/>
+                <a:cs typeface="+mn-cs"/>
+              </a:defRPr>
+            </a:lvl1pPr>
+            <a:lvl2pPr marL="685800" indent="-228600" algn="l" defTabSz="914400" rtl="0" eaLnBrk="1" latinLnBrk="0" hangingPunct="1">
+              <a:lnSpc>
+                <a:spcPct val="90000"/>
+              </a:lnSpc>
+              <a:spcBef>
+                <a:spcPts val="500"/>
+              </a:spcBef>
+              <a:buFont typeface="Arial" panose="020B0604020202020204" pitchFamily="34" charset="0"/>
+              <a:buChar char="•"/>
+              <a:defRPr sz="2400" kern="1200">
+                <a:solidFill>
+                  <a:schemeClr val="tx1"/>
+                </a:solidFill>
+                <a:latin typeface="+mn-lt"/>
+                <a:ea typeface="+mn-ea"/>
+                <a:cs typeface="+mn-cs"/>
+              </a:defRPr>
+            </a:lvl2pPr>
+            <a:lvl3pPr marL="1143000" indent="-228600" algn="l" defTabSz="914400" rtl="0" eaLnBrk="1" latinLnBrk="0" hangingPunct="1">
+              <a:lnSpc>
+                <a:spcPct val="90000"/>
+              </a:lnSpc>
+              <a:spcBef>
+                <a:spcPts val="500"/>
+              </a:spcBef>
+              <a:buFont typeface="Arial" panose="020B0604020202020204" pitchFamily="34" charset="0"/>
+              <a:buChar char="•"/>
+              <a:defRPr sz="2000" kern="1200">
+                <a:solidFill>
+                  <a:schemeClr val="tx1"/>
+                </a:solidFill>
+                <a:latin typeface="+mn-lt"/>
+                <a:ea typeface="+mn-ea"/>
+                <a:cs typeface="+mn-cs"/>
+              </a:defRPr>
+            </a:lvl3pPr>
+            <a:lvl4pPr marL="1600200" indent="-228600" algn="l" defTabSz="914400" rtl="0" eaLnBrk="1" latinLnBrk="0" hangingPunct="1">
+              <a:lnSpc>
+                <a:spcPct val="90000"/>
+              </a:lnSpc>
+              <a:spcBef>
+                <a:spcPts val="500"/>
+              </a:spcBef>
+              <a:buFont typeface="Arial" panose="020B0604020202020204" pitchFamily="34" charset="0"/>
+              <a:buChar char="•"/>
+              <a:defRPr sz="1800" kern="1200">
+                <a:solidFill>
+                  <a:schemeClr val="tx1"/>
+                </a:solidFill>
+                <a:latin typeface="+mn-lt"/>
+                <a:ea typeface="+mn-ea"/>
+                <a:cs typeface="+mn-cs"/>
+              </a:defRPr>
+            </a:lvl4pPr>
+            <a:lvl5pPr marL="2057400" indent="-228600" algn="l" defTabSz="914400" rtl="0" eaLnBrk="1" latinLnBrk="0" hangingPunct="1">
+              <a:lnSpc>
+                <a:spcPct val="90000"/>
+              </a:lnSpc>
+              <a:spcBef>
+                <a:spcPts val="500"/>
+              </a:spcBef>
+              <a:buFont typeface="Arial" panose="020B0604020202020204" pitchFamily="34" charset="0"/>
+              <a:buChar char="•"/>
+              <a:defRPr sz="1800" kern="1200">
+                <a:solidFill>
+                  <a:schemeClr val="tx1"/>
+                </a:solidFill>
+                <a:latin typeface="+mn-lt"/>
+                <a:ea typeface="+mn-ea"/>
+                <a:cs typeface="+mn-cs"/>
+              </a:defRPr>
+            </a:lvl5pPr>
+            <a:lvl6pPr marL="2514600" indent="-228600" algn="l" defTabSz="914400" rtl="0" eaLnBrk="1" latinLnBrk="0" hangingPunct="1">
+              <a:lnSpc>
+                <a:spcPct val="90000"/>
+              </a:lnSpc>
+              <a:spcBef>
+                <a:spcPts val="500"/>
+              </a:spcBef>
+              <a:buFont typeface="Arial" panose="020B0604020202020204" pitchFamily="34" charset="0"/>
+              <a:buChar char="•"/>
+              <a:defRPr sz="1800" kern="1200">
+                <a:solidFill>
+                  <a:schemeClr val="tx1"/>
+                </a:solidFill>
+                <a:latin typeface="+mn-lt"/>
+                <a:ea typeface="+mn-ea"/>
+                <a:cs typeface="+mn-cs"/>
+              </a:defRPr>
+            </a:lvl6pPr>
+            <a:lvl7pPr marL="2971800" indent="-228600" algn="l" defTabSz="914400" rtl="0" eaLnBrk="1" latinLnBrk="0" hangingPunct="1">
+              <a:lnSpc>
+                <a:spcPct val="90000"/>
+              </a:lnSpc>
+              <a:spcBef>
+                <a:spcPts val="500"/>
+              </a:spcBef>
+              <a:buFont typeface="Arial" panose="020B0604020202020204" pitchFamily="34" charset="0"/>
+              <a:buChar char="•"/>
+              <a:defRPr sz="1800" kern="1200">
+                <a:solidFill>
+                  <a:schemeClr val="tx1"/>
+                </a:solidFill>
+                <a:latin typeface="+mn-lt"/>
+                <a:ea typeface="+mn-ea"/>
+                <a:cs typeface="+mn-cs"/>
+              </a:defRPr>
+            </a:lvl7pPr>
+            <a:lvl8pPr marL="3429000" indent="-228600" algn="l" defTabSz="914400" rtl="0" eaLnBrk="1" latinLnBrk="0" hangingPunct="1">
+              <a:lnSpc>
+                <a:spcPct val="90000"/>
+              </a:lnSpc>
+              <a:spcBef>
+                <a:spcPts val="500"/>
+              </a:spcBef>
+              <a:buFont typeface="Arial" panose="020B0604020202020204" pitchFamily="34" charset="0"/>
+              <a:buChar char="•"/>
+              <a:defRPr sz="1800" kern="1200">
+                <a:solidFill>
+                  <a:schemeClr val="tx1"/>
+                </a:solidFill>
+                <a:latin typeface="+mn-lt"/>
+                <a:ea typeface="+mn-ea"/>
+                <a:cs typeface="+mn-cs"/>
+              </a:defRPr>
+            </a:lvl8pPr>
+            <a:lvl9pPr marL="3886200" indent="-228600" algn="l" defTabSz="914400" rtl="0" eaLnBrk="1" latinLnBrk="0" hangingPunct="1">
+              <a:lnSpc>
+                <a:spcPct val="90000"/>
+              </a:lnSpc>
+              <a:spcBef>
+                <a:spcPts val="500"/>
+              </a:spcBef>
+              <a:buFont typeface="Arial" panose="020B0604020202020204" pitchFamily="34" charset="0"/>
+              <a:buChar char="•"/>
+              <a:defRPr sz="1800" kern="1200">
+                <a:solidFill>
+                  <a:schemeClr val="tx1"/>
+                </a:solidFill>
+                <a:latin typeface="+mn-lt"/>
+                <a:ea typeface="+mn-ea"/>
+                <a:cs typeface="+mn-cs"/>
+              </a:defRPr>
+            </a:lvl9pPr>
+          </a:lstStyle>
+          <a:p>
+            <a:r>
+              <a:rPr lang="en-US" dirty="0">
+                <a:latin typeface="Helvetica Neue Light" panose="02000403000000020004" pitchFamily="2" charset="0"/>
+                <a:ea typeface="Helvetica Neue Light" panose="02000403000000020004" pitchFamily="2" charset="0"/>
+              </a:rPr>
+              <a:t>Doublet of same cell type may not cause big problems but,</a:t>
+            </a:r>
+          </a:p>
+          <a:p>
+            <a:r>
+              <a:rPr lang="en-US" dirty="0">
+                <a:latin typeface="Helvetica Neue Light" panose="02000403000000020004" pitchFamily="2" charset="0"/>
+                <a:ea typeface="Helvetica Neue Light" panose="02000403000000020004" pitchFamily="2" charset="0"/>
+              </a:rPr>
+              <a:t>Doublets of different types may have unique expression profiles</a:t>
+            </a:r>
+          </a:p>
+          <a:p>
+            <a:pPr lvl="1"/>
+            <a:r>
+              <a:rPr lang="en-US" dirty="0">
+                <a:latin typeface="Helvetica Neue Light" panose="02000403000000020004" pitchFamily="2" charset="0"/>
+                <a:ea typeface="Helvetica Neue Light" panose="02000403000000020004" pitchFamily="2" charset="0"/>
+              </a:rPr>
+              <a:t>Occupy unique positions in reduced dimension space</a:t>
+            </a:r>
+          </a:p>
+          <a:p>
+            <a:pPr lvl="1"/>
+            <a:r>
+              <a:rPr lang="en-US" dirty="0">
+                <a:latin typeface="Helvetica Neue Light" panose="02000403000000020004" pitchFamily="2" charset="0"/>
+                <a:ea typeface="Helvetica Neue Light" panose="02000403000000020004" pitchFamily="2" charset="0"/>
+              </a:rPr>
+              <a:t>Incorrectly identified as unique cell populations</a:t>
+            </a:r>
+          </a:p>
+          <a:p>
+            <a:r>
+              <a:rPr lang="en-US" dirty="0">
+                <a:latin typeface="Helvetica Neue Light" panose="02000403000000020004" pitchFamily="2" charset="0"/>
+                <a:ea typeface="Helvetica Neue Light" panose="02000403000000020004" pitchFamily="2" charset="0"/>
+              </a:rPr>
+              <a:t>Some bench protocols require contaminant hetero-specific cells to be present</a:t>
+            </a:r>
+          </a:p>
+          <a:p>
+            <a:pPr lvl="1"/>
+            <a:endParaRPr lang="en-US" dirty="0">
+              <a:latin typeface="Helvetica Neue Light" panose="02000403000000020004" pitchFamily="2" charset="0"/>
+              <a:ea typeface="Helvetica Neue Light" panose="02000403000000020004" pitchFamily="2" charset="0"/>
+            </a:endParaRPr>
+          </a:p>
+          <a:p>
+            <a:pPr marL="457200" lvl="1" indent="0">
+              <a:buFont typeface="Arial" panose="020B0604020202020204" pitchFamily="34" charset="0"/>
+              <a:buNone/>
+            </a:pPr>
+            <a:endParaRPr lang="en-US" dirty="0">
+              <a:latin typeface="Helvetica Neue Light" panose="02000403000000020004" pitchFamily="2" charset="0"/>
+              <a:ea typeface="Helvetica Neue Light" panose="02000403000000020004" pitchFamily="2" charset="0"/>
+            </a:endParaRPr>
+          </a:p>
+        </p:txBody>
+      </p:sp>
+      <p:sp>
+        <p:nvSpPr>
+          <p:cNvPr id="10" name="TextBox 9">
+            <a:extLst>
+              <a:ext uri="{FF2B5EF4-FFF2-40B4-BE49-F238E27FC236}">
+                <a16:creationId xmlns:a16="http://schemas.microsoft.com/office/drawing/2014/main" id="{06A07E28-C229-C14C-9ADF-0B10C3272C7F}"/>
+              </a:ext>
+            </a:extLst>
+          </p:cNvPr>
+          <p:cNvSpPr txBox="1"/>
+          <p:nvPr/>
+        </p:nvSpPr>
+        <p:spPr>
+          <a:xfrm>
+            <a:off x="4455964" y="5232234"/>
+            <a:ext cx="2781587" cy="276999"/>
+          </a:xfrm>
+          <a:prstGeom prst="rect">
+            <a:avLst/>
+          </a:prstGeom>
+          <a:noFill/>
+        </p:spPr>
+        <p:txBody>
+          <a:bodyPr wrap="square" rtlCol="0">
+            <a:spAutoFit/>
+          </a:bodyPr>
+          <a:lstStyle/>
+          <a:p>
+            <a:r>
+              <a:rPr lang="en-US" sz="1200" dirty="0" err="1">
+                <a:latin typeface="Helvetica Neue Light" panose="02000403000000020004" pitchFamily="2" charset="0"/>
+                <a:ea typeface="Helvetica Neue Light" panose="02000403000000020004" pitchFamily="2" charset="0"/>
+              </a:rPr>
+              <a:t>Wolock</a:t>
+            </a:r>
+            <a:r>
+              <a:rPr lang="en-US" sz="1200" dirty="0">
+                <a:latin typeface="Helvetica Neue Light" panose="02000403000000020004" pitchFamily="2" charset="0"/>
+                <a:ea typeface="Helvetica Neue Light" panose="02000403000000020004" pitchFamily="2" charset="0"/>
+              </a:rPr>
+              <a:t> et al., 2018, </a:t>
+            </a:r>
+            <a:r>
+              <a:rPr lang="en-US" sz="1200" i="1" dirty="0" err="1">
+                <a:latin typeface="Helvetica Neue Light" panose="02000403000000020004" pitchFamily="2" charset="0"/>
+                <a:ea typeface="Helvetica Neue Light" panose="02000403000000020004" pitchFamily="2" charset="0"/>
+              </a:rPr>
+              <a:t>bioRxiv</a:t>
+            </a:r>
+            <a:endParaRPr lang="en-US" sz="1200" i="1" dirty="0">
+              <a:latin typeface="Helvetica Neue Light" panose="02000403000000020004" pitchFamily="2" charset="0"/>
+              <a:ea typeface="Helvetica Neue Light" panose="02000403000000020004" pitchFamily="2" charset="0"/>
+            </a:endParaRPr>
+          </a:p>
+        </p:txBody>
+      </p:sp>
+    </p:spTree>
+    <p:extLst>
+      <p:ext uri="{BB962C8B-B14F-4D97-AF65-F5344CB8AC3E}">
+        <p14:creationId xmlns:p14="http://schemas.microsoft.com/office/powerpoint/2010/main" val="299775146"/>
+      </p:ext>
+    </p:extLst>
+  </p:cSld>
+  <p:clrMapOvr>
+    <a:masterClrMapping/>
+  </p:clrMapOvr>
+</p:sld>
+</file>
+
+<file path=ppt/slides/slide16.xml><?xml version="1.0" encoding="utf-8"?>
+<p:sld xmlns:a="http://schemas.openxmlformats.org/drawingml/2006/main" xmlns:r="http://schemas.openxmlformats.org/officeDocument/2006/relationships" xmlns:p="http://schemas.openxmlformats.org/presentationml/2006/main">
+  <p:cSld>
+    <p:spTree>
+      <p:nvGrpSpPr>
+        <p:cNvPr id="1" name=""/>
+        <p:cNvGrpSpPr/>
+        <p:nvPr/>
+      </p:nvGrpSpPr>
+      <p:grpSpPr>
+        <a:xfrm>
+          <a:off x="0" y="0"/>
+          <a:ext cx="0" cy="0"/>
+          <a:chOff x="0" y="0"/>
+          <a:chExt cx="0" cy="0"/>
+        </a:xfrm>
+      </p:grpSpPr>
+      <p:sp>
+        <p:nvSpPr>
+          <p:cNvPr id="8" name="Content Placeholder 7">
+            <a:extLst>
+              <a:ext uri="{FF2B5EF4-FFF2-40B4-BE49-F238E27FC236}">
+                <a16:creationId xmlns:a16="http://schemas.microsoft.com/office/drawing/2014/main" id="{4D9249D6-75D5-9C4A-9BF5-73D774786400}"/>
+              </a:ext>
+            </a:extLst>
+          </p:cNvPr>
+          <p:cNvSpPr>
+            <a:spLocks noGrp="1"/>
+          </p:cNvSpPr>
+          <p:nvPr>
+            <p:ph sz="half" idx="1"/>
+          </p:nvPr>
+        </p:nvSpPr>
+        <p:spPr>
+          <a:xfrm>
+            <a:off x="838200" y="1825625"/>
+            <a:ext cx="10640786" cy="4351338"/>
+          </a:xfrm>
+        </p:spPr>
+        <p:txBody>
+          <a:bodyPr>
+            <a:normAutofit/>
+          </a:bodyPr>
+          <a:lstStyle/>
+          <a:p>
+            <a:r>
+              <a:rPr lang="en-US" dirty="0">
+                <a:latin typeface="Helvetica Neue Light" panose="02000403000000020004" pitchFamily="2" charset="0"/>
+                <a:ea typeface="Helvetica Neue Light" panose="02000403000000020004" pitchFamily="2" charset="0"/>
+              </a:rPr>
+              <a:t>6 months ago, 10x said they weren’t looking at the doublet problem</a:t>
+            </a:r>
+          </a:p>
+          <a:p>
+            <a:r>
+              <a:rPr lang="en-US" dirty="0">
+                <a:latin typeface="Helvetica Neue Light" panose="02000403000000020004" pitchFamily="2" charset="0"/>
+                <a:ea typeface="Helvetica Neue Light" panose="02000403000000020004" pitchFamily="2" charset="0"/>
+              </a:rPr>
+              <a:t>Ad hoc solutions may be chainsaw when need a scalpel</a:t>
+            </a:r>
+          </a:p>
+          <a:p>
+            <a:pPr lvl="1"/>
+            <a:r>
+              <a:rPr lang="en-US" dirty="0">
+                <a:latin typeface="Helvetica Neue Light" panose="02000403000000020004" pitchFamily="2" charset="0"/>
+                <a:ea typeface="Helvetica Neue Light" panose="02000403000000020004" pitchFamily="2" charset="0"/>
+              </a:rPr>
+              <a:t>Filtering out cells with high UMI counts might exclude real cell populations with high RNA content</a:t>
+            </a:r>
+          </a:p>
+          <a:p>
+            <a:r>
+              <a:rPr lang="en-US" dirty="0">
+                <a:latin typeface="Helvetica Neue Light" panose="02000403000000020004" pitchFamily="2" charset="0"/>
+                <a:ea typeface="Helvetica Neue Light" panose="02000403000000020004" pitchFamily="2" charset="0"/>
+              </a:rPr>
+              <a:t>Just a few weeks ago, 3 tools published on </a:t>
+            </a:r>
+            <a:r>
+              <a:rPr lang="en-US" dirty="0" err="1">
+                <a:latin typeface="Helvetica Neue Light" panose="02000403000000020004" pitchFamily="2" charset="0"/>
+                <a:ea typeface="Helvetica Neue Light" panose="02000403000000020004" pitchFamily="2" charset="0"/>
+              </a:rPr>
+              <a:t>bioRxiv</a:t>
+            </a:r>
+            <a:endParaRPr lang="en-US" dirty="0">
+              <a:latin typeface="Helvetica Neue Light" panose="02000403000000020004" pitchFamily="2" charset="0"/>
+              <a:ea typeface="Helvetica Neue Light" panose="02000403000000020004" pitchFamily="2" charset="0"/>
+            </a:endParaRPr>
+          </a:p>
+          <a:p>
+            <a:pPr lvl="1"/>
+            <a:r>
+              <a:rPr lang="en-US" dirty="0" err="1">
+                <a:latin typeface="Helvetica Neue Light" panose="02000403000000020004" pitchFamily="2" charset="0"/>
+                <a:ea typeface="Helvetica Neue Light" panose="02000403000000020004" pitchFamily="2" charset="0"/>
+              </a:rPr>
+              <a:t>Scrublet</a:t>
+            </a:r>
+            <a:r>
+              <a:rPr lang="en-US" dirty="0">
+                <a:latin typeface="Helvetica Neue Light" panose="02000403000000020004" pitchFamily="2" charset="0"/>
+                <a:ea typeface="Helvetica Neue Light" panose="02000403000000020004" pitchFamily="2" charset="0"/>
+              </a:rPr>
+              <a:t>, </a:t>
+            </a:r>
+            <a:r>
+              <a:rPr lang="en-US" dirty="0" err="1">
+                <a:latin typeface="Helvetica Neue Light" panose="02000403000000020004" pitchFamily="2" charset="0"/>
+                <a:ea typeface="Helvetica Neue Light" panose="02000403000000020004" pitchFamily="2" charset="0"/>
+              </a:rPr>
+              <a:t>DoubleDecon</a:t>
+            </a:r>
+            <a:r>
+              <a:rPr lang="en-US" dirty="0">
+                <a:latin typeface="Helvetica Neue Light" panose="02000403000000020004" pitchFamily="2" charset="0"/>
+                <a:ea typeface="Helvetica Neue Light" panose="02000403000000020004" pitchFamily="2" charset="0"/>
+              </a:rPr>
+              <a:t>, </a:t>
+            </a:r>
+            <a:r>
+              <a:rPr lang="en-US" dirty="0" err="1">
+                <a:latin typeface="Helvetica Neue Light" panose="02000403000000020004" pitchFamily="2" charset="0"/>
+                <a:ea typeface="Helvetica Neue Light" panose="02000403000000020004" pitchFamily="2" charset="0"/>
+              </a:rPr>
+              <a:t>DoubletFinder</a:t>
+            </a:r>
+            <a:endParaRPr lang="en-US" dirty="0">
+              <a:latin typeface="Helvetica Neue Light" panose="02000403000000020004" pitchFamily="2" charset="0"/>
+              <a:ea typeface="Helvetica Neue Light" panose="02000403000000020004" pitchFamily="2" charset="0"/>
+            </a:endParaRPr>
+          </a:p>
+          <a:p>
+            <a:pPr lvl="1"/>
+            <a:r>
+              <a:rPr lang="en-US" dirty="0">
+                <a:latin typeface="Helvetica Neue Light" panose="02000403000000020004" pitchFamily="2" charset="0"/>
+                <a:ea typeface="Helvetica Neue Light" panose="02000403000000020004" pitchFamily="2" charset="0"/>
+              </a:rPr>
+              <a:t>Different flavors of same approach involving </a:t>
+            </a:r>
+            <a:r>
+              <a:rPr lang="en-US" dirty="0" err="1">
+                <a:latin typeface="Helvetica Neue Light" panose="02000403000000020004" pitchFamily="2" charset="0"/>
+                <a:ea typeface="Helvetica Neue Light" panose="02000403000000020004" pitchFamily="2" charset="0"/>
+              </a:rPr>
+              <a:t>simluations</a:t>
+            </a:r>
+            <a:r>
+              <a:rPr lang="en-US" dirty="0">
+                <a:latin typeface="Helvetica Neue Light" panose="02000403000000020004" pitchFamily="2" charset="0"/>
+                <a:ea typeface="Helvetica Neue Light" panose="02000403000000020004" pitchFamily="2" charset="0"/>
+              </a:rPr>
+              <a:t> and nearest-neighbor statistics</a:t>
+            </a:r>
+          </a:p>
+        </p:txBody>
+      </p:sp>
+      <p:cxnSp>
+        <p:nvCxnSpPr>
+          <p:cNvPr id="5" name="Straight Connector 4">
+            <a:extLst>
+              <a:ext uri="{FF2B5EF4-FFF2-40B4-BE49-F238E27FC236}">
+                <a16:creationId xmlns:a16="http://schemas.microsoft.com/office/drawing/2014/main" id="{97A6922C-54C3-694F-9492-EAC388C3E954}"/>
+              </a:ext>
+            </a:extLst>
+          </p:cNvPr>
+          <p:cNvCxnSpPr/>
+          <p:nvPr/>
+        </p:nvCxnSpPr>
+        <p:spPr>
+          <a:xfrm>
+            <a:off x="262467" y="1417638"/>
+            <a:ext cx="11216519" cy="0"/>
+          </a:xfrm>
+          <a:prstGeom prst="line">
+            <a:avLst/>
+          </a:prstGeom>
+          <a:ln w="19050">
+            <a:solidFill>
+              <a:schemeClr val="tx1"/>
+            </a:solidFill>
+          </a:ln>
+          <a:effectLst/>
+        </p:spPr>
+        <p:style>
+          <a:lnRef idx="2">
+            <a:schemeClr val="accent1"/>
+          </a:lnRef>
+          <a:fillRef idx="0">
+            <a:schemeClr val="accent1"/>
+          </a:fillRef>
+          <a:effectRef idx="1">
+            <a:schemeClr val="accent1"/>
+          </a:effectRef>
+          <a:fontRef idx="minor">
+            <a:schemeClr val="tx1"/>
+          </a:fontRef>
+        </p:style>
+      </p:cxnSp>
+      <p:sp>
+        <p:nvSpPr>
+          <p:cNvPr id="12" name="Title 1">
+            <a:extLst>
+              <a:ext uri="{FF2B5EF4-FFF2-40B4-BE49-F238E27FC236}">
+                <a16:creationId xmlns:a16="http://schemas.microsoft.com/office/drawing/2014/main" id="{B48711B5-D460-7044-939F-EAFD1BB7A648}"/>
+              </a:ext>
+            </a:extLst>
+          </p:cNvPr>
+          <p:cNvSpPr>
+            <a:spLocks noGrp="1"/>
+          </p:cNvSpPr>
+          <p:nvPr>
+            <p:ph type="title"/>
+          </p:nvPr>
+        </p:nvSpPr>
+        <p:spPr>
+          <a:xfrm>
+            <a:off x="262467" y="365125"/>
+            <a:ext cx="11634788" cy="1325563"/>
+          </a:xfrm>
+        </p:spPr>
+        <p:txBody>
+          <a:bodyPr/>
+          <a:lstStyle/>
+          <a:p>
+            <a:r>
+              <a:rPr lang="en-US" dirty="0"/>
+              <a:t>Doublets: how to detect them?</a:t>
+            </a:r>
+          </a:p>
+        </p:txBody>
+      </p:sp>
+    </p:spTree>
+    <p:extLst>
+      <p:ext uri="{BB962C8B-B14F-4D97-AF65-F5344CB8AC3E}">
+        <p14:creationId xmlns:p14="http://schemas.microsoft.com/office/powerpoint/2010/main" val="385965136"/>
+      </p:ext>
+    </p:extLst>
+  </p:cSld>
+  <p:clrMapOvr>
+    <a:masterClrMapping/>
+  </p:clrMapOvr>
+</p:sld>
+</file>
+
+<file path=ppt/slides/slide17.xml><?xml version="1.0" encoding="utf-8"?>
+<p:sld xmlns:a="http://schemas.openxmlformats.org/drawingml/2006/main" xmlns:r="http://schemas.openxmlformats.org/officeDocument/2006/relationships" xmlns:p="http://schemas.openxmlformats.org/presentationml/2006/main">
+  <p:cSld>
+    <p:spTree>
+      <p:nvGrpSpPr>
+        <p:cNvPr id="1" name=""/>
+        <p:cNvGrpSpPr/>
+        <p:nvPr/>
+      </p:nvGrpSpPr>
+      <p:grpSpPr>
+        <a:xfrm>
+          <a:off x="0" y="0"/>
+          <a:ext cx="0" cy="0"/>
+          <a:chOff x="0" y="0"/>
+          <a:chExt cx="0" cy="0"/>
+        </a:xfrm>
+      </p:grpSpPr>
+      <p:cxnSp>
+        <p:nvCxnSpPr>
+          <p:cNvPr id="5" name="Straight Connector 4">
+            <a:extLst>
+              <a:ext uri="{FF2B5EF4-FFF2-40B4-BE49-F238E27FC236}">
+                <a16:creationId xmlns:a16="http://schemas.microsoft.com/office/drawing/2014/main" id="{97A6922C-54C3-694F-9492-EAC388C3E954}"/>
+              </a:ext>
+            </a:extLst>
+          </p:cNvPr>
+          <p:cNvCxnSpPr/>
+          <p:nvPr/>
+        </p:nvCxnSpPr>
+        <p:spPr>
+          <a:xfrm>
+            <a:off x="262467" y="1417638"/>
+            <a:ext cx="11216519" cy="0"/>
+          </a:xfrm>
+          <a:prstGeom prst="line">
+            <a:avLst/>
+          </a:prstGeom>
+          <a:ln w="19050">
+            <a:solidFill>
+              <a:schemeClr val="tx1"/>
+            </a:solidFill>
+          </a:ln>
+          <a:effectLst/>
+        </p:spPr>
+        <p:style>
+          <a:lnRef idx="2">
+            <a:schemeClr val="accent1"/>
+          </a:lnRef>
+          <a:fillRef idx="0">
+            <a:schemeClr val="accent1"/>
+          </a:fillRef>
+          <a:effectRef idx="1">
+            <a:schemeClr val="accent1"/>
+          </a:effectRef>
+          <a:fontRef idx="minor">
+            <a:schemeClr val="tx1"/>
+          </a:fontRef>
+        </p:style>
+      </p:cxnSp>
+      <p:sp>
+        <p:nvSpPr>
+          <p:cNvPr id="12" name="Title 1">
+            <a:extLst>
+              <a:ext uri="{FF2B5EF4-FFF2-40B4-BE49-F238E27FC236}">
+                <a16:creationId xmlns:a16="http://schemas.microsoft.com/office/drawing/2014/main" id="{B48711B5-D460-7044-939F-EAFD1BB7A648}"/>
+              </a:ext>
+            </a:extLst>
+          </p:cNvPr>
+          <p:cNvSpPr>
+            <a:spLocks noGrp="1"/>
+          </p:cNvSpPr>
+          <p:nvPr>
+            <p:ph type="title"/>
+          </p:nvPr>
+        </p:nvSpPr>
+        <p:spPr>
+          <a:xfrm>
+            <a:off x="262467" y="365125"/>
+            <a:ext cx="11634788" cy="1325563"/>
+          </a:xfrm>
+        </p:spPr>
+        <p:txBody>
+          <a:bodyPr/>
+          <a:lstStyle/>
+          <a:p>
+            <a:r>
+              <a:rPr lang="en-US" dirty="0" err="1"/>
+              <a:t>Scrublet</a:t>
+            </a:r>
+            <a:r>
+              <a:rPr lang="en-US" dirty="0"/>
+              <a:t>!!</a:t>
+            </a:r>
+          </a:p>
+        </p:txBody>
+      </p:sp>
+      <p:pic>
+        <p:nvPicPr>
+          <p:cNvPr id="6" name="Picture 5">
+            <a:extLst>
+              <a:ext uri="{FF2B5EF4-FFF2-40B4-BE49-F238E27FC236}">
+                <a16:creationId xmlns:a16="http://schemas.microsoft.com/office/drawing/2014/main" id="{988069E5-2454-A343-81FA-562B7DDECCDD}"/>
+              </a:ext>
+            </a:extLst>
+          </p:cNvPr>
+          <p:cNvPicPr>
+            <a:picLocks noChangeAspect="1"/>
+          </p:cNvPicPr>
+          <p:nvPr/>
+        </p:nvPicPr>
+        <p:blipFill>
+          <a:blip r:embed="rId2"/>
+          <a:stretch>
+            <a:fillRect/>
+          </a:stretch>
+        </p:blipFill>
+        <p:spPr>
+          <a:xfrm>
+            <a:off x="1190847" y="1775994"/>
+            <a:ext cx="8899451" cy="3661027"/>
+          </a:xfrm>
+          <a:prstGeom prst="rect">
+            <a:avLst/>
+          </a:prstGeom>
+        </p:spPr>
+      </p:pic>
+      <p:sp>
+        <p:nvSpPr>
+          <p:cNvPr id="9" name="Rectangle 8">
+            <a:extLst>
+              <a:ext uri="{FF2B5EF4-FFF2-40B4-BE49-F238E27FC236}">
+                <a16:creationId xmlns:a16="http://schemas.microsoft.com/office/drawing/2014/main" id="{385037FB-FFB8-F441-9F96-244689618253}"/>
+              </a:ext>
+            </a:extLst>
+          </p:cNvPr>
+          <p:cNvSpPr/>
+          <p:nvPr/>
+        </p:nvSpPr>
+        <p:spPr>
+          <a:xfrm>
+            <a:off x="1316665" y="1881963"/>
+            <a:ext cx="361507" cy="322375"/>
+          </a:xfrm>
+          <a:prstGeom prst="rect">
+            <a:avLst/>
+          </a:prstGeom>
+          <a:solidFill>
+            <a:schemeClr val="bg1"/>
+          </a:solidFill>
+          <a:ln>
+            <a:noFill/>
+          </a:ln>
+        </p:spPr>
+        <p:style>
+          <a:lnRef idx="2">
+            <a:schemeClr val="accent1">
+              <a:shade val="50000"/>
+            </a:schemeClr>
+          </a:lnRef>
+          <a:fillRef idx="1">
+            <a:schemeClr val="accent1"/>
+          </a:fillRef>
+          <a:effectRef idx="0">
+            <a:schemeClr val="accent1"/>
+          </a:effectRef>
+          <a:fontRef idx="minor">
+            <a:schemeClr val="lt1"/>
+          </a:fontRef>
+        </p:style>
+        <p:txBody>
+          <a:bodyPr rtlCol="0" anchor="ctr"/>
+          <a:lstStyle/>
+          <a:p>
+            <a:pPr algn="ctr"/>
+            <a:endParaRPr lang="en-US"/>
+          </a:p>
+        </p:txBody>
+      </p:sp>
+      <p:sp>
+        <p:nvSpPr>
+          <p:cNvPr id="10" name="TextBox 9">
+            <a:extLst>
+              <a:ext uri="{FF2B5EF4-FFF2-40B4-BE49-F238E27FC236}">
+                <a16:creationId xmlns:a16="http://schemas.microsoft.com/office/drawing/2014/main" id="{BAABC5CF-37B4-4943-8226-CB2925990A04}"/>
+              </a:ext>
+            </a:extLst>
+          </p:cNvPr>
+          <p:cNvSpPr txBox="1"/>
+          <p:nvPr/>
+        </p:nvSpPr>
+        <p:spPr>
+          <a:xfrm>
+            <a:off x="7858060" y="5472948"/>
+            <a:ext cx="2781587" cy="276999"/>
+          </a:xfrm>
+          <a:prstGeom prst="rect">
+            <a:avLst/>
+          </a:prstGeom>
+          <a:noFill/>
+        </p:spPr>
+        <p:txBody>
+          <a:bodyPr wrap="square" rtlCol="0">
+            <a:spAutoFit/>
+          </a:bodyPr>
+          <a:lstStyle/>
+          <a:p>
+            <a:r>
+              <a:rPr lang="en-US" sz="1200" dirty="0" err="1">
+                <a:latin typeface="Helvetica Neue Light" panose="02000403000000020004" pitchFamily="2" charset="0"/>
+                <a:ea typeface="Helvetica Neue Light" panose="02000403000000020004" pitchFamily="2" charset="0"/>
+              </a:rPr>
+              <a:t>Wolock</a:t>
+            </a:r>
+            <a:r>
+              <a:rPr lang="en-US" sz="1200" dirty="0">
+                <a:latin typeface="Helvetica Neue Light" panose="02000403000000020004" pitchFamily="2" charset="0"/>
+                <a:ea typeface="Helvetica Neue Light" panose="02000403000000020004" pitchFamily="2" charset="0"/>
+              </a:rPr>
+              <a:t> et al., 2018, </a:t>
+            </a:r>
+            <a:r>
+              <a:rPr lang="en-US" sz="1200" i="1" dirty="0" err="1">
+                <a:latin typeface="Helvetica Neue Light" panose="02000403000000020004" pitchFamily="2" charset="0"/>
+                <a:ea typeface="Helvetica Neue Light" panose="02000403000000020004" pitchFamily="2" charset="0"/>
+              </a:rPr>
+              <a:t>bioRxiv</a:t>
+            </a:r>
+            <a:endParaRPr lang="en-US" sz="1200" i="1" dirty="0">
+              <a:latin typeface="Helvetica Neue Light" panose="02000403000000020004" pitchFamily="2" charset="0"/>
+              <a:ea typeface="Helvetica Neue Light" panose="02000403000000020004" pitchFamily="2" charset="0"/>
+            </a:endParaRPr>
+          </a:p>
+        </p:txBody>
+      </p:sp>
+      <p:sp>
+        <p:nvSpPr>
+          <p:cNvPr id="11" name="Content Placeholder 7">
+            <a:extLst>
+              <a:ext uri="{FF2B5EF4-FFF2-40B4-BE49-F238E27FC236}">
+                <a16:creationId xmlns:a16="http://schemas.microsoft.com/office/drawing/2014/main" id="{72DF6BBE-AF75-5346-BFB1-755DDBB67002}"/>
+              </a:ext>
+            </a:extLst>
+          </p:cNvPr>
+          <p:cNvSpPr>
+            <a:spLocks noGrp="1"/>
+          </p:cNvSpPr>
+          <p:nvPr>
+            <p:ph sz="half" idx="1"/>
+          </p:nvPr>
+        </p:nvSpPr>
+        <p:spPr>
+          <a:xfrm>
+            <a:off x="838200" y="5759830"/>
+            <a:ext cx="10640786" cy="860659"/>
+          </a:xfrm>
+        </p:spPr>
+        <p:txBody>
+          <a:bodyPr>
+            <a:normAutofit fontScale="92500" lnSpcReduction="10000"/>
+          </a:bodyPr>
+          <a:lstStyle/>
+          <a:p>
+            <a:r>
+              <a:rPr lang="en-US" dirty="0">
+                <a:latin typeface="Helvetica Neue Light" panose="02000403000000020004" pitchFamily="2" charset="0"/>
+                <a:ea typeface="Helvetica Neue Light" panose="02000403000000020004" pitchFamily="2" charset="0"/>
+              </a:rPr>
+              <a:t>Implemented in python</a:t>
+            </a:r>
+          </a:p>
+          <a:p>
+            <a:r>
+              <a:rPr lang="en-US" dirty="0">
+                <a:latin typeface="Helvetica Neue Light" panose="02000403000000020004" pitchFamily="2" charset="0"/>
+                <a:ea typeface="Helvetica Neue Light" panose="02000403000000020004" pitchFamily="2" charset="0"/>
+              </a:rPr>
+              <a:t>We have yet to establish best practices/tools … stay tuned!!</a:t>
+            </a:r>
+          </a:p>
+        </p:txBody>
+      </p:sp>
+    </p:spTree>
+    <p:extLst>
+      <p:ext uri="{BB962C8B-B14F-4D97-AF65-F5344CB8AC3E}">
+        <p14:creationId xmlns:p14="http://schemas.microsoft.com/office/powerpoint/2010/main" val="1608058621"/>
+      </p:ext>
+    </p:extLst>
+  </p:cSld>
+  <p:clrMapOvr>
+    <a:masterClrMapping/>
+  </p:clrMapOvr>
+</p:sld>
+</file>
+
+<file path=ppt/slides/slide18.xml><?xml version="1.0" encoding="utf-8"?>
+<p:sld xmlns:a="http://schemas.openxmlformats.org/drawingml/2006/main" xmlns:r="http://schemas.openxmlformats.org/officeDocument/2006/relationships" xmlns:p="http://schemas.openxmlformats.org/presentationml/2006/main">
+  <p:cSld>
+    <p:spTree>
+      <p:nvGrpSpPr>
+        <p:cNvPr id="1" name=""/>
+        <p:cNvGrpSpPr/>
+        <p:nvPr/>
+      </p:nvGrpSpPr>
+      <p:grpSpPr>
+        <a:xfrm>
+          <a:off x="0" y="0"/>
+          <a:ext cx="0" cy="0"/>
+          <a:chOff x="0" y="0"/>
+          <a:chExt cx="0" cy="0"/>
+        </a:xfrm>
+      </p:grpSpPr>
+      <p:sp>
+        <p:nvSpPr>
+          <p:cNvPr id="8" name="Content Placeholder 7">
+            <a:extLst>
+              <a:ext uri="{FF2B5EF4-FFF2-40B4-BE49-F238E27FC236}">
+                <a16:creationId xmlns:a16="http://schemas.microsoft.com/office/drawing/2014/main" id="{4D9249D6-75D5-9C4A-9BF5-73D774786400}"/>
+              </a:ext>
+            </a:extLst>
+          </p:cNvPr>
+          <p:cNvSpPr>
+            <a:spLocks noGrp="1"/>
+          </p:cNvSpPr>
+          <p:nvPr>
+            <p:ph sz="half" idx="1"/>
+          </p:nvPr>
+        </p:nvSpPr>
+        <p:spPr>
+          <a:xfrm>
+            <a:off x="838200" y="1825625"/>
+            <a:ext cx="10640786" cy="4351338"/>
+          </a:xfrm>
+        </p:spPr>
+        <p:txBody>
+          <a:bodyPr>
+            <a:normAutofit lnSpcReduction="10000"/>
+          </a:bodyPr>
+          <a:lstStyle/>
+          <a:p>
+            <a:r>
+              <a:rPr lang="en-US" dirty="0">
+                <a:latin typeface="Helvetica Neue Light" panose="02000403000000020004" pitchFamily="2" charset="0"/>
+                <a:ea typeface="Helvetica Neue Light" panose="02000403000000020004" pitchFamily="2" charset="0"/>
+              </a:rPr>
+              <a:t>Bulk RNA-</a:t>
+            </a:r>
+            <a:r>
+              <a:rPr lang="en-US" dirty="0" err="1">
+                <a:latin typeface="Helvetica Neue Light" panose="02000403000000020004" pitchFamily="2" charset="0"/>
+                <a:ea typeface="Helvetica Neue Light" panose="02000403000000020004" pitchFamily="2" charset="0"/>
+              </a:rPr>
+              <a:t>seq</a:t>
+            </a:r>
+            <a:endParaRPr lang="en-US" dirty="0">
+              <a:latin typeface="Helvetica Neue Light" panose="02000403000000020004" pitchFamily="2" charset="0"/>
+              <a:ea typeface="Helvetica Neue Light" panose="02000403000000020004" pitchFamily="2" charset="0"/>
+            </a:endParaRPr>
+          </a:p>
+          <a:p>
+            <a:pPr lvl="1"/>
+            <a:r>
+              <a:rPr lang="en-US" dirty="0">
+                <a:latin typeface="Helvetica Neue Light" panose="02000403000000020004" pitchFamily="2" charset="0"/>
+                <a:ea typeface="Helvetica Neue Light" panose="02000403000000020004" pitchFamily="2" charset="0"/>
+              </a:rPr>
+              <a:t>average across many millions of cells</a:t>
+            </a:r>
+          </a:p>
+          <a:p>
+            <a:pPr lvl="2"/>
+            <a:r>
+              <a:rPr lang="en-US" dirty="0">
+                <a:latin typeface="Helvetica Neue Light" panose="02000403000000020004" pitchFamily="2" charset="0"/>
+                <a:ea typeface="Helvetica Neue Light" panose="02000403000000020004" pitchFamily="2" charset="0"/>
+              </a:rPr>
+              <a:t>Unless cells pre-sorted, averaged across cell types</a:t>
+            </a:r>
+          </a:p>
+          <a:p>
+            <a:pPr lvl="2"/>
+            <a:r>
+              <a:rPr lang="en-US" dirty="0">
+                <a:latin typeface="Helvetica Neue Light" panose="02000403000000020004" pitchFamily="2" charset="0"/>
+                <a:ea typeface="Helvetica Neue Light" panose="02000403000000020004" pitchFamily="2" charset="0"/>
+              </a:rPr>
+              <a:t>Even if sorted, averaged across subpopulations sharing cell markers/morphology</a:t>
+            </a:r>
+          </a:p>
+          <a:p>
+            <a:pPr lvl="1"/>
+            <a:r>
+              <a:rPr lang="en-US" dirty="0">
+                <a:latin typeface="Helvetica Neue Light" panose="02000403000000020004" pitchFamily="2" charset="0"/>
+                <a:ea typeface="Helvetica Neue Light" panose="02000403000000020004" pitchFamily="2" charset="0"/>
+              </a:rPr>
+              <a:t>millions of reads per sample</a:t>
+            </a:r>
+          </a:p>
+          <a:p>
+            <a:r>
+              <a:rPr lang="en-US" dirty="0" err="1">
+                <a:latin typeface="Helvetica Neue Light" panose="02000403000000020004" pitchFamily="2" charset="0"/>
+                <a:ea typeface="Helvetica Neue Light" panose="02000403000000020004" pitchFamily="2" charset="0"/>
+              </a:rPr>
+              <a:t>scRNA-seq</a:t>
+            </a:r>
+            <a:endParaRPr lang="en-US" dirty="0">
+              <a:latin typeface="Helvetica Neue Light" panose="02000403000000020004" pitchFamily="2" charset="0"/>
+              <a:ea typeface="Helvetica Neue Light" panose="02000403000000020004" pitchFamily="2" charset="0"/>
+            </a:endParaRPr>
+          </a:p>
+          <a:p>
+            <a:pPr lvl="1"/>
+            <a:r>
+              <a:rPr lang="en-US" dirty="0">
+                <a:latin typeface="Helvetica Neue Light" panose="02000403000000020004" pitchFamily="2" charset="0"/>
+                <a:ea typeface="Helvetica Neue Light" panose="02000403000000020004" pitchFamily="2" charset="0"/>
+              </a:rPr>
+              <a:t>far fewer cells</a:t>
+            </a:r>
+          </a:p>
+          <a:p>
+            <a:pPr lvl="2"/>
+            <a:r>
+              <a:rPr lang="en-US" dirty="0">
+                <a:latin typeface="Helvetica Neue Light" panose="02000403000000020004" pitchFamily="2" charset="0"/>
+                <a:ea typeface="Helvetica Neue Light" panose="02000403000000020004" pitchFamily="2" charset="0"/>
+              </a:rPr>
+              <a:t>Far fewer reads per cell than reads per bulk RNA-</a:t>
+            </a:r>
+            <a:r>
+              <a:rPr lang="en-US" dirty="0" err="1">
+                <a:latin typeface="Helvetica Neue Light" panose="02000403000000020004" pitchFamily="2" charset="0"/>
+                <a:ea typeface="Helvetica Neue Light" panose="02000403000000020004" pitchFamily="2" charset="0"/>
+              </a:rPr>
+              <a:t>seq</a:t>
+            </a:r>
+            <a:r>
+              <a:rPr lang="en-US" dirty="0">
+                <a:latin typeface="Helvetica Neue Light" panose="02000403000000020004" pitchFamily="2" charset="0"/>
+                <a:ea typeface="Helvetica Neue Light" panose="02000403000000020004" pitchFamily="2" charset="0"/>
+              </a:rPr>
+              <a:t> sample</a:t>
+            </a:r>
+          </a:p>
+          <a:p>
+            <a:pPr lvl="1"/>
+            <a:r>
+              <a:rPr lang="en-US" dirty="0">
+                <a:latin typeface="Helvetica Neue Light" panose="02000403000000020004" pitchFamily="2" charset="0"/>
+                <a:ea typeface="Helvetica Neue Light" panose="02000403000000020004" pitchFamily="2" charset="0"/>
+              </a:rPr>
+              <a:t>”zero inflation”</a:t>
+            </a:r>
+          </a:p>
+          <a:p>
+            <a:pPr lvl="2"/>
+            <a:r>
+              <a:rPr lang="en-US" dirty="0">
+                <a:latin typeface="Helvetica Neue Light" panose="02000403000000020004" pitchFamily="2" charset="0"/>
+                <a:ea typeface="Helvetica Neue Light" panose="02000403000000020004" pitchFamily="2" charset="0"/>
+              </a:rPr>
+              <a:t>Technical: dropouts (expressed but not detected)</a:t>
+            </a:r>
+          </a:p>
+          <a:p>
+            <a:pPr lvl="2"/>
+            <a:r>
+              <a:rPr lang="en-US" dirty="0">
+                <a:latin typeface="Helvetica Neue Light" panose="02000403000000020004" pitchFamily="2" charset="0"/>
+                <a:ea typeface="Helvetica Neue Light" panose="02000403000000020004" pitchFamily="2" charset="0"/>
+              </a:rPr>
+              <a:t>Biological: intra-cellular temporal variation in expression (some genes ”off” when a cell is sampled)</a:t>
+            </a:r>
+          </a:p>
+          <a:p>
+            <a:pPr lvl="1"/>
+            <a:endParaRPr lang="en-US" dirty="0">
+              <a:latin typeface="Helvetica Neue Light" panose="02000403000000020004" pitchFamily="2" charset="0"/>
+              <a:ea typeface="Helvetica Neue Light" panose="02000403000000020004" pitchFamily="2" charset="0"/>
+            </a:endParaRPr>
+          </a:p>
+        </p:txBody>
+      </p:sp>
+      <p:cxnSp>
+        <p:nvCxnSpPr>
+          <p:cNvPr id="5" name="Straight Connector 4">
+            <a:extLst>
+              <a:ext uri="{FF2B5EF4-FFF2-40B4-BE49-F238E27FC236}">
+                <a16:creationId xmlns:a16="http://schemas.microsoft.com/office/drawing/2014/main" id="{97A6922C-54C3-694F-9492-EAC388C3E954}"/>
+              </a:ext>
+            </a:extLst>
+          </p:cNvPr>
+          <p:cNvCxnSpPr/>
+          <p:nvPr/>
+        </p:nvCxnSpPr>
+        <p:spPr>
+          <a:xfrm>
+            <a:off x="262467" y="1417638"/>
+            <a:ext cx="11216519" cy="0"/>
+          </a:xfrm>
+          <a:prstGeom prst="line">
+            <a:avLst/>
+          </a:prstGeom>
+          <a:ln w="19050">
+            <a:solidFill>
+              <a:schemeClr val="tx1"/>
+            </a:solidFill>
+          </a:ln>
+          <a:effectLst/>
+        </p:spPr>
+        <p:style>
+          <a:lnRef idx="2">
+            <a:schemeClr val="accent1"/>
+          </a:lnRef>
+          <a:fillRef idx="0">
+            <a:schemeClr val="accent1"/>
+          </a:fillRef>
+          <a:effectRef idx="1">
+            <a:schemeClr val="accent1"/>
+          </a:effectRef>
+          <a:fontRef idx="minor">
+            <a:schemeClr val="tx1"/>
+          </a:fontRef>
+        </p:style>
+      </p:cxnSp>
+      <p:sp>
+        <p:nvSpPr>
+          <p:cNvPr id="12" name="Title 1">
+            <a:extLst>
+              <a:ext uri="{FF2B5EF4-FFF2-40B4-BE49-F238E27FC236}">
+                <a16:creationId xmlns:a16="http://schemas.microsoft.com/office/drawing/2014/main" id="{B48711B5-D460-7044-939F-EAFD1BB7A648}"/>
+              </a:ext>
+            </a:extLst>
+          </p:cNvPr>
+          <p:cNvSpPr>
+            <a:spLocks noGrp="1"/>
+          </p:cNvSpPr>
+          <p:nvPr>
+            <p:ph type="title"/>
+          </p:nvPr>
+        </p:nvSpPr>
+        <p:spPr>
+          <a:xfrm>
+            <a:off x="262467" y="365125"/>
+            <a:ext cx="11634788" cy="1325563"/>
+          </a:xfrm>
+        </p:spPr>
+        <p:txBody>
+          <a:bodyPr/>
+          <a:lstStyle/>
+          <a:p>
+            <a:r>
               <a:rPr lang="en-US" dirty="0" err="1"/>
               <a:t>scRNA-seq</a:t>
             </a:r>
@@ -5317,7 +6988,7 @@
 </p:sld>
 </file>
 
-<file path=ppt/slides/slide15.xml><?xml version="1.0" encoding="utf-8"?>
+<file path=ppt/slides/slide19.xml><?xml version="1.0" encoding="utf-8"?>
 <p:sld xmlns:a="http://schemas.openxmlformats.org/drawingml/2006/main" xmlns:r="http://schemas.openxmlformats.org/officeDocument/2006/relationships" xmlns:p="http://schemas.openxmlformats.org/presentationml/2006/main">
   <p:cSld>
     <p:spTree>
@@ -5955,7 +7626,207 @@
 </p:sld>
 </file>
 
-<file path=ppt/slides/slide16.xml><?xml version="1.0" encoding="utf-8"?>
+<file path=ppt/slides/slide2.xml><?xml version="1.0" encoding="utf-8"?>
+<p:sld xmlns:a="http://schemas.openxmlformats.org/drawingml/2006/main" xmlns:r="http://schemas.openxmlformats.org/officeDocument/2006/relationships" xmlns:p="http://schemas.openxmlformats.org/presentationml/2006/main">
+  <p:cSld>
+    <p:spTree>
+      <p:nvGrpSpPr>
+        <p:cNvPr id="1" name=""/>
+        <p:cNvGrpSpPr/>
+        <p:nvPr/>
+      </p:nvGrpSpPr>
+      <p:grpSpPr>
+        <a:xfrm>
+          <a:off x="0" y="0"/>
+          <a:ext cx="0" cy="0"/>
+          <a:chOff x="0" y="0"/>
+          <a:chExt cx="0" cy="0"/>
+        </a:xfrm>
+      </p:grpSpPr>
+      <p:sp>
+        <p:nvSpPr>
+          <p:cNvPr id="3" name="Content Placeholder 2">
+            <a:extLst>
+              <a:ext uri="{FF2B5EF4-FFF2-40B4-BE49-F238E27FC236}">
+                <a16:creationId xmlns:a16="http://schemas.microsoft.com/office/drawing/2014/main" id="{917ACD68-0947-F24A-B0E6-3830B1DEB461}"/>
+              </a:ext>
+            </a:extLst>
+          </p:cNvPr>
+          <p:cNvSpPr>
+            <a:spLocks noGrp="1"/>
+          </p:cNvSpPr>
+          <p:nvPr>
+            <p:ph idx="1"/>
+          </p:nvPr>
+        </p:nvSpPr>
+        <p:spPr/>
+        <p:txBody>
+          <a:bodyPr/>
+          <a:lstStyle/>
+          <a:p>
+            <a:r>
+              <a:rPr lang="en-US" dirty="0">
+                <a:latin typeface="Helvetica Neue Light" panose="02000403000000020004" pitchFamily="2" charset="0"/>
+                <a:ea typeface="Helvetica Neue Light" panose="02000403000000020004" pitchFamily="2" charset="0"/>
+              </a:rPr>
+              <a:t>Bulk RNA-</a:t>
+            </a:r>
+            <a:r>
+              <a:rPr lang="en-US" dirty="0" err="1">
+                <a:latin typeface="Helvetica Neue Light" panose="02000403000000020004" pitchFamily="2" charset="0"/>
+                <a:ea typeface="Helvetica Neue Light" panose="02000403000000020004" pitchFamily="2" charset="0"/>
+              </a:rPr>
+              <a:t>seq</a:t>
+            </a:r>
+            <a:endParaRPr lang="en-US" dirty="0">
+              <a:latin typeface="Helvetica Neue Light" panose="02000403000000020004" pitchFamily="2" charset="0"/>
+              <a:ea typeface="Helvetica Neue Light" panose="02000403000000020004" pitchFamily="2" charset="0"/>
+            </a:endParaRPr>
+          </a:p>
+          <a:p>
+            <a:pPr lvl="1"/>
+            <a:r>
+              <a:rPr lang="en-US" dirty="0">
+                <a:latin typeface="Helvetica Neue Light" panose="02000403000000020004" pitchFamily="2" charset="0"/>
+                <a:ea typeface="Helvetica Neue Light" panose="02000403000000020004" pitchFamily="2" charset="0"/>
+              </a:rPr>
+              <a:t>Any assay using sequence reads from an NGS instrument that cannot generate cell-specific expression estimates</a:t>
+            </a:r>
+          </a:p>
+          <a:p>
+            <a:pPr lvl="1"/>
+            <a:r>
+              <a:rPr lang="en-US" dirty="0">
+                <a:latin typeface="Helvetica Neue Light" panose="02000403000000020004" pitchFamily="2" charset="0"/>
+                <a:ea typeface="Helvetica Neue Light" panose="02000403000000020004" pitchFamily="2" charset="0"/>
+              </a:rPr>
+              <a:t>Includes pools of cells of the same type obtained through sorting that aren’t assigned cell barcodes</a:t>
+            </a:r>
+          </a:p>
+          <a:p>
+            <a:r>
+              <a:rPr lang="en-US" dirty="0" err="1">
+                <a:latin typeface="Helvetica Neue Light" panose="02000403000000020004" pitchFamily="2" charset="0"/>
+                <a:ea typeface="Helvetica Neue Light" panose="02000403000000020004" pitchFamily="2" charset="0"/>
+              </a:rPr>
+              <a:t>scRNA-seq</a:t>
+            </a:r>
+            <a:endParaRPr lang="en-US" dirty="0">
+              <a:latin typeface="Helvetica Neue Light" panose="02000403000000020004" pitchFamily="2" charset="0"/>
+              <a:ea typeface="Helvetica Neue Light" panose="02000403000000020004" pitchFamily="2" charset="0"/>
+            </a:endParaRPr>
+          </a:p>
+          <a:p>
+            <a:pPr lvl="1"/>
+            <a:r>
+              <a:rPr lang="en-US" dirty="0">
+                <a:latin typeface="Helvetica Neue Light" panose="02000403000000020004" pitchFamily="2" charset="0"/>
+                <a:ea typeface="Helvetica Neue Light" panose="02000403000000020004" pitchFamily="2" charset="0"/>
+              </a:rPr>
+              <a:t>Any protocol using NGS reads that uses read mappings to a set of reference transcripts in order to obtain cell-specific estimates of abundance</a:t>
+            </a:r>
+          </a:p>
+          <a:p>
+            <a:pPr lvl="1"/>
+            <a:r>
+              <a:rPr lang="en-US" dirty="0">
+                <a:latin typeface="Helvetica Neue Light" panose="02000403000000020004" pitchFamily="2" charset="0"/>
+                <a:ea typeface="Helvetica Neue Light" panose="02000403000000020004" pitchFamily="2" charset="0"/>
+              </a:rPr>
+              <a:t>Does NOT include things like multiplexed single cell qPCR</a:t>
+            </a:r>
+          </a:p>
+        </p:txBody>
+      </p:sp>
+      <p:sp>
+        <p:nvSpPr>
+          <p:cNvPr id="4" name="Title 1">
+            <a:extLst>
+              <a:ext uri="{FF2B5EF4-FFF2-40B4-BE49-F238E27FC236}">
+                <a16:creationId xmlns:a16="http://schemas.microsoft.com/office/drawing/2014/main" id="{7C141A7A-A82A-D843-940A-27426CAC2BC8}"/>
+              </a:ext>
+            </a:extLst>
+          </p:cNvPr>
+          <p:cNvSpPr>
+            <a:spLocks noGrp="1"/>
+          </p:cNvSpPr>
+          <p:nvPr>
+            <p:ph type="title"/>
+          </p:nvPr>
+        </p:nvSpPr>
+        <p:spPr>
+          <a:xfrm>
+            <a:off x="262467" y="365125"/>
+            <a:ext cx="11634788" cy="1325563"/>
+          </a:xfrm>
+        </p:spPr>
+        <p:txBody>
+          <a:bodyPr/>
+          <a:lstStyle/>
+          <a:p>
+            <a:r>
+              <a:rPr lang="en-US" dirty="0"/>
+              <a:t>Some quick definitions</a:t>
+            </a:r>
+          </a:p>
+        </p:txBody>
+      </p:sp>
+      <p:cxnSp>
+        <p:nvCxnSpPr>
+          <p:cNvPr id="5" name="Straight Connector 4">
+            <a:extLst>
+              <a:ext uri="{FF2B5EF4-FFF2-40B4-BE49-F238E27FC236}">
+                <a16:creationId xmlns:a16="http://schemas.microsoft.com/office/drawing/2014/main" id="{EFC7D5EF-925D-994D-95E5-4A2256FD6469}"/>
+              </a:ext>
+            </a:extLst>
+          </p:cNvPr>
+          <p:cNvCxnSpPr/>
+          <p:nvPr/>
+        </p:nvCxnSpPr>
+        <p:spPr>
+          <a:xfrm>
+            <a:off x="262467" y="1417638"/>
+            <a:ext cx="11216519" cy="0"/>
+          </a:xfrm>
+          <a:prstGeom prst="line">
+            <a:avLst/>
+          </a:prstGeom>
+          <a:ln w="19050">
+            <a:solidFill>
+              <a:schemeClr val="tx1"/>
+            </a:solidFill>
+          </a:ln>
+          <a:effectLst/>
+        </p:spPr>
+        <p:style>
+          <a:lnRef idx="2">
+            <a:schemeClr val="accent1"/>
+          </a:lnRef>
+          <a:fillRef idx="0">
+            <a:schemeClr val="accent1"/>
+          </a:fillRef>
+          <a:effectRef idx="1">
+            <a:schemeClr val="accent1"/>
+          </a:effectRef>
+          <a:fontRef idx="minor">
+            <a:schemeClr val="tx1"/>
+          </a:fontRef>
+        </p:style>
+      </p:cxnSp>
+    </p:spTree>
+    <p:extLst>
+      <p:ext uri="{BB962C8B-B14F-4D97-AF65-F5344CB8AC3E}">
+        <p14:creationId xmlns:p14="http://schemas.microsoft.com/office/powerpoint/2010/main" val="3904407885"/>
+      </p:ext>
+    </p:extLst>
+  </p:cSld>
+  <p:clrMapOvr>
+    <a:masterClrMapping/>
+  </p:clrMapOvr>
+</p:sld>
+</file>
+
+<file path=ppt/slides/slide20.xml><?xml version="1.0" encoding="utf-8"?>
 <p:sld xmlns:a="http://schemas.openxmlformats.org/drawingml/2006/main" xmlns:r="http://schemas.openxmlformats.org/officeDocument/2006/relationships" xmlns:p="http://schemas.openxmlformats.org/presentationml/2006/main">
   <p:cSld>
     <p:spTree>
@@ -6726,7 +8597,7 @@
 </p:sld>
 </file>
 
-<file path=ppt/slides/slide17.xml><?xml version="1.0" encoding="utf-8"?>
+<file path=ppt/slides/slide21.xml><?xml version="1.0" encoding="utf-8"?>
 <p:sld xmlns:a="http://schemas.openxmlformats.org/drawingml/2006/main" xmlns:r="http://schemas.openxmlformats.org/officeDocument/2006/relationships" xmlns:p="http://schemas.openxmlformats.org/presentationml/2006/main">
   <p:cSld>
     <p:spTree>
@@ -7175,7 +9046,7 @@
 </p:sld>
 </file>
 
-<file path=ppt/slides/slide18.xml><?xml version="1.0" encoding="utf-8"?>
+<file path=ppt/slides/slide22.xml><?xml version="1.0" encoding="utf-8"?>
 <p:sld xmlns:a="http://schemas.openxmlformats.org/drawingml/2006/main" xmlns:r="http://schemas.openxmlformats.org/officeDocument/2006/relationships" xmlns:p="http://schemas.openxmlformats.org/presentationml/2006/main">
   <p:cSld>
     <p:spTree>
@@ -7588,7 +9459,7 @@
 </p:sld>
 </file>
 
-<file path=ppt/slides/slide19.xml><?xml version="1.0" encoding="utf-8"?>
+<file path=ppt/slides/slide23.xml><?xml version="1.0" encoding="utf-8"?>
 <p:sld xmlns:a="http://schemas.openxmlformats.org/drawingml/2006/main" xmlns:r="http://schemas.openxmlformats.org/officeDocument/2006/relationships" xmlns:p="http://schemas.openxmlformats.org/presentationml/2006/main">
   <p:cSld>
     <p:spTree>
@@ -8144,207 +10015,7 @@
 </p:sld>
 </file>
 
-<file path=ppt/slides/slide2.xml><?xml version="1.0" encoding="utf-8"?>
-<p:sld xmlns:a="http://schemas.openxmlformats.org/drawingml/2006/main" xmlns:r="http://schemas.openxmlformats.org/officeDocument/2006/relationships" xmlns:p="http://schemas.openxmlformats.org/presentationml/2006/main">
-  <p:cSld>
-    <p:spTree>
-      <p:nvGrpSpPr>
-        <p:cNvPr id="1" name=""/>
-        <p:cNvGrpSpPr/>
-        <p:nvPr/>
-      </p:nvGrpSpPr>
-      <p:grpSpPr>
-        <a:xfrm>
-          <a:off x="0" y="0"/>
-          <a:ext cx="0" cy="0"/>
-          <a:chOff x="0" y="0"/>
-          <a:chExt cx="0" cy="0"/>
-        </a:xfrm>
-      </p:grpSpPr>
-      <p:sp>
-        <p:nvSpPr>
-          <p:cNvPr id="3" name="Content Placeholder 2">
-            <a:extLst>
-              <a:ext uri="{FF2B5EF4-FFF2-40B4-BE49-F238E27FC236}">
-                <a16:creationId xmlns:a16="http://schemas.microsoft.com/office/drawing/2014/main" id="{917ACD68-0947-F24A-B0E6-3830B1DEB461}"/>
-              </a:ext>
-            </a:extLst>
-          </p:cNvPr>
-          <p:cNvSpPr>
-            <a:spLocks noGrp="1"/>
-          </p:cNvSpPr>
-          <p:nvPr>
-            <p:ph idx="1"/>
-          </p:nvPr>
-        </p:nvSpPr>
-        <p:spPr/>
-        <p:txBody>
-          <a:bodyPr/>
-          <a:lstStyle/>
-          <a:p>
-            <a:r>
-              <a:rPr lang="en-US" dirty="0">
-                <a:latin typeface="Helvetica Neue Light" panose="02000403000000020004" pitchFamily="2" charset="0"/>
-                <a:ea typeface="Helvetica Neue Light" panose="02000403000000020004" pitchFamily="2" charset="0"/>
-              </a:rPr>
-              <a:t>Bulk RNA-</a:t>
-            </a:r>
-            <a:r>
-              <a:rPr lang="en-US" dirty="0" err="1">
-                <a:latin typeface="Helvetica Neue Light" panose="02000403000000020004" pitchFamily="2" charset="0"/>
-                <a:ea typeface="Helvetica Neue Light" panose="02000403000000020004" pitchFamily="2" charset="0"/>
-              </a:rPr>
-              <a:t>seq</a:t>
-            </a:r>
-            <a:endParaRPr lang="en-US" dirty="0">
-              <a:latin typeface="Helvetica Neue Light" panose="02000403000000020004" pitchFamily="2" charset="0"/>
-              <a:ea typeface="Helvetica Neue Light" panose="02000403000000020004" pitchFamily="2" charset="0"/>
-            </a:endParaRPr>
-          </a:p>
-          <a:p>
-            <a:pPr lvl="1"/>
-            <a:r>
-              <a:rPr lang="en-US" dirty="0">
-                <a:latin typeface="Helvetica Neue Light" panose="02000403000000020004" pitchFamily="2" charset="0"/>
-                <a:ea typeface="Helvetica Neue Light" panose="02000403000000020004" pitchFamily="2" charset="0"/>
-              </a:rPr>
-              <a:t>Any assay using sequence reads from an NGS instrument that cannot generate cell-specific expression estimates</a:t>
-            </a:r>
-          </a:p>
-          <a:p>
-            <a:pPr lvl="1"/>
-            <a:r>
-              <a:rPr lang="en-US" dirty="0">
-                <a:latin typeface="Helvetica Neue Light" panose="02000403000000020004" pitchFamily="2" charset="0"/>
-                <a:ea typeface="Helvetica Neue Light" panose="02000403000000020004" pitchFamily="2" charset="0"/>
-              </a:rPr>
-              <a:t>Includes pools of cells of the same type obtained through sorting that aren’t assigned cell barcodes</a:t>
-            </a:r>
-          </a:p>
-          <a:p>
-            <a:r>
-              <a:rPr lang="en-US" dirty="0" err="1">
-                <a:latin typeface="Helvetica Neue Light" panose="02000403000000020004" pitchFamily="2" charset="0"/>
-                <a:ea typeface="Helvetica Neue Light" panose="02000403000000020004" pitchFamily="2" charset="0"/>
-              </a:rPr>
-              <a:t>scRNA-seq</a:t>
-            </a:r>
-            <a:endParaRPr lang="en-US" dirty="0">
-              <a:latin typeface="Helvetica Neue Light" panose="02000403000000020004" pitchFamily="2" charset="0"/>
-              <a:ea typeface="Helvetica Neue Light" panose="02000403000000020004" pitchFamily="2" charset="0"/>
-            </a:endParaRPr>
-          </a:p>
-          <a:p>
-            <a:pPr lvl="1"/>
-            <a:r>
-              <a:rPr lang="en-US" dirty="0">
-                <a:latin typeface="Helvetica Neue Light" panose="02000403000000020004" pitchFamily="2" charset="0"/>
-                <a:ea typeface="Helvetica Neue Light" panose="02000403000000020004" pitchFamily="2" charset="0"/>
-              </a:rPr>
-              <a:t>Any protocol using NGS reads that uses read mappings to a set of reference transcripts in order to obtain cell-specific estimates of abundance</a:t>
-            </a:r>
-          </a:p>
-          <a:p>
-            <a:pPr lvl="1"/>
-            <a:r>
-              <a:rPr lang="en-US" dirty="0">
-                <a:latin typeface="Helvetica Neue Light" panose="02000403000000020004" pitchFamily="2" charset="0"/>
-                <a:ea typeface="Helvetica Neue Light" panose="02000403000000020004" pitchFamily="2" charset="0"/>
-              </a:rPr>
-              <a:t>Does NOT include things like multiplexed single cell qPCR</a:t>
-            </a:r>
-          </a:p>
-        </p:txBody>
-      </p:sp>
-      <p:sp>
-        <p:nvSpPr>
-          <p:cNvPr id="4" name="Title 1">
-            <a:extLst>
-              <a:ext uri="{FF2B5EF4-FFF2-40B4-BE49-F238E27FC236}">
-                <a16:creationId xmlns:a16="http://schemas.microsoft.com/office/drawing/2014/main" id="{7C141A7A-A82A-D843-940A-27426CAC2BC8}"/>
-              </a:ext>
-            </a:extLst>
-          </p:cNvPr>
-          <p:cNvSpPr>
-            <a:spLocks noGrp="1"/>
-          </p:cNvSpPr>
-          <p:nvPr>
-            <p:ph type="title"/>
-          </p:nvPr>
-        </p:nvSpPr>
-        <p:spPr>
-          <a:xfrm>
-            <a:off x="262467" y="365125"/>
-            <a:ext cx="11634788" cy="1325563"/>
-          </a:xfrm>
-        </p:spPr>
-        <p:txBody>
-          <a:bodyPr/>
-          <a:lstStyle/>
-          <a:p>
-            <a:r>
-              <a:rPr lang="en-US" dirty="0"/>
-              <a:t>Some quick definitions</a:t>
-            </a:r>
-          </a:p>
-        </p:txBody>
-      </p:sp>
-      <p:cxnSp>
-        <p:nvCxnSpPr>
-          <p:cNvPr id="5" name="Straight Connector 4">
-            <a:extLst>
-              <a:ext uri="{FF2B5EF4-FFF2-40B4-BE49-F238E27FC236}">
-                <a16:creationId xmlns:a16="http://schemas.microsoft.com/office/drawing/2014/main" id="{EFC7D5EF-925D-994D-95E5-4A2256FD6469}"/>
-              </a:ext>
-            </a:extLst>
-          </p:cNvPr>
-          <p:cNvCxnSpPr/>
-          <p:nvPr/>
-        </p:nvCxnSpPr>
-        <p:spPr>
-          <a:xfrm>
-            <a:off x="262467" y="1417638"/>
-            <a:ext cx="11216519" cy="0"/>
-          </a:xfrm>
-          <a:prstGeom prst="line">
-            <a:avLst/>
-          </a:prstGeom>
-          <a:ln w="19050">
-            <a:solidFill>
-              <a:schemeClr val="tx1"/>
-            </a:solidFill>
-          </a:ln>
-          <a:effectLst/>
-        </p:spPr>
-        <p:style>
-          <a:lnRef idx="2">
-            <a:schemeClr val="accent1"/>
-          </a:lnRef>
-          <a:fillRef idx="0">
-            <a:schemeClr val="accent1"/>
-          </a:fillRef>
-          <a:effectRef idx="1">
-            <a:schemeClr val="accent1"/>
-          </a:effectRef>
-          <a:fontRef idx="minor">
-            <a:schemeClr val="tx1"/>
-          </a:fontRef>
-        </p:style>
-      </p:cxnSp>
-    </p:spTree>
-    <p:extLst>
-      <p:ext uri="{BB962C8B-B14F-4D97-AF65-F5344CB8AC3E}">
-        <p14:creationId xmlns:p14="http://schemas.microsoft.com/office/powerpoint/2010/main" val="3904407885"/>
-      </p:ext>
-    </p:extLst>
-  </p:cSld>
-  <p:clrMapOvr>
-    <a:masterClrMapping/>
-  </p:clrMapOvr>
-</p:sld>
-</file>
-
-<file path=ppt/slides/slide20.xml><?xml version="1.0" encoding="utf-8"?>
+<file path=ppt/slides/slide24.xml><?xml version="1.0" encoding="utf-8"?>
 <p:sld xmlns:a="http://schemas.openxmlformats.org/drawingml/2006/main" xmlns:r="http://schemas.openxmlformats.org/officeDocument/2006/relationships" xmlns:p="http://schemas.openxmlformats.org/presentationml/2006/main">
   <p:cSld>
     <p:spTree>
@@ -8626,7 +10297,7 @@
 </p:sld>
 </file>
 
-<file path=ppt/slides/slide21.xml><?xml version="1.0" encoding="utf-8"?>
+<file path=ppt/slides/slide25.xml><?xml version="1.0" encoding="utf-8"?>
 <p:sld xmlns:a="http://schemas.openxmlformats.org/drawingml/2006/main" xmlns:r="http://schemas.openxmlformats.org/officeDocument/2006/relationships" xmlns:p="http://schemas.openxmlformats.org/presentationml/2006/main">
   <p:cSld>
     <p:spTree>
@@ -8855,7 +10526,7 @@
 </p:sld>
 </file>
 
-<file path=ppt/slides/slide22.xml><?xml version="1.0" encoding="utf-8"?>
+<file path=ppt/slides/slide26.xml><?xml version="1.0" encoding="utf-8"?>
 <p:sld xmlns:a="http://schemas.openxmlformats.org/drawingml/2006/main" xmlns:r="http://schemas.openxmlformats.org/officeDocument/2006/relationships" xmlns:p="http://schemas.openxmlformats.org/presentationml/2006/main">
   <p:cSld>
     <p:spTree>
@@ -9039,7 +10710,7 @@
 </p:sld>
 </file>
 
-<file path=ppt/slides/slide23.xml><?xml version="1.0" encoding="utf-8"?>
+<file path=ppt/slides/slide27.xml><?xml version="1.0" encoding="utf-8"?>
 <p:sld xmlns:a="http://schemas.openxmlformats.org/drawingml/2006/main" xmlns:r="http://schemas.openxmlformats.org/officeDocument/2006/relationships" xmlns:p="http://schemas.openxmlformats.org/presentationml/2006/main">
   <p:cSld>
     <p:spTree>
@@ -9359,7 +11030,7 @@
 </p:sld>
 </file>
 
-<file path=ppt/slides/slide24.xml><?xml version="1.0" encoding="utf-8"?>
+<file path=ppt/slides/slide28.xml><?xml version="1.0" encoding="utf-8"?>
 <p:sld xmlns:a="http://schemas.openxmlformats.org/drawingml/2006/main" xmlns:r="http://schemas.openxmlformats.org/officeDocument/2006/relationships" xmlns:p="http://schemas.openxmlformats.org/presentationml/2006/main">
   <p:cSld>
     <p:spTree>
@@ -9933,7 +11604,7 @@
 </p:sld>
 </file>
 
-<file path=ppt/slides/slide25.xml><?xml version="1.0" encoding="utf-8"?>
+<file path=ppt/slides/slide29.xml><?xml version="1.0" encoding="utf-8"?>
 <p:sld xmlns:a="http://schemas.openxmlformats.org/drawingml/2006/main" xmlns:r="http://schemas.openxmlformats.org/officeDocument/2006/relationships" xmlns:p="http://schemas.openxmlformats.org/presentationml/2006/main">
   <p:cSld>
     <p:spTree>
@@ -10338,7 +12009,270 @@
 </p:sld>
 </file>
 
-<file path=ppt/slides/slide26.xml><?xml version="1.0" encoding="utf-8"?>
+<file path=ppt/slides/slide3.xml><?xml version="1.0" encoding="utf-8"?>
+<p:sld xmlns:a="http://schemas.openxmlformats.org/drawingml/2006/main" xmlns:r="http://schemas.openxmlformats.org/officeDocument/2006/relationships" xmlns:p="http://schemas.openxmlformats.org/presentationml/2006/main">
+  <p:cSld>
+    <p:spTree>
+      <p:nvGrpSpPr>
+        <p:cNvPr id="1" name=""/>
+        <p:cNvGrpSpPr/>
+        <p:nvPr/>
+      </p:nvGrpSpPr>
+      <p:grpSpPr>
+        <a:xfrm>
+          <a:off x="0" y="0"/>
+          <a:ext cx="0" cy="0"/>
+          <a:chOff x="0" y="0"/>
+          <a:chExt cx="0" cy="0"/>
+        </a:xfrm>
+      </p:grpSpPr>
+      <p:sp>
+        <p:nvSpPr>
+          <p:cNvPr id="4" name="Title 1">
+            <a:extLst>
+              <a:ext uri="{FF2B5EF4-FFF2-40B4-BE49-F238E27FC236}">
+                <a16:creationId xmlns:a16="http://schemas.microsoft.com/office/drawing/2014/main" id="{8E78658E-9087-214F-84AF-33F023194D43}"/>
+              </a:ext>
+            </a:extLst>
+          </p:cNvPr>
+          <p:cNvSpPr>
+            <a:spLocks noGrp="1"/>
+          </p:cNvSpPr>
+          <p:nvPr>
+            <p:ph type="title"/>
+          </p:nvPr>
+        </p:nvSpPr>
+        <p:spPr>
+          <a:xfrm>
+            <a:off x="262467" y="365125"/>
+            <a:ext cx="11634788" cy="1325563"/>
+          </a:xfrm>
+        </p:spPr>
+        <p:txBody>
+          <a:bodyPr/>
+          <a:lstStyle/>
+          <a:p>
+            <a:r>
+              <a:rPr lang="en-US" dirty="0"/>
+              <a:t>Motivations</a:t>
+            </a:r>
+          </a:p>
+        </p:txBody>
+      </p:sp>
+      <p:cxnSp>
+        <p:nvCxnSpPr>
+          <p:cNvPr id="5" name="Straight Connector 4">
+            <a:extLst>
+              <a:ext uri="{FF2B5EF4-FFF2-40B4-BE49-F238E27FC236}">
+                <a16:creationId xmlns:a16="http://schemas.microsoft.com/office/drawing/2014/main" id="{97A6922C-54C3-694F-9492-EAC388C3E954}"/>
+              </a:ext>
+            </a:extLst>
+          </p:cNvPr>
+          <p:cNvCxnSpPr/>
+          <p:nvPr/>
+        </p:nvCxnSpPr>
+        <p:spPr>
+          <a:xfrm>
+            <a:off x="262467" y="1417638"/>
+            <a:ext cx="11216519" cy="0"/>
+          </a:xfrm>
+          <a:prstGeom prst="line">
+            <a:avLst/>
+          </a:prstGeom>
+          <a:ln w="19050">
+            <a:solidFill>
+              <a:schemeClr val="tx1"/>
+            </a:solidFill>
+          </a:ln>
+          <a:effectLst/>
+        </p:spPr>
+        <p:style>
+          <a:lnRef idx="2">
+            <a:schemeClr val="accent1"/>
+          </a:lnRef>
+          <a:fillRef idx="0">
+            <a:schemeClr val="accent1"/>
+          </a:fillRef>
+          <a:effectRef idx="1">
+            <a:schemeClr val="accent1"/>
+          </a:effectRef>
+          <a:fontRef idx="minor">
+            <a:schemeClr val="tx1"/>
+          </a:fontRef>
+        </p:style>
+      </p:cxnSp>
+      <p:sp>
+        <p:nvSpPr>
+          <p:cNvPr id="203" name="TextBox 202">
+            <a:extLst>
+              <a:ext uri="{FF2B5EF4-FFF2-40B4-BE49-F238E27FC236}">
+                <a16:creationId xmlns:a16="http://schemas.microsoft.com/office/drawing/2014/main" id="{3B31D32C-9DCE-A941-A38A-058C2EB87CD6}"/>
+              </a:ext>
+            </a:extLst>
+          </p:cNvPr>
+          <p:cNvSpPr txBox="1"/>
+          <p:nvPr/>
+        </p:nvSpPr>
+        <p:spPr>
+          <a:xfrm>
+            <a:off x="592667" y="1896533"/>
+            <a:ext cx="10947400" cy="4462760"/>
+          </a:xfrm>
+          <a:prstGeom prst="rect">
+            <a:avLst/>
+          </a:prstGeom>
+          <a:noFill/>
+        </p:spPr>
+        <p:txBody>
+          <a:bodyPr wrap="square" rtlCol="0">
+            <a:spAutoFit/>
+          </a:bodyPr>
+          <a:lstStyle/>
+          <a:p>
+            <a:pPr marL="285750" indent="-285750">
+              <a:buFont typeface="Arial" panose="020B0604020202020204" pitchFamily="34" charset="0"/>
+              <a:buChar char="•"/>
+            </a:pPr>
+            <a:r>
+              <a:rPr lang="en-US" sz="2800" dirty="0">
+                <a:latin typeface="Helvetica Neue Light" panose="02000403000000020004" pitchFamily="2" charset="0"/>
+                <a:ea typeface="Helvetica Neue Light" panose="02000403000000020004" pitchFamily="2" charset="0"/>
+              </a:rPr>
+              <a:t>Analyze rare populations hard to detect in bulk experiments</a:t>
+            </a:r>
+          </a:p>
+          <a:p>
+            <a:pPr marL="285750" indent="-285750">
+              <a:buFont typeface="Arial" panose="020B0604020202020204" pitchFamily="34" charset="0"/>
+              <a:buChar char="•"/>
+            </a:pPr>
+            <a:r>
+              <a:rPr lang="en-US" sz="2800" dirty="0">
+                <a:latin typeface="Helvetica Neue Light" panose="02000403000000020004" pitchFamily="2" charset="0"/>
+                <a:ea typeface="Helvetica Neue Light" panose="02000403000000020004" pitchFamily="2" charset="0"/>
+              </a:rPr>
+              <a:t>Understand cell subpopulation distributions</a:t>
+            </a:r>
+          </a:p>
+          <a:p>
+            <a:pPr marL="742950" lvl="1" indent="-285750">
+              <a:buFont typeface="Arial" panose="020B0604020202020204" pitchFamily="34" charset="0"/>
+              <a:buChar char="•"/>
+            </a:pPr>
+            <a:r>
+              <a:rPr lang="en-US" sz="2400" dirty="0">
+                <a:latin typeface="Helvetica Neue Light" panose="02000403000000020004" pitchFamily="2" charset="0"/>
+                <a:ea typeface="Helvetica Neue Light" panose="02000403000000020004" pitchFamily="2" charset="0"/>
+              </a:rPr>
+              <a:t>Pre-</a:t>
+            </a:r>
+            <a:r>
+              <a:rPr lang="en-US" sz="2400" dirty="0" err="1">
+                <a:latin typeface="Helvetica Neue Light" panose="02000403000000020004" pitchFamily="2" charset="0"/>
+                <a:ea typeface="Helvetica Neue Light" panose="02000403000000020004" pitchFamily="2" charset="0"/>
+              </a:rPr>
+              <a:t>scRNAseq</a:t>
+            </a:r>
+            <a:r>
+              <a:rPr lang="en-US" sz="2400" dirty="0">
+                <a:latin typeface="Helvetica Neue Light" panose="02000403000000020004" pitchFamily="2" charset="0"/>
+                <a:ea typeface="Helvetica Neue Light" panose="02000403000000020004" pitchFamily="2" charset="0"/>
+              </a:rPr>
+              <a:t> assays (e.g. FISH) detected orders of magnitude expression variation in putatively ”identical cells”</a:t>
+            </a:r>
+          </a:p>
+          <a:p>
+            <a:pPr marL="742950" lvl="1" indent="-285750">
+              <a:buFont typeface="Arial" panose="020B0604020202020204" pitchFamily="34" charset="0"/>
+              <a:buChar char="•"/>
+            </a:pPr>
+            <a:r>
+              <a:rPr lang="en-US" sz="2400" dirty="0">
+                <a:latin typeface="Helvetica Neue Light" panose="02000403000000020004" pitchFamily="2" charset="0"/>
+                <a:ea typeface="Helvetica Neue Light" panose="02000403000000020004" pitchFamily="2" charset="0"/>
+              </a:rPr>
+              <a:t>Developmental, tissue-specific, and intra-tissue treatment </a:t>
+            </a:r>
+            <a:r>
+              <a:rPr lang="en-US" sz="2400" dirty="0" err="1">
+                <a:latin typeface="Helvetica Neue Light" panose="02000403000000020004" pitchFamily="2" charset="0"/>
+                <a:ea typeface="Helvetica Neue Light" panose="02000403000000020004" pitchFamily="2" charset="0"/>
+              </a:rPr>
+              <a:t>diferences</a:t>
+            </a:r>
+            <a:endParaRPr lang="en-US" sz="2800" dirty="0">
+              <a:latin typeface="Helvetica Neue Light" panose="02000403000000020004" pitchFamily="2" charset="0"/>
+              <a:ea typeface="Helvetica Neue Light" panose="02000403000000020004" pitchFamily="2" charset="0"/>
+            </a:endParaRPr>
+          </a:p>
+          <a:p>
+            <a:pPr marL="285750" indent="-285750">
+              <a:buFont typeface="Arial" panose="020B0604020202020204" pitchFamily="34" charset="0"/>
+              <a:buChar char="•"/>
+            </a:pPr>
+            <a:r>
+              <a:rPr lang="en-US" sz="2800" dirty="0">
+                <a:latin typeface="Helvetica Neue Light" panose="02000403000000020004" pitchFamily="2" charset="0"/>
+                <a:ea typeface="Helvetica Neue Light" panose="02000403000000020004" pitchFamily="2" charset="0"/>
+              </a:rPr>
+              <a:t>Remove potential biases of bulk perspective</a:t>
+            </a:r>
+          </a:p>
+          <a:p>
+            <a:pPr marL="742950" lvl="1" indent="-285750">
+              <a:buFont typeface="Arial" panose="020B0604020202020204" pitchFamily="34" charset="0"/>
+              <a:buChar char="•"/>
+            </a:pPr>
+            <a:r>
+              <a:rPr lang="en-US" sz="2400" dirty="0">
+                <a:latin typeface="Helvetica Neue Light" panose="02000403000000020004" pitchFamily="2" charset="0"/>
+                <a:ea typeface="Helvetica Neue Light" panose="02000403000000020004" pitchFamily="2" charset="0"/>
+              </a:rPr>
+              <a:t>Mean expression for cell population can be biased by a few cells</a:t>
+            </a:r>
+          </a:p>
+          <a:p>
+            <a:pPr lvl="1"/>
+            <a:endParaRPr lang="en-US" sz="2400" dirty="0">
+              <a:latin typeface="Helvetica Neue Light" panose="02000403000000020004" pitchFamily="2" charset="0"/>
+              <a:ea typeface="Helvetica Neue Light" panose="02000403000000020004" pitchFamily="2" charset="0"/>
+            </a:endParaRPr>
+          </a:p>
+          <a:p>
+            <a:pPr marL="285750" indent="-285750">
+              <a:buFont typeface="Arial" panose="020B0604020202020204" pitchFamily="34" charset="0"/>
+              <a:buChar char="•"/>
+            </a:pPr>
+            <a:r>
+              <a:rPr lang="en-US" sz="2800" dirty="0">
+                <a:latin typeface="Helvetica Neue Light" panose="02000403000000020004" pitchFamily="2" charset="0"/>
+                <a:ea typeface="Helvetica Neue Light" panose="02000403000000020004" pitchFamily="2" charset="0"/>
+              </a:rPr>
+              <a:t>Distinguish patterns and processes that are unidentifiable in bulk experiments</a:t>
+            </a:r>
+          </a:p>
+          <a:p>
+            <a:endParaRPr lang="en-US" sz="2400" dirty="0">
+              <a:latin typeface="Helvetica Neue Light" panose="02000403000000020004" pitchFamily="2" charset="0"/>
+              <a:ea typeface="Helvetica Neue Light" panose="02000403000000020004" pitchFamily="2" charset="0"/>
+            </a:endParaRPr>
+          </a:p>
+        </p:txBody>
+      </p:sp>
+    </p:spTree>
+    <p:extLst>
+      <p:ext uri="{BB962C8B-B14F-4D97-AF65-F5344CB8AC3E}">
+        <p14:creationId xmlns:p14="http://schemas.microsoft.com/office/powerpoint/2010/main" val="578784395"/>
+      </p:ext>
+    </p:extLst>
+  </p:cSld>
+  <p:clrMapOvr>
+    <a:masterClrMapping/>
+  </p:clrMapOvr>
+</p:sld>
+</file>
+
+<file path=ppt/slides/slide30.xml><?xml version="1.0" encoding="utf-8"?>
 <p:sld xmlns:a="http://schemas.openxmlformats.org/drawingml/2006/main" xmlns:r="http://schemas.openxmlformats.org/officeDocument/2006/relationships" xmlns:p="http://schemas.openxmlformats.org/presentationml/2006/main">
   <p:cSld>
     <p:spTree>
@@ -10635,7 +12569,7 @@
 </p:sld>
 </file>
 
-<file path=ppt/slides/slide27.xml><?xml version="1.0" encoding="utf-8"?>
+<file path=ppt/slides/slide31.xml><?xml version="1.0" encoding="utf-8"?>
 <p:sld xmlns:a="http://schemas.openxmlformats.org/drawingml/2006/main" xmlns:r="http://schemas.openxmlformats.org/officeDocument/2006/relationships" xmlns:p="http://schemas.openxmlformats.org/presentationml/2006/main">
   <p:cSld>
     <p:spTree>
@@ -11379,7 +13313,7 @@
 </p:sld>
 </file>
 
-<file path=ppt/slides/slide28.xml><?xml version="1.0" encoding="utf-8"?>
+<file path=ppt/slides/slide32.xml><?xml version="1.0" encoding="utf-8"?>
 <p:sld xmlns:a="http://schemas.openxmlformats.org/drawingml/2006/main" xmlns:r="http://schemas.openxmlformats.org/officeDocument/2006/relationships" xmlns:p="http://schemas.openxmlformats.org/presentationml/2006/main">
   <p:cSld>
     <p:spTree>
@@ -11650,161 +13584,6 @@
           </a:p>
         </p:txBody>
       </p:sp>
-      <p:grpSp>
-        <p:nvGrpSpPr>
-          <p:cNvPr id="2" name="Group 1">
-            <a:extLst>
-              <a:ext uri="{FF2B5EF4-FFF2-40B4-BE49-F238E27FC236}">
-                <a16:creationId xmlns:a16="http://schemas.microsoft.com/office/drawing/2014/main" id="{62C725A4-7854-FB4C-8408-19CDB218E5A8}"/>
-              </a:ext>
-            </a:extLst>
-          </p:cNvPr>
-          <p:cNvGrpSpPr/>
-          <p:nvPr/>
-        </p:nvGrpSpPr>
-        <p:grpSpPr>
-          <a:xfrm>
-            <a:off x="8108180" y="1571478"/>
-            <a:ext cx="4043832" cy="4290494"/>
-            <a:chOff x="8108180" y="1571478"/>
-            <a:chExt cx="4043832" cy="4290494"/>
-          </a:xfrm>
-        </p:grpSpPr>
-        <p:sp>
-          <p:nvSpPr>
-            <p:cNvPr id="9" name="Rectangle 8">
-              <a:extLst>
-                <a:ext uri="{FF2B5EF4-FFF2-40B4-BE49-F238E27FC236}">
-                  <a16:creationId xmlns:a16="http://schemas.microsoft.com/office/drawing/2014/main" id="{B6A95508-917B-2F4C-BB35-D6C33C3534D8}"/>
-                </a:ext>
-              </a:extLst>
-            </p:cNvPr>
-            <p:cNvSpPr/>
-            <p:nvPr/>
-          </p:nvSpPr>
-          <p:spPr>
-            <a:xfrm>
-              <a:off x="8843365" y="1800446"/>
-              <a:ext cx="233917" cy="4061526"/>
-            </a:xfrm>
-            <a:prstGeom prst="rect">
-              <a:avLst/>
-            </a:prstGeom>
-            <a:noFill/>
-            <a:ln w="34925"/>
-          </p:spPr>
-          <p:style>
-            <a:lnRef idx="2">
-              <a:schemeClr val="accent1">
-                <a:shade val="50000"/>
-              </a:schemeClr>
-            </a:lnRef>
-            <a:fillRef idx="1">
-              <a:schemeClr val="accent1"/>
-            </a:fillRef>
-            <a:effectRef idx="0">
-              <a:schemeClr val="accent1"/>
-            </a:effectRef>
-            <a:fontRef idx="minor">
-              <a:schemeClr val="lt1"/>
-            </a:fontRef>
-          </p:style>
-          <p:txBody>
-            <a:bodyPr rtlCol="0" anchor="ctr"/>
-            <a:lstStyle/>
-            <a:p>
-              <a:pPr algn="ctr"/>
-              <a:endParaRPr lang="en-US"/>
-            </a:p>
-          </p:txBody>
-        </p:sp>
-        <p:sp>
-          <p:nvSpPr>
-            <p:cNvPr id="8" name="Rectangle 7">
-              <a:extLst>
-                <a:ext uri="{FF2B5EF4-FFF2-40B4-BE49-F238E27FC236}">
-                  <a16:creationId xmlns:a16="http://schemas.microsoft.com/office/drawing/2014/main" id="{5750CF89-B39A-1C4D-BAF4-23EE96A27681}"/>
-                </a:ext>
-              </a:extLst>
-            </p:cNvPr>
-            <p:cNvSpPr/>
-            <p:nvPr/>
-          </p:nvSpPr>
-          <p:spPr>
-            <a:xfrm>
-              <a:off x="8108180" y="1800446"/>
-              <a:ext cx="327412" cy="4061526"/>
-            </a:xfrm>
-            <a:prstGeom prst="rect">
-              <a:avLst/>
-            </a:prstGeom>
-            <a:noFill/>
-            <a:ln w="34925"/>
-          </p:spPr>
-          <p:style>
-            <a:lnRef idx="2">
-              <a:schemeClr val="accent1">
-                <a:shade val="50000"/>
-              </a:schemeClr>
-            </a:lnRef>
-            <a:fillRef idx="1">
-              <a:schemeClr val="accent1"/>
-            </a:fillRef>
-            <a:effectRef idx="0">
-              <a:schemeClr val="accent1"/>
-            </a:effectRef>
-            <a:fontRef idx="minor">
-              <a:schemeClr val="lt1"/>
-            </a:fontRef>
-          </p:style>
-          <p:txBody>
-            <a:bodyPr rtlCol="0" anchor="ctr"/>
-            <a:lstStyle/>
-            <a:p>
-              <a:pPr algn="ctr"/>
-              <a:endParaRPr lang="en-US"/>
-            </a:p>
-          </p:txBody>
-        </p:sp>
-        <p:sp>
-          <p:nvSpPr>
-            <p:cNvPr id="10" name="TextBox 9">
-              <a:extLst>
-                <a:ext uri="{FF2B5EF4-FFF2-40B4-BE49-F238E27FC236}">
-                  <a16:creationId xmlns:a16="http://schemas.microsoft.com/office/drawing/2014/main" id="{F0FBBF4F-393D-F44D-9DBB-FC9FC9E9B94C}"/>
-                </a:ext>
-              </a:extLst>
-            </p:cNvPr>
-            <p:cNvSpPr txBox="1"/>
-            <p:nvPr/>
-          </p:nvSpPr>
-          <p:spPr>
-            <a:xfrm>
-              <a:off x="9527566" y="1571478"/>
-              <a:ext cx="2624446" cy="646331"/>
-            </a:xfrm>
-            <a:prstGeom prst="rect">
-              <a:avLst/>
-            </a:prstGeom>
-            <a:noFill/>
-          </p:spPr>
-          <p:txBody>
-            <a:bodyPr wrap="square" rtlCol="0">
-              <a:spAutoFit/>
-            </a:bodyPr>
-            <a:lstStyle/>
-            <a:p>
-              <a:r>
-                <a:rPr lang="en-US" b="1" dirty="0">
-                  <a:latin typeface="Helvetica Neue Light" panose="02000403000000020004" pitchFamily="2" charset="0"/>
-                  <a:ea typeface="Helvetica Neue Light" panose="02000403000000020004" pitchFamily="2" charset="0"/>
-                </a:rPr>
-                <a:t>Library prep services in Bauer Core</a:t>
-              </a:r>
-            </a:p>
-          </p:txBody>
-        </p:sp>
-      </p:grpSp>
     </p:spTree>
     <p:extLst>
       <p:ext uri="{BB962C8B-B14F-4D97-AF65-F5344CB8AC3E}">
@@ -11815,85 +13594,10 @@
   <p:clrMapOvr>
     <a:masterClrMapping/>
   </p:clrMapOvr>
-  <p:timing>
-    <p:tnLst>
-      <p:par>
-        <p:cTn id="1" dur="indefinite" restart="never" nodeType="tmRoot">
-          <p:childTnLst>
-            <p:seq concurrent="1" nextAc="seek">
-              <p:cTn id="2" dur="indefinite" nodeType="mainSeq">
-                <p:childTnLst>
-                  <p:par>
-                    <p:cTn id="3" fill="hold">
-                      <p:stCondLst>
-                        <p:cond delay="indefinite"/>
-                      </p:stCondLst>
-                      <p:childTnLst>
-                        <p:par>
-                          <p:cTn id="4" fill="hold">
-                            <p:stCondLst>
-                              <p:cond delay="0"/>
-                            </p:stCondLst>
-                            <p:childTnLst>
-                              <p:par>
-                                <p:cTn id="5" presetID="1" presetClass="entr" presetSubtype="0" fill="hold" nodeType="clickEffect">
-                                  <p:stCondLst>
-                                    <p:cond delay="0"/>
-                                  </p:stCondLst>
-                                  <p:childTnLst>
-                                    <p:set>
-                                      <p:cBhvr>
-                                        <p:cTn id="6" dur="1" fill="hold">
-                                          <p:stCondLst>
-                                            <p:cond delay="0"/>
-                                          </p:stCondLst>
-                                        </p:cTn>
-                                        <p:tgtEl>
-                                          <p:spTgt spid="2"/>
-                                        </p:tgtEl>
-                                        <p:attrNameLst>
-                                          <p:attrName>style.visibility</p:attrName>
-                                        </p:attrNameLst>
-                                      </p:cBhvr>
-                                      <p:to>
-                                        <p:strVal val="visible"/>
-                                      </p:to>
-                                    </p:set>
-                                  </p:childTnLst>
-                                </p:cTn>
-                              </p:par>
-                            </p:childTnLst>
-                          </p:cTn>
-                        </p:par>
-                      </p:childTnLst>
-                    </p:cTn>
-                  </p:par>
-                </p:childTnLst>
-              </p:cTn>
-              <p:prevCondLst>
-                <p:cond evt="onPrev" delay="0">
-                  <p:tgtEl>
-                    <p:sldTgt/>
-                  </p:tgtEl>
-                </p:cond>
-              </p:prevCondLst>
-              <p:nextCondLst>
-                <p:cond evt="onNext" delay="0">
-                  <p:tgtEl>
-                    <p:sldTgt/>
-                  </p:tgtEl>
-                </p:cond>
-              </p:nextCondLst>
-            </p:seq>
-          </p:childTnLst>
-        </p:cTn>
-      </p:par>
-    </p:tnLst>
-  </p:timing>
 </p:sld>
 </file>
 
-<file path=ppt/slides/slide3.xml><?xml version="1.0" encoding="utf-8"?>
+<file path=ppt/slides/slide33.xml><?xml version="1.0" encoding="utf-8"?>
 <p:sld xmlns:a="http://schemas.openxmlformats.org/drawingml/2006/main" xmlns:r="http://schemas.openxmlformats.org/officeDocument/2006/relationships" xmlns:p="http://schemas.openxmlformats.org/presentationml/2006/main">
   <p:cSld>
     <p:spTree>
@@ -11910,293 +13614,6 @@
           <a:chExt cx="0" cy="0"/>
         </a:xfrm>
       </p:grpSpPr>
-      <p:pic>
-        <p:nvPicPr>
-          <p:cNvPr id="6" name="Picture 5">
-            <a:extLst>
-              <a:ext uri="{FF2B5EF4-FFF2-40B4-BE49-F238E27FC236}">
-                <a16:creationId xmlns:a16="http://schemas.microsoft.com/office/drawing/2014/main" id="{FABCFE62-691D-EA49-8D09-017C4E7C9922}"/>
-              </a:ext>
-            </a:extLst>
-          </p:cNvPr>
-          <p:cNvPicPr>
-            <a:picLocks noChangeAspect="1"/>
-          </p:cNvPicPr>
-          <p:nvPr/>
-        </p:nvPicPr>
-        <p:blipFill>
-          <a:blip r:embed="rId2"/>
-          <a:stretch>
-            <a:fillRect/>
-          </a:stretch>
-        </p:blipFill>
-        <p:spPr>
-          <a:xfrm>
-            <a:off x="3762046" y="2834232"/>
-            <a:ext cx="3532133" cy="1270635"/>
-          </a:xfrm>
-          <a:prstGeom prst="rect">
-            <a:avLst/>
-          </a:prstGeom>
-        </p:spPr>
-      </p:pic>
-      <p:pic>
-        <p:nvPicPr>
-          <p:cNvPr id="8" name="Picture 7">
-            <a:extLst>
-              <a:ext uri="{FF2B5EF4-FFF2-40B4-BE49-F238E27FC236}">
-                <a16:creationId xmlns:a16="http://schemas.microsoft.com/office/drawing/2014/main" id="{6ADA4C05-8B67-6546-8EA9-6FAD1E4D470D}"/>
-              </a:ext>
-            </a:extLst>
-          </p:cNvPr>
-          <p:cNvPicPr>
-            <a:picLocks noChangeAspect="1"/>
-          </p:cNvPicPr>
-          <p:nvPr/>
-        </p:nvPicPr>
-        <p:blipFill>
-          <a:blip r:embed="rId3"/>
-          <a:stretch>
-            <a:fillRect/>
-          </a:stretch>
-        </p:blipFill>
-        <p:spPr>
-          <a:xfrm>
-            <a:off x="4079100" y="5038694"/>
-            <a:ext cx="3615559" cy="1625439"/>
-          </a:xfrm>
-          <a:prstGeom prst="rect">
-            <a:avLst/>
-          </a:prstGeom>
-        </p:spPr>
-      </p:pic>
-      <p:sp>
-        <p:nvSpPr>
-          <p:cNvPr id="3" name="Content Placeholder 2">
-            <a:extLst>
-              <a:ext uri="{FF2B5EF4-FFF2-40B4-BE49-F238E27FC236}">
-                <a16:creationId xmlns:a16="http://schemas.microsoft.com/office/drawing/2014/main" id="{917ACD68-0947-F24A-B0E6-3830B1DEB461}"/>
-              </a:ext>
-            </a:extLst>
-          </p:cNvPr>
-          <p:cNvSpPr>
-            <a:spLocks noGrp="1"/>
-          </p:cNvSpPr>
-          <p:nvPr>
-            <p:ph idx="1"/>
-          </p:nvPr>
-        </p:nvSpPr>
-        <p:spPr>
-          <a:xfrm>
-            <a:off x="838200" y="1615418"/>
-            <a:ext cx="10515600" cy="4351338"/>
-          </a:xfrm>
-        </p:spPr>
-        <p:txBody>
-          <a:bodyPr/>
-          <a:lstStyle/>
-          <a:p>
-            <a:r>
-              <a:rPr lang="en-US" dirty="0">
-                <a:latin typeface="Helvetica Neue Light" panose="02000403000000020004" pitchFamily="2" charset="0"/>
-                <a:ea typeface="Helvetica Neue Light" panose="02000403000000020004" pitchFamily="2" charset="0"/>
-              </a:rPr>
-              <a:t>Counts</a:t>
-            </a:r>
-          </a:p>
-          <a:p>
-            <a:pPr lvl="1"/>
-            <a:r>
-              <a:rPr lang="en-US" dirty="0">
-                <a:latin typeface="Helvetica Neue Light" panose="02000403000000020004" pitchFamily="2" charset="0"/>
-                <a:ea typeface="Helvetica Neue Light" panose="02000403000000020004" pitchFamily="2" charset="0"/>
-              </a:rPr>
-              <a:t># reads that map to a feature</a:t>
-            </a:r>
-          </a:p>
-          <a:p>
-            <a:r>
-              <a:rPr lang="en-US" dirty="0">
-                <a:latin typeface="Helvetica Neue Light" panose="02000403000000020004" pitchFamily="2" charset="0"/>
-                <a:ea typeface="Helvetica Neue Light" panose="02000403000000020004" pitchFamily="2" charset="0"/>
-              </a:rPr>
-              <a:t>Counts per million (CPM)</a:t>
-            </a:r>
-          </a:p>
-          <a:p>
-            <a:endParaRPr lang="en-US" dirty="0">
-              <a:latin typeface="Helvetica Neue Light" panose="02000403000000020004" pitchFamily="2" charset="0"/>
-              <a:ea typeface="Helvetica Neue Light" panose="02000403000000020004" pitchFamily="2" charset="0"/>
-            </a:endParaRPr>
-          </a:p>
-          <a:p>
-            <a:pPr marL="0" indent="0">
-              <a:buNone/>
-            </a:pPr>
-            <a:endParaRPr lang="en-US" dirty="0">
-              <a:latin typeface="Helvetica Neue Light" panose="02000403000000020004" pitchFamily="2" charset="0"/>
-              <a:ea typeface="Helvetica Neue Light" panose="02000403000000020004" pitchFamily="2" charset="0"/>
-            </a:endParaRPr>
-          </a:p>
-          <a:p>
-            <a:r>
-              <a:rPr lang="en-US" dirty="0">
-                <a:latin typeface="Helvetica Neue Light" panose="02000403000000020004" pitchFamily="2" charset="0"/>
-                <a:ea typeface="Helvetica Neue Light" panose="02000403000000020004" pitchFamily="2" charset="0"/>
-              </a:rPr>
-              <a:t>Transcript per million (TPM)</a:t>
-            </a:r>
-          </a:p>
-          <a:p>
-            <a:pPr lvl="1"/>
-            <a:r>
-              <a:rPr lang="en-US" dirty="0">
-                <a:latin typeface="Helvetica Neue Light" panose="02000403000000020004" pitchFamily="2" charset="0"/>
-                <a:ea typeface="Helvetica Neue Light" panose="02000403000000020004" pitchFamily="2" charset="0"/>
-              </a:rPr>
-              <a:t>Explicitly integrates transcript length</a:t>
-            </a:r>
-          </a:p>
-        </p:txBody>
-      </p:sp>
-      <p:sp>
-        <p:nvSpPr>
-          <p:cNvPr id="4" name="Title 1">
-            <a:extLst>
-              <a:ext uri="{FF2B5EF4-FFF2-40B4-BE49-F238E27FC236}">
-                <a16:creationId xmlns:a16="http://schemas.microsoft.com/office/drawing/2014/main" id="{7C141A7A-A82A-D843-940A-27426CAC2BC8}"/>
-              </a:ext>
-            </a:extLst>
-          </p:cNvPr>
-          <p:cNvSpPr>
-            <a:spLocks noGrp="1"/>
-          </p:cNvSpPr>
-          <p:nvPr>
-            <p:ph type="title"/>
-          </p:nvPr>
-        </p:nvSpPr>
-        <p:spPr>
-          <a:xfrm>
-            <a:off x="262467" y="365125"/>
-            <a:ext cx="11634788" cy="1325563"/>
-          </a:xfrm>
-        </p:spPr>
-        <p:txBody>
-          <a:bodyPr/>
-          <a:lstStyle/>
-          <a:p>
-            <a:r>
-              <a:rPr lang="en-US" dirty="0"/>
-              <a:t>Some expression terminology</a:t>
-            </a:r>
-          </a:p>
-        </p:txBody>
-      </p:sp>
-      <p:cxnSp>
-        <p:nvCxnSpPr>
-          <p:cNvPr id="5" name="Straight Connector 4">
-            <a:extLst>
-              <a:ext uri="{FF2B5EF4-FFF2-40B4-BE49-F238E27FC236}">
-                <a16:creationId xmlns:a16="http://schemas.microsoft.com/office/drawing/2014/main" id="{EFC7D5EF-925D-994D-95E5-4A2256FD6469}"/>
-              </a:ext>
-            </a:extLst>
-          </p:cNvPr>
-          <p:cNvCxnSpPr/>
-          <p:nvPr/>
-        </p:nvCxnSpPr>
-        <p:spPr>
-          <a:xfrm>
-            <a:off x="262467" y="1417638"/>
-            <a:ext cx="11216519" cy="0"/>
-          </a:xfrm>
-          <a:prstGeom prst="line">
-            <a:avLst/>
-          </a:prstGeom>
-          <a:ln w="19050">
-            <a:solidFill>
-              <a:schemeClr val="tx1"/>
-            </a:solidFill>
-          </a:ln>
-          <a:effectLst/>
-        </p:spPr>
-        <p:style>
-          <a:lnRef idx="2">
-            <a:schemeClr val="accent1"/>
-          </a:lnRef>
-          <a:fillRef idx="0">
-            <a:schemeClr val="accent1"/>
-          </a:fillRef>
-          <a:effectRef idx="1">
-            <a:schemeClr val="accent1"/>
-          </a:effectRef>
-          <a:fontRef idx="minor">
-            <a:schemeClr val="tx1"/>
-          </a:fontRef>
-        </p:style>
-      </p:cxnSp>
-    </p:spTree>
-    <p:extLst>
-      <p:ext uri="{BB962C8B-B14F-4D97-AF65-F5344CB8AC3E}">
-        <p14:creationId xmlns:p14="http://schemas.microsoft.com/office/powerpoint/2010/main" val="3637960463"/>
-      </p:ext>
-    </p:extLst>
-  </p:cSld>
-  <p:clrMapOvr>
-    <a:masterClrMapping/>
-  </p:clrMapOvr>
-</p:sld>
-</file>
-
-<file path=ppt/slides/slide4.xml><?xml version="1.0" encoding="utf-8"?>
-<p:sld xmlns:a="http://schemas.openxmlformats.org/drawingml/2006/main" xmlns:r="http://schemas.openxmlformats.org/officeDocument/2006/relationships" xmlns:p="http://schemas.openxmlformats.org/presentationml/2006/main">
-  <p:cSld>
-    <p:spTree>
-      <p:nvGrpSpPr>
-        <p:cNvPr id="1" name=""/>
-        <p:cNvGrpSpPr/>
-        <p:nvPr/>
-      </p:nvGrpSpPr>
-      <p:grpSpPr>
-        <a:xfrm>
-          <a:off x="0" y="0"/>
-          <a:ext cx="0" cy="0"/>
-          <a:chOff x="0" y="0"/>
-          <a:chExt cx="0" cy="0"/>
-        </a:xfrm>
-      </p:grpSpPr>
-      <p:sp>
-        <p:nvSpPr>
-          <p:cNvPr id="4" name="Title 1">
-            <a:extLst>
-              <a:ext uri="{FF2B5EF4-FFF2-40B4-BE49-F238E27FC236}">
-                <a16:creationId xmlns:a16="http://schemas.microsoft.com/office/drawing/2014/main" id="{8E78658E-9087-214F-84AF-33F023194D43}"/>
-              </a:ext>
-            </a:extLst>
-          </p:cNvPr>
-          <p:cNvSpPr>
-            <a:spLocks noGrp="1"/>
-          </p:cNvSpPr>
-          <p:nvPr>
-            <p:ph type="title"/>
-          </p:nvPr>
-        </p:nvSpPr>
-        <p:spPr>
-          <a:xfrm>
-            <a:off x="262467" y="365125"/>
-            <a:ext cx="11634788" cy="1325563"/>
-          </a:xfrm>
-        </p:spPr>
-        <p:txBody>
-          <a:bodyPr/>
-          <a:lstStyle/>
-          <a:p>
-            <a:r>
-              <a:rPr lang="en-US" dirty="0"/>
-              <a:t>Motivations</a:t>
-            </a:r>
-          </a:p>
-        </p:txBody>
-      </p:sp>
       <p:cxnSp>
         <p:nvCxnSpPr>
           <p:cNvPr id="5" name="Straight Connector 4">
@@ -12241,10 +13658,283 @@
       </p:cxnSp>
       <p:sp>
         <p:nvSpPr>
-          <p:cNvPr id="203" name="TextBox 202">
-            <a:extLst>
-              <a:ext uri="{FF2B5EF4-FFF2-40B4-BE49-F238E27FC236}">
-                <a16:creationId xmlns:a16="http://schemas.microsoft.com/office/drawing/2014/main" id="{3B31D32C-9DCE-A941-A38A-058C2EB87CD6}"/>
+          <p:cNvPr id="12" name="Title 1">
+            <a:extLst>
+              <a:ext uri="{FF2B5EF4-FFF2-40B4-BE49-F238E27FC236}">
+                <a16:creationId xmlns:a16="http://schemas.microsoft.com/office/drawing/2014/main" id="{B48711B5-D460-7044-939F-EAFD1BB7A648}"/>
+              </a:ext>
+            </a:extLst>
+          </p:cNvPr>
+          <p:cNvSpPr>
+            <a:spLocks noGrp="1"/>
+          </p:cNvSpPr>
+          <p:nvPr>
+            <p:ph type="title"/>
+          </p:nvPr>
+        </p:nvSpPr>
+        <p:spPr>
+          <a:xfrm>
+            <a:off x="262467" y="365125"/>
+            <a:ext cx="11634788" cy="1325563"/>
+          </a:xfrm>
+        </p:spPr>
+        <p:txBody>
+          <a:bodyPr/>
+          <a:lstStyle/>
+          <a:p>
+            <a:r>
+              <a:rPr lang="en-US" dirty="0"/>
+              <a:t>Identifying cell populations: a closer look</a:t>
+            </a:r>
+          </a:p>
+        </p:txBody>
+      </p:sp>
+      <p:sp>
+        <p:nvSpPr>
+          <p:cNvPr id="7" name="Content Placeholder 7">
+            <a:extLst>
+              <a:ext uri="{FF2B5EF4-FFF2-40B4-BE49-F238E27FC236}">
+                <a16:creationId xmlns:a16="http://schemas.microsoft.com/office/drawing/2014/main" id="{0B8D925C-197D-3D48-A350-B35093A9231E}"/>
+              </a:ext>
+            </a:extLst>
+          </p:cNvPr>
+          <p:cNvSpPr>
+            <a:spLocks noGrp="1"/>
+          </p:cNvSpPr>
+          <p:nvPr>
+            <p:ph sz="half" idx="1"/>
+          </p:nvPr>
+        </p:nvSpPr>
+        <p:spPr>
+          <a:xfrm>
+            <a:off x="482600" y="1827747"/>
+            <a:ext cx="11176000" cy="4448175"/>
+          </a:xfrm>
+        </p:spPr>
+        <p:txBody>
+          <a:bodyPr>
+            <a:normAutofit fontScale="92500" lnSpcReduction="10000"/>
+          </a:bodyPr>
+          <a:lstStyle/>
+          <a:p>
+            <a:r>
+              <a:rPr lang="en-US" dirty="0">
+                <a:latin typeface="Helvetica Neue Light" panose="02000403000000020004" pitchFamily="2" charset="0"/>
+                <a:ea typeface="Helvetica Neue Light" panose="02000403000000020004" pitchFamily="2" charset="0"/>
+              </a:rPr>
+              <a:t>Projecting cell expression profiles to lower dimensional space (dimension reduction)</a:t>
+            </a:r>
+          </a:p>
+          <a:p>
+            <a:pPr lvl="1"/>
+            <a:r>
+              <a:rPr lang="en-US" dirty="0">
+                <a:latin typeface="Helvetica Neue Light" panose="02000403000000020004" pitchFamily="2" charset="0"/>
+                <a:ea typeface="Helvetica Neue Light" panose="02000403000000020004" pitchFamily="2" charset="0"/>
+              </a:rPr>
+              <a:t>PCA</a:t>
+            </a:r>
+          </a:p>
+          <a:p>
+            <a:pPr lvl="1"/>
+            <a:r>
+              <a:rPr lang="en-US" dirty="0" err="1">
+                <a:latin typeface="Helvetica Neue Light" panose="02000403000000020004" pitchFamily="2" charset="0"/>
+                <a:ea typeface="Helvetica Neue Light" panose="02000403000000020004" pitchFamily="2" charset="0"/>
+              </a:rPr>
+              <a:t>tSNE</a:t>
+            </a:r>
+            <a:endParaRPr lang="en-US" dirty="0">
+              <a:latin typeface="Helvetica Neue Light" panose="02000403000000020004" pitchFamily="2" charset="0"/>
+              <a:ea typeface="Helvetica Neue Light" panose="02000403000000020004" pitchFamily="2" charset="0"/>
+            </a:endParaRPr>
+          </a:p>
+          <a:p>
+            <a:pPr lvl="1"/>
+            <a:r>
+              <a:rPr lang="en-US" dirty="0">
+                <a:latin typeface="Helvetica Neue Light" panose="02000403000000020004" pitchFamily="2" charset="0"/>
+                <a:ea typeface="Helvetica Neue Light" panose="02000403000000020004" pitchFamily="2" charset="0"/>
+              </a:rPr>
+              <a:t>SIMLR</a:t>
+            </a:r>
+          </a:p>
+          <a:p>
+            <a:pPr lvl="2"/>
+            <a:r>
+              <a:rPr lang="en-US" dirty="0">
+                <a:latin typeface="Helvetica Neue Light" panose="02000403000000020004" pitchFamily="2" charset="0"/>
+                <a:ea typeface="Helvetica Neue Light" panose="02000403000000020004" pitchFamily="2" charset="0"/>
+              </a:rPr>
+              <a:t>Learns cell-to-cell similarity matrix with multiple kernels, and feeds matrix to </a:t>
+            </a:r>
+            <a:r>
+              <a:rPr lang="en-US" dirty="0" err="1">
+                <a:latin typeface="Helvetica Neue Light" panose="02000403000000020004" pitchFamily="2" charset="0"/>
+                <a:ea typeface="Helvetica Neue Light" panose="02000403000000020004" pitchFamily="2" charset="0"/>
+              </a:rPr>
+              <a:t>tSNE</a:t>
+            </a:r>
+            <a:endParaRPr lang="en-US" dirty="0">
+              <a:latin typeface="Helvetica Neue Light" panose="02000403000000020004" pitchFamily="2" charset="0"/>
+              <a:ea typeface="Helvetica Neue Light" panose="02000403000000020004" pitchFamily="2" charset="0"/>
+            </a:endParaRPr>
+          </a:p>
+          <a:p>
+            <a:r>
+              <a:rPr lang="en-US" dirty="0">
+                <a:latin typeface="Helvetica Neue Light" panose="02000403000000020004" pitchFamily="2" charset="0"/>
+                <a:ea typeface="Helvetica Neue Light" panose="02000403000000020004" pitchFamily="2" charset="0"/>
+              </a:rPr>
+              <a:t>Define cell subpopulations by clustering on reduced dimensional space variables</a:t>
+            </a:r>
+          </a:p>
+          <a:p>
+            <a:pPr lvl="1"/>
+            <a:r>
+              <a:rPr lang="en-US" dirty="0">
+                <a:latin typeface="Helvetica Neue Light" panose="02000403000000020004" pitchFamily="2" charset="0"/>
+                <a:ea typeface="Helvetica Neue Light" panose="02000403000000020004" pitchFamily="2" charset="0"/>
+              </a:rPr>
+              <a:t>K-means (SIMLR uses this) </a:t>
+            </a:r>
+          </a:p>
+          <a:p>
+            <a:pPr lvl="1"/>
+            <a:r>
+              <a:rPr lang="en-US" dirty="0">
+                <a:latin typeface="Helvetica Neue Light" panose="02000403000000020004" pitchFamily="2" charset="0"/>
+                <a:ea typeface="Helvetica Neue Light" panose="02000403000000020004" pitchFamily="2" charset="0"/>
+              </a:rPr>
+              <a:t>Hierarchical clustering</a:t>
+            </a:r>
+          </a:p>
+          <a:p>
+            <a:pPr lvl="1"/>
+            <a:r>
+              <a:rPr lang="en-US" dirty="0">
+                <a:latin typeface="Helvetica Neue Light" panose="02000403000000020004" pitchFamily="2" charset="0"/>
+                <a:ea typeface="Helvetica Neue Light" panose="02000403000000020004" pitchFamily="2" charset="0"/>
+              </a:rPr>
+              <a:t>Graph-based</a:t>
+            </a:r>
+          </a:p>
+          <a:p>
+            <a:pPr lvl="2"/>
+            <a:r>
+              <a:rPr lang="en-US" dirty="0">
+                <a:latin typeface="Helvetica Neue Light" panose="02000403000000020004" pitchFamily="2" charset="0"/>
+                <a:ea typeface="Helvetica Neue Light" panose="02000403000000020004" pitchFamily="2" charset="0"/>
+              </a:rPr>
+              <a:t>Seurat** uses shared nearest neighbor (SNN) counts, in a manner similar to SNN-</a:t>
+            </a:r>
+            <a:r>
+              <a:rPr lang="en-US" dirty="0" err="1">
+                <a:latin typeface="Helvetica Neue Light" panose="02000403000000020004" pitchFamily="2" charset="0"/>
+                <a:ea typeface="Helvetica Neue Light" panose="02000403000000020004" pitchFamily="2" charset="0"/>
+              </a:rPr>
+              <a:t>Cliq</a:t>
+            </a:r>
+            <a:r>
+              <a:rPr lang="en-US" dirty="0">
+                <a:latin typeface="Helvetica Neue Light" panose="02000403000000020004" pitchFamily="2" charset="0"/>
+                <a:ea typeface="Helvetica Neue Light" panose="02000403000000020004" pitchFamily="2" charset="0"/>
+              </a:rPr>
+              <a:t> </a:t>
+            </a:r>
+            <a:r>
+              <a:rPr lang="en-US" sz="1400" dirty="0">
+                <a:latin typeface="Helvetica Neue Light" panose="02000403000000020004" pitchFamily="2" charset="0"/>
+                <a:ea typeface="Helvetica Neue Light" panose="02000403000000020004" pitchFamily="2" charset="0"/>
+              </a:rPr>
+              <a:t>(Xu and Su, 2015, </a:t>
+            </a:r>
+            <a:r>
+              <a:rPr lang="en-US" sz="1400" i="1" dirty="0">
+                <a:latin typeface="Helvetica Neue Light" panose="02000403000000020004" pitchFamily="2" charset="0"/>
+                <a:ea typeface="Helvetica Neue Light" panose="02000403000000020004" pitchFamily="2" charset="0"/>
+              </a:rPr>
+              <a:t>Bioinformatics</a:t>
+            </a:r>
+            <a:r>
+              <a:rPr lang="en-US" sz="1400" dirty="0">
+                <a:latin typeface="Helvetica Neue Light" panose="02000403000000020004" pitchFamily="2" charset="0"/>
+                <a:ea typeface="Helvetica Neue Light" panose="02000403000000020004" pitchFamily="2" charset="0"/>
+              </a:rPr>
+              <a:t>)</a:t>
+            </a:r>
+          </a:p>
+          <a:p>
+            <a:pPr lvl="1"/>
+            <a:endParaRPr lang="en-US" dirty="0">
+              <a:latin typeface="Helvetica Neue Light" panose="02000403000000020004" pitchFamily="2" charset="0"/>
+              <a:ea typeface="Helvetica Neue Light" panose="02000403000000020004" pitchFamily="2" charset="0"/>
+            </a:endParaRPr>
+          </a:p>
+          <a:p>
+            <a:pPr marL="457200" lvl="1" indent="0">
+              <a:buNone/>
+            </a:pPr>
+            <a:endParaRPr lang="en-US" dirty="0">
+              <a:latin typeface="Helvetica Neue Light" panose="02000403000000020004" pitchFamily="2" charset="0"/>
+              <a:ea typeface="Helvetica Neue Light" panose="02000403000000020004" pitchFamily="2" charset="0"/>
+            </a:endParaRPr>
+          </a:p>
+          <a:p>
+            <a:pPr marL="0" indent="0">
+              <a:buNone/>
+            </a:pPr>
+            <a:endParaRPr lang="en-US" dirty="0">
+              <a:latin typeface="Helvetica Neue Light" panose="02000403000000020004" pitchFamily="2" charset="0"/>
+              <a:ea typeface="Helvetica Neue Light" panose="02000403000000020004" pitchFamily="2" charset="0"/>
+            </a:endParaRPr>
+          </a:p>
+          <a:p>
+            <a:pPr marL="457200" lvl="1" indent="0">
+              <a:buNone/>
+            </a:pPr>
+            <a:endParaRPr lang="en-US" dirty="0">
+              <a:latin typeface="Helvetica Neue Light" panose="02000403000000020004" pitchFamily="2" charset="0"/>
+              <a:ea typeface="Helvetica Neue Light" panose="02000403000000020004" pitchFamily="2" charset="0"/>
+            </a:endParaRPr>
+          </a:p>
+          <a:p>
+            <a:pPr lvl="1"/>
+            <a:endParaRPr lang="en-US" dirty="0">
+              <a:latin typeface="Helvetica Neue Light" panose="02000403000000020004" pitchFamily="2" charset="0"/>
+              <a:ea typeface="Helvetica Neue Light" panose="02000403000000020004" pitchFamily="2" charset="0"/>
+            </a:endParaRPr>
+          </a:p>
+          <a:p>
+            <a:pPr lvl="1"/>
+            <a:endParaRPr lang="en-US" dirty="0">
+              <a:latin typeface="Helvetica Neue Light" panose="02000403000000020004" pitchFamily="2" charset="0"/>
+              <a:ea typeface="Helvetica Neue Light" panose="02000403000000020004" pitchFamily="2" charset="0"/>
+            </a:endParaRPr>
+          </a:p>
+          <a:p>
+            <a:endParaRPr lang="en-US" dirty="0">
+              <a:latin typeface="Helvetica Neue Light" panose="02000403000000020004" pitchFamily="2" charset="0"/>
+              <a:ea typeface="Helvetica Neue Light" panose="02000403000000020004" pitchFamily="2" charset="0"/>
+            </a:endParaRPr>
+          </a:p>
+          <a:p>
+            <a:pPr marL="0" indent="0">
+              <a:buNone/>
+            </a:pPr>
+            <a:endParaRPr lang="en-US" dirty="0">
+              <a:latin typeface="Helvetica Neue Light" panose="02000403000000020004" pitchFamily="2" charset="0"/>
+              <a:ea typeface="Helvetica Neue Light" panose="02000403000000020004" pitchFamily="2" charset="0"/>
+            </a:endParaRPr>
+          </a:p>
+        </p:txBody>
+      </p:sp>
+      <p:sp>
+        <p:nvSpPr>
+          <p:cNvPr id="6" name="TextBox 5">
+            <a:extLst>
+              <a:ext uri="{FF2B5EF4-FFF2-40B4-BE49-F238E27FC236}">
+                <a16:creationId xmlns:a16="http://schemas.microsoft.com/office/drawing/2014/main" id="{021E6A12-B390-AB4B-BD6A-8BE323C3E0AC}"/>
               </a:ext>
             </a:extLst>
           </p:cNvPr>
@@ -12253,8 +13943,8 @@
         </p:nvSpPr>
         <p:spPr>
           <a:xfrm>
-            <a:off x="592667" y="1896533"/>
-            <a:ext cx="10947400" cy="4462760"/>
+            <a:off x="8038215" y="6422080"/>
+            <a:ext cx="3772786" cy="307777"/>
           </a:xfrm>
           <a:prstGeom prst="rect">
             <a:avLst/>
@@ -12267,130 +13957,14 @@
           </a:bodyPr>
           <a:lstStyle/>
           <a:p>
-            <a:pPr marL="285750" indent="-285750">
-              <a:buFont typeface="Arial" panose="020B0604020202020204" pitchFamily="34" charset="0"/>
-              <a:buChar char="•"/>
-            </a:pPr>
-            <a:r>
-              <a:rPr lang="en-US" sz="2800" dirty="0">
-                <a:latin typeface="Helvetica Neue Light" panose="02000403000000020004" pitchFamily="2" charset="0"/>
-                <a:ea typeface="Helvetica Neue Light" panose="02000403000000020004" pitchFamily="2" charset="0"/>
-              </a:rPr>
-              <a:t>Analyze rare populations hard to detect in bulk experiments</a:t>
-            </a:r>
-          </a:p>
-          <a:p>
-            <a:pPr marL="285750" indent="-285750">
-              <a:buFont typeface="Arial" panose="020B0604020202020204" pitchFamily="34" charset="0"/>
-              <a:buChar char="•"/>
-            </a:pPr>
-            <a:r>
-              <a:rPr lang="en-US" sz="2800" dirty="0">
-                <a:latin typeface="Helvetica Neue Light" panose="02000403000000020004" pitchFamily="2" charset="0"/>
-                <a:ea typeface="Helvetica Neue Light" panose="02000403000000020004" pitchFamily="2" charset="0"/>
-              </a:rPr>
-              <a:t>Understand cell subpopulation distributions</a:t>
-            </a:r>
-          </a:p>
-          <a:p>
-            <a:pPr marL="742950" lvl="1" indent="-285750">
-              <a:buFont typeface="Arial" panose="020B0604020202020204" pitchFamily="34" charset="0"/>
-              <a:buChar char="•"/>
-            </a:pPr>
-            <a:r>
-              <a:rPr lang="en-US" sz="2400" dirty="0">
-                <a:latin typeface="Helvetica Neue Light" panose="02000403000000020004" pitchFamily="2" charset="0"/>
-                <a:ea typeface="Helvetica Neue Light" panose="02000403000000020004" pitchFamily="2" charset="0"/>
-              </a:rPr>
-              <a:t>Pre-</a:t>
-            </a:r>
-            <a:r>
-              <a:rPr lang="en-US" sz="2400" dirty="0" err="1">
-                <a:latin typeface="Helvetica Neue Light" panose="02000403000000020004" pitchFamily="2" charset="0"/>
-                <a:ea typeface="Helvetica Neue Light" panose="02000403000000020004" pitchFamily="2" charset="0"/>
-              </a:rPr>
-              <a:t>scRNAseq</a:t>
-            </a:r>
-            <a:r>
-              <a:rPr lang="en-US" sz="2400" dirty="0">
-                <a:latin typeface="Helvetica Neue Light" panose="02000403000000020004" pitchFamily="2" charset="0"/>
-                <a:ea typeface="Helvetica Neue Light" panose="02000403000000020004" pitchFamily="2" charset="0"/>
-              </a:rPr>
-              <a:t> assays (e.g. FISH) detected orders of magnitude expression variation in putatively ”identical cells”</a:t>
-            </a:r>
-          </a:p>
-          <a:p>
-            <a:pPr marL="742950" lvl="1" indent="-285750">
-              <a:buFont typeface="Arial" panose="020B0604020202020204" pitchFamily="34" charset="0"/>
-              <a:buChar char="•"/>
-            </a:pPr>
-            <a:r>
-              <a:rPr lang="en-US" sz="2400" dirty="0">
-                <a:latin typeface="Helvetica Neue Light" panose="02000403000000020004" pitchFamily="2" charset="0"/>
-                <a:ea typeface="Helvetica Neue Light" panose="02000403000000020004" pitchFamily="2" charset="0"/>
-              </a:rPr>
-              <a:t>Developmental, tissue-specific, and intra-tissue treatment </a:t>
-            </a:r>
-            <a:r>
-              <a:rPr lang="en-US" sz="2400" dirty="0" err="1">
-                <a:latin typeface="Helvetica Neue Light" panose="02000403000000020004" pitchFamily="2" charset="0"/>
-                <a:ea typeface="Helvetica Neue Light" panose="02000403000000020004" pitchFamily="2" charset="0"/>
-              </a:rPr>
-              <a:t>diferences</a:t>
-            </a:r>
-            <a:endParaRPr lang="en-US" sz="2800" dirty="0">
-              <a:latin typeface="Helvetica Neue Light" panose="02000403000000020004" pitchFamily="2" charset="0"/>
-              <a:ea typeface="Helvetica Neue Light" panose="02000403000000020004" pitchFamily="2" charset="0"/>
-            </a:endParaRPr>
-          </a:p>
-          <a:p>
-            <a:pPr marL="285750" indent="-285750">
-              <a:buFont typeface="Arial" panose="020B0604020202020204" pitchFamily="34" charset="0"/>
-              <a:buChar char="•"/>
-            </a:pPr>
-            <a:r>
-              <a:rPr lang="en-US" sz="2800" dirty="0">
-                <a:latin typeface="Helvetica Neue Light" panose="02000403000000020004" pitchFamily="2" charset="0"/>
-                <a:ea typeface="Helvetica Neue Light" panose="02000403000000020004" pitchFamily="2" charset="0"/>
-              </a:rPr>
-              <a:t>Remove potential biases of bulk perspective</a:t>
-            </a:r>
-          </a:p>
-          <a:p>
-            <a:pPr marL="742950" lvl="1" indent="-285750">
-              <a:buFont typeface="Arial" panose="020B0604020202020204" pitchFamily="34" charset="0"/>
-              <a:buChar char="•"/>
-            </a:pPr>
-            <a:r>
-              <a:rPr lang="en-US" sz="2400" dirty="0">
-                <a:latin typeface="Helvetica Neue Light" panose="02000403000000020004" pitchFamily="2" charset="0"/>
-                <a:ea typeface="Helvetica Neue Light" panose="02000403000000020004" pitchFamily="2" charset="0"/>
-              </a:rPr>
-              <a:t>Mean expression for cell population can be biased by a few cells</a:t>
-            </a:r>
-          </a:p>
-          <a:p>
-            <a:pPr lvl="1"/>
-            <a:endParaRPr lang="en-US" sz="2400" dirty="0">
-              <a:latin typeface="Helvetica Neue Light" panose="02000403000000020004" pitchFamily="2" charset="0"/>
-              <a:ea typeface="Helvetica Neue Light" panose="02000403000000020004" pitchFamily="2" charset="0"/>
-            </a:endParaRPr>
-          </a:p>
-          <a:p>
-            <a:pPr marL="285750" indent="-285750">
-              <a:buFont typeface="Arial" panose="020B0604020202020204" pitchFamily="34" charset="0"/>
-              <a:buChar char="•"/>
-            </a:pPr>
-            <a:r>
-              <a:rPr lang="en-US" sz="2800" dirty="0">
-                <a:latin typeface="Helvetica Neue Light" panose="02000403000000020004" pitchFamily="2" charset="0"/>
-                <a:ea typeface="Helvetica Neue Light" panose="02000403000000020004" pitchFamily="2" charset="0"/>
-              </a:rPr>
-              <a:t>Distinguish patterns and processes that are unidentifiable in bulk experiments</a:t>
-            </a:r>
-          </a:p>
-          <a:p>
-            <a:endParaRPr lang="en-US" sz="2400" dirty="0">
+            <a:r>
+              <a:rPr lang="en-US" sz="1400" dirty="0">
+                <a:latin typeface="Helvetica Neue Light" panose="02000403000000020004" pitchFamily="2" charset="0"/>
+                <a:ea typeface="Helvetica Neue Light" panose="02000403000000020004" pitchFamily="2" charset="0"/>
+              </a:rPr>
+              <a:t>** Our workflow today will mostly use Seurat</a:t>
+            </a:r>
+            <a:endParaRPr lang="en-US" sz="1400" i="1" dirty="0">
               <a:latin typeface="Helvetica Neue Light" panose="02000403000000020004" pitchFamily="2" charset="0"/>
               <a:ea typeface="Helvetica Neue Light" panose="02000403000000020004" pitchFamily="2" charset="0"/>
             </a:endParaRPr>
@@ -12400,7 +13974,7 @@
     </p:spTree>
     <p:extLst>
       <p:ext uri="{BB962C8B-B14F-4D97-AF65-F5344CB8AC3E}">
-        <p14:creationId xmlns:p14="http://schemas.microsoft.com/office/powerpoint/2010/main" val="578784395"/>
+        <p14:creationId xmlns:p14="http://schemas.microsoft.com/office/powerpoint/2010/main" val="4112105623"/>
       </p:ext>
     </p:extLst>
   </p:cSld>
@@ -12410,7 +13984,569 @@
 </p:sld>
 </file>
 
-<file path=ppt/slides/slide5.xml><?xml version="1.0" encoding="utf-8"?>
+<file path=ppt/slides/slide34.xml><?xml version="1.0" encoding="utf-8"?>
+<p:sld xmlns:a="http://schemas.openxmlformats.org/drawingml/2006/main" xmlns:r="http://schemas.openxmlformats.org/officeDocument/2006/relationships" xmlns:p="http://schemas.openxmlformats.org/presentationml/2006/main">
+  <p:cSld>
+    <p:spTree>
+      <p:nvGrpSpPr>
+        <p:cNvPr id="1" name=""/>
+        <p:cNvGrpSpPr/>
+        <p:nvPr/>
+      </p:nvGrpSpPr>
+      <p:grpSpPr>
+        <a:xfrm>
+          <a:off x="0" y="0"/>
+          <a:ext cx="0" cy="0"/>
+          <a:chOff x="0" y="0"/>
+          <a:chExt cx="0" cy="0"/>
+        </a:xfrm>
+      </p:grpSpPr>
+      <p:cxnSp>
+        <p:nvCxnSpPr>
+          <p:cNvPr id="5" name="Straight Connector 4">
+            <a:extLst>
+              <a:ext uri="{FF2B5EF4-FFF2-40B4-BE49-F238E27FC236}">
+                <a16:creationId xmlns:a16="http://schemas.microsoft.com/office/drawing/2014/main" id="{97A6922C-54C3-694F-9492-EAC388C3E954}"/>
+              </a:ext>
+            </a:extLst>
+          </p:cNvPr>
+          <p:cNvCxnSpPr/>
+          <p:nvPr/>
+        </p:nvCxnSpPr>
+        <p:spPr>
+          <a:xfrm>
+            <a:off x="262467" y="1417638"/>
+            <a:ext cx="11216519" cy="0"/>
+          </a:xfrm>
+          <a:prstGeom prst="line">
+            <a:avLst/>
+          </a:prstGeom>
+          <a:ln w="19050">
+            <a:solidFill>
+              <a:schemeClr val="tx1"/>
+            </a:solidFill>
+          </a:ln>
+          <a:effectLst/>
+        </p:spPr>
+        <p:style>
+          <a:lnRef idx="2">
+            <a:schemeClr val="accent1"/>
+          </a:lnRef>
+          <a:fillRef idx="0">
+            <a:schemeClr val="accent1"/>
+          </a:fillRef>
+          <a:effectRef idx="1">
+            <a:schemeClr val="accent1"/>
+          </a:effectRef>
+          <a:fontRef idx="minor">
+            <a:schemeClr val="tx1"/>
+          </a:fontRef>
+        </p:style>
+      </p:cxnSp>
+      <p:sp>
+        <p:nvSpPr>
+          <p:cNvPr id="12" name="Title 1">
+            <a:extLst>
+              <a:ext uri="{FF2B5EF4-FFF2-40B4-BE49-F238E27FC236}">
+                <a16:creationId xmlns:a16="http://schemas.microsoft.com/office/drawing/2014/main" id="{B48711B5-D460-7044-939F-EAFD1BB7A648}"/>
+              </a:ext>
+            </a:extLst>
+          </p:cNvPr>
+          <p:cNvSpPr>
+            <a:spLocks noGrp="1"/>
+          </p:cNvSpPr>
+          <p:nvPr>
+            <p:ph type="title"/>
+          </p:nvPr>
+        </p:nvSpPr>
+        <p:spPr>
+          <a:xfrm>
+            <a:off x="262467" y="365125"/>
+            <a:ext cx="11634788" cy="1325563"/>
+          </a:xfrm>
+        </p:spPr>
+        <p:txBody>
+          <a:bodyPr/>
+          <a:lstStyle/>
+          <a:p>
+            <a:r>
+              <a:rPr lang="en-US" dirty="0"/>
+              <a:t>Next steps: workflow examples</a:t>
+            </a:r>
+          </a:p>
+        </p:txBody>
+      </p:sp>
+      <p:sp>
+        <p:nvSpPr>
+          <p:cNvPr id="7" name="Content Placeholder 7">
+            <a:extLst>
+              <a:ext uri="{FF2B5EF4-FFF2-40B4-BE49-F238E27FC236}">
+                <a16:creationId xmlns:a16="http://schemas.microsoft.com/office/drawing/2014/main" id="{0B8D925C-197D-3D48-A350-B35093A9231E}"/>
+              </a:ext>
+            </a:extLst>
+          </p:cNvPr>
+          <p:cNvSpPr>
+            <a:spLocks noGrp="1"/>
+          </p:cNvSpPr>
+          <p:nvPr>
+            <p:ph sz="half" idx="1"/>
+          </p:nvPr>
+        </p:nvSpPr>
+        <p:spPr>
+          <a:xfrm>
+            <a:off x="482600" y="1827747"/>
+            <a:ext cx="11176000" cy="4448175"/>
+          </a:xfrm>
+        </p:spPr>
+        <p:txBody>
+          <a:bodyPr>
+            <a:normAutofit lnSpcReduction="10000"/>
+          </a:bodyPr>
+          <a:lstStyle/>
+          <a:p>
+            <a:r>
+              <a:rPr lang="en-US" dirty="0">
+                <a:latin typeface="Helvetica Neue Light" panose="02000403000000020004" pitchFamily="2" charset="0"/>
+                <a:ea typeface="Helvetica Neue Light" panose="02000403000000020004" pitchFamily="2" charset="0"/>
+              </a:rPr>
+              <a:t>Importing data into Seurat</a:t>
+            </a:r>
+          </a:p>
+          <a:p>
+            <a:pPr lvl="1"/>
+            <a:r>
+              <a:rPr lang="en-US" dirty="0">
+                <a:latin typeface="Helvetica Neue Light" panose="02000403000000020004" pitchFamily="2" charset="0"/>
+                <a:ea typeface="Helvetica Neue Light" panose="02000403000000020004" pitchFamily="2" charset="0"/>
+              </a:rPr>
+              <a:t>Data pre-processing</a:t>
+            </a:r>
+          </a:p>
+          <a:p>
+            <a:pPr lvl="1"/>
+            <a:r>
+              <a:rPr lang="en-US" dirty="0">
+                <a:latin typeface="Helvetica Neue Light" panose="02000403000000020004" pitchFamily="2" charset="0"/>
+                <a:ea typeface="Helvetica Neue Light" panose="02000403000000020004" pitchFamily="2" charset="0"/>
+              </a:rPr>
+              <a:t>Identifying cell subpopulations (w/ </a:t>
+            </a:r>
+            <a:r>
+              <a:rPr lang="en-US" dirty="0" err="1">
+                <a:latin typeface="Helvetica Neue Light" panose="02000403000000020004" pitchFamily="2" charset="0"/>
+                <a:ea typeface="Helvetica Neue Light" panose="02000403000000020004" pitchFamily="2" charset="0"/>
+              </a:rPr>
+              <a:t>tSNE</a:t>
+            </a:r>
+            <a:r>
+              <a:rPr lang="en-US" dirty="0">
+                <a:latin typeface="Helvetica Neue Light" panose="02000403000000020004" pitchFamily="2" charset="0"/>
+                <a:ea typeface="Helvetica Neue Light" panose="02000403000000020004" pitchFamily="2" charset="0"/>
+              </a:rPr>
+              <a:t>)</a:t>
+            </a:r>
+          </a:p>
+          <a:p>
+            <a:pPr lvl="1"/>
+            <a:r>
+              <a:rPr lang="en-US" dirty="0">
+                <a:latin typeface="Helvetica Neue Light" panose="02000403000000020004" pitchFamily="2" charset="0"/>
+                <a:ea typeface="Helvetica Neue Light" panose="02000403000000020004" pitchFamily="2" charset="0"/>
+              </a:rPr>
+              <a:t>10x PBMC data set</a:t>
+            </a:r>
+          </a:p>
+          <a:p>
+            <a:r>
+              <a:rPr lang="en-US" dirty="0">
+                <a:latin typeface="Helvetica Neue Light" panose="02000403000000020004" pitchFamily="2" charset="0"/>
+                <a:ea typeface="Helvetica Neue Light" panose="02000403000000020004" pitchFamily="2" charset="0"/>
+              </a:rPr>
+              <a:t>Multi-sample integrative analysis </a:t>
+            </a:r>
+          </a:p>
+          <a:p>
+            <a:pPr lvl="1"/>
+            <a:r>
+              <a:rPr lang="en-US" dirty="0">
+                <a:latin typeface="Helvetica Neue Light" panose="02000403000000020004" pitchFamily="2" charset="0"/>
+                <a:ea typeface="Helvetica Neue Light" panose="02000403000000020004" pitchFamily="2" charset="0"/>
+              </a:rPr>
+              <a:t>Brand new approach (Butler et al. 2018, </a:t>
+            </a:r>
+            <a:r>
+              <a:rPr lang="en-US" i="1" dirty="0">
+                <a:latin typeface="Helvetica Neue Light" panose="02000403000000020004" pitchFamily="2" charset="0"/>
+                <a:ea typeface="Helvetica Neue Light" panose="02000403000000020004" pitchFamily="2" charset="0"/>
+              </a:rPr>
+              <a:t>Nat. Biotech.)</a:t>
+            </a:r>
+            <a:endParaRPr lang="en-US" dirty="0">
+              <a:latin typeface="Helvetica Neue Light" panose="02000403000000020004" pitchFamily="2" charset="0"/>
+              <a:ea typeface="Helvetica Neue Light" panose="02000403000000020004" pitchFamily="2" charset="0"/>
+            </a:endParaRPr>
+          </a:p>
+          <a:p>
+            <a:pPr lvl="1"/>
+            <a:r>
+              <a:rPr lang="en-US" dirty="0">
+                <a:latin typeface="Helvetica Neue Light" panose="02000403000000020004" pitchFamily="2" charset="0"/>
+                <a:ea typeface="Helvetica Neue Light" panose="02000403000000020004" pitchFamily="2" charset="0"/>
+              </a:rPr>
+              <a:t>Can compare tissues, treatments, species</a:t>
+            </a:r>
+          </a:p>
+          <a:p>
+            <a:pPr lvl="2"/>
+            <a:r>
+              <a:rPr lang="en-US" dirty="0">
+                <a:latin typeface="Helvetica Neue Light" panose="02000403000000020004" pitchFamily="2" charset="0"/>
+                <a:ea typeface="Helvetica Neue Light" panose="02000403000000020004" pitchFamily="2" charset="0"/>
+              </a:rPr>
+              <a:t>”Aligns” samples using shared correlation structure</a:t>
+            </a:r>
+          </a:p>
+          <a:p>
+            <a:r>
+              <a:rPr lang="en-US" dirty="0">
+                <a:latin typeface="Helvetica Neue Light" panose="02000403000000020004" pitchFamily="2" charset="0"/>
+                <a:ea typeface="Helvetica Neue Light" panose="02000403000000020004" pitchFamily="2" charset="0"/>
+              </a:rPr>
+              <a:t>Alternative ways to do clustering</a:t>
+            </a:r>
+          </a:p>
+          <a:p>
+            <a:pPr lvl="1"/>
+            <a:r>
+              <a:rPr lang="en-US" dirty="0">
+                <a:latin typeface="Helvetica Neue Light" panose="02000403000000020004" pitchFamily="2" charset="0"/>
+                <a:ea typeface="Helvetica Neue Light" panose="02000403000000020004" pitchFamily="2" charset="0"/>
+              </a:rPr>
+              <a:t>A quick run of SIMLR to</a:t>
+            </a:r>
+          </a:p>
+          <a:p>
+            <a:pPr lvl="2"/>
+            <a:r>
+              <a:rPr lang="en-US" dirty="0">
+                <a:latin typeface="Helvetica Neue Light" panose="02000403000000020004" pitchFamily="2" charset="0"/>
+                <a:ea typeface="Helvetica Neue Light" panose="02000403000000020004" pitchFamily="2" charset="0"/>
+              </a:rPr>
+              <a:t>Identify # of clusters</a:t>
+            </a:r>
+          </a:p>
+          <a:p>
+            <a:pPr lvl="2"/>
+            <a:r>
+              <a:rPr lang="en-US" dirty="0">
+                <a:latin typeface="Helvetica Neue Light" panose="02000403000000020004" pitchFamily="2" charset="0"/>
+                <a:ea typeface="Helvetica Neue Light" panose="02000403000000020004" pitchFamily="2" charset="0"/>
+              </a:rPr>
+              <a:t>Visualize clusters in </a:t>
+            </a:r>
+            <a:r>
+              <a:rPr lang="en-US" dirty="0" err="1">
+                <a:latin typeface="Helvetica Neue Light" panose="02000403000000020004" pitchFamily="2" charset="0"/>
+                <a:ea typeface="Helvetica Neue Light" panose="02000403000000020004" pitchFamily="2" charset="0"/>
+              </a:rPr>
+              <a:t>tSNE</a:t>
+            </a:r>
+            <a:r>
+              <a:rPr lang="en-US" dirty="0">
+                <a:latin typeface="Helvetica Neue Light" panose="02000403000000020004" pitchFamily="2" charset="0"/>
+                <a:ea typeface="Helvetica Neue Light" panose="02000403000000020004" pitchFamily="2" charset="0"/>
+              </a:rPr>
+              <a:t> space</a:t>
+            </a:r>
+          </a:p>
+          <a:p>
+            <a:pPr marL="0" indent="0">
+              <a:buNone/>
+            </a:pPr>
+            <a:endParaRPr lang="en-US" dirty="0">
+              <a:latin typeface="Helvetica Neue Light" panose="02000403000000020004" pitchFamily="2" charset="0"/>
+              <a:ea typeface="Helvetica Neue Light" panose="02000403000000020004" pitchFamily="2" charset="0"/>
+            </a:endParaRPr>
+          </a:p>
+          <a:p>
+            <a:pPr marL="457200" lvl="1" indent="0">
+              <a:buNone/>
+            </a:pPr>
+            <a:endParaRPr lang="en-US" dirty="0">
+              <a:latin typeface="Helvetica Neue Light" panose="02000403000000020004" pitchFamily="2" charset="0"/>
+              <a:ea typeface="Helvetica Neue Light" panose="02000403000000020004" pitchFamily="2" charset="0"/>
+            </a:endParaRPr>
+          </a:p>
+          <a:p>
+            <a:pPr lvl="1"/>
+            <a:endParaRPr lang="en-US" dirty="0">
+              <a:latin typeface="Helvetica Neue Light" panose="02000403000000020004" pitchFamily="2" charset="0"/>
+              <a:ea typeface="Helvetica Neue Light" panose="02000403000000020004" pitchFamily="2" charset="0"/>
+            </a:endParaRPr>
+          </a:p>
+          <a:p>
+            <a:pPr lvl="1"/>
+            <a:endParaRPr lang="en-US" dirty="0">
+              <a:latin typeface="Helvetica Neue Light" panose="02000403000000020004" pitchFamily="2" charset="0"/>
+              <a:ea typeface="Helvetica Neue Light" panose="02000403000000020004" pitchFamily="2" charset="0"/>
+            </a:endParaRPr>
+          </a:p>
+          <a:p>
+            <a:endParaRPr lang="en-US" dirty="0">
+              <a:latin typeface="Helvetica Neue Light" panose="02000403000000020004" pitchFamily="2" charset="0"/>
+              <a:ea typeface="Helvetica Neue Light" panose="02000403000000020004" pitchFamily="2" charset="0"/>
+            </a:endParaRPr>
+          </a:p>
+          <a:p>
+            <a:pPr marL="0" indent="0">
+              <a:buNone/>
+            </a:pPr>
+            <a:endParaRPr lang="en-US" dirty="0">
+              <a:latin typeface="Helvetica Neue Light" panose="02000403000000020004" pitchFamily="2" charset="0"/>
+              <a:ea typeface="Helvetica Neue Light" panose="02000403000000020004" pitchFamily="2" charset="0"/>
+            </a:endParaRPr>
+          </a:p>
+        </p:txBody>
+      </p:sp>
+    </p:spTree>
+    <p:extLst>
+      <p:ext uri="{BB962C8B-B14F-4D97-AF65-F5344CB8AC3E}">
+        <p14:creationId xmlns:p14="http://schemas.microsoft.com/office/powerpoint/2010/main" val="2301558071"/>
+      </p:ext>
+    </p:extLst>
+  </p:cSld>
+  <p:clrMapOvr>
+    <a:masterClrMapping/>
+  </p:clrMapOvr>
+</p:sld>
+</file>
+
+<file path=ppt/slides/slide35.xml><?xml version="1.0" encoding="utf-8"?>
+<p:sld xmlns:a="http://schemas.openxmlformats.org/drawingml/2006/main" xmlns:r="http://schemas.openxmlformats.org/officeDocument/2006/relationships" xmlns:p="http://schemas.openxmlformats.org/presentationml/2006/main">
+  <p:cSld>
+    <p:spTree>
+      <p:nvGrpSpPr>
+        <p:cNvPr id="1" name=""/>
+        <p:cNvGrpSpPr/>
+        <p:nvPr/>
+      </p:nvGrpSpPr>
+      <p:grpSpPr>
+        <a:xfrm>
+          <a:off x="0" y="0"/>
+          <a:ext cx="0" cy="0"/>
+          <a:chOff x="0" y="0"/>
+          <a:chExt cx="0" cy="0"/>
+        </a:xfrm>
+      </p:grpSpPr>
+      <p:cxnSp>
+        <p:nvCxnSpPr>
+          <p:cNvPr id="5" name="Straight Connector 4">
+            <a:extLst>
+              <a:ext uri="{FF2B5EF4-FFF2-40B4-BE49-F238E27FC236}">
+                <a16:creationId xmlns:a16="http://schemas.microsoft.com/office/drawing/2014/main" id="{97A6922C-54C3-694F-9492-EAC388C3E954}"/>
+              </a:ext>
+            </a:extLst>
+          </p:cNvPr>
+          <p:cNvCxnSpPr/>
+          <p:nvPr/>
+        </p:nvCxnSpPr>
+        <p:spPr>
+          <a:xfrm>
+            <a:off x="262467" y="1417638"/>
+            <a:ext cx="11216519" cy="0"/>
+          </a:xfrm>
+          <a:prstGeom prst="line">
+            <a:avLst/>
+          </a:prstGeom>
+          <a:ln w="19050">
+            <a:solidFill>
+              <a:schemeClr val="tx1"/>
+            </a:solidFill>
+          </a:ln>
+          <a:effectLst/>
+        </p:spPr>
+        <p:style>
+          <a:lnRef idx="2">
+            <a:schemeClr val="accent1"/>
+          </a:lnRef>
+          <a:fillRef idx="0">
+            <a:schemeClr val="accent1"/>
+          </a:fillRef>
+          <a:effectRef idx="1">
+            <a:schemeClr val="accent1"/>
+          </a:effectRef>
+          <a:fontRef idx="minor">
+            <a:schemeClr val="tx1"/>
+          </a:fontRef>
+        </p:style>
+      </p:cxnSp>
+      <p:sp>
+        <p:nvSpPr>
+          <p:cNvPr id="12" name="Title 1">
+            <a:extLst>
+              <a:ext uri="{FF2B5EF4-FFF2-40B4-BE49-F238E27FC236}">
+                <a16:creationId xmlns:a16="http://schemas.microsoft.com/office/drawing/2014/main" id="{B48711B5-D460-7044-939F-EAFD1BB7A648}"/>
+              </a:ext>
+            </a:extLst>
+          </p:cNvPr>
+          <p:cNvSpPr>
+            <a:spLocks noGrp="1"/>
+          </p:cNvSpPr>
+          <p:nvPr>
+            <p:ph type="title"/>
+          </p:nvPr>
+        </p:nvSpPr>
+        <p:spPr>
+          <a:xfrm>
+            <a:off x="262467" y="365125"/>
+            <a:ext cx="11634788" cy="1325563"/>
+          </a:xfrm>
+        </p:spPr>
+        <p:txBody>
+          <a:bodyPr/>
+          <a:lstStyle/>
+          <a:p>
+            <a:r>
+              <a:rPr lang="en-US" dirty="0"/>
+              <a:t>Final thoughts before getting our hands dirty</a:t>
+            </a:r>
+          </a:p>
+        </p:txBody>
+      </p:sp>
+      <p:sp>
+        <p:nvSpPr>
+          <p:cNvPr id="7" name="Content Placeholder 7">
+            <a:extLst>
+              <a:ext uri="{FF2B5EF4-FFF2-40B4-BE49-F238E27FC236}">
+                <a16:creationId xmlns:a16="http://schemas.microsoft.com/office/drawing/2014/main" id="{0B8D925C-197D-3D48-A350-B35093A9231E}"/>
+              </a:ext>
+            </a:extLst>
+          </p:cNvPr>
+          <p:cNvSpPr>
+            <a:spLocks noGrp="1"/>
+          </p:cNvSpPr>
+          <p:nvPr>
+            <p:ph sz="half" idx="1"/>
+          </p:nvPr>
+        </p:nvSpPr>
+        <p:spPr>
+          <a:xfrm>
+            <a:off x="482600" y="1827747"/>
+            <a:ext cx="11176000" cy="4448175"/>
+          </a:xfrm>
+        </p:spPr>
+        <p:txBody>
+          <a:bodyPr>
+            <a:normAutofit/>
+          </a:bodyPr>
+          <a:lstStyle/>
+          <a:p>
+            <a:r>
+              <a:rPr lang="en-US" dirty="0">
+                <a:latin typeface="Helvetica Neue Light" panose="02000403000000020004" pitchFamily="2" charset="0"/>
+                <a:ea typeface="Helvetica Neue Light" panose="02000403000000020004" pitchFamily="2" charset="0"/>
+              </a:rPr>
+              <a:t>Single-cell analysis methods are rapidly evolving </a:t>
+            </a:r>
+          </a:p>
+          <a:p>
+            <a:r>
+              <a:rPr lang="en-US" dirty="0">
+                <a:latin typeface="Helvetica Neue Light" panose="02000403000000020004" pitchFamily="2" charset="0"/>
+                <a:ea typeface="Helvetica Neue Light" panose="02000403000000020004" pitchFamily="2" charset="0"/>
+              </a:rPr>
+              <a:t>Establishing best practices for core analyses (clustering, doublet detection) is a work in progress</a:t>
+            </a:r>
+          </a:p>
+          <a:p>
+            <a:pPr lvl="1"/>
+            <a:r>
+              <a:rPr lang="en-US" dirty="0">
+                <a:latin typeface="Helvetica Neue Light" panose="02000403000000020004" pitchFamily="2" charset="0"/>
+                <a:ea typeface="Helvetica Neue Light" panose="02000403000000020004" pitchFamily="2" charset="0"/>
+              </a:rPr>
+              <a:t>Even more so for more advanced applications such as developmental transition time course experiments</a:t>
+            </a:r>
+          </a:p>
+          <a:p>
+            <a:pPr lvl="1"/>
+            <a:endParaRPr lang="en-US" dirty="0">
+              <a:latin typeface="Helvetica Neue Light" panose="02000403000000020004" pitchFamily="2" charset="0"/>
+              <a:ea typeface="Helvetica Neue Light" panose="02000403000000020004" pitchFamily="2" charset="0"/>
+            </a:endParaRPr>
+          </a:p>
+          <a:p>
+            <a:r>
+              <a:rPr lang="en-US" dirty="0">
+                <a:latin typeface="Helvetica Neue Light" panose="02000403000000020004" pitchFamily="2" charset="0"/>
+                <a:ea typeface="Helvetica Neue Light" panose="02000403000000020004" pitchFamily="2" charset="0"/>
+              </a:rPr>
+              <a:t>Expect analysis workflows on the Informatics Group website in the (probably not too) near future</a:t>
+            </a:r>
+          </a:p>
+          <a:p>
+            <a:pPr marL="0" indent="0">
+              <a:buNone/>
+            </a:pPr>
+            <a:endParaRPr lang="en-US" dirty="0">
+              <a:latin typeface="Helvetica Neue Light" panose="02000403000000020004" pitchFamily="2" charset="0"/>
+              <a:ea typeface="Helvetica Neue Light" panose="02000403000000020004" pitchFamily="2" charset="0"/>
+            </a:endParaRPr>
+          </a:p>
+          <a:p>
+            <a:pPr marL="457200" lvl="1" indent="0">
+              <a:buNone/>
+            </a:pPr>
+            <a:endParaRPr lang="en-US" dirty="0">
+              <a:latin typeface="Helvetica Neue Light" panose="02000403000000020004" pitchFamily="2" charset="0"/>
+              <a:ea typeface="Helvetica Neue Light" panose="02000403000000020004" pitchFamily="2" charset="0"/>
+            </a:endParaRPr>
+          </a:p>
+          <a:p>
+            <a:pPr lvl="1"/>
+            <a:endParaRPr lang="en-US" dirty="0">
+              <a:latin typeface="Helvetica Neue Light" panose="02000403000000020004" pitchFamily="2" charset="0"/>
+              <a:ea typeface="Helvetica Neue Light" panose="02000403000000020004" pitchFamily="2" charset="0"/>
+            </a:endParaRPr>
+          </a:p>
+          <a:p>
+            <a:pPr lvl="1"/>
+            <a:endParaRPr lang="en-US" dirty="0">
+              <a:latin typeface="Helvetica Neue Light" panose="02000403000000020004" pitchFamily="2" charset="0"/>
+              <a:ea typeface="Helvetica Neue Light" panose="02000403000000020004" pitchFamily="2" charset="0"/>
+            </a:endParaRPr>
+          </a:p>
+          <a:p>
+            <a:endParaRPr lang="en-US" dirty="0">
+              <a:latin typeface="Helvetica Neue Light" panose="02000403000000020004" pitchFamily="2" charset="0"/>
+              <a:ea typeface="Helvetica Neue Light" panose="02000403000000020004" pitchFamily="2" charset="0"/>
+            </a:endParaRPr>
+          </a:p>
+          <a:p>
+            <a:pPr marL="0" indent="0">
+              <a:buNone/>
+            </a:pPr>
+            <a:endParaRPr lang="en-US" dirty="0">
+              <a:latin typeface="Helvetica Neue Light" panose="02000403000000020004" pitchFamily="2" charset="0"/>
+              <a:ea typeface="Helvetica Neue Light" panose="02000403000000020004" pitchFamily="2" charset="0"/>
+            </a:endParaRPr>
+          </a:p>
+        </p:txBody>
+      </p:sp>
+    </p:spTree>
+    <p:extLst>
+      <p:ext uri="{BB962C8B-B14F-4D97-AF65-F5344CB8AC3E}">
+        <p14:creationId xmlns:p14="http://schemas.microsoft.com/office/powerpoint/2010/main" val="2490232837"/>
+      </p:ext>
+    </p:extLst>
+  </p:cSld>
+  <p:clrMapOvr>
+    <a:masterClrMapping/>
+  </p:clrMapOvr>
+</p:sld>
+</file>
+
+<file path=ppt/slides/slide4.xml><?xml version="1.0" encoding="utf-8"?>
 <p:sld xmlns:a="http://schemas.openxmlformats.org/drawingml/2006/main" xmlns:r="http://schemas.openxmlformats.org/officeDocument/2006/relationships" xmlns:p="http://schemas.openxmlformats.org/presentationml/2006/main">
   <p:cSld>
     <p:spTree>
@@ -20980,7 +23116,520 @@
 </p:sld>
 </file>
 
+<file path=ppt/slides/slide5.xml><?xml version="1.0" encoding="utf-8"?>
+<p:sld xmlns:a="http://schemas.openxmlformats.org/drawingml/2006/main" xmlns:r="http://schemas.openxmlformats.org/officeDocument/2006/relationships" xmlns:p="http://schemas.openxmlformats.org/presentationml/2006/main">
+  <p:cSld>
+    <p:spTree>
+      <p:nvGrpSpPr>
+        <p:cNvPr id="1" name=""/>
+        <p:cNvGrpSpPr/>
+        <p:nvPr/>
+      </p:nvGrpSpPr>
+      <p:grpSpPr>
+        <a:xfrm>
+          <a:off x="0" y="0"/>
+          <a:ext cx="0" cy="0"/>
+          <a:chOff x="0" y="0"/>
+          <a:chExt cx="0" cy="0"/>
+        </a:xfrm>
+      </p:grpSpPr>
+      <p:sp>
+        <p:nvSpPr>
+          <p:cNvPr id="4" name="TextBox 3">
+            <a:extLst>
+              <a:ext uri="{FF2B5EF4-FFF2-40B4-BE49-F238E27FC236}">
+                <a16:creationId xmlns:a16="http://schemas.microsoft.com/office/drawing/2014/main" id="{E2FB5D03-3C1C-CF48-9816-C96A86027250}"/>
+              </a:ext>
+            </a:extLst>
+          </p:cNvPr>
+          <p:cNvSpPr txBox="1"/>
+          <p:nvPr/>
+        </p:nvSpPr>
+        <p:spPr>
+          <a:xfrm>
+            <a:off x="1365841" y="2573867"/>
+            <a:ext cx="9460319" cy="1569660"/>
+          </a:xfrm>
+          <a:prstGeom prst="rect">
+            <a:avLst/>
+          </a:prstGeom>
+          <a:noFill/>
+        </p:spPr>
+        <p:txBody>
+          <a:bodyPr wrap="square" rtlCol="0">
+            <a:spAutoFit/>
+          </a:bodyPr>
+          <a:lstStyle/>
+          <a:p>
+            <a:r>
+              <a:rPr lang="en-US" sz="2400" dirty="0">
+                <a:latin typeface="Helvetica Neue Light" panose="02000403000000020004" pitchFamily="2" charset="0"/>
+                <a:ea typeface="Helvetica Neue Light" panose="02000403000000020004" pitchFamily="2" charset="0"/>
+              </a:rPr>
+              <a:t>“But whenever there is a change in anatomy, cell type, and physiology there must be an underlying alteration in the developmental program.”</a:t>
+            </a:r>
+          </a:p>
+          <a:p>
+            <a:endParaRPr lang="en-US" sz="2400" dirty="0">
+              <a:latin typeface="Helvetica Neue Light" panose="02000403000000020004" pitchFamily="2" charset="0"/>
+              <a:ea typeface="Helvetica Neue Light" panose="02000403000000020004" pitchFamily="2" charset="0"/>
+            </a:endParaRPr>
+          </a:p>
+          <a:p>
+            <a:r>
+              <a:rPr lang="en-US" sz="2400" dirty="0">
+                <a:latin typeface="Helvetica Neue Light" panose="02000403000000020004" pitchFamily="2" charset="0"/>
+                <a:ea typeface="Helvetica Neue Light" panose="02000403000000020004" pitchFamily="2" charset="0"/>
+              </a:rPr>
+              <a:t>						-Briggs et al. 2018, </a:t>
+            </a:r>
+            <a:r>
+              <a:rPr lang="en-US" sz="2400" i="1" dirty="0">
+                <a:latin typeface="Helvetica Neue Light" panose="02000403000000020004" pitchFamily="2" charset="0"/>
+                <a:ea typeface="Helvetica Neue Light" panose="02000403000000020004" pitchFamily="2" charset="0"/>
+              </a:rPr>
+              <a:t>Science</a:t>
+            </a:r>
+          </a:p>
+        </p:txBody>
+      </p:sp>
+      <p:pic>
+        <p:nvPicPr>
+          <p:cNvPr id="6" name="Picture 5">
+            <a:extLst>
+              <a:ext uri="{FF2B5EF4-FFF2-40B4-BE49-F238E27FC236}">
+                <a16:creationId xmlns:a16="http://schemas.microsoft.com/office/drawing/2014/main" id="{441E68C2-38FE-A34F-A4AC-F65546647258}"/>
+              </a:ext>
+            </a:extLst>
+          </p:cNvPr>
+          <p:cNvPicPr>
+            <a:picLocks noChangeAspect="1"/>
+          </p:cNvPicPr>
+          <p:nvPr/>
+        </p:nvPicPr>
+        <p:blipFill>
+          <a:blip r:embed="rId2"/>
+          <a:stretch>
+            <a:fillRect/>
+          </a:stretch>
+        </p:blipFill>
+        <p:spPr>
+          <a:xfrm>
+            <a:off x="9028054" y="5134196"/>
+            <a:ext cx="2898892" cy="1383562"/>
+          </a:xfrm>
+          <a:prstGeom prst="rect">
+            <a:avLst/>
+          </a:prstGeom>
+        </p:spPr>
+      </p:pic>
+      <p:pic>
+        <p:nvPicPr>
+          <p:cNvPr id="8" name="Picture 7">
+            <a:extLst>
+              <a:ext uri="{FF2B5EF4-FFF2-40B4-BE49-F238E27FC236}">
+                <a16:creationId xmlns:a16="http://schemas.microsoft.com/office/drawing/2014/main" id="{79D43461-27FB-6648-846B-4B24156E42B4}"/>
+              </a:ext>
+            </a:extLst>
+          </p:cNvPr>
+          <p:cNvPicPr>
+            <a:picLocks noChangeAspect="1"/>
+          </p:cNvPicPr>
+          <p:nvPr/>
+        </p:nvPicPr>
+        <p:blipFill>
+          <a:blip r:embed="rId3"/>
+          <a:stretch>
+            <a:fillRect/>
+          </a:stretch>
+        </p:blipFill>
+        <p:spPr>
+          <a:xfrm>
+            <a:off x="314546" y="5134196"/>
+            <a:ext cx="1848352" cy="1383562"/>
+          </a:xfrm>
+          <a:prstGeom prst="rect">
+            <a:avLst/>
+          </a:prstGeom>
+        </p:spPr>
+      </p:pic>
+      <p:sp>
+        <p:nvSpPr>
+          <p:cNvPr id="9" name="TextBox 8">
+            <a:extLst>
+              <a:ext uri="{FF2B5EF4-FFF2-40B4-BE49-F238E27FC236}">
+                <a16:creationId xmlns:a16="http://schemas.microsoft.com/office/drawing/2014/main" id="{AD0F7DF6-90F9-2041-8C38-C7320E45E9FC}"/>
+              </a:ext>
+            </a:extLst>
+          </p:cNvPr>
+          <p:cNvSpPr txBox="1"/>
+          <p:nvPr/>
+        </p:nvSpPr>
+        <p:spPr>
+          <a:xfrm>
+            <a:off x="581317" y="6278428"/>
+            <a:ext cx="1314810" cy="246221"/>
+          </a:xfrm>
+          <a:prstGeom prst="rect">
+            <a:avLst/>
+          </a:prstGeom>
+          <a:noFill/>
+        </p:spPr>
+        <p:txBody>
+          <a:bodyPr wrap="square" rtlCol="0">
+            <a:spAutoFit/>
+          </a:bodyPr>
+          <a:lstStyle/>
+          <a:p>
+            <a:pPr algn="ctr"/>
+            <a:r>
+              <a:rPr lang="en-US" sz="1000" dirty="0">
+                <a:latin typeface="Helvetica Neue Light" panose="02000403000000020004" pitchFamily="2" charset="0"/>
+                <a:ea typeface="Helvetica Neue Light" panose="02000403000000020004" pitchFamily="2" charset="0"/>
+              </a:rPr>
+              <a:t>Daniel </a:t>
+            </a:r>
+            <a:r>
+              <a:rPr lang="en-US" sz="1000" dirty="0" err="1">
+                <a:latin typeface="Helvetica Neue Light" panose="02000403000000020004" pitchFamily="2" charset="0"/>
+                <a:ea typeface="Helvetica Neue Light" panose="02000403000000020004" pitchFamily="2" charset="0"/>
+              </a:rPr>
+              <a:t>Portik</a:t>
+            </a:r>
+            <a:endParaRPr lang="en-US" sz="1000" dirty="0">
+              <a:latin typeface="Helvetica Neue Light" panose="02000403000000020004" pitchFamily="2" charset="0"/>
+              <a:ea typeface="Helvetica Neue Light" panose="02000403000000020004" pitchFamily="2" charset="0"/>
+            </a:endParaRPr>
+          </a:p>
+        </p:txBody>
+      </p:sp>
+    </p:spTree>
+    <p:extLst>
+      <p:ext uri="{BB962C8B-B14F-4D97-AF65-F5344CB8AC3E}">
+        <p14:creationId xmlns:p14="http://schemas.microsoft.com/office/powerpoint/2010/main" val="2854148303"/>
+      </p:ext>
+    </p:extLst>
+  </p:cSld>
+  <p:clrMapOvr>
+    <a:masterClrMapping/>
+  </p:clrMapOvr>
+</p:sld>
+</file>
+
 <file path=ppt/slides/slide6.xml><?xml version="1.0" encoding="utf-8"?>
+<p:sld xmlns:a="http://schemas.openxmlformats.org/drawingml/2006/main" xmlns:r="http://schemas.openxmlformats.org/officeDocument/2006/relationships" xmlns:p="http://schemas.openxmlformats.org/presentationml/2006/main">
+  <p:cSld>
+    <p:spTree>
+      <p:nvGrpSpPr>
+        <p:cNvPr id="1" name=""/>
+        <p:cNvGrpSpPr/>
+        <p:nvPr/>
+      </p:nvGrpSpPr>
+      <p:grpSpPr>
+        <a:xfrm>
+          <a:off x="0" y="0"/>
+          <a:ext cx="0" cy="0"/>
+          <a:chOff x="0" y="0"/>
+          <a:chExt cx="0" cy="0"/>
+        </a:xfrm>
+      </p:grpSpPr>
+      <p:sp>
+        <p:nvSpPr>
+          <p:cNvPr id="4" name="Title 1">
+            <a:extLst>
+              <a:ext uri="{FF2B5EF4-FFF2-40B4-BE49-F238E27FC236}">
+                <a16:creationId xmlns:a16="http://schemas.microsoft.com/office/drawing/2014/main" id="{8E78658E-9087-214F-84AF-33F023194D43}"/>
+              </a:ext>
+            </a:extLst>
+          </p:cNvPr>
+          <p:cNvSpPr>
+            <a:spLocks noGrp="1"/>
+          </p:cNvSpPr>
+          <p:nvPr>
+            <p:ph type="title"/>
+          </p:nvPr>
+        </p:nvSpPr>
+        <p:spPr>
+          <a:xfrm>
+            <a:off x="262467" y="365125"/>
+            <a:ext cx="11634788" cy="1325563"/>
+          </a:xfrm>
+        </p:spPr>
+        <p:txBody>
+          <a:bodyPr/>
+          <a:lstStyle/>
+          <a:p>
+            <a:r>
+              <a:rPr lang="en-US" dirty="0"/>
+              <a:t>Why </a:t>
+            </a:r>
+            <a:r>
+              <a:rPr lang="en-US" dirty="0" err="1"/>
+              <a:t>scRNA-seq</a:t>
+            </a:r>
+            <a:r>
+              <a:rPr lang="en-US" dirty="0"/>
+              <a:t>?: new (developmental) questions</a:t>
+            </a:r>
+          </a:p>
+        </p:txBody>
+      </p:sp>
+      <p:cxnSp>
+        <p:nvCxnSpPr>
+          <p:cNvPr id="5" name="Straight Connector 4">
+            <a:extLst>
+              <a:ext uri="{FF2B5EF4-FFF2-40B4-BE49-F238E27FC236}">
+                <a16:creationId xmlns:a16="http://schemas.microsoft.com/office/drawing/2014/main" id="{97A6922C-54C3-694F-9492-EAC388C3E954}"/>
+              </a:ext>
+            </a:extLst>
+          </p:cNvPr>
+          <p:cNvCxnSpPr/>
+          <p:nvPr/>
+        </p:nvCxnSpPr>
+        <p:spPr>
+          <a:xfrm>
+            <a:off x="262467" y="1417638"/>
+            <a:ext cx="11216519" cy="0"/>
+          </a:xfrm>
+          <a:prstGeom prst="line">
+            <a:avLst/>
+          </a:prstGeom>
+          <a:ln w="19050">
+            <a:solidFill>
+              <a:schemeClr val="tx1"/>
+            </a:solidFill>
+          </a:ln>
+          <a:effectLst/>
+        </p:spPr>
+        <p:style>
+          <a:lnRef idx="2">
+            <a:schemeClr val="accent1"/>
+          </a:lnRef>
+          <a:fillRef idx="0">
+            <a:schemeClr val="accent1"/>
+          </a:fillRef>
+          <a:effectRef idx="1">
+            <a:schemeClr val="accent1"/>
+          </a:effectRef>
+          <a:fontRef idx="minor">
+            <a:schemeClr val="tx1"/>
+          </a:fontRef>
+        </p:style>
+      </p:cxnSp>
+      <p:sp>
+        <p:nvSpPr>
+          <p:cNvPr id="6" name="TextBox 5">
+            <a:extLst>
+              <a:ext uri="{FF2B5EF4-FFF2-40B4-BE49-F238E27FC236}">
+                <a16:creationId xmlns:a16="http://schemas.microsoft.com/office/drawing/2014/main" id="{4BEC4B9F-CF6E-1F45-A6B0-B8E4CDB6F74C}"/>
+              </a:ext>
+            </a:extLst>
+          </p:cNvPr>
+          <p:cNvSpPr txBox="1"/>
+          <p:nvPr/>
+        </p:nvSpPr>
+        <p:spPr>
+          <a:xfrm>
+            <a:off x="592667" y="1498600"/>
+            <a:ext cx="10947400" cy="6494085"/>
+          </a:xfrm>
+          <a:prstGeom prst="rect">
+            <a:avLst/>
+          </a:prstGeom>
+          <a:noFill/>
+        </p:spPr>
+        <p:txBody>
+          <a:bodyPr wrap="square" rtlCol="0">
+            <a:spAutoFit/>
+          </a:bodyPr>
+          <a:lstStyle/>
+          <a:p>
+            <a:pPr marL="285750" indent="-285750">
+              <a:buFont typeface="Arial" panose="020B0604020202020204" pitchFamily="34" charset="0"/>
+              <a:buChar char="•"/>
+            </a:pPr>
+            <a:r>
+              <a:rPr lang="en-US" sz="2800" dirty="0">
+                <a:latin typeface="Helvetica Neue Light" panose="02000403000000020004" pitchFamily="2" charset="0"/>
+                <a:ea typeface="Helvetica Neue Light" panose="02000403000000020004" pitchFamily="2" charset="0"/>
+              </a:rPr>
+              <a:t>Which cell state transitions are conserved and which are labile?</a:t>
+            </a:r>
+          </a:p>
+          <a:p>
+            <a:pPr marL="742950" lvl="1" indent="-285750">
+              <a:buFont typeface="Arial" panose="020B0604020202020204" pitchFamily="34" charset="0"/>
+              <a:buChar char="•"/>
+            </a:pPr>
+            <a:r>
+              <a:rPr lang="en-US" sz="2800" dirty="0">
+                <a:latin typeface="Helvetica Neue Light" panose="02000403000000020004" pitchFamily="2" charset="0"/>
+                <a:ea typeface="Helvetica Neue Light" panose="02000403000000020004" pitchFamily="2" charset="0"/>
+              </a:rPr>
+              <a:t>Can different endpoints originate from different precursors</a:t>
+            </a:r>
+          </a:p>
+          <a:p>
+            <a:pPr marL="1200150" lvl="2" indent="-285750">
+              <a:buFont typeface="Arial" panose="020B0604020202020204" pitchFamily="34" charset="0"/>
+              <a:buChar char="•"/>
+            </a:pPr>
+            <a:r>
+              <a:rPr lang="en-US" sz="2800" dirty="0">
+                <a:latin typeface="Helvetica Neue Light" panose="02000403000000020004" pitchFamily="2" charset="0"/>
+                <a:ea typeface="Helvetica Neue Light" panose="02000403000000020004" pitchFamily="2" charset="0"/>
+              </a:rPr>
+              <a:t>Plasticity?</a:t>
+            </a:r>
+          </a:p>
+          <a:p>
+            <a:pPr marL="1200150" lvl="2" indent="-285750">
+              <a:buFont typeface="Arial" panose="020B0604020202020204" pitchFamily="34" charset="0"/>
+              <a:buChar char="•"/>
+            </a:pPr>
+            <a:r>
+              <a:rPr lang="en-US" sz="2800" dirty="0">
+                <a:latin typeface="Helvetica Neue Light" panose="02000403000000020004" pitchFamily="2" charset="0"/>
+                <a:ea typeface="Helvetica Neue Light" panose="02000403000000020004" pitchFamily="2" charset="0"/>
+              </a:rPr>
+              <a:t>Drift?</a:t>
+            </a:r>
+          </a:p>
+          <a:p>
+            <a:pPr marL="742950" lvl="1" indent="-285750">
+              <a:buFont typeface="Arial" panose="020B0604020202020204" pitchFamily="34" charset="0"/>
+              <a:buChar char="•"/>
+            </a:pPr>
+            <a:r>
+              <a:rPr lang="en-US" sz="2800" dirty="0">
+                <a:latin typeface="Helvetica Neue Light" panose="02000403000000020004" pitchFamily="2" charset="0"/>
+                <a:ea typeface="Helvetica Neue Light" panose="02000403000000020004" pitchFamily="2" charset="0"/>
+              </a:rPr>
+              <a:t>Conserved co-expression modules?</a:t>
+            </a:r>
+          </a:p>
+          <a:p>
+            <a:pPr marL="285750" indent="-285750">
+              <a:buFont typeface="Arial" panose="020B0604020202020204" pitchFamily="34" charset="0"/>
+              <a:buChar char="•"/>
+            </a:pPr>
+            <a:r>
+              <a:rPr lang="en-US" sz="2800" dirty="0">
+                <a:latin typeface="Helvetica Neue Light" panose="02000403000000020004" pitchFamily="2" charset="0"/>
+                <a:ea typeface="Helvetica Neue Light" panose="02000403000000020004" pitchFamily="2" charset="0"/>
+              </a:rPr>
+              <a:t>What regulatory changes occur during transitions </a:t>
+            </a:r>
+            <a:r>
+              <a:rPr lang="en-US" sz="2800" i="1" dirty="0">
+                <a:latin typeface="Helvetica Neue Light" panose="02000403000000020004" pitchFamily="2" charset="0"/>
+                <a:ea typeface="Helvetica Neue Light" panose="02000403000000020004" pitchFamily="2" charset="0"/>
+              </a:rPr>
+              <a:t>between </a:t>
+            </a:r>
+            <a:r>
+              <a:rPr lang="en-US" sz="2800" dirty="0">
+                <a:latin typeface="Helvetica Neue Light" panose="02000403000000020004" pitchFamily="2" charset="0"/>
+                <a:ea typeface="Helvetica Neue Light" panose="02000403000000020004" pitchFamily="2" charset="0"/>
+              </a:rPr>
+              <a:t>cell states?</a:t>
+            </a:r>
+          </a:p>
+          <a:p>
+            <a:pPr marL="1200150" lvl="2" indent="-285750">
+              <a:buFont typeface="Arial" panose="020B0604020202020204" pitchFamily="34" charset="0"/>
+              <a:buChar char="•"/>
+            </a:pPr>
+            <a:r>
+              <a:rPr lang="en-US" sz="2800" dirty="0">
+                <a:latin typeface="Helvetica Neue Light" panose="02000403000000020004" pitchFamily="2" charset="0"/>
+                <a:ea typeface="Helvetica Neue Light" panose="02000403000000020004" pitchFamily="2" charset="0"/>
+              </a:rPr>
+              <a:t>Conserved among tissues and species?</a:t>
+            </a:r>
+          </a:p>
+          <a:p>
+            <a:pPr marL="285750" indent="-285750">
+              <a:buFont typeface="Arial" panose="020B0604020202020204" pitchFamily="34" charset="0"/>
+              <a:buChar char="•"/>
+            </a:pPr>
+            <a:r>
+              <a:rPr lang="en-US" sz="2800" dirty="0">
+                <a:latin typeface="Helvetica Neue Light" panose="02000403000000020004" pitchFamily="2" charset="0"/>
+                <a:ea typeface="Helvetica Neue Light" panose="02000403000000020004" pitchFamily="2" charset="0"/>
+              </a:rPr>
+              <a:t>How does gene expression differ between </a:t>
+            </a:r>
+            <a:r>
+              <a:rPr lang="en-US" sz="2800" i="1" dirty="0">
+                <a:latin typeface="Helvetica Neue Light" panose="02000403000000020004" pitchFamily="2" charset="0"/>
+                <a:ea typeface="Helvetica Neue Light" panose="02000403000000020004" pitchFamily="2" charset="0"/>
+              </a:rPr>
+              <a:t>different</a:t>
+            </a:r>
+            <a:r>
+              <a:rPr lang="en-US" sz="2800" dirty="0">
+                <a:latin typeface="Helvetica Neue Light" panose="02000403000000020004" pitchFamily="2" charset="0"/>
+                <a:ea typeface="Helvetica Neue Light" panose="02000403000000020004" pitchFamily="2" charset="0"/>
+              </a:rPr>
+              <a:t> cell types/states  at particular developmental time points?</a:t>
+            </a:r>
+          </a:p>
+          <a:p>
+            <a:pPr marL="285750" indent="-285750">
+              <a:buFont typeface="Arial" panose="020B0604020202020204" pitchFamily="34" charset="0"/>
+              <a:buChar char="•"/>
+            </a:pPr>
+            <a:r>
+              <a:rPr lang="en-US" sz="2800" i="1" dirty="0">
+                <a:latin typeface="Helvetica Neue Light" panose="02000403000000020004" pitchFamily="2" charset="0"/>
+                <a:ea typeface="Helvetica Neue Light" panose="02000403000000020004" pitchFamily="2" charset="0"/>
+              </a:rPr>
+              <a:t>How do cell-level developmental changes contribute to (adaptive) phenotypes?</a:t>
+            </a:r>
+          </a:p>
+          <a:p>
+            <a:pPr marL="742950" lvl="1" indent="-285750">
+              <a:buFont typeface="Arial" panose="020B0604020202020204" pitchFamily="34" charset="0"/>
+              <a:buChar char="•"/>
+            </a:pPr>
+            <a:endParaRPr lang="en-US" sz="2800" dirty="0">
+              <a:latin typeface="Helvetica Neue Light" panose="02000403000000020004" pitchFamily="2" charset="0"/>
+              <a:ea typeface="Helvetica Neue Light" panose="02000403000000020004" pitchFamily="2" charset="0"/>
+            </a:endParaRPr>
+          </a:p>
+          <a:p>
+            <a:pPr marL="1200150" lvl="2" indent="-285750">
+              <a:buFont typeface="Arial" panose="020B0604020202020204" pitchFamily="34" charset="0"/>
+              <a:buChar char="•"/>
+            </a:pPr>
+            <a:endParaRPr lang="en-US" sz="2800" dirty="0">
+              <a:latin typeface="Helvetica Neue Light" panose="02000403000000020004" pitchFamily="2" charset="0"/>
+              <a:ea typeface="Helvetica Neue Light" panose="02000403000000020004" pitchFamily="2" charset="0"/>
+            </a:endParaRPr>
+          </a:p>
+          <a:p>
+            <a:endParaRPr lang="en-US" sz="2400" dirty="0">
+              <a:latin typeface="Helvetica Neue Light" panose="02000403000000020004" pitchFamily="2" charset="0"/>
+              <a:ea typeface="Helvetica Neue Light" panose="02000403000000020004" pitchFamily="2" charset="0"/>
+            </a:endParaRPr>
+          </a:p>
+        </p:txBody>
+      </p:sp>
+    </p:spTree>
+    <p:extLst>
+      <p:ext uri="{BB962C8B-B14F-4D97-AF65-F5344CB8AC3E}">
+        <p14:creationId xmlns:p14="http://schemas.microsoft.com/office/powerpoint/2010/main" val="585550121"/>
+      </p:ext>
+    </p:extLst>
+  </p:cSld>
+  <p:clrMapOvr>
+    <a:masterClrMapping/>
+  </p:clrMapOvr>
+</p:sld>
+</file>
+
+<file path=ppt/slides/slide7.xml><?xml version="1.0" encoding="utf-8"?>
 <p:sld xmlns:a="http://schemas.openxmlformats.org/drawingml/2006/main" xmlns:r="http://schemas.openxmlformats.org/officeDocument/2006/relationships" xmlns:p="http://schemas.openxmlformats.org/presentationml/2006/main">
   <p:cSld>
     <p:spTree>
@@ -21264,7 +23913,7 @@
 </p:sld>
 </file>
 
-<file path=ppt/slides/slide7.xml><?xml version="1.0" encoding="utf-8"?>
+<file path=ppt/slides/slide8.xml><?xml version="1.0" encoding="utf-8"?>
 <p:sld xmlns:a="http://schemas.openxmlformats.org/drawingml/2006/main" xmlns:r="http://schemas.openxmlformats.org/officeDocument/2006/relationships" xmlns:p="http://schemas.openxmlformats.org/presentationml/2006/main">
   <p:cSld>
     <p:spTree>
@@ -21606,7 +24255,7 @@
 </p:sld>
 </file>
 
-<file path=ppt/slides/slide8.xml><?xml version="1.0" encoding="utf-8"?>
+<file path=ppt/slides/slide9.xml><?xml version="1.0" encoding="utf-8"?>
 <p:sld xmlns:a="http://schemas.openxmlformats.org/drawingml/2006/main" xmlns:r="http://schemas.openxmlformats.org/officeDocument/2006/relationships" xmlns:p="http://schemas.openxmlformats.org/presentationml/2006/main">
   <p:cSld>
     <p:spTree>
@@ -22168,6 +24817,47 @@
           </a:p>
         </p:txBody>
       </p:sp>
+      <p:sp>
+        <p:nvSpPr>
+          <p:cNvPr id="16" name="Content Placeholder 7">
+            <a:extLst>
+              <a:ext uri="{FF2B5EF4-FFF2-40B4-BE49-F238E27FC236}">
+                <a16:creationId xmlns:a16="http://schemas.microsoft.com/office/drawing/2014/main" id="{813E7DF7-2033-BD48-9BB4-AAD58F3A0A3D}"/>
+              </a:ext>
+            </a:extLst>
+          </p:cNvPr>
+          <p:cNvSpPr>
+            <a:spLocks noGrp="1"/>
+          </p:cNvSpPr>
+          <p:nvPr>
+            <p:ph sz="half" idx="1"/>
+          </p:nvPr>
+        </p:nvSpPr>
+        <p:spPr>
+          <a:xfrm>
+            <a:off x="4611496" y="5025034"/>
+            <a:ext cx="7285759" cy="812986"/>
+          </a:xfrm>
+        </p:spPr>
+        <p:txBody>
+          <a:bodyPr>
+            <a:normAutofit fontScale="77500" lnSpcReduction="20000"/>
+          </a:bodyPr>
+          <a:lstStyle/>
+          <a:p>
+            <a:pPr marL="0" indent="0">
+              <a:buNone/>
+            </a:pPr>
+            <a:r>
+              <a:rPr lang="en-US" dirty="0">
+                <a:latin typeface="Helvetica Neue Light" panose="02000403000000020004" pitchFamily="2" charset="0"/>
+                <a:ea typeface="Helvetica Neue Light" panose="02000403000000020004" pitchFamily="2" charset="0"/>
+              </a:rPr>
+              <a:t>Some analyses may look at cell populations and processes that don’t have clearly demarcated cell subpopulations </a:t>
+            </a:r>
+          </a:p>
+        </p:txBody>
+      </p:sp>
     </p:spTree>
     <p:extLst>
       <p:ext uri="{BB962C8B-B14F-4D97-AF65-F5344CB8AC3E}">
@@ -22178,334 +24868,88 @@
   <p:clrMapOvr>
     <a:masterClrMapping/>
   </p:clrMapOvr>
-</p:sld>
-</file>
-
-<file path=ppt/slides/slide9.xml><?xml version="1.0" encoding="utf-8"?>
-<p:sld xmlns:a="http://schemas.openxmlformats.org/drawingml/2006/main" xmlns:r="http://schemas.openxmlformats.org/officeDocument/2006/relationships" xmlns:p="http://schemas.openxmlformats.org/presentationml/2006/main">
-  <p:cSld>
-    <p:spTree>
-      <p:nvGrpSpPr>
-        <p:cNvPr id="1" name=""/>
-        <p:cNvGrpSpPr/>
-        <p:nvPr/>
-      </p:nvGrpSpPr>
-      <p:grpSpPr>
-        <a:xfrm>
-          <a:off x="0" y="0"/>
-          <a:ext cx="0" cy="0"/>
-          <a:chOff x="0" y="0"/>
-          <a:chExt cx="0" cy="0"/>
-        </a:xfrm>
-      </p:grpSpPr>
-      <p:sp>
-        <p:nvSpPr>
-          <p:cNvPr id="4" name="Title 1">
-            <a:extLst>
-              <a:ext uri="{FF2B5EF4-FFF2-40B4-BE49-F238E27FC236}">
-                <a16:creationId xmlns:a16="http://schemas.microsoft.com/office/drawing/2014/main" id="{8E78658E-9087-214F-84AF-33F023194D43}"/>
-              </a:ext>
-            </a:extLst>
-          </p:cNvPr>
-          <p:cNvSpPr>
-            <a:spLocks noGrp="1"/>
-          </p:cNvSpPr>
-          <p:nvPr>
-            <p:ph type="title"/>
-          </p:nvPr>
-        </p:nvSpPr>
-        <p:spPr>
-          <a:xfrm>
-            <a:off x="262467" y="365125"/>
-            <a:ext cx="11634788" cy="1325563"/>
-          </a:xfrm>
-        </p:spPr>
-        <p:txBody>
-          <a:bodyPr/>
-          <a:lstStyle/>
-          <a:p>
-            <a:r>
-              <a:rPr lang="en-US" dirty="0"/>
-              <a:t>Two broad classes of experimental approaches</a:t>
-            </a:r>
-          </a:p>
-        </p:txBody>
-      </p:sp>
-      <p:cxnSp>
-        <p:nvCxnSpPr>
-          <p:cNvPr id="5" name="Straight Connector 4">
-            <a:extLst>
-              <a:ext uri="{FF2B5EF4-FFF2-40B4-BE49-F238E27FC236}">
-                <a16:creationId xmlns:a16="http://schemas.microsoft.com/office/drawing/2014/main" id="{97A6922C-54C3-694F-9492-EAC388C3E954}"/>
-              </a:ext>
-            </a:extLst>
-          </p:cNvPr>
-          <p:cNvCxnSpPr/>
-          <p:nvPr/>
-        </p:nvCxnSpPr>
-        <p:spPr>
-          <a:xfrm>
-            <a:off x="262467" y="1417638"/>
-            <a:ext cx="11216519" cy="0"/>
-          </a:xfrm>
-          <a:prstGeom prst="line">
-            <a:avLst/>
-          </a:prstGeom>
-          <a:ln w="19050">
-            <a:solidFill>
-              <a:schemeClr val="tx1"/>
-            </a:solidFill>
-          </a:ln>
-          <a:effectLst/>
-        </p:spPr>
-        <p:style>
-          <a:lnRef idx="2">
-            <a:schemeClr val="accent1"/>
-          </a:lnRef>
-          <a:fillRef idx="0">
-            <a:schemeClr val="accent1"/>
-          </a:fillRef>
-          <a:effectRef idx="1">
-            <a:schemeClr val="accent1"/>
-          </a:effectRef>
-          <a:fontRef idx="minor">
-            <a:schemeClr val="tx1"/>
-          </a:fontRef>
-        </p:style>
-      </p:cxnSp>
-      <p:sp>
-        <p:nvSpPr>
-          <p:cNvPr id="16" name="Content Placeholder 7">
-            <a:extLst>
-              <a:ext uri="{FF2B5EF4-FFF2-40B4-BE49-F238E27FC236}">
-                <a16:creationId xmlns:a16="http://schemas.microsoft.com/office/drawing/2014/main" id="{CBE7B0D9-C17B-7A49-B050-84F4FF4B1648}"/>
-              </a:ext>
-            </a:extLst>
-          </p:cNvPr>
-          <p:cNvSpPr>
-            <a:spLocks noGrp="1"/>
-          </p:cNvSpPr>
-          <p:nvPr>
-            <p:ph sz="half" idx="1"/>
-          </p:nvPr>
-        </p:nvSpPr>
-        <p:spPr>
-          <a:xfrm>
-            <a:off x="838200" y="1699501"/>
-            <a:ext cx="10640786" cy="4351338"/>
-          </a:xfrm>
-        </p:spPr>
-        <p:txBody>
-          <a:bodyPr>
-            <a:normAutofit fontScale="92500" lnSpcReduction="10000"/>
-          </a:bodyPr>
-          <a:lstStyle/>
-          <a:p>
-            <a:r>
-              <a:rPr lang="en-US" dirty="0">
-                <a:latin typeface="Helvetica Neue Light" panose="02000403000000020004" pitchFamily="2" charset="0"/>
-                <a:ea typeface="Helvetica Neue Light" panose="02000403000000020004" pitchFamily="2" charset="0"/>
-              </a:rPr>
-              <a:t>Read-based</a:t>
-            </a:r>
-          </a:p>
-          <a:p>
-            <a:pPr lvl="1"/>
-            <a:r>
-              <a:rPr lang="en-US" dirty="0">
-                <a:latin typeface="Helvetica Neue Light" panose="02000403000000020004" pitchFamily="2" charset="0"/>
-                <a:ea typeface="Helvetica Neue Light" panose="02000403000000020004" pitchFamily="2" charset="0"/>
-              </a:rPr>
-              <a:t>paired end sequencing of fragment</a:t>
-            </a:r>
-          </a:p>
-          <a:p>
-            <a:pPr lvl="1"/>
-            <a:r>
-              <a:rPr lang="en-US" dirty="0">
-                <a:latin typeface="Helvetica Neue Light" panose="02000403000000020004" pitchFamily="2" charset="0"/>
-                <a:ea typeface="Helvetica Neue Light" panose="02000403000000020004" pitchFamily="2" charset="0"/>
-              </a:rPr>
-              <a:t>whole transcript coverage</a:t>
-            </a:r>
-          </a:p>
-          <a:p>
-            <a:pPr lvl="1"/>
-            <a:r>
-              <a:rPr lang="en-US" dirty="0">
-                <a:latin typeface="Helvetica Neue Light" panose="02000403000000020004" pitchFamily="2" charset="0"/>
-                <a:ea typeface="Helvetica Neue Light" panose="02000403000000020004" pitchFamily="2" charset="0"/>
-              </a:rPr>
-              <a:t>typically small # of cells</a:t>
-            </a:r>
-          </a:p>
-          <a:p>
-            <a:pPr lvl="1"/>
-            <a:r>
-              <a:rPr lang="en-US" dirty="0">
-                <a:latin typeface="Helvetica Neue Light" panose="02000403000000020004" pitchFamily="2" charset="0"/>
-                <a:ea typeface="Helvetica Neue Light" panose="02000403000000020004" pitchFamily="2" charset="0"/>
-              </a:rPr>
-              <a:t>@ Bauer Core: SMART-</a:t>
-            </a:r>
-            <a:r>
-              <a:rPr lang="en-US" dirty="0" err="1">
-                <a:latin typeface="Helvetica Neue Light" panose="02000403000000020004" pitchFamily="2" charset="0"/>
-                <a:ea typeface="Helvetica Neue Light" panose="02000403000000020004" pitchFamily="2" charset="0"/>
-              </a:rPr>
-              <a:t>seq</a:t>
-            </a:r>
-            <a:endParaRPr lang="en-US" dirty="0">
-              <a:latin typeface="Helvetica Neue Light" panose="02000403000000020004" pitchFamily="2" charset="0"/>
-              <a:ea typeface="Helvetica Neue Light" panose="02000403000000020004" pitchFamily="2" charset="0"/>
-            </a:endParaRPr>
-          </a:p>
-          <a:p>
-            <a:r>
-              <a:rPr lang="en-US" dirty="0">
-                <a:latin typeface="Helvetica Neue Light" panose="02000403000000020004" pitchFamily="2" charset="0"/>
-                <a:ea typeface="Helvetica Neue Light" panose="02000403000000020004" pitchFamily="2" charset="0"/>
-              </a:rPr>
-              <a:t>Tag-based</a:t>
-            </a:r>
-          </a:p>
-          <a:p>
-            <a:pPr lvl="1"/>
-            <a:r>
-              <a:rPr lang="en-US" dirty="0">
-                <a:latin typeface="Helvetica Neue Light" panose="02000403000000020004" pitchFamily="2" charset="0"/>
-                <a:ea typeface="Helvetica Neue Light" panose="02000403000000020004" pitchFamily="2" charset="0"/>
-              </a:rPr>
-              <a:t>Paired end library, but only 1 read is fragment sequence</a:t>
-            </a:r>
-          </a:p>
-          <a:p>
-            <a:pPr lvl="1"/>
-            <a:r>
-              <a:rPr lang="en-US" dirty="0">
-                <a:latin typeface="Helvetica Neue Light" panose="02000403000000020004" pitchFamily="2" charset="0"/>
-                <a:ea typeface="Helvetica Neue Light" panose="02000403000000020004" pitchFamily="2" charset="0"/>
-              </a:rPr>
-              <a:t>Other contains well/cell barcode and Unique Molecular Identifier (UMI)</a:t>
-            </a:r>
-          </a:p>
-          <a:p>
-            <a:pPr lvl="2"/>
-            <a:r>
-              <a:rPr lang="en-US" dirty="0">
-                <a:latin typeface="Helvetica Neue Light" panose="02000403000000020004" pitchFamily="2" charset="0"/>
-                <a:ea typeface="Helvetica Neue Light" panose="02000403000000020004" pitchFamily="2" charset="0"/>
-              </a:rPr>
-              <a:t>UMI tags a single RNA molecule</a:t>
-            </a:r>
-          </a:p>
-          <a:p>
-            <a:pPr lvl="2"/>
-            <a:r>
-              <a:rPr lang="en-US" dirty="0">
-                <a:latin typeface="Helvetica Neue Light" panose="02000403000000020004" pitchFamily="2" charset="0"/>
-                <a:ea typeface="Helvetica Neue Light" panose="02000403000000020004" pitchFamily="2" charset="0"/>
-              </a:rPr>
-              <a:t>RNA counts are obtained by collapsing on UMIs</a:t>
-            </a:r>
-          </a:p>
-          <a:p>
-            <a:pPr lvl="1"/>
-            <a:r>
-              <a:rPr lang="en-US" dirty="0">
-                <a:latin typeface="Helvetica Neue Light" panose="02000403000000020004" pitchFamily="2" charset="0"/>
-                <a:ea typeface="Helvetica Neue Light" panose="02000403000000020004" pitchFamily="2" charset="0"/>
-              </a:rPr>
-              <a:t>thousands of cells</a:t>
-            </a:r>
-          </a:p>
-          <a:p>
-            <a:pPr lvl="1"/>
-            <a:r>
-              <a:rPr lang="en-US" dirty="0">
-                <a:latin typeface="Helvetica Neue Light" panose="02000403000000020004" pitchFamily="2" charset="0"/>
-                <a:ea typeface="Helvetica Neue Light" panose="02000403000000020004" pitchFamily="2" charset="0"/>
-              </a:rPr>
-              <a:t>@ Bauer core: 10x</a:t>
-            </a:r>
-          </a:p>
-          <a:p>
-            <a:pPr lvl="1"/>
-            <a:endParaRPr lang="en-US" dirty="0">
-              <a:latin typeface="Helvetica Neue Light" panose="02000403000000020004" pitchFamily="2" charset="0"/>
-              <a:ea typeface="Helvetica Neue Light" panose="02000403000000020004" pitchFamily="2" charset="0"/>
-            </a:endParaRPr>
-          </a:p>
-        </p:txBody>
-      </p:sp>
-      <p:pic>
-        <p:nvPicPr>
-          <p:cNvPr id="6" name="Picture 5">
-            <a:extLst>
-              <a:ext uri="{FF2B5EF4-FFF2-40B4-BE49-F238E27FC236}">
-                <a16:creationId xmlns:a16="http://schemas.microsoft.com/office/drawing/2014/main" id="{D6FA399B-5C7A-A746-9FE0-E662ADB80369}"/>
-              </a:ext>
-            </a:extLst>
-          </p:cNvPr>
-          <p:cNvPicPr>
-            <a:picLocks noChangeAspect="1"/>
-          </p:cNvPicPr>
-          <p:nvPr/>
-        </p:nvPicPr>
-        <p:blipFill rotWithShape="1">
-          <a:blip r:embed="rId2"/>
-          <a:srcRect l="71825" r="-156"/>
-          <a:stretch/>
-        </p:blipFill>
-        <p:spPr>
-          <a:xfrm>
-            <a:off x="7954229" y="2028935"/>
-            <a:ext cx="2651760" cy="1244600"/>
-          </a:xfrm>
-          <a:prstGeom prst="rect">
-            <a:avLst/>
-          </a:prstGeom>
-        </p:spPr>
-      </p:pic>
-      <p:pic>
-        <p:nvPicPr>
-          <p:cNvPr id="8" name="Picture 7">
-            <a:extLst>
-              <a:ext uri="{FF2B5EF4-FFF2-40B4-BE49-F238E27FC236}">
-                <a16:creationId xmlns:a16="http://schemas.microsoft.com/office/drawing/2014/main" id="{8A309BC3-2B11-B14B-A59A-3711A98BD327}"/>
-              </a:ext>
-            </a:extLst>
-          </p:cNvPr>
-          <p:cNvPicPr>
-            <a:picLocks noChangeAspect="1"/>
-          </p:cNvPicPr>
-          <p:nvPr/>
-        </p:nvPicPr>
-        <p:blipFill rotWithShape="1">
-          <a:blip r:embed="rId2"/>
-          <a:srcRect l="8324" r="59439"/>
-          <a:stretch/>
-        </p:blipFill>
-        <p:spPr>
-          <a:xfrm>
-            <a:off x="7954229" y="5281395"/>
-            <a:ext cx="3017520" cy="1244600"/>
-          </a:xfrm>
-          <a:prstGeom prst="rect">
-            <a:avLst/>
-          </a:prstGeom>
-        </p:spPr>
-      </p:pic>
-    </p:spTree>
-    <p:extLst>
-      <p:ext uri="{BB962C8B-B14F-4D97-AF65-F5344CB8AC3E}">
-        <p14:creationId xmlns:p14="http://schemas.microsoft.com/office/powerpoint/2010/main" val="3076939021"/>
-      </p:ext>
-    </p:extLst>
-  </p:cSld>
-  <p:clrMapOvr>
-    <a:masterClrMapping/>
-  </p:clrMapOvr>
+  <p:timing>
+    <p:tnLst>
+      <p:par>
+        <p:cTn id="1" dur="indefinite" restart="never" nodeType="tmRoot">
+          <p:childTnLst>
+            <p:seq concurrent="1" nextAc="seek">
+              <p:cTn id="2" dur="indefinite" nodeType="mainSeq">
+                <p:childTnLst>
+                  <p:par>
+                    <p:cTn id="3" fill="hold">
+                      <p:stCondLst>
+                        <p:cond delay="indefinite"/>
+                      </p:stCondLst>
+                      <p:childTnLst>
+                        <p:par>
+                          <p:cTn id="4" fill="hold">
+                            <p:stCondLst>
+                              <p:cond delay="0"/>
+                            </p:stCondLst>
+                            <p:childTnLst>
+                              <p:par>
+                                <p:cTn id="5" presetID="1" presetClass="entr" presetSubtype="0" fill="hold" grpId="0" nodeType="clickEffect">
+                                  <p:stCondLst>
+                                    <p:cond delay="0"/>
+                                  </p:stCondLst>
+                                  <p:childTnLst>
+                                    <p:set>
+                                      <p:cBhvr>
+                                        <p:cTn id="6" dur="1" fill="hold">
+                                          <p:stCondLst>
+                                            <p:cond delay="0"/>
+                                          </p:stCondLst>
+                                        </p:cTn>
+                                        <p:tgtEl>
+                                          <p:spTgt spid="16">
+                                            <p:txEl>
+                                              <p:pRg st="0" end="0"/>
+                                            </p:txEl>
+                                          </p:spTgt>
+                                        </p:tgtEl>
+                                        <p:attrNameLst>
+                                          <p:attrName>style.visibility</p:attrName>
+                                        </p:attrNameLst>
+                                      </p:cBhvr>
+                                      <p:to>
+                                        <p:strVal val="visible"/>
+                                      </p:to>
+                                    </p:set>
+                                  </p:childTnLst>
+                                </p:cTn>
+                              </p:par>
+                            </p:childTnLst>
+                          </p:cTn>
+                        </p:par>
+                      </p:childTnLst>
+                    </p:cTn>
+                  </p:par>
+                </p:childTnLst>
+              </p:cTn>
+              <p:prevCondLst>
+                <p:cond evt="onPrev" delay="0">
+                  <p:tgtEl>
+                    <p:sldTgt/>
+                  </p:tgtEl>
+                </p:cond>
+              </p:prevCondLst>
+              <p:nextCondLst>
+                <p:cond evt="onNext" delay="0">
+                  <p:tgtEl>
+                    <p:sldTgt/>
+                  </p:tgtEl>
+                </p:cond>
+              </p:nextCondLst>
+            </p:seq>
+          </p:childTnLst>
+        </p:cTn>
+      </p:par>
+    </p:tnLst>
+    <p:bldLst>
+      <p:bldP spid="16" grpId="0" build="p"/>
+    </p:bldLst>
+  </p:timing>
 </p:sld>
 </file>
 

--- a/IntroToscRNASeq_Background.pptx
+++ b/IntroToscRNASeq_Background.pptx
@@ -4276,11 +4276,11 @@
               <a:t>Adam H. Freedman and Yasin </a:t>
             </a:r>
             <a:r>
-              <a:rPr lang="en-US" sz="2800" dirty="0" err="1">
+              <a:rPr lang="en-US" sz="2800">
                 <a:latin typeface="Helvetica Neue Light"/>
                 <a:cs typeface="Helvetica Neue Light"/>
               </a:rPr>
-              <a:t>Kamaz</a:t>
+              <a:t>Kaymaz</a:t>
             </a:r>
             <a:endParaRPr lang="en-US" sz="2800" dirty="0">
               <a:latin typeface="Helvetica Neue Light"/>

--- a/IntroToscRNASeq_Background.pptx
+++ b/IntroToscRNASeq_Background.pptx
@@ -5,7 +5,7 @@
     <p:sldMasterId id="2147483648" r:id="rId1"/>
   </p:sldMasterIdLst>
   <p:notesMasterIdLst>
-    <p:notesMasterId r:id="rId37"/>
+    <p:notesMasterId r:id="rId32"/>
   </p:notesMasterIdLst>
   <p:sldIdLst>
     <p:sldId id="256" r:id="rId2"/>
@@ -24,25 +24,20 @@
     <p:sldId id="277" r:id="rId15"/>
     <p:sldId id="288" r:id="rId16"/>
     <p:sldId id="279" r:id="rId17"/>
-    <p:sldId id="289" r:id="rId18"/>
-    <p:sldId id="261" r:id="rId19"/>
+    <p:sldId id="261" r:id="rId18"/>
+    <p:sldId id="292" r:id="rId19"/>
     <p:sldId id="264" r:id="rId20"/>
     <p:sldId id="265" r:id="rId21"/>
     <p:sldId id="269" r:id="rId22"/>
-    <p:sldId id="270" r:id="rId23"/>
-    <p:sldId id="272" r:id="rId24"/>
-    <p:sldId id="271" r:id="rId25"/>
-    <p:sldId id="273" r:id="rId26"/>
-    <p:sldId id="274" r:id="rId27"/>
-    <p:sldId id="275" r:id="rId28"/>
-    <p:sldId id="276" r:id="rId29"/>
-    <p:sldId id="280" r:id="rId30"/>
-    <p:sldId id="281" r:id="rId31"/>
-    <p:sldId id="282" r:id="rId32"/>
-    <p:sldId id="283" r:id="rId33"/>
-    <p:sldId id="285" r:id="rId34"/>
-    <p:sldId id="290" r:id="rId35"/>
-    <p:sldId id="291" r:id="rId36"/>
+    <p:sldId id="273" r:id="rId23"/>
+    <p:sldId id="274" r:id="rId24"/>
+    <p:sldId id="275" r:id="rId25"/>
+    <p:sldId id="276" r:id="rId26"/>
+    <p:sldId id="280" r:id="rId27"/>
+    <p:sldId id="281" r:id="rId28"/>
+    <p:sldId id="282" r:id="rId29"/>
+    <p:sldId id="290" r:id="rId30"/>
+    <p:sldId id="291" r:id="rId31"/>
   </p:sldIdLst>
   <p:sldSz cx="12192000" cy="6858000"/>
   <p:notesSz cx="6858000" cy="9144000"/>
@@ -658,7 +653,7 @@
           <a:p>
             <a:fld id="{6E652084-0313-0548-B238-BED4EADA892D}" type="slidenum">
               <a:rPr lang="en-US" smtClean="0"/>
-              <a:t>29</a:t>
+              <a:t>26</a:t>
             </a:fld>
             <a:endParaRPr lang="en-US"/>
           </a:p>
@@ -757,7 +752,7 @@
           <a:p>
             <a:fld id="{6E652084-0313-0548-B238-BED4EADA892D}" type="slidenum">
               <a:rPr lang="en-US" smtClean="0"/>
-              <a:t>30</a:t>
+              <a:t>27</a:t>
             </a:fld>
             <a:endParaRPr lang="en-US"/>
           </a:p>
@@ -856,7 +851,7 @@
           <a:p>
             <a:fld id="{6E652084-0313-0548-B238-BED4EADA892D}" type="slidenum">
               <a:rPr lang="en-US" smtClean="0"/>
-              <a:t>31</a:t>
+              <a:t>28</a:t>
             </a:fld>
             <a:endParaRPr lang="en-US"/>
           </a:p>
@@ -866,105 +861,6 @@
     <p:extLst>
       <p:ext uri="{BB962C8B-B14F-4D97-AF65-F5344CB8AC3E}">
         <p14:creationId xmlns:p14="http://schemas.microsoft.com/office/powerpoint/2010/main" val="3477920098"/>
-      </p:ext>
-    </p:extLst>
-  </p:cSld>
-  <p:clrMapOvr>
-    <a:masterClrMapping/>
-  </p:clrMapOvr>
-</p:notes>
-</file>
-
-<file path=ppt/notesSlides/notesSlide5.xml><?xml version="1.0" encoding="utf-8"?>
-<p:notes xmlns:a="http://schemas.openxmlformats.org/drawingml/2006/main" xmlns:r="http://schemas.openxmlformats.org/officeDocument/2006/relationships" xmlns:p="http://schemas.openxmlformats.org/presentationml/2006/main">
-  <p:cSld>
-    <p:spTree>
-      <p:nvGrpSpPr>
-        <p:cNvPr id="1" name=""/>
-        <p:cNvGrpSpPr/>
-        <p:nvPr/>
-      </p:nvGrpSpPr>
-      <p:grpSpPr>
-        <a:xfrm>
-          <a:off x="0" y="0"/>
-          <a:ext cx="0" cy="0"/>
-          <a:chOff x="0" y="0"/>
-          <a:chExt cx="0" cy="0"/>
-        </a:xfrm>
-      </p:grpSpPr>
-      <p:sp>
-        <p:nvSpPr>
-          <p:cNvPr id="2" name="Slide Image Placeholder 1"/>
-          <p:cNvSpPr>
-            <a:spLocks noGrp="1" noRot="1" noChangeAspect="1"/>
-          </p:cNvSpPr>
-          <p:nvPr>
-            <p:ph type="sldImg"/>
-          </p:nvPr>
-        </p:nvSpPr>
-        <p:spPr/>
-      </p:sp>
-      <p:sp>
-        <p:nvSpPr>
-          <p:cNvPr id="3" name="Notes Placeholder 2"/>
-          <p:cNvSpPr>
-            <a:spLocks noGrp="1"/>
-          </p:cNvSpPr>
-          <p:nvPr>
-            <p:ph type="body" idx="1"/>
-          </p:nvPr>
-        </p:nvSpPr>
-        <p:spPr/>
-        <p:txBody>
-          <a:bodyPr/>
-          <a:lstStyle/>
-          <a:p>
-            <a:r>
-              <a:rPr lang="en-US" dirty="0" err="1"/>
-              <a:t>DESeq</a:t>
-            </a:r>
-            <a:r>
-              <a:rPr lang="en-US" dirty="0"/>
-              <a:t> doesn’t deal with zero inflation well as constructs a </a:t>
-            </a:r>
-            <a:r>
-              <a:rPr lang="en-US" dirty="0" err="1"/>
-              <a:t>pseudoreference</a:t>
-            </a:r>
-            <a:r>
-              <a:rPr lang="en-US" dirty="0"/>
-              <a:t> sample based upon geometric mean of genes across cells ---problem because geometric mean is based on many zeroes</a:t>
-            </a:r>
-          </a:p>
-        </p:txBody>
-      </p:sp>
-      <p:sp>
-        <p:nvSpPr>
-          <p:cNvPr id="4" name="Slide Number Placeholder 3"/>
-          <p:cNvSpPr>
-            <a:spLocks noGrp="1"/>
-          </p:cNvSpPr>
-          <p:nvPr>
-            <p:ph type="sldNum" sz="quarter" idx="10"/>
-          </p:nvPr>
-        </p:nvSpPr>
-        <p:spPr/>
-        <p:txBody>
-          <a:bodyPr/>
-          <a:lstStyle/>
-          <a:p>
-            <a:fld id="{6E652084-0313-0548-B238-BED4EADA892D}" type="slidenum">
-              <a:rPr lang="en-US" smtClean="0"/>
-              <a:t>32</a:t>
-            </a:fld>
-            <a:endParaRPr lang="en-US"/>
-          </a:p>
-        </p:txBody>
-      </p:sp>
-    </p:spTree>
-    <p:extLst>
-      <p:ext uri="{BB962C8B-B14F-4D97-AF65-F5344CB8AC3E}">
-        <p14:creationId xmlns:p14="http://schemas.microsoft.com/office/powerpoint/2010/main" val="2846392562"/>
       </p:ext>
     </p:extLst>
   </p:cSld>
@@ -6317,6 +6213,15 @@
               <a:t> and nearest-neighbor statistics</a:t>
             </a:r>
           </a:p>
+          <a:p>
+            <a:r>
+              <a:rPr lang="en-US" dirty="0">
+                <a:latin typeface="Helvetica Neue Light" panose="02000403000000020004" pitchFamily="2" charset="0"/>
+                <a:ea typeface="Helvetica Neue Light" panose="02000403000000020004" pitchFamily="2" charset="0"/>
+              </a:rPr>
+              <a:t>Working on best practices … stay tuned!</a:t>
+            </a:r>
+          </a:p>
         </p:txBody>
       </p:sp>
       <p:cxnSp>
@@ -6424,6 +6329,179 @@
           <a:chExt cx="0" cy="0"/>
         </a:xfrm>
       </p:grpSpPr>
+      <p:sp>
+        <p:nvSpPr>
+          <p:cNvPr id="8" name="Content Placeholder 7">
+            <a:extLst>
+              <a:ext uri="{FF2B5EF4-FFF2-40B4-BE49-F238E27FC236}">
+                <a16:creationId xmlns:a16="http://schemas.microsoft.com/office/drawing/2014/main" id="{4D9249D6-75D5-9C4A-9BF5-73D774786400}"/>
+              </a:ext>
+            </a:extLst>
+          </p:cNvPr>
+          <p:cNvSpPr>
+            <a:spLocks noGrp="1"/>
+          </p:cNvSpPr>
+          <p:nvPr>
+            <p:ph sz="half" idx="1"/>
+          </p:nvPr>
+        </p:nvSpPr>
+        <p:spPr>
+          <a:xfrm>
+            <a:off x="838200" y="1825625"/>
+            <a:ext cx="10640786" cy="4351338"/>
+          </a:xfrm>
+        </p:spPr>
+        <p:txBody>
+          <a:bodyPr>
+            <a:normAutofit lnSpcReduction="10000"/>
+          </a:bodyPr>
+          <a:lstStyle/>
+          <a:p>
+            <a:r>
+              <a:rPr lang="en-US" dirty="0">
+                <a:latin typeface="Helvetica Neue Light" panose="02000403000000020004" pitchFamily="2" charset="0"/>
+                <a:ea typeface="Helvetica Neue Light" panose="02000403000000020004" pitchFamily="2" charset="0"/>
+              </a:rPr>
+              <a:t>Bulk RNA-</a:t>
+            </a:r>
+            <a:r>
+              <a:rPr lang="en-US" dirty="0" err="1">
+                <a:latin typeface="Helvetica Neue Light" panose="02000403000000020004" pitchFamily="2" charset="0"/>
+                <a:ea typeface="Helvetica Neue Light" panose="02000403000000020004" pitchFamily="2" charset="0"/>
+              </a:rPr>
+              <a:t>seq</a:t>
+            </a:r>
+            <a:endParaRPr lang="en-US" dirty="0">
+              <a:latin typeface="Helvetica Neue Light" panose="02000403000000020004" pitchFamily="2" charset="0"/>
+              <a:ea typeface="Helvetica Neue Light" panose="02000403000000020004" pitchFamily="2" charset="0"/>
+            </a:endParaRPr>
+          </a:p>
+          <a:p>
+            <a:pPr lvl="1"/>
+            <a:r>
+              <a:rPr lang="en-US" dirty="0">
+                <a:latin typeface="Helvetica Neue Light" panose="02000403000000020004" pitchFamily="2" charset="0"/>
+                <a:ea typeface="Helvetica Neue Light" panose="02000403000000020004" pitchFamily="2" charset="0"/>
+              </a:rPr>
+              <a:t>average across many millions of cells</a:t>
+            </a:r>
+          </a:p>
+          <a:p>
+            <a:pPr lvl="2"/>
+            <a:r>
+              <a:rPr lang="en-US" dirty="0">
+                <a:latin typeface="Helvetica Neue Light" panose="02000403000000020004" pitchFamily="2" charset="0"/>
+                <a:ea typeface="Helvetica Neue Light" panose="02000403000000020004" pitchFamily="2" charset="0"/>
+              </a:rPr>
+              <a:t>Unless cells pre-sorted, averaged across cell types</a:t>
+            </a:r>
+          </a:p>
+          <a:p>
+            <a:pPr lvl="2"/>
+            <a:r>
+              <a:rPr lang="en-US" dirty="0">
+                <a:latin typeface="Helvetica Neue Light" panose="02000403000000020004" pitchFamily="2" charset="0"/>
+                <a:ea typeface="Helvetica Neue Light" panose="02000403000000020004" pitchFamily="2" charset="0"/>
+              </a:rPr>
+              <a:t>Even if sorted, averaged across subpopulations sharing cell markers/morphology</a:t>
+            </a:r>
+          </a:p>
+          <a:p>
+            <a:pPr lvl="1"/>
+            <a:r>
+              <a:rPr lang="en-US" dirty="0">
+                <a:latin typeface="Helvetica Neue Light" panose="02000403000000020004" pitchFamily="2" charset="0"/>
+                <a:ea typeface="Helvetica Neue Light" panose="02000403000000020004" pitchFamily="2" charset="0"/>
+              </a:rPr>
+              <a:t>millions of reads per sample</a:t>
+            </a:r>
+          </a:p>
+          <a:p>
+            <a:r>
+              <a:rPr lang="en-US" dirty="0" err="1">
+                <a:latin typeface="Helvetica Neue Light" panose="02000403000000020004" pitchFamily="2" charset="0"/>
+                <a:ea typeface="Helvetica Neue Light" panose="02000403000000020004" pitchFamily="2" charset="0"/>
+              </a:rPr>
+              <a:t>scRNA-seq</a:t>
+            </a:r>
+            <a:endParaRPr lang="en-US" dirty="0">
+              <a:latin typeface="Helvetica Neue Light" panose="02000403000000020004" pitchFamily="2" charset="0"/>
+              <a:ea typeface="Helvetica Neue Light" panose="02000403000000020004" pitchFamily="2" charset="0"/>
+            </a:endParaRPr>
+          </a:p>
+          <a:p>
+            <a:pPr lvl="1"/>
+            <a:r>
+              <a:rPr lang="en-US" dirty="0">
+                <a:latin typeface="Helvetica Neue Light" panose="02000403000000020004" pitchFamily="2" charset="0"/>
+                <a:ea typeface="Helvetica Neue Light" panose="02000403000000020004" pitchFamily="2" charset="0"/>
+              </a:rPr>
+              <a:t>far fewer cells</a:t>
+            </a:r>
+          </a:p>
+          <a:p>
+            <a:pPr lvl="2"/>
+            <a:r>
+              <a:rPr lang="en-US" dirty="0">
+                <a:latin typeface="Helvetica Neue Light" panose="02000403000000020004" pitchFamily="2" charset="0"/>
+                <a:ea typeface="Helvetica Neue Light" panose="02000403000000020004" pitchFamily="2" charset="0"/>
+              </a:rPr>
+              <a:t>Far fewer reads per cell than reads per bulk RNA-</a:t>
+            </a:r>
+            <a:r>
+              <a:rPr lang="en-US" dirty="0" err="1">
+                <a:latin typeface="Helvetica Neue Light" panose="02000403000000020004" pitchFamily="2" charset="0"/>
+                <a:ea typeface="Helvetica Neue Light" panose="02000403000000020004" pitchFamily="2" charset="0"/>
+              </a:rPr>
+              <a:t>seq</a:t>
+            </a:r>
+            <a:r>
+              <a:rPr lang="en-US" dirty="0">
+                <a:latin typeface="Helvetica Neue Light" panose="02000403000000020004" pitchFamily="2" charset="0"/>
+                <a:ea typeface="Helvetica Neue Light" panose="02000403000000020004" pitchFamily="2" charset="0"/>
+              </a:rPr>
+              <a:t> sample</a:t>
+            </a:r>
+          </a:p>
+          <a:p>
+            <a:pPr lvl="1"/>
+            <a:r>
+              <a:rPr lang="en-US" dirty="0">
+                <a:latin typeface="Helvetica Neue Light" panose="02000403000000020004" pitchFamily="2" charset="0"/>
+                <a:ea typeface="Helvetica Neue Light" panose="02000403000000020004" pitchFamily="2" charset="0"/>
+              </a:rPr>
+              <a:t>”zero inflation”</a:t>
+            </a:r>
+          </a:p>
+          <a:p>
+            <a:pPr lvl="2"/>
+            <a:r>
+              <a:rPr lang="en-US" dirty="0">
+                <a:latin typeface="Helvetica Neue Light" panose="02000403000000020004" pitchFamily="2" charset="0"/>
+                <a:ea typeface="Helvetica Neue Light" panose="02000403000000020004" pitchFamily="2" charset="0"/>
+              </a:rPr>
+              <a:t>Technical: dropouts (expressed but not detected)</a:t>
+            </a:r>
+          </a:p>
+          <a:p>
+            <a:pPr lvl="2"/>
+            <a:r>
+              <a:rPr lang="en-US" dirty="0">
+                <a:latin typeface="Helvetica Neue Light" panose="02000403000000020004" pitchFamily="2" charset="0"/>
+                <a:ea typeface="Helvetica Neue Light" panose="02000403000000020004" pitchFamily="2" charset="0"/>
+              </a:rPr>
+              <a:t>Biological: intra-cellular temporal variation in expression (some genes ”off” when a cell is sampled)</a:t>
+            </a:r>
+          </a:p>
+          <a:p>
+            <a:pPr lvl="1"/>
+            <a:endParaRPr lang="en-US" dirty="0">
+              <a:latin typeface="Helvetica Neue Light" panose="02000403000000020004" pitchFamily="2" charset="0"/>
+              <a:ea typeface="Helvetica Neue Light" panose="02000403000000020004" pitchFamily="2" charset="0"/>
+            </a:endParaRPr>
+          </a:p>
+        </p:txBody>
+      </p:sp>
       <p:cxnSp>
         <p:nvCxnSpPr>
           <p:cNvPr id="5" name="Straight Connector 4">
@@ -6494,204 +6572,24 @@
           <a:p>
             <a:r>
               <a:rPr lang="en-US" dirty="0" err="1"/>
-              <a:t>Scrublet</a:t>
+              <a:t>scRNA-seq</a:t>
             </a:r>
             <a:r>
               <a:rPr lang="en-US" dirty="0"/>
-              <a:t>!!</a:t>
-            </a:r>
-          </a:p>
-        </p:txBody>
-      </p:sp>
-      <p:pic>
-        <p:nvPicPr>
-          <p:cNvPr id="6" name="Picture 5">
-            <a:extLst>
-              <a:ext uri="{FF2B5EF4-FFF2-40B4-BE49-F238E27FC236}">
-                <a16:creationId xmlns:a16="http://schemas.microsoft.com/office/drawing/2014/main" id="{988069E5-2454-A343-81FA-562B7DDECCDD}"/>
-              </a:ext>
-            </a:extLst>
-          </p:cNvPr>
-          <p:cNvPicPr>
-            <a:picLocks noChangeAspect="1"/>
-          </p:cNvPicPr>
-          <p:nvPr/>
-        </p:nvPicPr>
-        <p:blipFill>
-          <a:blip r:embed="rId2"/>
-          <a:stretch>
-            <a:fillRect/>
-          </a:stretch>
-        </p:blipFill>
-        <p:spPr>
-          <a:xfrm>
-            <a:off x="1190847" y="1775994"/>
-            <a:ext cx="8899451" cy="3661027"/>
-          </a:xfrm>
-          <a:prstGeom prst="rect">
-            <a:avLst/>
-          </a:prstGeom>
-        </p:spPr>
-      </p:pic>
-      <p:sp>
-        <p:nvSpPr>
-          <p:cNvPr id="9" name="Rectangle 8">
-            <a:extLst>
-              <a:ext uri="{FF2B5EF4-FFF2-40B4-BE49-F238E27FC236}">
-                <a16:creationId xmlns:a16="http://schemas.microsoft.com/office/drawing/2014/main" id="{385037FB-FFB8-F441-9F96-244689618253}"/>
-              </a:ext>
-            </a:extLst>
-          </p:cNvPr>
-          <p:cNvSpPr/>
-          <p:nvPr/>
-        </p:nvSpPr>
-        <p:spPr>
-          <a:xfrm>
-            <a:off x="1316665" y="1881963"/>
-            <a:ext cx="361507" cy="322375"/>
-          </a:xfrm>
-          <a:prstGeom prst="rect">
-            <a:avLst/>
-          </a:prstGeom>
-          <a:solidFill>
-            <a:schemeClr val="bg1"/>
-          </a:solidFill>
-          <a:ln>
-            <a:noFill/>
-          </a:ln>
-        </p:spPr>
-        <p:style>
-          <a:lnRef idx="2">
-            <a:schemeClr val="accent1">
-              <a:shade val="50000"/>
-            </a:schemeClr>
-          </a:lnRef>
-          <a:fillRef idx="1">
-            <a:schemeClr val="accent1"/>
-          </a:fillRef>
-          <a:effectRef idx="0">
-            <a:schemeClr val="accent1"/>
-          </a:effectRef>
-          <a:fontRef idx="minor">
-            <a:schemeClr val="lt1"/>
-          </a:fontRef>
-        </p:style>
-        <p:txBody>
-          <a:bodyPr rtlCol="0" anchor="ctr"/>
-          <a:lstStyle/>
-          <a:p>
-            <a:pPr algn="ctr"/>
-            <a:endParaRPr lang="en-US"/>
-          </a:p>
-        </p:txBody>
-      </p:sp>
-      <p:sp>
-        <p:nvSpPr>
-          <p:cNvPr id="10" name="TextBox 9">
-            <a:extLst>
-              <a:ext uri="{FF2B5EF4-FFF2-40B4-BE49-F238E27FC236}">
-                <a16:creationId xmlns:a16="http://schemas.microsoft.com/office/drawing/2014/main" id="{BAABC5CF-37B4-4943-8226-CB2925990A04}"/>
-              </a:ext>
-            </a:extLst>
-          </p:cNvPr>
-          <p:cNvSpPr txBox="1"/>
-          <p:nvPr/>
-        </p:nvSpPr>
-        <p:spPr>
-          <a:xfrm>
-            <a:off x="7858060" y="5472948"/>
-            <a:ext cx="2781587" cy="276999"/>
-          </a:xfrm>
-          <a:prstGeom prst="rect">
-            <a:avLst/>
-          </a:prstGeom>
-          <a:noFill/>
-        </p:spPr>
-        <p:txBody>
-          <a:bodyPr wrap="square" rtlCol="0">
-            <a:spAutoFit/>
-          </a:bodyPr>
-          <a:lstStyle/>
-          <a:p>
-            <a:r>
-              <a:rPr lang="en-US" sz="1200" dirty="0" err="1">
-                <a:latin typeface="Helvetica Neue Light" panose="02000403000000020004" pitchFamily="2" charset="0"/>
-                <a:ea typeface="Helvetica Neue Light" panose="02000403000000020004" pitchFamily="2" charset="0"/>
-              </a:rPr>
-              <a:t>Wolock</a:t>
-            </a:r>
-            <a:r>
-              <a:rPr lang="en-US" sz="1200" dirty="0">
-                <a:latin typeface="Helvetica Neue Light" panose="02000403000000020004" pitchFamily="2" charset="0"/>
-                <a:ea typeface="Helvetica Neue Light" panose="02000403000000020004" pitchFamily="2" charset="0"/>
-              </a:rPr>
-              <a:t> et al., 2018, </a:t>
-            </a:r>
-            <a:r>
-              <a:rPr lang="en-US" sz="1200" i="1" dirty="0" err="1">
-                <a:latin typeface="Helvetica Neue Light" panose="02000403000000020004" pitchFamily="2" charset="0"/>
-                <a:ea typeface="Helvetica Neue Light" panose="02000403000000020004" pitchFamily="2" charset="0"/>
-              </a:rPr>
-              <a:t>bioRxiv</a:t>
-            </a:r>
-            <a:endParaRPr lang="en-US" sz="1200" i="1" dirty="0">
-              <a:latin typeface="Helvetica Neue Light" panose="02000403000000020004" pitchFamily="2" charset="0"/>
-              <a:ea typeface="Helvetica Neue Light" panose="02000403000000020004" pitchFamily="2" charset="0"/>
-            </a:endParaRPr>
-          </a:p>
-        </p:txBody>
-      </p:sp>
-      <p:sp>
-        <p:nvSpPr>
-          <p:cNvPr id="11" name="Content Placeholder 7">
-            <a:extLst>
-              <a:ext uri="{FF2B5EF4-FFF2-40B4-BE49-F238E27FC236}">
-                <a16:creationId xmlns:a16="http://schemas.microsoft.com/office/drawing/2014/main" id="{72DF6BBE-AF75-5346-BFB1-755DDBB67002}"/>
-              </a:ext>
-            </a:extLst>
-          </p:cNvPr>
-          <p:cNvSpPr>
-            <a:spLocks noGrp="1"/>
-          </p:cNvSpPr>
-          <p:nvPr>
-            <p:ph sz="half" idx="1"/>
-          </p:nvPr>
-        </p:nvSpPr>
-        <p:spPr>
-          <a:xfrm>
-            <a:off x="838200" y="5759830"/>
-            <a:ext cx="10640786" cy="860659"/>
-          </a:xfrm>
-        </p:spPr>
-        <p:txBody>
-          <a:bodyPr>
-            <a:normAutofit fontScale="92500" lnSpcReduction="10000"/>
-          </a:bodyPr>
-          <a:lstStyle/>
-          <a:p>
-            <a:r>
-              <a:rPr lang="en-US" dirty="0">
-                <a:latin typeface="Helvetica Neue Light" panose="02000403000000020004" pitchFamily="2" charset="0"/>
-                <a:ea typeface="Helvetica Neue Light" panose="02000403000000020004" pitchFamily="2" charset="0"/>
-              </a:rPr>
-              <a:t>Implemented in python</a:t>
-            </a:r>
-          </a:p>
-          <a:p>
-            <a:r>
-              <a:rPr lang="en-US" dirty="0">
-                <a:latin typeface="Helvetica Neue Light" panose="02000403000000020004" pitchFamily="2" charset="0"/>
-                <a:ea typeface="Helvetica Neue Light" panose="02000403000000020004" pitchFamily="2" charset="0"/>
-              </a:rPr>
-              <a:t>We have yet to establish best practices/tools … stay tuned!!</a:t>
-            </a:r>
+              <a:t> noisier than bulk RNA-</a:t>
+            </a:r>
+            <a:r>
+              <a:rPr lang="en-US" dirty="0" err="1"/>
+              <a:t>seq</a:t>
+            </a:r>
+            <a:endParaRPr lang="en-US" dirty="0"/>
           </a:p>
         </p:txBody>
       </p:sp>
     </p:spTree>
     <p:extLst>
       <p:ext uri="{BB962C8B-B14F-4D97-AF65-F5344CB8AC3E}">
-        <p14:creationId xmlns:p14="http://schemas.microsoft.com/office/powerpoint/2010/main" val="1608058621"/>
+        <p14:creationId xmlns:p14="http://schemas.microsoft.com/office/powerpoint/2010/main" val="730699387"/>
       </p:ext>
     </p:extLst>
   </p:cSld>
@@ -6718,179 +6616,6 @@
           <a:chExt cx="0" cy="0"/>
         </a:xfrm>
       </p:grpSpPr>
-      <p:sp>
-        <p:nvSpPr>
-          <p:cNvPr id="8" name="Content Placeholder 7">
-            <a:extLst>
-              <a:ext uri="{FF2B5EF4-FFF2-40B4-BE49-F238E27FC236}">
-                <a16:creationId xmlns:a16="http://schemas.microsoft.com/office/drawing/2014/main" id="{4D9249D6-75D5-9C4A-9BF5-73D774786400}"/>
-              </a:ext>
-            </a:extLst>
-          </p:cNvPr>
-          <p:cNvSpPr>
-            <a:spLocks noGrp="1"/>
-          </p:cNvSpPr>
-          <p:nvPr>
-            <p:ph sz="half" idx="1"/>
-          </p:nvPr>
-        </p:nvSpPr>
-        <p:spPr>
-          <a:xfrm>
-            <a:off x="838200" y="1825625"/>
-            <a:ext cx="10640786" cy="4351338"/>
-          </a:xfrm>
-        </p:spPr>
-        <p:txBody>
-          <a:bodyPr>
-            <a:normAutofit lnSpcReduction="10000"/>
-          </a:bodyPr>
-          <a:lstStyle/>
-          <a:p>
-            <a:r>
-              <a:rPr lang="en-US" dirty="0">
-                <a:latin typeface="Helvetica Neue Light" panose="02000403000000020004" pitchFamily="2" charset="0"/>
-                <a:ea typeface="Helvetica Neue Light" panose="02000403000000020004" pitchFamily="2" charset="0"/>
-              </a:rPr>
-              <a:t>Bulk RNA-</a:t>
-            </a:r>
-            <a:r>
-              <a:rPr lang="en-US" dirty="0" err="1">
-                <a:latin typeface="Helvetica Neue Light" panose="02000403000000020004" pitchFamily="2" charset="0"/>
-                <a:ea typeface="Helvetica Neue Light" panose="02000403000000020004" pitchFamily="2" charset="0"/>
-              </a:rPr>
-              <a:t>seq</a:t>
-            </a:r>
-            <a:endParaRPr lang="en-US" dirty="0">
-              <a:latin typeface="Helvetica Neue Light" panose="02000403000000020004" pitchFamily="2" charset="0"/>
-              <a:ea typeface="Helvetica Neue Light" panose="02000403000000020004" pitchFamily="2" charset="0"/>
-            </a:endParaRPr>
-          </a:p>
-          <a:p>
-            <a:pPr lvl="1"/>
-            <a:r>
-              <a:rPr lang="en-US" dirty="0">
-                <a:latin typeface="Helvetica Neue Light" panose="02000403000000020004" pitchFamily="2" charset="0"/>
-                <a:ea typeface="Helvetica Neue Light" panose="02000403000000020004" pitchFamily="2" charset="0"/>
-              </a:rPr>
-              <a:t>average across many millions of cells</a:t>
-            </a:r>
-          </a:p>
-          <a:p>
-            <a:pPr lvl="2"/>
-            <a:r>
-              <a:rPr lang="en-US" dirty="0">
-                <a:latin typeface="Helvetica Neue Light" panose="02000403000000020004" pitchFamily="2" charset="0"/>
-                <a:ea typeface="Helvetica Neue Light" panose="02000403000000020004" pitchFamily="2" charset="0"/>
-              </a:rPr>
-              <a:t>Unless cells pre-sorted, averaged across cell types</a:t>
-            </a:r>
-          </a:p>
-          <a:p>
-            <a:pPr lvl="2"/>
-            <a:r>
-              <a:rPr lang="en-US" dirty="0">
-                <a:latin typeface="Helvetica Neue Light" panose="02000403000000020004" pitchFamily="2" charset="0"/>
-                <a:ea typeface="Helvetica Neue Light" panose="02000403000000020004" pitchFamily="2" charset="0"/>
-              </a:rPr>
-              <a:t>Even if sorted, averaged across subpopulations sharing cell markers/morphology</a:t>
-            </a:r>
-          </a:p>
-          <a:p>
-            <a:pPr lvl="1"/>
-            <a:r>
-              <a:rPr lang="en-US" dirty="0">
-                <a:latin typeface="Helvetica Neue Light" panose="02000403000000020004" pitchFamily="2" charset="0"/>
-                <a:ea typeface="Helvetica Neue Light" panose="02000403000000020004" pitchFamily="2" charset="0"/>
-              </a:rPr>
-              <a:t>millions of reads per sample</a:t>
-            </a:r>
-          </a:p>
-          <a:p>
-            <a:r>
-              <a:rPr lang="en-US" dirty="0" err="1">
-                <a:latin typeface="Helvetica Neue Light" panose="02000403000000020004" pitchFamily="2" charset="0"/>
-                <a:ea typeface="Helvetica Neue Light" panose="02000403000000020004" pitchFamily="2" charset="0"/>
-              </a:rPr>
-              <a:t>scRNA-seq</a:t>
-            </a:r>
-            <a:endParaRPr lang="en-US" dirty="0">
-              <a:latin typeface="Helvetica Neue Light" panose="02000403000000020004" pitchFamily="2" charset="0"/>
-              <a:ea typeface="Helvetica Neue Light" panose="02000403000000020004" pitchFamily="2" charset="0"/>
-            </a:endParaRPr>
-          </a:p>
-          <a:p>
-            <a:pPr lvl="1"/>
-            <a:r>
-              <a:rPr lang="en-US" dirty="0">
-                <a:latin typeface="Helvetica Neue Light" panose="02000403000000020004" pitchFamily="2" charset="0"/>
-                <a:ea typeface="Helvetica Neue Light" panose="02000403000000020004" pitchFamily="2" charset="0"/>
-              </a:rPr>
-              <a:t>far fewer cells</a:t>
-            </a:r>
-          </a:p>
-          <a:p>
-            <a:pPr lvl="2"/>
-            <a:r>
-              <a:rPr lang="en-US" dirty="0">
-                <a:latin typeface="Helvetica Neue Light" panose="02000403000000020004" pitchFamily="2" charset="0"/>
-                <a:ea typeface="Helvetica Neue Light" panose="02000403000000020004" pitchFamily="2" charset="0"/>
-              </a:rPr>
-              <a:t>Far fewer reads per cell than reads per bulk RNA-</a:t>
-            </a:r>
-            <a:r>
-              <a:rPr lang="en-US" dirty="0" err="1">
-                <a:latin typeface="Helvetica Neue Light" panose="02000403000000020004" pitchFamily="2" charset="0"/>
-                <a:ea typeface="Helvetica Neue Light" panose="02000403000000020004" pitchFamily="2" charset="0"/>
-              </a:rPr>
-              <a:t>seq</a:t>
-            </a:r>
-            <a:r>
-              <a:rPr lang="en-US" dirty="0">
-                <a:latin typeface="Helvetica Neue Light" panose="02000403000000020004" pitchFamily="2" charset="0"/>
-                <a:ea typeface="Helvetica Neue Light" panose="02000403000000020004" pitchFamily="2" charset="0"/>
-              </a:rPr>
-              <a:t> sample</a:t>
-            </a:r>
-          </a:p>
-          <a:p>
-            <a:pPr lvl="1"/>
-            <a:r>
-              <a:rPr lang="en-US" dirty="0">
-                <a:latin typeface="Helvetica Neue Light" panose="02000403000000020004" pitchFamily="2" charset="0"/>
-                <a:ea typeface="Helvetica Neue Light" panose="02000403000000020004" pitchFamily="2" charset="0"/>
-              </a:rPr>
-              <a:t>”zero inflation”</a:t>
-            </a:r>
-          </a:p>
-          <a:p>
-            <a:pPr lvl="2"/>
-            <a:r>
-              <a:rPr lang="en-US" dirty="0">
-                <a:latin typeface="Helvetica Neue Light" panose="02000403000000020004" pitchFamily="2" charset="0"/>
-                <a:ea typeface="Helvetica Neue Light" panose="02000403000000020004" pitchFamily="2" charset="0"/>
-              </a:rPr>
-              <a:t>Technical: dropouts (expressed but not detected)</a:t>
-            </a:r>
-          </a:p>
-          <a:p>
-            <a:pPr lvl="2"/>
-            <a:r>
-              <a:rPr lang="en-US" dirty="0">
-                <a:latin typeface="Helvetica Neue Light" panose="02000403000000020004" pitchFamily="2" charset="0"/>
-                <a:ea typeface="Helvetica Neue Light" panose="02000403000000020004" pitchFamily="2" charset="0"/>
-              </a:rPr>
-              <a:t>Biological: intra-cellular temporal variation in expression (some genes ”off” when a cell is sampled)</a:t>
-            </a:r>
-          </a:p>
-          <a:p>
-            <a:pPr lvl="1"/>
-            <a:endParaRPr lang="en-US" dirty="0">
-              <a:latin typeface="Helvetica Neue Light" panose="02000403000000020004" pitchFamily="2" charset="0"/>
-              <a:ea typeface="Helvetica Neue Light" panose="02000403000000020004" pitchFamily="2" charset="0"/>
-            </a:endParaRPr>
-          </a:p>
-        </p:txBody>
-      </p:sp>
       <p:cxnSp>
         <p:nvCxnSpPr>
           <p:cNvPr id="5" name="Straight Connector 4">
@@ -6965,20 +6690,1141 @@
             </a:r>
             <a:r>
               <a:rPr lang="en-US" dirty="0"/>
-              <a:t> noisier than bulk RNA-</a:t>
-            </a:r>
-            <a:r>
-              <a:rPr lang="en-US" dirty="0" err="1"/>
-              <a:t>seq</a:t>
-            </a:r>
-            <a:endParaRPr lang="en-US" dirty="0"/>
+              <a:t> data represented by sparse matrices</a:t>
+            </a:r>
+          </a:p>
+        </p:txBody>
+      </p:sp>
+      <p:graphicFrame>
+        <p:nvGraphicFramePr>
+          <p:cNvPr id="4" name="Table 3">
+            <a:extLst>
+              <a:ext uri="{FF2B5EF4-FFF2-40B4-BE49-F238E27FC236}">
+                <a16:creationId xmlns:a16="http://schemas.microsoft.com/office/drawing/2014/main" id="{A10DDC92-D944-0D45-8413-B3D5C8F2B722}"/>
+              </a:ext>
+            </a:extLst>
+          </p:cNvPr>
+          <p:cNvGraphicFramePr>
+            <a:graphicFrameLocks noGrp="1"/>
+          </p:cNvGraphicFramePr>
+          <p:nvPr>
+            <p:extLst>
+              <p:ext uri="{D42A27DB-BD31-4B8C-83A1-F6EECF244321}">
+                <p14:modId xmlns:p14="http://schemas.microsoft.com/office/powerpoint/2010/main" val="695005183"/>
+              </p:ext>
+            </p:extLst>
+          </p:nvPr>
+        </p:nvGraphicFramePr>
+        <p:xfrm>
+          <a:off x="1871133" y="2340934"/>
+          <a:ext cx="4205608" cy="2390555"/>
+        </p:xfrm>
+        <a:graphic>
+          <a:graphicData uri="http://schemas.openxmlformats.org/drawingml/2006/table">
+            <a:tbl>
+              <a:tblPr firstRow="1" bandRow="1">
+                <a:tableStyleId>{5940675A-B579-460E-94D1-54222C63F5DA}</a:tableStyleId>
+              </a:tblPr>
+              <a:tblGrid>
+                <a:gridCol w="525701">
+                  <a:extLst>
+                    <a:ext uri="{9D8B030D-6E8A-4147-A177-3AD203B41FA5}">
+                      <a16:colId xmlns:a16="http://schemas.microsoft.com/office/drawing/2014/main" val="2656232993"/>
+                    </a:ext>
+                  </a:extLst>
+                </a:gridCol>
+                <a:gridCol w="525701">
+                  <a:extLst>
+                    <a:ext uri="{9D8B030D-6E8A-4147-A177-3AD203B41FA5}">
+                      <a16:colId xmlns:a16="http://schemas.microsoft.com/office/drawing/2014/main" val="2886969644"/>
+                    </a:ext>
+                  </a:extLst>
+                </a:gridCol>
+                <a:gridCol w="525701">
+                  <a:extLst>
+                    <a:ext uri="{9D8B030D-6E8A-4147-A177-3AD203B41FA5}">
+                      <a16:colId xmlns:a16="http://schemas.microsoft.com/office/drawing/2014/main" val="3137939862"/>
+                    </a:ext>
+                  </a:extLst>
+                </a:gridCol>
+                <a:gridCol w="525701">
+                  <a:extLst>
+                    <a:ext uri="{9D8B030D-6E8A-4147-A177-3AD203B41FA5}">
+                      <a16:colId xmlns:a16="http://schemas.microsoft.com/office/drawing/2014/main" val="2956703976"/>
+                    </a:ext>
+                  </a:extLst>
+                </a:gridCol>
+                <a:gridCol w="525701">
+                  <a:extLst>
+                    <a:ext uri="{9D8B030D-6E8A-4147-A177-3AD203B41FA5}">
+                      <a16:colId xmlns:a16="http://schemas.microsoft.com/office/drawing/2014/main" val="469356681"/>
+                    </a:ext>
+                  </a:extLst>
+                </a:gridCol>
+                <a:gridCol w="525701">
+                  <a:extLst>
+                    <a:ext uri="{9D8B030D-6E8A-4147-A177-3AD203B41FA5}">
+                      <a16:colId xmlns:a16="http://schemas.microsoft.com/office/drawing/2014/main" val="1336241934"/>
+                    </a:ext>
+                  </a:extLst>
+                </a:gridCol>
+                <a:gridCol w="525701">
+                  <a:extLst>
+                    <a:ext uri="{9D8B030D-6E8A-4147-A177-3AD203B41FA5}">
+                      <a16:colId xmlns:a16="http://schemas.microsoft.com/office/drawing/2014/main" val="1881800906"/>
+                    </a:ext>
+                  </a:extLst>
+                </a:gridCol>
+                <a:gridCol w="525701">
+                  <a:extLst>
+                    <a:ext uri="{9D8B030D-6E8A-4147-A177-3AD203B41FA5}">
+                      <a16:colId xmlns:a16="http://schemas.microsoft.com/office/drawing/2014/main" val="993084248"/>
+                    </a:ext>
+                  </a:extLst>
+                </a:gridCol>
+              </a:tblGrid>
+              <a:tr h="478111">
+                <a:tc>
+                  <a:txBody>
+                    <a:bodyPr/>
+                    <a:lstStyle/>
+                    <a:p>
+                      <a:pPr algn="ctr"/>
+                      <a:r>
+                        <a:rPr lang="en-US" sz="1800" dirty="0">
+                          <a:solidFill>
+                            <a:srgbClr val="FF0000"/>
+                          </a:solidFill>
+                        </a:rPr>
+                        <a:t>0</a:t>
+                      </a:r>
+                    </a:p>
+                  </a:txBody>
+                  <a:tcPr marL="119528" marR="119528" marT="59764" marB="59764"/>
+                </a:tc>
+                <a:tc>
+                  <a:txBody>
+                    <a:bodyPr/>
+                    <a:lstStyle/>
+                    <a:p>
+                      <a:pPr algn="ctr"/>
+                      <a:r>
+                        <a:rPr lang="en-US" sz="1800" dirty="0">
+                          <a:solidFill>
+                            <a:srgbClr val="FF0000"/>
+                          </a:solidFill>
+                        </a:rPr>
+                        <a:t>0</a:t>
+                      </a:r>
+                    </a:p>
+                  </a:txBody>
+                  <a:tcPr marL="119528" marR="119528" marT="59764" marB="59764"/>
+                </a:tc>
+                <a:tc>
+                  <a:txBody>
+                    <a:bodyPr/>
+                    <a:lstStyle/>
+                    <a:p>
+                      <a:pPr algn="ctr"/>
+                      <a:r>
+                        <a:rPr lang="en-US" sz="1800" dirty="0"/>
+                        <a:t>4</a:t>
+                      </a:r>
+                    </a:p>
+                  </a:txBody>
+                  <a:tcPr marL="119528" marR="119528" marT="59764" marB="59764"/>
+                </a:tc>
+                <a:tc>
+                  <a:txBody>
+                    <a:bodyPr/>
+                    <a:lstStyle/>
+                    <a:p>
+                      <a:pPr algn="ctr"/>
+                      <a:r>
+                        <a:rPr lang="en-US" sz="1800" dirty="0"/>
+                        <a:t>1</a:t>
+                      </a:r>
+                    </a:p>
+                  </a:txBody>
+                  <a:tcPr marL="119528" marR="119528" marT="59764" marB="59764"/>
+                </a:tc>
+                <a:tc>
+                  <a:txBody>
+                    <a:bodyPr/>
+                    <a:lstStyle/>
+                    <a:p>
+                      <a:pPr algn="ctr"/>
+                      <a:r>
+                        <a:rPr lang="en-US" sz="1800" dirty="0">
+                          <a:solidFill>
+                            <a:srgbClr val="FF0000"/>
+                          </a:solidFill>
+                        </a:rPr>
+                        <a:t>0</a:t>
+                      </a:r>
+                    </a:p>
+                  </a:txBody>
+                  <a:tcPr marL="119528" marR="119528" marT="59764" marB="59764"/>
+                </a:tc>
+                <a:tc>
+                  <a:txBody>
+                    <a:bodyPr/>
+                    <a:lstStyle/>
+                    <a:p>
+                      <a:pPr algn="ctr"/>
+                      <a:r>
+                        <a:rPr lang="en-US" sz="1800" dirty="0">
+                          <a:solidFill>
+                            <a:srgbClr val="FF0000"/>
+                          </a:solidFill>
+                        </a:rPr>
+                        <a:t>0</a:t>
+                      </a:r>
+                    </a:p>
+                  </a:txBody>
+                  <a:tcPr marL="119528" marR="119528" marT="59764" marB="59764"/>
+                </a:tc>
+                <a:tc>
+                  <a:txBody>
+                    <a:bodyPr/>
+                    <a:lstStyle/>
+                    <a:p>
+                      <a:pPr algn="ctr"/>
+                      <a:r>
+                        <a:rPr lang="en-US" sz="1800" dirty="0">
+                          <a:solidFill>
+                            <a:srgbClr val="FF0000"/>
+                          </a:solidFill>
+                        </a:rPr>
+                        <a:t>0</a:t>
+                      </a:r>
+                    </a:p>
+                  </a:txBody>
+                  <a:tcPr marL="119528" marR="119528" marT="59764" marB="59764"/>
+                </a:tc>
+                <a:tc>
+                  <a:txBody>
+                    <a:bodyPr/>
+                    <a:lstStyle/>
+                    <a:p>
+                      <a:pPr algn="ctr"/>
+                      <a:r>
+                        <a:rPr lang="en-US" sz="1800" dirty="0">
+                          <a:solidFill>
+                            <a:srgbClr val="FF0000"/>
+                          </a:solidFill>
+                        </a:rPr>
+                        <a:t>0</a:t>
+                      </a:r>
+                    </a:p>
+                  </a:txBody>
+                  <a:tcPr marL="119528" marR="119528" marT="59764" marB="59764"/>
+                </a:tc>
+                <a:extLst>
+                  <a:ext uri="{0D108BD9-81ED-4DB2-BD59-A6C34878D82A}">
+                    <a16:rowId xmlns:a16="http://schemas.microsoft.com/office/drawing/2014/main" val="3536361138"/>
+                  </a:ext>
+                </a:extLst>
+              </a:tr>
+              <a:tr h="478111">
+                <a:tc>
+                  <a:txBody>
+                    <a:bodyPr/>
+                    <a:lstStyle/>
+                    <a:p>
+                      <a:pPr algn="ctr"/>
+                      <a:r>
+                        <a:rPr lang="en-US" sz="1800" dirty="0"/>
+                        <a:t>0</a:t>
+                      </a:r>
+                    </a:p>
+                  </a:txBody>
+                  <a:tcPr marL="119528" marR="119528" marT="59764" marB="59764"/>
+                </a:tc>
+                <a:tc>
+                  <a:txBody>
+                    <a:bodyPr/>
+                    <a:lstStyle/>
+                    <a:p>
+                      <a:pPr algn="ctr"/>
+                      <a:r>
+                        <a:rPr lang="en-US" sz="1800" dirty="0"/>
+                        <a:t>0</a:t>
+                      </a:r>
+                    </a:p>
+                  </a:txBody>
+                  <a:tcPr marL="119528" marR="119528" marT="59764" marB="59764"/>
+                </a:tc>
+                <a:tc>
+                  <a:txBody>
+                    <a:bodyPr/>
+                    <a:lstStyle/>
+                    <a:p>
+                      <a:pPr algn="ctr"/>
+                      <a:r>
+                        <a:rPr lang="en-US" sz="1800" dirty="0"/>
+                        <a:t>0</a:t>
+                      </a:r>
+                    </a:p>
+                  </a:txBody>
+                  <a:tcPr marL="119528" marR="119528" marT="59764" marB="59764"/>
+                </a:tc>
+                <a:tc>
+                  <a:txBody>
+                    <a:bodyPr/>
+                    <a:lstStyle/>
+                    <a:p>
+                      <a:pPr algn="ctr"/>
+                      <a:r>
+                        <a:rPr lang="en-US" sz="1800" dirty="0"/>
+                        <a:t>2</a:t>
+                      </a:r>
+                    </a:p>
+                  </a:txBody>
+                  <a:tcPr marL="119528" marR="119528" marT="59764" marB="59764"/>
+                </a:tc>
+                <a:tc>
+                  <a:txBody>
+                    <a:bodyPr/>
+                    <a:lstStyle/>
+                    <a:p>
+                      <a:pPr algn="ctr"/>
+                      <a:r>
+                        <a:rPr lang="en-US" sz="1800" dirty="0"/>
+                        <a:t>3</a:t>
+                      </a:r>
+                    </a:p>
+                  </a:txBody>
+                  <a:tcPr marL="119528" marR="119528" marT="59764" marB="59764"/>
+                </a:tc>
+                <a:tc>
+                  <a:txBody>
+                    <a:bodyPr/>
+                    <a:lstStyle/>
+                    <a:p>
+                      <a:pPr algn="ctr"/>
+                      <a:r>
+                        <a:rPr lang="en-US" sz="1800" dirty="0"/>
+                        <a:t>5</a:t>
+                      </a:r>
+                    </a:p>
+                  </a:txBody>
+                  <a:tcPr marL="119528" marR="119528" marT="59764" marB="59764"/>
+                </a:tc>
+                <a:tc>
+                  <a:txBody>
+                    <a:bodyPr/>
+                    <a:lstStyle/>
+                    <a:p>
+                      <a:pPr algn="ctr"/>
+                      <a:r>
+                        <a:rPr lang="en-US" sz="1800" dirty="0"/>
+                        <a:t>14</a:t>
+                      </a:r>
+                    </a:p>
+                  </a:txBody>
+                  <a:tcPr marL="119528" marR="119528" marT="59764" marB="59764"/>
+                </a:tc>
+                <a:tc>
+                  <a:txBody>
+                    <a:bodyPr/>
+                    <a:lstStyle/>
+                    <a:p>
+                      <a:pPr algn="ctr"/>
+                      <a:r>
+                        <a:rPr lang="en-US" sz="1800" dirty="0"/>
+                        <a:t>0</a:t>
+                      </a:r>
+                    </a:p>
+                  </a:txBody>
+                  <a:tcPr marL="119528" marR="119528" marT="59764" marB="59764"/>
+                </a:tc>
+                <a:extLst>
+                  <a:ext uri="{0D108BD9-81ED-4DB2-BD59-A6C34878D82A}">
+                    <a16:rowId xmlns:a16="http://schemas.microsoft.com/office/drawing/2014/main" val="2873900616"/>
+                  </a:ext>
+                </a:extLst>
+              </a:tr>
+              <a:tr h="478111">
+                <a:tc>
+                  <a:txBody>
+                    <a:bodyPr/>
+                    <a:lstStyle/>
+                    <a:p>
+                      <a:pPr algn="ctr"/>
+                      <a:r>
+                        <a:rPr lang="en-US" sz="1800" dirty="0"/>
+                        <a:t>0</a:t>
+                      </a:r>
+                    </a:p>
+                  </a:txBody>
+                  <a:tcPr marL="119528" marR="119528" marT="59764" marB="59764"/>
+                </a:tc>
+                <a:tc>
+                  <a:txBody>
+                    <a:bodyPr/>
+                    <a:lstStyle/>
+                    <a:p>
+                      <a:pPr algn="ctr"/>
+                      <a:r>
+                        <a:rPr lang="en-US" sz="1800" dirty="0"/>
+                        <a:t>0</a:t>
+                      </a:r>
+                    </a:p>
+                  </a:txBody>
+                  <a:tcPr marL="119528" marR="119528" marT="59764" marB="59764"/>
+                </a:tc>
+                <a:tc>
+                  <a:txBody>
+                    <a:bodyPr/>
+                    <a:lstStyle/>
+                    <a:p>
+                      <a:pPr algn="ctr"/>
+                      <a:r>
+                        <a:rPr lang="en-US" sz="1800" dirty="0"/>
+                        <a:t>0</a:t>
+                      </a:r>
+                    </a:p>
+                  </a:txBody>
+                  <a:tcPr marL="119528" marR="119528" marT="59764" marB="59764"/>
+                </a:tc>
+                <a:tc>
+                  <a:txBody>
+                    <a:bodyPr/>
+                    <a:lstStyle/>
+                    <a:p>
+                      <a:pPr algn="ctr"/>
+                      <a:r>
+                        <a:rPr lang="en-US" sz="1800" dirty="0"/>
+                        <a:t>0</a:t>
+                      </a:r>
+                    </a:p>
+                  </a:txBody>
+                  <a:tcPr marL="119528" marR="119528" marT="59764" marB="59764"/>
+                </a:tc>
+                <a:tc>
+                  <a:txBody>
+                    <a:bodyPr/>
+                    <a:lstStyle/>
+                    <a:p>
+                      <a:pPr algn="ctr"/>
+                      <a:r>
+                        <a:rPr lang="en-US" sz="1800" dirty="0"/>
+                        <a:t>7</a:t>
+                      </a:r>
+                    </a:p>
+                  </a:txBody>
+                  <a:tcPr marL="119528" marR="119528" marT="59764" marB="59764"/>
+                </a:tc>
+                <a:tc>
+                  <a:txBody>
+                    <a:bodyPr/>
+                    <a:lstStyle/>
+                    <a:p>
+                      <a:pPr algn="ctr"/>
+                      <a:r>
+                        <a:rPr lang="en-US" sz="1800" dirty="0"/>
+                        <a:t>0</a:t>
+                      </a:r>
+                    </a:p>
+                  </a:txBody>
+                  <a:tcPr marL="119528" marR="119528" marT="59764" marB="59764"/>
+                </a:tc>
+                <a:tc>
+                  <a:txBody>
+                    <a:bodyPr/>
+                    <a:lstStyle/>
+                    <a:p>
+                      <a:pPr algn="ctr"/>
+                      <a:r>
+                        <a:rPr lang="en-US" sz="1800" dirty="0"/>
+                        <a:t>2</a:t>
+                      </a:r>
+                    </a:p>
+                  </a:txBody>
+                  <a:tcPr marL="119528" marR="119528" marT="59764" marB="59764"/>
+                </a:tc>
+                <a:tc>
+                  <a:txBody>
+                    <a:bodyPr/>
+                    <a:lstStyle/>
+                    <a:p>
+                      <a:pPr algn="ctr"/>
+                      <a:r>
+                        <a:rPr lang="en-US" sz="1800" dirty="0"/>
+                        <a:t>0</a:t>
+                      </a:r>
+                    </a:p>
+                  </a:txBody>
+                  <a:tcPr marL="119528" marR="119528" marT="59764" marB="59764"/>
+                </a:tc>
+                <a:extLst>
+                  <a:ext uri="{0D108BD9-81ED-4DB2-BD59-A6C34878D82A}">
+                    <a16:rowId xmlns:a16="http://schemas.microsoft.com/office/drawing/2014/main" val="1539752166"/>
+                  </a:ext>
+                </a:extLst>
+              </a:tr>
+              <a:tr h="478111">
+                <a:tc>
+                  <a:txBody>
+                    <a:bodyPr/>
+                    <a:lstStyle/>
+                    <a:p>
+                      <a:pPr algn="ctr"/>
+                      <a:r>
+                        <a:rPr lang="en-US" sz="1800" dirty="0"/>
+                        <a:t>0</a:t>
+                      </a:r>
+                    </a:p>
+                  </a:txBody>
+                  <a:tcPr marL="119528" marR="119528" marT="59764" marB="59764"/>
+                </a:tc>
+                <a:tc>
+                  <a:txBody>
+                    <a:bodyPr/>
+                    <a:lstStyle/>
+                    <a:p>
+                      <a:pPr algn="ctr"/>
+                      <a:r>
+                        <a:rPr lang="en-US" sz="1800" dirty="0"/>
+                        <a:t>0</a:t>
+                      </a:r>
+                    </a:p>
+                  </a:txBody>
+                  <a:tcPr marL="119528" marR="119528" marT="59764" marB="59764"/>
+                </a:tc>
+                <a:tc>
+                  <a:txBody>
+                    <a:bodyPr/>
+                    <a:lstStyle/>
+                    <a:p>
+                      <a:pPr algn="ctr"/>
+                      <a:r>
+                        <a:rPr lang="en-US" sz="1800" dirty="0"/>
+                        <a:t>0</a:t>
+                      </a:r>
+                    </a:p>
+                  </a:txBody>
+                  <a:tcPr marL="119528" marR="119528" marT="59764" marB="59764"/>
+                </a:tc>
+                <a:tc>
+                  <a:txBody>
+                    <a:bodyPr/>
+                    <a:lstStyle/>
+                    <a:p>
+                      <a:pPr algn="ctr"/>
+                      <a:r>
+                        <a:rPr lang="en-US" sz="1800" dirty="0"/>
+                        <a:t>0</a:t>
+                      </a:r>
+                    </a:p>
+                  </a:txBody>
+                  <a:tcPr marL="119528" marR="119528" marT="59764" marB="59764"/>
+                </a:tc>
+                <a:tc>
+                  <a:txBody>
+                    <a:bodyPr/>
+                    <a:lstStyle/>
+                    <a:p>
+                      <a:pPr algn="ctr"/>
+                      <a:r>
+                        <a:rPr lang="en-US" sz="1800" dirty="0"/>
+                        <a:t>0</a:t>
+                      </a:r>
+                    </a:p>
+                  </a:txBody>
+                  <a:tcPr marL="119528" marR="119528" marT="59764" marB="59764"/>
+                </a:tc>
+                <a:tc>
+                  <a:txBody>
+                    <a:bodyPr/>
+                    <a:lstStyle/>
+                    <a:p>
+                      <a:pPr algn="ctr"/>
+                      <a:r>
+                        <a:rPr lang="en-US" sz="1800" dirty="0"/>
+                        <a:t>11</a:t>
+                      </a:r>
+                    </a:p>
+                  </a:txBody>
+                  <a:tcPr marL="119528" marR="119528" marT="59764" marB="59764"/>
+                </a:tc>
+                <a:tc>
+                  <a:txBody>
+                    <a:bodyPr/>
+                    <a:lstStyle/>
+                    <a:p>
+                      <a:pPr algn="ctr"/>
+                      <a:r>
+                        <a:rPr lang="en-US" sz="1800" dirty="0"/>
+                        <a:t>4</a:t>
+                      </a:r>
+                    </a:p>
+                  </a:txBody>
+                  <a:tcPr marL="119528" marR="119528" marT="59764" marB="59764"/>
+                </a:tc>
+                <a:tc>
+                  <a:txBody>
+                    <a:bodyPr/>
+                    <a:lstStyle/>
+                    <a:p>
+                      <a:pPr algn="ctr"/>
+                      <a:r>
+                        <a:rPr lang="en-US" sz="1800" dirty="0"/>
+                        <a:t>0</a:t>
+                      </a:r>
+                    </a:p>
+                  </a:txBody>
+                  <a:tcPr marL="119528" marR="119528" marT="59764" marB="59764"/>
+                </a:tc>
+                <a:extLst>
+                  <a:ext uri="{0D108BD9-81ED-4DB2-BD59-A6C34878D82A}">
+                    <a16:rowId xmlns:a16="http://schemas.microsoft.com/office/drawing/2014/main" val="1239823710"/>
+                  </a:ext>
+                </a:extLst>
+              </a:tr>
+              <a:tr h="478111">
+                <a:tc>
+                  <a:txBody>
+                    <a:bodyPr/>
+                    <a:lstStyle/>
+                    <a:p>
+                      <a:pPr algn="ctr"/>
+                      <a:r>
+                        <a:rPr lang="en-US" sz="1800" dirty="0"/>
+                        <a:t>0</a:t>
+                      </a:r>
+                    </a:p>
+                  </a:txBody>
+                  <a:tcPr marL="119528" marR="119528" marT="59764" marB="59764"/>
+                </a:tc>
+                <a:tc>
+                  <a:txBody>
+                    <a:bodyPr/>
+                    <a:lstStyle/>
+                    <a:p>
+                      <a:pPr algn="ctr"/>
+                      <a:r>
+                        <a:rPr lang="en-US" sz="1800" dirty="0"/>
+                        <a:t>0</a:t>
+                      </a:r>
+                    </a:p>
+                  </a:txBody>
+                  <a:tcPr marL="119528" marR="119528" marT="59764" marB="59764"/>
+                </a:tc>
+                <a:tc>
+                  <a:txBody>
+                    <a:bodyPr/>
+                    <a:lstStyle/>
+                    <a:p>
+                      <a:pPr algn="ctr"/>
+                      <a:r>
+                        <a:rPr lang="en-US" sz="1800" dirty="0"/>
+                        <a:t>0</a:t>
+                      </a:r>
+                    </a:p>
+                  </a:txBody>
+                  <a:tcPr marL="119528" marR="119528" marT="59764" marB="59764"/>
+                </a:tc>
+                <a:tc>
+                  <a:txBody>
+                    <a:bodyPr/>
+                    <a:lstStyle/>
+                    <a:p>
+                      <a:pPr algn="ctr"/>
+                      <a:r>
+                        <a:rPr lang="en-US" sz="1800" dirty="0"/>
+                        <a:t>31</a:t>
+                      </a:r>
+                    </a:p>
+                  </a:txBody>
+                  <a:tcPr marL="119528" marR="119528" marT="59764" marB="59764"/>
+                </a:tc>
+                <a:tc>
+                  <a:txBody>
+                    <a:bodyPr/>
+                    <a:lstStyle/>
+                    <a:p>
+                      <a:pPr algn="ctr"/>
+                      <a:r>
+                        <a:rPr lang="en-US" sz="1800" dirty="0"/>
+                        <a:t>0</a:t>
+                      </a:r>
+                    </a:p>
+                  </a:txBody>
+                  <a:tcPr marL="119528" marR="119528" marT="59764" marB="59764"/>
+                </a:tc>
+                <a:tc>
+                  <a:txBody>
+                    <a:bodyPr/>
+                    <a:lstStyle/>
+                    <a:p>
+                      <a:pPr algn="ctr"/>
+                      <a:r>
+                        <a:rPr lang="en-US" sz="1800" dirty="0"/>
+                        <a:t>0</a:t>
+                      </a:r>
+                    </a:p>
+                  </a:txBody>
+                  <a:tcPr marL="119528" marR="119528" marT="59764" marB="59764"/>
+                </a:tc>
+                <a:tc>
+                  <a:txBody>
+                    <a:bodyPr/>
+                    <a:lstStyle/>
+                    <a:p>
+                      <a:pPr algn="ctr"/>
+                      <a:r>
+                        <a:rPr lang="en-US" sz="1800" dirty="0"/>
+                        <a:t>8</a:t>
+                      </a:r>
+                    </a:p>
+                  </a:txBody>
+                  <a:tcPr marL="119528" marR="119528" marT="59764" marB="59764"/>
+                </a:tc>
+                <a:tc>
+                  <a:txBody>
+                    <a:bodyPr/>
+                    <a:lstStyle/>
+                    <a:p>
+                      <a:pPr algn="ctr"/>
+                      <a:r>
+                        <a:rPr lang="en-US" sz="1800" dirty="0"/>
+                        <a:t>9</a:t>
+                      </a:r>
+                    </a:p>
+                  </a:txBody>
+                  <a:tcPr marL="119528" marR="119528" marT="59764" marB="59764"/>
+                </a:tc>
+                <a:extLst>
+                  <a:ext uri="{0D108BD9-81ED-4DB2-BD59-A6C34878D82A}">
+                    <a16:rowId xmlns:a16="http://schemas.microsoft.com/office/drawing/2014/main" val="770828555"/>
+                  </a:ext>
+                </a:extLst>
+              </a:tr>
+            </a:tbl>
+          </a:graphicData>
+        </a:graphic>
+      </p:graphicFrame>
+      <p:sp>
+        <p:nvSpPr>
+          <p:cNvPr id="9" name="TextBox 8">
+            <a:extLst>
+              <a:ext uri="{FF2B5EF4-FFF2-40B4-BE49-F238E27FC236}">
+                <a16:creationId xmlns:a16="http://schemas.microsoft.com/office/drawing/2014/main" id="{0F124EF9-A99E-7E42-8271-E9F45F76B779}"/>
+              </a:ext>
+            </a:extLst>
+          </p:cNvPr>
+          <p:cNvSpPr txBox="1"/>
+          <p:nvPr/>
+        </p:nvSpPr>
+        <p:spPr>
+          <a:xfrm>
+            <a:off x="1903032" y="1883219"/>
+            <a:ext cx="5029396" cy="369332"/>
+          </a:xfrm>
+          <a:prstGeom prst="rect">
+            <a:avLst/>
+          </a:prstGeom>
+          <a:noFill/>
+        </p:spPr>
+        <p:txBody>
+          <a:bodyPr wrap="square" rtlCol="0">
+            <a:spAutoFit/>
+          </a:bodyPr>
+          <a:lstStyle/>
+          <a:p>
+            <a:r>
+              <a:rPr lang="en-US" b="1" dirty="0">
+                <a:latin typeface="Helvetica Neue Light" panose="02000403000000020004" pitchFamily="2" charset="0"/>
+                <a:ea typeface="Helvetica Neue Light" panose="02000403000000020004" pitchFamily="2" charset="0"/>
+              </a:rPr>
+              <a:t>c1     c2     c3    c4     c5    c6   c7  //  c40000</a:t>
+            </a:r>
+            <a:endParaRPr lang="en-US" b="1" i="1" dirty="0">
+              <a:latin typeface="Helvetica Neue Light" panose="02000403000000020004" pitchFamily="2" charset="0"/>
+              <a:ea typeface="Helvetica Neue Light" panose="02000403000000020004" pitchFamily="2" charset="0"/>
+            </a:endParaRPr>
+          </a:p>
+        </p:txBody>
+      </p:sp>
+      <p:sp>
+        <p:nvSpPr>
+          <p:cNvPr id="10" name="TextBox 9">
+            <a:extLst>
+              <a:ext uri="{FF2B5EF4-FFF2-40B4-BE49-F238E27FC236}">
+                <a16:creationId xmlns:a16="http://schemas.microsoft.com/office/drawing/2014/main" id="{406F826E-3EAB-0741-8758-D199A819172E}"/>
+              </a:ext>
+            </a:extLst>
+          </p:cNvPr>
+          <p:cNvSpPr txBox="1"/>
+          <p:nvPr/>
+        </p:nvSpPr>
+        <p:spPr>
+          <a:xfrm>
+            <a:off x="1321588" y="2340934"/>
+            <a:ext cx="549545" cy="369332"/>
+          </a:xfrm>
+          <a:prstGeom prst="rect">
+            <a:avLst/>
+          </a:prstGeom>
+          <a:noFill/>
+        </p:spPr>
+        <p:txBody>
+          <a:bodyPr wrap="square" rtlCol="0">
+            <a:spAutoFit/>
+          </a:bodyPr>
+          <a:lstStyle/>
+          <a:p>
+            <a:r>
+              <a:rPr lang="en-US" b="1" dirty="0">
+                <a:latin typeface="Helvetica Neue Light" panose="02000403000000020004" pitchFamily="2" charset="0"/>
+                <a:ea typeface="Helvetica Neue Light" panose="02000403000000020004" pitchFamily="2" charset="0"/>
+              </a:rPr>
+              <a:t>g1</a:t>
+            </a:r>
+            <a:endParaRPr lang="en-US" b="1" i="1" dirty="0">
+              <a:latin typeface="Helvetica Neue Light" panose="02000403000000020004" pitchFamily="2" charset="0"/>
+              <a:ea typeface="Helvetica Neue Light" panose="02000403000000020004" pitchFamily="2" charset="0"/>
+            </a:endParaRPr>
+          </a:p>
+        </p:txBody>
+      </p:sp>
+      <p:sp>
+        <p:nvSpPr>
+          <p:cNvPr id="11" name="TextBox 10">
+            <a:extLst>
+              <a:ext uri="{FF2B5EF4-FFF2-40B4-BE49-F238E27FC236}">
+                <a16:creationId xmlns:a16="http://schemas.microsoft.com/office/drawing/2014/main" id="{EC8F7A7B-835D-244A-AA13-7F50417EC4AE}"/>
+              </a:ext>
+            </a:extLst>
+          </p:cNvPr>
+          <p:cNvSpPr txBox="1"/>
+          <p:nvPr/>
+        </p:nvSpPr>
+        <p:spPr>
+          <a:xfrm>
+            <a:off x="1321588" y="2798649"/>
+            <a:ext cx="549545" cy="369332"/>
+          </a:xfrm>
+          <a:prstGeom prst="rect">
+            <a:avLst/>
+          </a:prstGeom>
+          <a:noFill/>
+        </p:spPr>
+        <p:txBody>
+          <a:bodyPr wrap="square" rtlCol="0">
+            <a:spAutoFit/>
+          </a:bodyPr>
+          <a:lstStyle/>
+          <a:p>
+            <a:r>
+              <a:rPr lang="en-US" b="1" dirty="0">
+                <a:latin typeface="Helvetica Neue Light" panose="02000403000000020004" pitchFamily="2" charset="0"/>
+                <a:ea typeface="Helvetica Neue Light" panose="02000403000000020004" pitchFamily="2" charset="0"/>
+              </a:rPr>
+              <a:t>g2</a:t>
+            </a:r>
+            <a:endParaRPr lang="en-US" b="1" i="1" dirty="0">
+              <a:latin typeface="Helvetica Neue Light" panose="02000403000000020004" pitchFamily="2" charset="0"/>
+              <a:ea typeface="Helvetica Neue Light" panose="02000403000000020004" pitchFamily="2" charset="0"/>
+            </a:endParaRPr>
+          </a:p>
+        </p:txBody>
+      </p:sp>
+      <p:sp>
+        <p:nvSpPr>
+          <p:cNvPr id="13" name="TextBox 12">
+            <a:extLst>
+              <a:ext uri="{FF2B5EF4-FFF2-40B4-BE49-F238E27FC236}">
+                <a16:creationId xmlns:a16="http://schemas.microsoft.com/office/drawing/2014/main" id="{B78046AB-FF0D-CA47-983A-C6950D3D06ED}"/>
+              </a:ext>
+            </a:extLst>
+          </p:cNvPr>
+          <p:cNvSpPr txBox="1"/>
+          <p:nvPr/>
+        </p:nvSpPr>
+        <p:spPr>
+          <a:xfrm>
+            <a:off x="1321588" y="3334303"/>
+            <a:ext cx="549545" cy="369332"/>
+          </a:xfrm>
+          <a:prstGeom prst="rect">
+            <a:avLst/>
+          </a:prstGeom>
+          <a:noFill/>
+        </p:spPr>
+        <p:txBody>
+          <a:bodyPr wrap="square" rtlCol="0">
+            <a:spAutoFit/>
+          </a:bodyPr>
+          <a:lstStyle/>
+          <a:p>
+            <a:r>
+              <a:rPr lang="en-US" b="1" dirty="0">
+                <a:latin typeface="Helvetica Neue Light" panose="02000403000000020004" pitchFamily="2" charset="0"/>
+                <a:ea typeface="Helvetica Neue Light" panose="02000403000000020004" pitchFamily="2" charset="0"/>
+              </a:rPr>
+              <a:t>g3</a:t>
+            </a:r>
+            <a:endParaRPr lang="en-US" b="1" i="1" dirty="0">
+              <a:latin typeface="Helvetica Neue Light" panose="02000403000000020004" pitchFamily="2" charset="0"/>
+              <a:ea typeface="Helvetica Neue Light" panose="02000403000000020004" pitchFamily="2" charset="0"/>
+            </a:endParaRPr>
+          </a:p>
+        </p:txBody>
+      </p:sp>
+      <p:sp>
+        <p:nvSpPr>
+          <p:cNvPr id="14" name="TextBox 13">
+            <a:extLst>
+              <a:ext uri="{FF2B5EF4-FFF2-40B4-BE49-F238E27FC236}">
+                <a16:creationId xmlns:a16="http://schemas.microsoft.com/office/drawing/2014/main" id="{C9581492-B1CC-9A4A-AEFC-64F199C1754C}"/>
+              </a:ext>
+            </a:extLst>
+          </p:cNvPr>
+          <p:cNvSpPr txBox="1"/>
+          <p:nvPr/>
+        </p:nvSpPr>
+        <p:spPr>
+          <a:xfrm>
+            <a:off x="1321588" y="3792018"/>
+            <a:ext cx="549545" cy="369332"/>
+          </a:xfrm>
+          <a:prstGeom prst="rect">
+            <a:avLst/>
+          </a:prstGeom>
+          <a:noFill/>
+        </p:spPr>
+        <p:txBody>
+          <a:bodyPr wrap="square" rtlCol="0">
+            <a:spAutoFit/>
+          </a:bodyPr>
+          <a:lstStyle/>
+          <a:p>
+            <a:r>
+              <a:rPr lang="en-US" b="1" dirty="0">
+                <a:latin typeface="Helvetica Neue Light" panose="02000403000000020004" pitchFamily="2" charset="0"/>
+                <a:ea typeface="Helvetica Neue Light" panose="02000403000000020004" pitchFamily="2" charset="0"/>
+              </a:rPr>
+              <a:t>g4</a:t>
+            </a:r>
+            <a:endParaRPr lang="en-US" b="1" i="1" dirty="0">
+              <a:latin typeface="Helvetica Neue Light" panose="02000403000000020004" pitchFamily="2" charset="0"/>
+              <a:ea typeface="Helvetica Neue Light" panose="02000403000000020004" pitchFamily="2" charset="0"/>
+            </a:endParaRPr>
+          </a:p>
+        </p:txBody>
+      </p:sp>
+      <p:sp>
+        <p:nvSpPr>
+          <p:cNvPr id="15" name="TextBox 14">
+            <a:extLst>
+              <a:ext uri="{FF2B5EF4-FFF2-40B4-BE49-F238E27FC236}">
+                <a16:creationId xmlns:a16="http://schemas.microsoft.com/office/drawing/2014/main" id="{E9201EEE-5EF5-CB44-9297-33A056E8F4AC}"/>
+              </a:ext>
+            </a:extLst>
+          </p:cNvPr>
+          <p:cNvSpPr txBox="1"/>
+          <p:nvPr/>
+        </p:nvSpPr>
+        <p:spPr>
+          <a:xfrm>
+            <a:off x="606060" y="4243169"/>
+            <a:ext cx="1360770" cy="369332"/>
+          </a:xfrm>
+          <a:prstGeom prst="rect">
+            <a:avLst/>
+          </a:prstGeom>
+          <a:noFill/>
+        </p:spPr>
+        <p:txBody>
+          <a:bodyPr wrap="square" rtlCol="0">
+            <a:spAutoFit/>
+          </a:bodyPr>
+          <a:lstStyle/>
+          <a:p>
+            <a:r>
+              <a:rPr lang="en-US" b="1" dirty="0">
+                <a:latin typeface="Helvetica Neue Light" panose="02000403000000020004" pitchFamily="2" charset="0"/>
+                <a:ea typeface="Helvetica Neue Light" panose="02000403000000020004" pitchFamily="2" charset="0"/>
+              </a:rPr>
+              <a:t>// g15000</a:t>
+            </a:r>
+            <a:endParaRPr lang="en-US" b="1" i="1" dirty="0">
+              <a:latin typeface="Helvetica Neue Light" panose="02000403000000020004" pitchFamily="2" charset="0"/>
+              <a:ea typeface="Helvetica Neue Light" panose="02000403000000020004" pitchFamily="2" charset="0"/>
+            </a:endParaRPr>
+          </a:p>
+        </p:txBody>
+      </p:sp>
+      <p:sp>
+        <p:nvSpPr>
+          <p:cNvPr id="16" name="TextBox 15">
+            <a:extLst>
+              <a:ext uri="{FF2B5EF4-FFF2-40B4-BE49-F238E27FC236}">
+                <a16:creationId xmlns:a16="http://schemas.microsoft.com/office/drawing/2014/main" id="{C5D4C6A3-0959-B14F-BBAD-F26244D06BE2}"/>
+              </a:ext>
+            </a:extLst>
+          </p:cNvPr>
+          <p:cNvSpPr txBox="1"/>
+          <p:nvPr/>
+        </p:nvSpPr>
+        <p:spPr>
+          <a:xfrm>
+            <a:off x="3373868" y="1506022"/>
+            <a:ext cx="1038643" cy="369332"/>
+          </a:xfrm>
+          <a:prstGeom prst="rect">
+            <a:avLst/>
+          </a:prstGeom>
+          <a:noFill/>
+        </p:spPr>
+        <p:txBody>
+          <a:bodyPr wrap="square" rtlCol="0">
+            <a:spAutoFit/>
+          </a:bodyPr>
+          <a:lstStyle/>
+          <a:p>
+            <a:pPr algn="ctr"/>
+            <a:r>
+              <a:rPr lang="en-US" b="1" dirty="0">
+                <a:latin typeface="Helvetica Neue Light" panose="02000403000000020004" pitchFamily="2" charset="0"/>
+                <a:ea typeface="Helvetica Neue Light" panose="02000403000000020004" pitchFamily="2" charset="0"/>
+              </a:rPr>
+              <a:t>Cells</a:t>
+            </a:r>
+            <a:endParaRPr lang="en-US" b="1" i="1" dirty="0">
+              <a:latin typeface="Helvetica Neue Light" panose="02000403000000020004" pitchFamily="2" charset="0"/>
+              <a:ea typeface="Helvetica Neue Light" panose="02000403000000020004" pitchFamily="2" charset="0"/>
+            </a:endParaRPr>
+          </a:p>
+        </p:txBody>
+      </p:sp>
+      <p:sp>
+        <p:nvSpPr>
+          <p:cNvPr id="17" name="TextBox 16">
+            <a:extLst>
+              <a:ext uri="{FF2B5EF4-FFF2-40B4-BE49-F238E27FC236}">
+                <a16:creationId xmlns:a16="http://schemas.microsoft.com/office/drawing/2014/main" id="{E8ECE362-1E82-694A-A22D-904C402D0157}"/>
+              </a:ext>
+            </a:extLst>
+          </p:cNvPr>
+          <p:cNvSpPr txBox="1"/>
+          <p:nvPr/>
+        </p:nvSpPr>
+        <p:spPr>
+          <a:xfrm>
+            <a:off x="282945" y="3245920"/>
+            <a:ext cx="1038643" cy="369332"/>
+          </a:xfrm>
+          <a:prstGeom prst="rect">
+            <a:avLst/>
+          </a:prstGeom>
+          <a:noFill/>
+        </p:spPr>
+        <p:txBody>
+          <a:bodyPr wrap="square" rtlCol="0">
+            <a:spAutoFit/>
+          </a:bodyPr>
+          <a:lstStyle/>
+          <a:p>
+            <a:pPr algn="ctr"/>
+            <a:r>
+              <a:rPr lang="en-US" b="1" dirty="0">
+                <a:latin typeface="Helvetica Neue Light" panose="02000403000000020004" pitchFamily="2" charset="0"/>
+                <a:ea typeface="Helvetica Neue Light" panose="02000403000000020004" pitchFamily="2" charset="0"/>
+              </a:rPr>
+              <a:t>Genes</a:t>
+            </a:r>
+            <a:endParaRPr lang="en-US" b="1" i="1" dirty="0">
+              <a:latin typeface="Helvetica Neue Light" panose="02000403000000020004" pitchFamily="2" charset="0"/>
+              <a:ea typeface="Helvetica Neue Light" panose="02000403000000020004" pitchFamily="2" charset="0"/>
+            </a:endParaRPr>
+          </a:p>
+        </p:txBody>
+      </p:sp>
+      <p:sp>
+        <p:nvSpPr>
+          <p:cNvPr id="18" name="Content Placeholder 7">
+            <a:extLst>
+              <a:ext uri="{FF2B5EF4-FFF2-40B4-BE49-F238E27FC236}">
+                <a16:creationId xmlns:a16="http://schemas.microsoft.com/office/drawing/2014/main" id="{C7CA693C-A5D3-8D4D-9485-D3049BF85E39}"/>
+              </a:ext>
+            </a:extLst>
+          </p:cNvPr>
+          <p:cNvSpPr>
+            <a:spLocks noGrp="1"/>
+          </p:cNvSpPr>
+          <p:nvPr>
+            <p:ph sz="half" idx="1"/>
+          </p:nvPr>
+        </p:nvSpPr>
+        <p:spPr>
+          <a:xfrm>
+            <a:off x="7523912" y="1825625"/>
+            <a:ext cx="3955074" cy="4351338"/>
+          </a:xfrm>
+        </p:spPr>
+        <p:txBody>
+          <a:bodyPr>
+            <a:normAutofit/>
+          </a:bodyPr>
+          <a:lstStyle/>
+          <a:p>
+            <a:r>
+              <a:rPr lang="en-US" dirty="0">
+                <a:latin typeface="Helvetica Neue Light" panose="02000403000000020004" pitchFamily="2" charset="0"/>
+                <a:ea typeface="Helvetica Neue Light" panose="02000403000000020004" pitchFamily="2" charset="0"/>
+              </a:rPr>
+              <a:t>Zero inflation == lots of zero entries in matrix</a:t>
+            </a:r>
+          </a:p>
+          <a:p>
+            <a:r>
+              <a:rPr lang="en-US" dirty="0">
+                <a:latin typeface="Helvetica Neue Light" panose="02000403000000020004" pitchFamily="2" charset="0"/>
+                <a:ea typeface="Helvetica Neue Light" panose="02000403000000020004" pitchFamily="2" charset="0"/>
+              </a:rPr>
+              <a:t>Computational challenges:</a:t>
+            </a:r>
+          </a:p>
+          <a:p>
+            <a:pPr lvl="1"/>
+            <a:r>
+              <a:rPr lang="en-US" dirty="0">
+                <a:latin typeface="Helvetica Neue Light" panose="02000403000000020004" pitchFamily="2" charset="0"/>
+                <a:ea typeface="Helvetica Neue Light" panose="02000403000000020004" pitchFamily="2" charset="0"/>
+              </a:rPr>
+              <a:t>Loading and storing huge matrices</a:t>
+            </a:r>
+          </a:p>
+          <a:p>
+            <a:pPr lvl="1"/>
+            <a:r>
+              <a:rPr lang="en-US" dirty="0">
+                <a:latin typeface="Helvetica Neue Light" panose="02000403000000020004" pitchFamily="2" charset="0"/>
+                <a:ea typeface="Helvetica Neue Light" panose="02000403000000020004" pitchFamily="2" charset="0"/>
+              </a:rPr>
+              <a:t>Statistical inference in the face of dropout</a:t>
+            </a:r>
+          </a:p>
+          <a:p>
+            <a:pPr lvl="1"/>
+            <a:r>
+              <a:rPr lang="en-US" dirty="0">
+                <a:latin typeface="Helvetica Neue Light" panose="02000403000000020004" pitchFamily="2" charset="0"/>
+                <a:ea typeface="Helvetica Neue Light" panose="02000403000000020004" pitchFamily="2" charset="0"/>
+              </a:rPr>
+              <a:t>When necessary, imputation</a:t>
+            </a:r>
           </a:p>
         </p:txBody>
       </p:sp>
     </p:spTree>
     <p:extLst>
       <p:ext uri="{BB962C8B-B14F-4D97-AF65-F5344CB8AC3E}">
-        <p14:creationId xmlns:p14="http://schemas.microsoft.com/office/powerpoint/2010/main" val="730699387"/>
+        <p14:creationId xmlns:p14="http://schemas.microsoft.com/office/powerpoint/2010/main" val="908999126"/>
       </p:ext>
     </p:extLst>
   </p:cSld>
@@ -9063,66 +9909,6 @@
           <a:chExt cx="0" cy="0"/>
         </a:xfrm>
       </p:grpSpPr>
-      <p:pic>
-        <p:nvPicPr>
-          <p:cNvPr id="3" name="Picture 2">
-            <a:extLst>
-              <a:ext uri="{FF2B5EF4-FFF2-40B4-BE49-F238E27FC236}">
-                <a16:creationId xmlns:a16="http://schemas.microsoft.com/office/drawing/2014/main" id="{F2205722-8364-3D4C-9C5B-3A03C378F9EE}"/>
-              </a:ext>
-            </a:extLst>
-          </p:cNvPr>
-          <p:cNvPicPr>
-            <a:picLocks noChangeAspect="1"/>
-          </p:cNvPicPr>
-          <p:nvPr/>
-        </p:nvPicPr>
-        <p:blipFill>
-          <a:blip r:embed="rId2"/>
-          <a:stretch>
-            <a:fillRect/>
-          </a:stretch>
-        </p:blipFill>
-        <p:spPr>
-          <a:xfrm>
-            <a:off x="6423337" y="1511300"/>
-            <a:ext cx="3122419" cy="2819400"/>
-          </a:xfrm>
-          <a:prstGeom prst="rect">
-            <a:avLst/>
-          </a:prstGeom>
-        </p:spPr>
-      </p:pic>
-      <p:pic>
-        <p:nvPicPr>
-          <p:cNvPr id="6" name="Picture 5">
-            <a:extLst>
-              <a:ext uri="{FF2B5EF4-FFF2-40B4-BE49-F238E27FC236}">
-                <a16:creationId xmlns:a16="http://schemas.microsoft.com/office/drawing/2014/main" id="{24CC4B0A-5B61-8D42-9A1F-5A57BC61A83C}"/>
-              </a:ext>
-            </a:extLst>
-          </p:cNvPr>
-          <p:cNvPicPr>
-            <a:picLocks noChangeAspect="1"/>
-          </p:cNvPicPr>
-          <p:nvPr/>
-        </p:nvPicPr>
-        <p:blipFill>
-          <a:blip r:embed="rId3"/>
-          <a:stretch>
-            <a:fillRect/>
-          </a:stretch>
-        </p:blipFill>
-        <p:spPr>
-          <a:xfrm>
-            <a:off x="9078812" y="4015322"/>
-            <a:ext cx="2818443" cy="2500232"/>
-          </a:xfrm>
-          <a:prstGeom prst="rect">
-            <a:avLst/>
-          </a:prstGeom>
-        </p:spPr>
-      </p:pic>
       <p:cxnSp>
         <p:nvCxnSpPr>
           <p:cNvPr id="5" name="Straight Connector 4">
@@ -9193,69 +9979,17 @@
           <a:p>
             <a:r>
               <a:rPr lang="en-US" dirty="0"/>
-              <a:t>The noise by expression level pattern explained</a:t>
+              <a:t>Study design and batch effects</a:t>
             </a:r>
           </a:p>
         </p:txBody>
       </p:sp>
       <p:sp>
         <p:nvSpPr>
-          <p:cNvPr id="20" name="TextBox 19">
-            <a:extLst>
-              <a:ext uri="{FF2B5EF4-FFF2-40B4-BE49-F238E27FC236}">
-                <a16:creationId xmlns:a16="http://schemas.microsoft.com/office/drawing/2014/main" id="{F6CB21D9-0D03-0E4F-B394-E4243B7D76D7}"/>
-              </a:ext>
-            </a:extLst>
-          </p:cNvPr>
-          <p:cNvSpPr txBox="1"/>
-          <p:nvPr/>
-        </p:nvSpPr>
-        <p:spPr>
-          <a:xfrm>
-            <a:off x="9438290" y="6412981"/>
-            <a:ext cx="2617075" cy="276999"/>
-          </a:xfrm>
-          <a:prstGeom prst="rect">
-            <a:avLst/>
-          </a:prstGeom>
-          <a:noFill/>
-        </p:spPr>
-        <p:txBody>
-          <a:bodyPr wrap="square" rtlCol="0">
-            <a:spAutoFit/>
-          </a:bodyPr>
-          <a:lstStyle/>
-          <a:p>
-            <a:r>
-              <a:rPr lang="en-US" sz="1200" dirty="0" err="1">
-                <a:latin typeface="Helvetica Neue Light" panose="02000403000000020004" pitchFamily="2" charset="0"/>
-                <a:ea typeface="Helvetica Neue Light" panose="02000403000000020004" pitchFamily="2" charset="0"/>
-              </a:rPr>
-              <a:t>Grun</a:t>
-            </a:r>
-            <a:r>
-              <a:rPr lang="en-US" sz="1200" dirty="0">
-                <a:latin typeface="Helvetica Neue Light" panose="02000403000000020004" pitchFamily="2" charset="0"/>
-                <a:ea typeface="Helvetica Neue Light" panose="02000403000000020004" pitchFamily="2" charset="0"/>
-              </a:rPr>
-              <a:t> et al. 2014 </a:t>
-            </a:r>
-            <a:r>
-              <a:rPr lang="en-US" sz="1200" i="1" dirty="0">
-                <a:latin typeface="Helvetica Neue Light" panose="02000403000000020004" pitchFamily="2" charset="0"/>
-                <a:ea typeface="Helvetica Neue Light" panose="02000403000000020004" pitchFamily="2" charset="0"/>
-              </a:rPr>
-              <a:t>Nat. Methods</a:t>
-            </a:r>
-          </a:p>
-        </p:txBody>
-      </p:sp>
-      <p:sp>
-        <p:nvSpPr>
-          <p:cNvPr id="21" name="Content Placeholder 7">
-            <a:extLst>
-              <a:ext uri="{FF2B5EF4-FFF2-40B4-BE49-F238E27FC236}">
-                <a16:creationId xmlns:a16="http://schemas.microsoft.com/office/drawing/2014/main" id="{D8BA6C37-1876-1645-B271-B01F98775534}"/>
+          <p:cNvPr id="25" name="Content Placeholder 7">
+            <a:extLst>
+              <a:ext uri="{FF2B5EF4-FFF2-40B4-BE49-F238E27FC236}">
+                <a16:creationId xmlns:a16="http://schemas.microsoft.com/office/drawing/2014/main" id="{BBAD2B8B-03F9-C446-9B8D-E3F938545509}"/>
               </a:ext>
             </a:extLst>
           </p:cNvPr>
@@ -9268,38 +10002,32 @@
         </p:nvSpPr>
         <p:spPr>
           <a:xfrm>
-            <a:off x="482600" y="1827747"/>
-            <a:ext cx="6159500" cy="4448175"/>
+            <a:off x="482599" y="1827747"/>
+            <a:ext cx="10244667" cy="4448175"/>
           </a:xfrm>
         </p:spPr>
         <p:txBody>
           <a:bodyPr>
-            <a:normAutofit lnSpcReduction="10000"/>
+            <a:normAutofit/>
           </a:bodyPr>
           <a:lstStyle/>
           <a:p>
             <a:r>
-              <a:rPr lang="en-US" dirty="0" err="1">
-                <a:latin typeface="Helvetica Neue Light" panose="02000403000000020004" pitchFamily="2" charset="0"/>
-                <a:ea typeface="Helvetica Neue Light" panose="02000403000000020004" pitchFamily="2" charset="0"/>
-              </a:rPr>
-              <a:t>Grun</a:t>
-            </a:r>
-            <a:r>
               <a:rPr lang="en-US" dirty="0">
                 <a:latin typeface="Helvetica Neue Light" panose="02000403000000020004" pitchFamily="2" charset="0"/>
                 <a:ea typeface="Helvetica Neue Light" panose="02000403000000020004" pitchFamily="2" charset="0"/>
               </a:rPr>
-              <a:t> et al. fit statistical models to variation in endogenous genes and spike-ins</a:t>
-            </a:r>
-          </a:p>
-          <a:p>
+              <a:t>Rare or impossible that all cell pools derived from conditions of interest are prepared for sequencing simultaneously</a:t>
+            </a:r>
+          </a:p>
+          <a:p>
+            <a:pPr lvl="1"/>
             <a:r>
               <a:rPr lang="en-US" dirty="0">
                 <a:latin typeface="Helvetica Neue Light" panose="02000403000000020004" pitchFamily="2" charset="0"/>
                 <a:ea typeface="Helvetica Neue Light" panose="02000403000000020004" pitchFamily="2" charset="0"/>
               </a:rPr>
-              <a:t>Noise at lower expression levels consistent with Poisson sampling </a:t>
+              <a:t>Cell pool libraries may vary due to technical factors</a:t>
             </a:r>
           </a:p>
           <a:p>
@@ -9308,7 +10036,7 @@
                 <a:latin typeface="Helvetica Neue Light" panose="02000403000000020004" pitchFamily="2" charset="0"/>
                 <a:ea typeface="Helvetica Neue Light" panose="02000403000000020004" pitchFamily="2" charset="0"/>
               </a:rPr>
-              <a:t>Variation plateaus at higher expression levels</a:t>
+              <a:t>Batch effects occur when</a:t>
             </a:r>
           </a:p>
           <a:p>
@@ -9318,32 +10046,50 @@
                 <a:latin typeface="Helvetica Neue Light" panose="02000403000000020004" pitchFamily="2" charset="0"/>
                 <a:ea typeface="Helvetica Neue Light" panose="02000403000000020004" pitchFamily="2" charset="0"/>
               </a:rPr>
-              <a:t>Estimates of sequencing efficiency (</a:t>
-            </a:r>
+              <a:t>Some % of expression variation across libraries due to technical factors</a:t>
+            </a:r>
+          </a:p>
+          <a:p>
+            <a:pPr lvl="2"/>
             <a:r>
               <a:rPr lang="en-US" dirty="0">
-                <a:latin typeface="Symbol" pitchFamily="2" charset="2"/>
-                <a:ea typeface="Helvetica Neue Light" panose="02000403000000020004" pitchFamily="2" charset="0"/>
-              </a:rPr>
-              <a:t>b</a:t>
-            </a:r>
+                <a:latin typeface="Helvetica Neue Light" panose="02000403000000020004" pitchFamily="2" charset="0"/>
+                <a:ea typeface="Helvetica Neue Light" panose="02000403000000020004" pitchFamily="2" charset="0"/>
+              </a:rPr>
+              <a:t>E.g. Pipetting differences, amplification bias, sequencing depth</a:t>
+            </a:r>
+          </a:p>
+          <a:p>
             <a:r>
               <a:rPr lang="en-US" dirty="0">
                 <a:latin typeface="Helvetica Neue Light" panose="02000403000000020004" pitchFamily="2" charset="0"/>
                 <a:ea typeface="Helvetica Neue Light" panose="02000403000000020004" pitchFamily="2" charset="0"/>
               </a:rPr>
-              <a:t>) capture this pattern</a:t>
-            </a:r>
+              <a:t>In the worst case scenario, batch and biological condition are completely confounded</a:t>
+            </a:r>
+          </a:p>
+          <a:p>
+            <a:pPr marL="457200" lvl="1" indent="0">
+              <a:buNone/>
+            </a:pPr>
+            <a:endParaRPr lang="en-US" dirty="0">
+              <a:latin typeface="Helvetica Neue Light" panose="02000403000000020004" pitchFamily="2" charset="0"/>
+              <a:ea typeface="Helvetica Neue Light" panose="02000403000000020004" pitchFamily="2" charset="0"/>
+            </a:endParaRPr>
           </a:p>
           <a:p>
             <a:pPr lvl="1"/>
-            <a:r>
-              <a:rPr lang="en-US" dirty="0">
-                <a:latin typeface="Helvetica Neue Light" panose="02000403000000020004" pitchFamily="2" charset="0"/>
-                <a:ea typeface="Helvetica Neue Light" panose="02000403000000020004" pitchFamily="2" charset="0"/>
-              </a:rPr>
-              <a:t>Caused by global tube-to-tube sampling efficiency</a:t>
-            </a:r>
+            <a:endParaRPr lang="en-US" dirty="0">
+              <a:latin typeface="Helvetica Neue Light" panose="02000403000000020004" pitchFamily="2" charset="0"/>
+              <a:ea typeface="Helvetica Neue Light" panose="02000403000000020004" pitchFamily="2" charset="0"/>
+            </a:endParaRPr>
+          </a:p>
+          <a:p>
+            <a:pPr lvl="1"/>
+            <a:endParaRPr lang="en-US" dirty="0">
+              <a:latin typeface="Helvetica Neue Light" panose="02000403000000020004" pitchFamily="2" charset="0"/>
+              <a:ea typeface="Helvetica Neue Light" panose="02000403000000020004" pitchFamily="2" charset="0"/>
+            </a:endParaRPr>
           </a:p>
           <a:p>
             <a:endParaRPr lang="en-US" dirty="0">
@@ -9362,94 +10108,10 @@
           </a:p>
         </p:txBody>
       </p:sp>
-      <p:cxnSp>
-        <p:nvCxnSpPr>
-          <p:cNvPr id="8" name="Straight Arrow Connector 7">
-            <a:extLst>
-              <a:ext uri="{FF2B5EF4-FFF2-40B4-BE49-F238E27FC236}">
-                <a16:creationId xmlns:a16="http://schemas.microsoft.com/office/drawing/2014/main" id="{7EE019AE-021F-7148-9F55-94CB9BC76210}"/>
-              </a:ext>
-            </a:extLst>
-          </p:cNvPr>
-          <p:cNvCxnSpPr/>
-          <p:nvPr/>
-        </p:nvCxnSpPr>
-        <p:spPr>
-          <a:xfrm flipH="1">
-            <a:off x="8649547" y="3285067"/>
-            <a:ext cx="1090506" cy="379306"/>
-          </a:xfrm>
-          <a:prstGeom prst="straightConnector1">
-            <a:avLst/>
-          </a:prstGeom>
-          <a:ln w="12700">
-            <a:solidFill>
-              <a:schemeClr val="tx1"/>
-            </a:solidFill>
-            <a:tailEnd type="triangle"/>
-          </a:ln>
-        </p:spPr>
-        <p:style>
-          <a:lnRef idx="1">
-            <a:schemeClr val="accent1"/>
-          </a:lnRef>
-          <a:fillRef idx="0">
-            <a:schemeClr val="accent1"/>
-          </a:fillRef>
-          <a:effectRef idx="0">
-            <a:schemeClr val="accent1"/>
-          </a:effectRef>
-          <a:fontRef idx="minor">
-            <a:schemeClr val="tx1"/>
-          </a:fontRef>
-        </p:style>
-      </p:cxnSp>
-      <p:sp>
-        <p:nvSpPr>
-          <p:cNvPr id="17" name="TextBox 16">
-            <a:extLst>
-              <a:ext uri="{FF2B5EF4-FFF2-40B4-BE49-F238E27FC236}">
-                <a16:creationId xmlns:a16="http://schemas.microsoft.com/office/drawing/2014/main" id="{CABE0B8C-319E-F84F-B47F-93514CBEF154}"/>
-              </a:ext>
-            </a:extLst>
-          </p:cNvPr>
-          <p:cNvSpPr txBox="1"/>
-          <p:nvPr/>
-        </p:nvSpPr>
-        <p:spPr>
-          <a:xfrm>
-            <a:off x="9316603" y="2921000"/>
-            <a:ext cx="2342859" cy="400110"/>
-          </a:xfrm>
-          <a:prstGeom prst="rect">
-            <a:avLst/>
-          </a:prstGeom>
-          <a:noFill/>
-        </p:spPr>
-        <p:txBody>
-          <a:bodyPr wrap="square" rtlCol="0">
-            <a:spAutoFit/>
-          </a:bodyPr>
-          <a:lstStyle/>
-          <a:p>
-            <a:r>
-              <a:rPr lang="en-US" sz="2000" dirty="0">
-                <a:latin typeface="Helvetica Neue Light" panose="02000403000000020004" pitchFamily="2" charset="0"/>
-                <a:ea typeface="Helvetica Neue Light" panose="02000403000000020004" pitchFamily="2" charset="0"/>
-              </a:rPr>
-              <a:t>Poisson prediction</a:t>
-            </a:r>
-            <a:endParaRPr lang="en-US" sz="2000" i="1" dirty="0">
-              <a:latin typeface="Helvetica Neue Light" panose="02000403000000020004" pitchFamily="2" charset="0"/>
-              <a:ea typeface="Helvetica Neue Light" panose="02000403000000020004" pitchFamily="2" charset="0"/>
-            </a:endParaRPr>
-          </a:p>
-        </p:txBody>
-      </p:sp>
     </p:spTree>
     <p:extLst>
       <p:ext uri="{BB962C8B-B14F-4D97-AF65-F5344CB8AC3E}">
-        <p14:creationId xmlns:p14="http://schemas.microsoft.com/office/powerpoint/2010/main" val="2067430766"/>
+        <p14:creationId xmlns:p14="http://schemas.microsoft.com/office/powerpoint/2010/main" val="405681923"/>
       </p:ext>
     </p:extLst>
   </p:cSld>
@@ -9476,36 +10138,6 @@
           <a:chExt cx="0" cy="0"/>
         </a:xfrm>
       </p:grpSpPr>
-      <p:pic>
-        <p:nvPicPr>
-          <p:cNvPr id="3" name="Picture 2">
-            <a:extLst>
-              <a:ext uri="{FF2B5EF4-FFF2-40B4-BE49-F238E27FC236}">
-                <a16:creationId xmlns:a16="http://schemas.microsoft.com/office/drawing/2014/main" id="{F2205722-8364-3D4C-9C5B-3A03C378F9EE}"/>
-              </a:ext>
-            </a:extLst>
-          </p:cNvPr>
-          <p:cNvPicPr>
-            <a:picLocks noChangeAspect="1"/>
-          </p:cNvPicPr>
-          <p:nvPr/>
-        </p:nvPicPr>
-        <p:blipFill>
-          <a:blip r:embed="rId2"/>
-          <a:stretch>
-            <a:fillRect/>
-          </a:stretch>
-        </p:blipFill>
-        <p:spPr>
-          <a:xfrm>
-            <a:off x="420102" y="1876215"/>
-            <a:ext cx="5229828" cy="4722293"/>
-          </a:xfrm>
-          <a:prstGeom prst="rect">
-            <a:avLst/>
-          </a:prstGeom>
-        </p:spPr>
-      </p:pic>
       <p:cxnSp>
         <p:nvCxnSpPr>
           <p:cNvPr id="5" name="Straight Connector 4">
@@ -9576,17 +10208,47 @@
           <a:p>
             <a:r>
               <a:rPr lang="en-US" dirty="0"/>
-              <a:t>General over-dispersion consistent with bulk</a:t>
+              <a:t>Batch effects: good vs. bad design</a:t>
             </a:r>
           </a:p>
         </p:txBody>
       </p:sp>
+      <p:pic>
+        <p:nvPicPr>
+          <p:cNvPr id="6" name="Picture 5">
+            <a:extLst>
+              <a:ext uri="{FF2B5EF4-FFF2-40B4-BE49-F238E27FC236}">
+                <a16:creationId xmlns:a16="http://schemas.microsoft.com/office/drawing/2014/main" id="{39ADC853-8061-654A-86D6-CEBD309CAF32}"/>
+              </a:ext>
+            </a:extLst>
+          </p:cNvPr>
+          <p:cNvPicPr>
+            <a:picLocks noChangeAspect="1"/>
+          </p:cNvPicPr>
+          <p:nvPr/>
+        </p:nvPicPr>
+        <p:blipFill>
+          <a:blip r:embed="rId2"/>
+          <a:stretch>
+            <a:fillRect/>
+          </a:stretch>
+        </p:blipFill>
+        <p:spPr>
+          <a:xfrm>
+            <a:off x="2267245" y="1690688"/>
+            <a:ext cx="6802327" cy="4582809"/>
+          </a:xfrm>
+          <a:prstGeom prst="rect">
+            <a:avLst/>
+          </a:prstGeom>
+        </p:spPr>
+      </p:pic>
       <p:sp>
         <p:nvSpPr>
-          <p:cNvPr id="20" name="TextBox 19">
-            <a:extLst>
-              <a:ext uri="{FF2B5EF4-FFF2-40B4-BE49-F238E27FC236}">
-                <a16:creationId xmlns:a16="http://schemas.microsoft.com/office/drawing/2014/main" id="{F6CB21D9-0D03-0E4F-B394-E4243B7D76D7}"/>
+          <p:cNvPr id="9" name="TextBox 8">
+            <a:extLst>
+              <a:ext uri="{FF2B5EF4-FFF2-40B4-BE49-F238E27FC236}">
+                <a16:creationId xmlns:a16="http://schemas.microsoft.com/office/drawing/2014/main" id="{731B44A0-008D-0D4D-84E7-BB0371296C43}"/>
               </a:ext>
             </a:extLst>
           </p:cNvPr>
@@ -9595,7 +10257,7 @@
         </p:nvSpPr>
         <p:spPr>
           <a:xfrm>
-            <a:off x="4242563" y="6339405"/>
+            <a:off x="8165977" y="6408046"/>
             <a:ext cx="2617075" cy="276999"/>
           </a:xfrm>
           <a:prstGeom prst="rect">
@@ -9610,392 +10272,20 @@
           <a:lstStyle/>
           <a:p>
             <a:r>
-              <a:rPr lang="en-US" sz="1200" dirty="0" err="1">
-                <a:latin typeface="Helvetica Neue Light" panose="02000403000000020004" pitchFamily="2" charset="0"/>
-                <a:ea typeface="Helvetica Neue Light" panose="02000403000000020004" pitchFamily="2" charset="0"/>
-              </a:rPr>
-              <a:t>Grun</a:t>
-            </a:r>
-            <a:r>
               <a:rPr lang="en-US" sz="1200" dirty="0">
                 <a:latin typeface="Helvetica Neue Light" panose="02000403000000020004" pitchFamily="2" charset="0"/>
                 <a:ea typeface="Helvetica Neue Light" panose="02000403000000020004" pitchFamily="2" charset="0"/>
               </a:rPr>
-              <a:t> et al. 2014 </a:t>
-            </a:r>
-            <a:r>
-              <a:rPr lang="en-US" sz="1200" i="1" dirty="0">
-                <a:latin typeface="Helvetica Neue Light" panose="02000403000000020004" pitchFamily="2" charset="0"/>
-                <a:ea typeface="Helvetica Neue Light" panose="02000403000000020004" pitchFamily="2" charset="0"/>
-              </a:rPr>
-              <a:t>Nat. Methods</a:t>
-            </a:r>
-          </a:p>
-        </p:txBody>
-      </p:sp>
-      <p:cxnSp>
-        <p:nvCxnSpPr>
-          <p:cNvPr id="8" name="Straight Arrow Connector 7">
-            <a:extLst>
-              <a:ext uri="{FF2B5EF4-FFF2-40B4-BE49-F238E27FC236}">
-                <a16:creationId xmlns:a16="http://schemas.microsoft.com/office/drawing/2014/main" id="{7EE019AE-021F-7148-9F55-94CB9BC76210}"/>
-              </a:ext>
-            </a:extLst>
-          </p:cNvPr>
-          <p:cNvCxnSpPr>
-            <a:cxnSpLocks/>
-          </p:cNvCxnSpPr>
-          <p:nvPr/>
-        </p:nvCxnSpPr>
-        <p:spPr>
-          <a:xfrm flipH="1">
-            <a:off x="3981245" y="4609920"/>
-            <a:ext cx="1183965" cy="683422"/>
-          </a:xfrm>
-          <a:prstGeom prst="straightConnector1">
-            <a:avLst/>
-          </a:prstGeom>
-          <a:ln w="12700">
-            <a:solidFill>
-              <a:schemeClr val="tx1"/>
-            </a:solidFill>
-            <a:tailEnd type="triangle"/>
-          </a:ln>
-        </p:spPr>
-        <p:style>
-          <a:lnRef idx="1">
-            <a:schemeClr val="accent1"/>
-          </a:lnRef>
-          <a:fillRef idx="0">
-            <a:schemeClr val="accent1"/>
-          </a:fillRef>
-          <a:effectRef idx="0">
-            <a:schemeClr val="accent1"/>
-          </a:effectRef>
-          <a:fontRef idx="minor">
-            <a:schemeClr val="tx1"/>
-          </a:fontRef>
-        </p:style>
-      </p:cxnSp>
-      <p:sp>
-        <p:nvSpPr>
-          <p:cNvPr id="17" name="TextBox 16">
-            <a:extLst>
-              <a:ext uri="{FF2B5EF4-FFF2-40B4-BE49-F238E27FC236}">
-                <a16:creationId xmlns:a16="http://schemas.microsoft.com/office/drawing/2014/main" id="{CABE0B8C-319E-F84F-B47F-93514CBEF154}"/>
-              </a:ext>
-            </a:extLst>
-          </p:cNvPr>
-          <p:cNvSpPr txBox="1"/>
-          <p:nvPr/>
-        </p:nvSpPr>
-        <p:spPr>
-          <a:xfrm>
-            <a:off x="4573227" y="4245339"/>
-            <a:ext cx="2342859" cy="400110"/>
-          </a:xfrm>
-          <a:prstGeom prst="rect">
-            <a:avLst/>
-          </a:prstGeom>
-          <a:noFill/>
-        </p:spPr>
-        <p:txBody>
-          <a:bodyPr wrap="square" rtlCol="0">
-            <a:spAutoFit/>
-          </a:bodyPr>
-          <a:lstStyle/>
-          <a:p>
-            <a:r>
-              <a:rPr lang="en-US" sz="2000" dirty="0">
-                <a:latin typeface="Helvetica Neue Light" panose="02000403000000020004" pitchFamily="2" charset="0"/>
-                <a:ea typeface="Helvetica Neue Light" panose="02000403000000020004" pitchFamily="2" charset="0"/>
-              </a:rPr>
-              <a:t>Poisson prediction</a:t>
-            </a:r>
-            <a:endParaRPr lang="en-US" sz="2000" i="1" dirty="0">
-              <a:latin typeface="Helvetica Neue Light" panose="02000403000000020004" pitchFamily="2" charset="0"/>
-              <a:ea typeface="Helvetica Neue Light" panose="02000403000000020004" pitchFamily="2" charset="0"/>
-            </a:endParaRPr>
-          </a:p>
-        </p:txBody>
-      </p:sp>
-      <p:pic>
-        <p:nvPicPr>
-          <p:cNvPr id="15" name="Picture 14">
-            <a:extLst>
-              <a:ext uri="{FF2B5EF4-FFF2-40B4-BE49-F238E27FC236}">
-                <a16:creationId xmlns:a16="http://schemas.microsoft.com/office/drawing/2014/main" id="{E429ED5A-DA46-D941-8B7D-A840B3D6878E}"/>
-              </a:ext>
-            </a:extLst>
-          </p:cNvPr>
-          <p:cNvPicPr>
-            <a:picLocks noChangeAspect="1"/>
-          </p:cNvPicPr>
-          <p:nvPr/>
-        </p:nvPicPr>
-        <p:blipFill rotWithShape="1">
-          <a:blip r:embed="rId3"/>
-          <a:srcRect l="4043" t="1668" r="6160" b="1558"/>
-          <a:stretch/>
-        </p:blipFill>
-        <p:spPr>
-          <a:xfrm>
-            <a:off x="7063348" y="2353831"/>
-            <a:ext cx="4151438" cy="3891972"/>
-          </a:xfrm>
-          <a:prstGeom prst="rect">
-            <a:avLst/>
-          </a:prstGeom>
-        </p:spPr>
-      </p:pic>
-      <p:sp>
-        <p:nvSpPr>
-          <p:cNvPr id="16" name="TextBox 15">
-            <a:extLst>
-              <a:ext uri="{FF2B5EF4-FFF2-40B4-BE49-F238E27FC236}">
-                <a16:creationId xmlns:a16="http://schemas.microsoft.com/office/drawing/2014/main" id="{F857B55F-8F40-5944-A552-97B87F2DA72A}"/>
-              </a:ext>
-            </a:extLst>
-          </p:cNvPr>
-          <p:cNvSpPr txBox="1"/>
-          <p:nvPr/>
-        </p:nvSpPr>
-        <p:spPr>
-          <a:xfrm>
-            <a:off x="8441297" y="5762222"/>
-            <a:ext cx="1873176" cy="525261"/>
-          </a:xfrm>
-          <a:prstGeom prst="rect">
-            <a:avLst/>
-          </a:prstGeom>
-          <a:solidFill>
-            <a:schemeClr val="bg1"/>
-          </a:solidFill>
-        </p:spPr>
-        <p:txBody>
-          <a:bodyPr wrap="square" rtlCol="0">
-            <a:spAutoFit/>
-          </a:bodyPr>
-          <a:lstStyle/>
-          <a:p>
-            <a:pPr algn="ctr"/>
-            <a:r>
-              <a:rPr lang="en-US" sz="2000" dirty="0">
-                <a:latin typeface="Helvetica Neue Light" panose="02000403000000020004" pitchFamily="2" charset="0"/>
-                <a:ea typeface="Helvetica Neue Light" panose="02000403000000020004" pitchFamily="2" charset="0"/>
-              </a:rPr>
-              <a:t>log(mean)</a:t>
-            </a:r>
-          </a:p>
-        </p:txBody>
-      </p:sp>
-      <p:sp>
-        <p:nvSpPr>
-          <p:cNvPr id="18" name="TextBox 17">
-            <a:extLst>
-              <a:ext uri="{FF2B5EF4-FFF2-40B4-BE49-F238E27FC236}">
-                <a16:creationId xmlns:a16="http://schemas.microsoft.com/office/drawing/2014/main" id="{6E4332A7-0208-8A43-81FA-29BB0FBF1821}"/>
-              </a:ext>
-            </a:extLst>
-          </p:cNvPr>
-          <p:cNvSpPr txBox="1"/>
-          <p:nvPr/>
-        </p:nvSpPr>
-        <p:spPr>
-          <a:xfrm rot="16200000">
-            <a:off x="6098814" y="3810075"/>
-            <a:ext cx="2220915" cy="525261"/>
-          </a:xfrm>
-          <a:prstGeom prst="rect">
-            <a:avLst/>
-          </a:prstGeom>
-          <a:solidFill>
-            <a:schemeClr val="bg1"/>
-          </a:solidFill>
-        </p:spPr>
-        <p:txBody>
-          <a:bodyPr wrap="square" rtlCol="0">
-            <a:spAutoFit/>
-          </a:bodyPr>
-          <a:lstStyle/>
-          <a:p>
-            <a:pPr algn="ctr"/>
-            <a:r>
-              <a:rPr lang="en-US" sz="2000" dirty="0">
-                <a:latin typeface="Helvetica Neue Light" panose="02000403000000020004" pitchFamily="2" charset="0"/>
-                <a:ea typeface="Helvetica Neue Light" panose="02000403000000020004" pitchFamily="2" charset="0"/>
-              </a:rPr>
-              <a:t>log(variance)</a:t>
-            </a:r>
-          </a:p>
-        </p:txBody>
-      </p:sp>
-      <p:sp>
-        <p:nvSpPr>
-          <p:cNvPr id="19" name="TextBox 18">
-            <a:extLst>
-              <a:ext uri="{FF2B5EF4-FFF2-40B4-BE49-F238E27FC236}">
-                <a16:creationId xmlns:a16="http://schemas.microsoft.com/office/drawing/2014/main" id="{ED5B11F2-C587-214F-B274-2F57BFA5D250}"/>
-              </a:ext>
-            </a:extLst>
-          </p:cNvPr>
-          <p:cNvSpPr txBox="1"/>
-          <p:nvPr/>
-        </p:nvSpPr>
-        <p:spPr>
-          <a:xfrm>
-            <a:off x="10314474" y="6062406"/>
-            <a:ext cx="1449411" cy="276999"/>
-          </a:xfrm>
-          <a:prstGeom prst="rect">
-            <a:avLst/>
-          </a:prstGeom>
-          <a:solidFill>
-            <a:schemeClr val="bg1"/>
-          </a:solidFill>
-        </p:spPr>
-        <p:txBody>
-          <a:bodyPr wrap="square" rtlCol="0">
-            <a:spAutoFit/>
-          </a:bodyPr>
-          <a:lstStyle/>
-          <a:p>
-            <a:r>
-              <a:rPr lang="en-US" sz="1200" dirty="0" err="1">
-                <a:latin typeface="Helvetica Neue Light" panose="02000403000000020004" pitchFamily="2" charset="0"/>
-                <a:ea typeface="Helvetica Neue Light" panose="02000403000000020004" pitchFamily="2" charset="0"/>
-              </a:rPr>
-              <a:t>Risso</a:t>
-            </a:r>
-            <a:r>
-              <a:rPr lang="en-US" sz="1200" dirty="0">
-                <a:latin typeface="Helvetica Neue Light" panose="02000403000000020004" pitchFamily="2" charset="0"/>
-                <a:ea typeface="Helvetica Neue Light" panose="02000403000000020004" pitchFamily="2" charset="0"/>
-              </a:rPr>
-              <a:t> et al. 2011</a:t>
-            </a:r>
-          </a:p>
-        </p:txBody>
-      </p:sp>
-      <p:sp>
-        <p:nvSpPr>
-          <p:cNvPr id="22" name="TextBox 21">
-            <a:extLst>
-              <a:ext uri="{FF2B5EF4-FFF2-40B4-BE49-F238E27FC236}">
-                <a16:creationId xmlns:a16="http://schemas.microsoft.com/office/drawing/2014/main" id="{48650DDA-A8DD-6F44-B023-5274A70D3BE6}"/>
-              </a:ext>
-            </a:extLst>
-          </p:cNvPr>
-          <p:cNvSpPr txBox="1"/>
-          <p:nvPr/>
-        </p:nvSpPr>
-        <p:spPr>
-          <a:xfrm rot="19986232">
-            <a:off x="9118729" y="4519452"/>
-            <a:ext cx="1873176" cy="484856"/>
-          </a:xfrm>
-          <a:prstGeom prst="rect">
-            <a:avLst/>
-          </a:prstGeom>
-          <a:noFill/>
-        </p:spPr>
-        <p:txBody>
-          <a:bodyPr wrap="square" rtlCol="0">
-            <a:spAutoFit/>
-          </a:bodyPr>
-          <a:lstStyle/>
-          <a:p>
-            <a:pPr algn="ctr"/>
-            <a:r>
-              <a:rPr lang="en-US" dirty="0">
-                <a:latin typeface="Helvetica Neue Light" panose="02000403000000020004" pitchFamily="2" charset="0"/>
-                <a:ea typeface="Helvetica Neue Light" panose="02000403000000020004" pitchFamily="2" charset="0"/>
-              </a:rPr>
-              <a:t>Poisson</a:t>
-            </a:r>
-          </a:p>
-        </p:txBody>
-      </p:sp>
-      <p:sp>
-        <p:nvSpPr>
-          <p:cNvPr id="23" name="TextBox 22">
-            <a:extLst>
-              <a:ext uri="{FF2B5EF4-FFF2-40B4-BE49-F238E27FC236}">
-                <a16:creationId xmlns:a16="http://schemas.microsoft.com/office/drawing/2014/main" id="{94F65A5E-0089-AC40-AF1D-C821023349B1}"/>
-              </a:ext>
-            </a:extLst>
-          </p:cNvPr>
-          <p:cNvSpPr txBox="1"/>
-          <p:nvPr/>
-        </p:nvSpPr>
-        <p:spPr>
-          <a:xfrm>
-            <a:off x="2202603" y="1513997"/>
-            <a:ext cx="2617075" cy="461665"/>
-          </a:xfrm>
-          <a:prstGeom prst="rect">
-            <a:avLst/>
-          </a:prstGeom>
-          <a:noFill/>
-        </p:spPr>
-        <p:txBody>
-          <a:bodyPr wrap="square" rtlCol="0">
-            <a:spAutoFit/>
-          </a:bodyPr>
-          <a:lstStyle/>
-          <a:p>
-            <a:pPr algn="ctr"/>
-            <a:r>
-              <a:rPr lang="en-US" sz="2400" dirty="0" err="1">
-                <a:latin typeface="Helvetica Neue Light" panose="02000403000000020004" pitchFamily="2" charset="0"/>
-                <a:ea typeface="Helvetica Neue Light" panose="02000403000000020004" pitchFamily="2" charset="0"/>
-              </a:rPr>
-              <a:t>scRNA-seq</a:t>
-            </a:r>
-            <a:endParaRPr lang="en-US" sz="2400" i="1" dirty="0">
-              <a:latin typeface="Helvetica Neue Light" panose="02000403000000020004" pitchFamily="2" charset="0"/>
-              <a:ea typeface="Helvetica Neue Light" panose="02000403000000020004" pitchFamily="2" charset="0"/>
-            </a:endParaRPr>
-          </a:p>
-        </p:txBody>
-      </p:sp>
-      <p:sp>
-        <p:nvSpPr>
-          <p:cNvPr id="24" name="TextBox 23">
-            <a:extLst>
-              <a:ext uri="{FF2B5EF4-FFF2-40B4-BE49-F238E27FC236}">
-                <a16:creationId xmlns:a16="http://schemas.microsoft.com/office/drawing/2014/main" id="{55CACA19-D0A5-AE44-B6A5-F492D597E4EA}"/>
-              </a:ext>
-            </a:extLst>
-          </p:cNvPr>
-          <p:cNvSpPr txBox="1"/>
-          <p:nvPr/>
-        </p:nvSpPr>
-        <p:spPr>
-          <a:xfrm>
-            <a:off x="8069347" y="1513997"/>
-            <a:ext cx="2617075" cy="461665"/>
-          </a:xfrm>
-          <a:prstGeom prst="rect">
-            <a:avLst/>
-          </a:prstGeom>
-          <a:noFill/>
-        </p:spPr>
-        <p:txBody>
-          <a:bodyPr wrap="square" rtlCol="0">
-            <a:spAutoFit/>
-          </a:bodyPr>
-          <a:lstStyle/>
-          <a:p>
-            <a:pPr algn="ctr"/>
-            <a:r>
-              <a:rPr lang="en-US" sz="2400" dirty="0">
-                <a:latin typeface="Helvetica Neue Light" panose="02000403000000020004" pitchFamily="2" charset="0"/>
-                <a:ea typeface="Helvetica Neue Light" panose="02000403000000020004" pitchFamily="2" charset="0"/>
-              </a:rPr>
-              <a:t>Bulk</a:t>
-            </a:r>
-            <a:endParaRPr lang="en-US" sz="2400" i="1" dirty="0">
+              <a:t>Hicks et al. 2015 </a:t>
+            </a:r>
+            <a:r>
+              <a:rPr lang="en-US" sz="1200" i="1" dirty="0" err="1">
+                <a:latin typeface="Helvetica Neue Light" panose="02000403000000020004" pitchFamily="2" charset="0"/>
+                <a:ea typeface="Helvetica Neue Light" panose="02000403000000020004" pitchFamily="2" charset="0"/>
+              </a:rPr>
+              <a:t>BioRxiv</a:t>
+            </a:r>
+            <a:endParaRPr lang="en-US" sz="1200" i="1" dirty="0">
               <a:latin typeface="Helvetica Neue Light" panose="02000403000000020004" pitchFamily="2" charset="0"/>
               <a:ea typeface="Helvetica Neue Light" panose="02000403000000020004" pitchFamily="2" charset="0"/>
             </a:endParaRPr>
@@ -10005,7 +10295,7 @@
     </p:spTree>
     <p:extLst>
       <p:ext uri="{BB962C8B-B14F-4D97-AF65-F5344CB8AC3E}">
-        <p14:creationId xmlns:p14="http://schemas.microsoft.com/office/powerpoint/2010/main" val="2530100286"/>
+        <p14:creationId xmlns:p14="http://schemas.microsoft.com/office/powerpoint/2010/main" val="3948969100"/>
       </p:ext>
     </p:extLst>
   </p:cSld>
@@ -10102,17 +10392,66 @@
           <a:p>
             <a:r>
               <a:rPr lang="en-US" dirty="0"/>
-              <a:t>Small (?) problem: distributional heterogeneity</a:t>
+              <a:t>Batch effects can screw up cell groupings</a:t>
             </a:r>
           </a:p>
         </p:txBody>
       </p:sp>
       <p:sp>
         <p:nvSpPr>
-          <p:cNvPr id="25" name="Content Placeholder 7">
-            <a:extLst>
-              <a:ext uri="{FF2B5EF4-FFF2-40B4-BE49-F238E27FC236}">
-                <a16:creationId xmlns:a16="http://schemas.microsoft.com/office/drawing/2014/main" id="{BBAD2B8B-03F9-C446-9B8D-E3F938545509}"/>
+          <p:cNvPr id="9" name="TextBox 8">
+            <a:extLst>
+              <a:ext uri="{FF2B5EF4-FFF2-40B4-BE49-F238E27FC236}">
+                <a16:creationId xmlns:a16="http://schemas.microsoft.com/office/drawing/2014/main" id="{731B44A0-008D-0D4D-84E7-BB0371296C43}"/>
+              </a:ext>
+            </a:extLst>
+          </p:cNvPr>
+          <p:cNvSpPr txBox="1"/>
+          <p:nvPr/>
+        </p:nvSpPr>
+        <p:spPr>
+          <a:xfrm>
+            <a:off x="8165977" y="6408046"/>
+            <a:ext cx="2617075" cy="276999"/>
+          </a:xfrm>
+          <a:prstGeom prst="rect">
+            <a:avLst/>
+          </a:prstGeom>
+          <a:noFill/>
+        </p:spPr>
+        <p:txBody>
+          <a:bodyPr wrap="square" rtlCol="0">
+            <a:spAutoFit/>
+          </a:bodyPr>
+          <a:lstStyle/>
+          <a:p>
+            <a:r>
+              <a:rPr lang="en-US" sz="1200" dirty="0">
+                <a:latin typeface="Helvetica Neue Light" panose="02000403000000020004" pitchFamily="2" charset="0"/>
+                <a:ea typeface="Helvetica Neue Light" panose="02000403000000020004" pitchFamily="2" charset="0"/>
+              </a:rPr>
+              <a:t>Hicks et al. 2015 </a:t>
+            </a:r>
+            <a:r>
+              <a:rPr lang="en-US" sz="1200" i="1" dirty="0" err="1">
+                <a:latin typeface="Helvetica Neue Light" panose="02000403000000020004" pitchFamily="2" charset="0"/>
+                <a:ea typeface="Helvetica Neue Light" panose="02000403000000020004" pitchFamily="2" charset="0"/>
+              </a:rPr>
+              <a:t>BioRxiv</a:t>
+            </a:r>
+            <a:endParaRPr lang="en-US" sz="1200" i="1" dirty="0">
+              <a:latin typeface="Helvetica Neue Light" panose="02000403000000020004" pitchFamily="2" charset="0"/>
+              <a:ea typeface="Helvetica Neue Light" panose="02000403000000020004" pitchFamily="2" charset="0"/>
+            </a:endParaRPr>
+          </a:p>
+        </p:txBody>
+      </p:sp>
+      <p:sp>
+        <p:nvSpPr>
+          <p:cNvPr id="7" name="Content Placeholder 7">
+            <a:extLst>
+              <a:ext uri="{FF2B5EF4-FFF2-40B4-BE49-F238E27FC236}">
+                <a16:creationId xmlns:a16="http://schemas.microsoft.com/office/drawing/2014/main" id="{0B8D925C-197D-3D48-A350-B35093A9231E}"/>
               </a:ext>
             </a:extLst>
           </p:cNvPr>
@@ -10126,12 +10465,12 @@
         <p:spPr>
           <a:xfrm>
             <a:off x="482600" y="1827747"/>
-            <a:ext cx="6159500" cy="4448175"/>
+            <a:ext cx="5043778" cy="4448175"/>
           </a:xfrm>
         </p:spPr>
         <p:txBody>
           <a:bodyPr>
-            <a:normAutofit/>
+            <a:normAutofit fontScale="92500" lnSpcReduction="20000"/>
           </a:bodyPr>
           <a:lstStyle/>
           <a:p>
@@ -10140,30 +10479,30 @@
                 <a:latin typeface="Helvetica Neue Light" panose="02000403000000020004" pitchFamily="2" charset="0"/>
                 <a:ea typeface="Helvetica Neue Light" panose="02000403000000020004" pitchFamily="2" charset="0"/>
               </a:rPr>
-              <a:t>Negative binomial (NB) captures over-dispersion for bulk</a:t>
-            </a:r>
-          </a:p>
-          <a:p>
+              <a:t>Hicks et al. (2015) looked at four high profile </a:t>
+            </a:r>
+            <a:r>
+              <a:rPr lang="en-US" dirty="0" err="1">
+                <a:latin typeface="Helvetica Neue Light" panose="02000403000000020004" pitchFamily="2" charset="0"/>
+                <a:ea typeface="Helvetica Neue Light" panose="02000403000000020004" pitchFamily="2" charset="0"/>
+              </a:rPr>
+              <a:t>scRNA-seq</a:t>
+            </a:r>
             <a:r>
               <a:rPr lang="en-US" dirty="0">
                 <a:latin typeface="Helvetica Neue Light" panose="02000403000000020004" pitchFamily="2" charset="0"/>
                 <a:ea typeface="Helvetica Neue Light" panose="02000403000000020004" pitchFamily="2" charset="0"/>
               </a:rPr>
-              <a:t>Most </a:t>
-            </a:r>
-            <a:r>
-              <a:rPr lang="en-US" dirty="0" err="1">
-                <a:latin typeface="Helvetica Neue Light" panose="02000403000000020004" pitchFamily="2" charset="0"/>
-                <a:ea typeface="Helvetica Neue Light" panose="02000403000000020004" pitchFamily="2" charset="0"/>
-              </a:rPr>
-              <a:t>scRNA-seq</a:t>
-            </a:r>
+              <a:t> data sets</a:t>
+            </a:r>
+          </a:p>
+          <a:p>
             <a:r>
               <a:rPr lang="en-US" dirty="0">
                 <a:latin typeface="Helvetica Neue Light" panose="02000403000000020004" pitchFamily="2" charset="0"/>
                 <a:ea typeface="Helvetica Neue Light" panose="02000403000000020004" pitchFamily="2" charset="0"/>
               </a:rPr>
-              <a:t> DE tools assume NB as well</a:t>
+              <a:t>all showed evidence of batch effect confounding</a:t>
             </a:r>
           </a:p>
           <a:p>
@@ -10172,7 +10511,16 @@
                 <a:latin typeface="Helvetica Neue Light" panose="02000403000000020004" pitchFamily="2" charset="0"/>
                 <a:ea typeface="Helvetica Neue Light" panose="02000403000000020004" pitchFamily="2" charset="0"/>
               </a:rPr>
-              <a:t>Some evidence that there is distributional heterogeneity among genes!!</a:t>
+              <a:t>Close correspondence between groups and batches in PC space</a:t>
+            </a:r>
+          </a:p>
+          <a:p>
+            <a:r>
+              <a:rPr lang="en-US" dirty="0">
+                <a:latin typeface="Helvetica Neue Light" panose="02000403000000020004" pitchFamily="2" charset="0"/>
+                <a:ea typeface="Helvetica Neue Light" panose="02000403000000020004" pitchFamily="2" charset="0"/>
+              </a:rPr>
+              <a:t>Even within a group, batch effects observed</a:t>
             </a:r>
           </a:p>
           <a:p>
@@ -10182,14 +10530,8 @@
                 <a:latin typeface="Helvetica Neue Light" panose="02000403000000020004" pitchFamily="2" charset="0"/>
                 <a:ea typeface="Helvetica Neue Light" panose="02000403000000020004" pitchFamily="2" charset="0"/>
               </a:rPr>
-              <a:t>If true, no easy way to handle this</a:t>
-            </a:r>
-          </a:p>
-          <a:p>
-            <a:endParaRPr lang="en-US" dirty="0">
-              <a:latin typeface="Helvetica Neue Light" panose="02000403000000020004" pitchFamily="2" charset="0"/>
-              <a:ea typeface="Helvetica Neue Light" panose="02000403000000020004" pitchFamily="2" charset="0"/>
-            </a:endParaRPr>
+              <a:t>Imagine you are interested in variation among groups in gene expression noise ….. </a:t>
+            </a:r>
           </a:p>
           <a:p>
             <a:pPr marL="0" indent="0">
@@ -10200,14 +10542,52 @@
               <a:ea typeface="Helvetica Neue Light" panose="02000403000000020004" pitchFamily="2" charset="0"/>
             </a:endParaRPr>
           </a:p>
+          <a:p>
+            <a:pPr marL="457200" lvl="1" indent="0">
+              <a:buNone/>
+            </a:pPr>
+            <a:endParaRPr lang="en-US" dirty="0">
+              <a:latin typeface="Helvetica Neue Light" panose="02000403000000020004" pitchFamily="2" charset="0"/>
+              <a:ea typeface="Helvetica Neue Light" panose="02000403000000020004" pitchFamily="2" charset="0"/>
+            </a:endParaRPr>
+          </a:p>
+          <a:p>
+            <a:pPr lvl="1"/>
+            <a:endParaRPr lang="en-US" dirty="0">
+              <a:latin typeface="Helvetica Neue Light" panose="02000403000000020004" pitchFamily="2" charset="0"/>
+              <a:ea typeface="Helvetica Neue Light" panose="02000403000000020004" pitchFamily="2" charset="0"/>
+            </a:endParaRPr>
+          </a:p>
+          <a:p>
+            <a:pPr lvl="1"/>
+            <a:endParaRPr lang="en-US" dirty="0">
+              <a:latin typeface="Helvetica Neue Light" panose="02000403000000020004" pitchFamily="2" charset="0"/>
+              <a:ea typeface="Helvetica Neue Light" panose="02000403000000020004" pitchFamily="2" charset="0"/>
+            </a:endParaRPr>
+          </a:p>
+          <a:p>
+            <a:endParaRPr lang="en-US" dirty="0">
+              <a:latin typeface="Helvetica Neue Light" panose="02000403000000020004" pitchFamily="2" charset="0"/>
+              <a:ea typeface="Helvetica Neue Light" panose="02000403000000020004" pitchFamily="2" charset="0"/>
+            </a:endParaRPr>
+          </a:p>
+          <a:p>
+            <a:pPr marL="0" indent="0">
+              <a:buNone/>
+            </a:pPr>
+            <a:endParaRPr lang="en-US" dirty="0">
+              <a:latin typeface="Helvetica Neue Light" panose="02000403000000020004" pitchFamily="2" charset="0"/>
+              <a:ea typeface="Helvetica Neue Light" panose="02000403000000020004" pitchFamily="2" charset="0"/>
+            </a:endParaRPr>
+          </a:p>
         </p:txBody>
       </p:sp>
       <p:pic>
         <p:nvPicPr>
-          <p:cNvPr id="10" name="Picture 9">
-            <a:extLst>
-              <a:ext uri="{FF2B5EF4-FFF2-40B4-BE49-F238E27FC236}">
-                <a16:creationId xmlns:a16="http://schemas.microsoft.com/office/drawing/2014/main" id="{66D2E832-E6F7-2D4A-95C8-D091E528B985}"/>
+          <p:cNvPr id="3" name="Picture 2">
+            <a:extLst>
+              <a:ext uri="{FF2B5EF4-FFF2-40B4-BE49-F238E27FC236}">
+                <a16:creationId xmlns:a16="http://schemas.microsoft.com/office/drawing/2014/main" id="{F6CDAA35-9A12-5543-B9D8-466E6E7AF7D7}"/>
               </a:ext>
             </a:extLst>
           </p:cNvPr>
@@ -10224,70 +10604,18 @@
         </p:blipFill>
         <p:spPr>
           <a:xfrm>
-            <a:off x="6888244" y="1827747"/>
-            <a:ext cx="3577989" cy="4076061"/>
+            <a:off x="5526378" y="1690688"/>
+            <a:ext cx="5952608" cy="3732486"/>
           </a:xfrm>
           <a:prstGeom prst="rect">
             <a:avLst/>
           </a:prstGeom>
         </p:spPr>
       </p:pic>
-      <p:sp>
-        <p:nvSpPr>
-          <p:cNvPr id="26" name="TextBox 25">
-            <a:extLst>
-              <a:ext uri="{FF2B5EF4-FFF2-40B4-BE49-F238E27FC236}">
-                <a16:creationId xmlns:a16="http://schemas.microsoft.com/office/drawing/2014/main" id="{1A183CC9-0BE9-444C-BD72-A17831C101D1}"/>
-              </a:ext>
-            </a:extLst>
-          </p:cNvPr>
-          <p:cNvSpPr txBox="1"/>
-          <p:nvPr/>
-        </p:nvSpPr>
-        <p:spPr>
-          <a:xfrm>
-            <a:off x="8677238" y="6275922"/>
-            <a:ext cx="2617075" cy="276999"/>
-          </a:xfrm>
-          <a:prstGeom prst="rect">
-            <a:avLst/>
-          </a:prstGeom>
-          <a:noFill/>
-        </p:spPr>
-        <p:txBody>
-          <a:bodyPr wrap="square" rtlCol="0">
-            <a:spAutoFit/>
-          </a:bodyPr>
-          <a:lstStyle/>
-          <a:p>
-            <a:r>
-              <a:rPr lang="en-US" sz="1200" dirty="0" err="1">
-                <a:latin typeface="Helvetica Neue Light" panose="02000403000000020004" pitchFamily="2" charset="0"/>
-                <a:ea typeface="Helvetica Neue Light" panose="02000403000000020004" pitchFamily="2" charset="0"/>
-              </a:rPr>
-              <a:t>Grun</a:t>
-            </a:r>
-            <a:r>
-              <a:rPr lang="en-US" sz="1200" dirty="0">
-                <a:latin typeface="Helvetica Neue Light" panose="02000403000000020004" pitchFamily="2" charset="0"/>
-                <a:ea typeface="Helvetica Neue Light" panose="02000403000000020004" pitchFamily="2" charset="0"/>
-              </a:rPr>
-              <a:t> et al. 2014 </a:t>
-            </a:r>
-            <a:r>
-              <a:rPr lang="en-US" sz="1200" i="1" dirty="0">
-                <a:latin typeface="Helvetica Neue Light" panose="02000403000000020004" pitchFamily="2" charset="0"/>
-                <a:ea typeface="Helvetica Neue Light" panose="02000403000000020004" pitchFamily="2" charset="0"/>
-              </a:rPr>
-              <a:t>Nat. Methods</a:t>
-            </a:r>
-          </a:p>
-        </p:txBody>
-      </p:sp>
     </p:spTree>
     <p:extLst>
       <p:ext uri="{BB962C8B-B14F-4D97-AF65-F5344CB8AC3E}">
-        <p14:creationId xmlns:p14="http://schemas.microsoft.com/office/powerpoint/2010/main" val="1068564454"/>
+        <p14:creationId xmlns:p14="http://schemas.microsoft.com/office/powerpoint/2010/main" val="1651831573"/>
       </p:ext>
     </p:extLst>
   </p:cSld>
@@ -10314,6 +10642,65 @@
           <a:chExt cx="0" cy="0"/>
         </a:xfrm>
       </p:grpSpPr>
+      <p:pic>
+        <p:nvPicPr>
+          <p:cNvPr id="8" name="Picture 7">
+            <a:extLst>
+              <a:ext uri="{FF2B5EF4-FFF2-40B4-BE49-F238E27FC236}">
+                <a16:creationId xmlns:a16="http://schemas.microsoft.com/office/drawing/2014/main" id="{116B92B0-19D0-6444-A7BD-F4C111B18A78}"/>
+              </a:ext>
+            </a:extLst>
+          </p:cNvPr>
+          <p:cNvPicPr>
+            <a:picLocks noChangeAspect="1"/>
+          </p:cNvPicPr>
+          <p:nvPr/>
+        </p:nvPicPr>
+        <p:blipFill rotWithShape="1">
+          <a:blip r:embed="rId2"/>
+          <a:srcRect l="3" t="6003" r="48530" b="53995"/>
+          <a:stretch/>
+        </p:blipFill>
+        <p:spPr>
+          <a:xfrm>
+            <a:off x="8932122" y="1597915"/>
+            <a:ext cx="3108960" cy="2194560"/>
+          </a:xfrm>
+          <a:prstGeom prst="rect">
+            <a:avLst/>
+          </a:prstGeom>
+        </p:spPr>
+      </p:pic>
+      <p:pic>
+        <p:nvPicPr>
+          <p:cNvPr id="4" name="Picture 3">
+            <a:extLst>
+              <a:ext uri="{FF2B5EF4-FFF2-40B4-BE49-F238E27FC236}">
+                <a16:creationId xmlns:a16="http://schemas.microsoft.com/office/drawing/2014/main" id="{61379CD6-2B1B-D44D-B065-F5E8A91318ED}"/>
+              </a:ext>
+            </a:extLst>
+          </p:cNvPr>
+          <p:cNvPicPr>
+            <a:picLocks noChangeAspect="1"/>
+          </p:cNvPicPr>
+          <p:nvPr/>
+        </p:nvPicPr>
+        <p:blipFill>
+          <a:blip r:embed="rId3"/>
+          <a:stretch>
+            <a:fillRect/>
+          </a:stretch>
+        </p:blipFill>
+        <p:spPr>
+          <a:xfrm>
+            <a:off x="6370517" y="1554605"/>
+            <a:ext cx="2702173" cy="3465466"/>
+          </a:xfrm>
+          <a:prstGeom prst="rect">
+            <a:avLst/>
+          </a:prstGeom>
+        </p:spPr>
+      </p:pic>
       <p:cxnSp>
         <p:nvCxnSpPr>
           <p:cNvPr id="5" name="Straight Connector 4">
@@ -10384,798 +10771,6 @@
           <a:p>
             <a:r>
               <a:rPr lang="en-US" dirty="0"/>
-              <a:t>Study design and batch effects</a:t>
-            </a:r>
-          </a:p>
-        </p:txBody>
-      </p:sp>
-      <p:sp>
-        <p:nvSpPr>
-          <p:cNvPr id="25" name="Content Placeholder 7">
-            <a:extLst>
-              <a:ext uri="{FF2B5EF4-FFF2-40B4-BE49-F238E27FC236}">
-                <a16:creationId xmlns:a16="http://schemas.microsoft.com/office/drawing/2014/main" id="{BBAD2B8B-03F9-C446-9B8D-E3F938545509}"/>
-              </a:ext>
-            </a:extLst>
-          </p:cNvPr>
-          <p:cNvSpPr>
-            <a:spLocks noGrp="1"/>
-          </p:cNvSpPr>
-          <p:nvPr>
-            <p:ph sz="half" idx="1"/>
-          </p:nvPr>
-        </p:nvSpPr>
-        <p:spPr>
-          <a:xfrm>
-            <a:off x="482599" y="1827747"/>
-            <a:ext cx="10244667" cy="4448175"/>
-          </a:xfrm>
-        </p:spPr>
-        <p:txBody>
-          <a:bodyPr>
-            <a:normAutofit/>
-          </a:bodyPr>
-          <a:lstStyle/>
-          <a:p>
-            <a:r>
-              <a:rPr lang="en-US" dirty="0">
-                <a:latin typeface="Helvetica Neue Light" panose="02000403000000020004" pitchFamily="2" charset="0"/>
-                <a:ea typeface="Helvetica Neue Light" panose="02000403000000020004" pitchFamily="2" charset="0"/>
-              </a:rPr>
-              <a:t>Rare or impossible that all cell pools derived from conditions of interest are prepared for sequencing simultaneously</a:t>
-            </a:r>
-          </a:p>
-          <a:p>
-            <a:pPr lvl="1"/>
-            <a:r>
-              <a:rPr lang="en-US" dirty="0">
-                <a:latin typeface="Helvetica Neue Light" panose="02000403000000020004" pitchFamily="2" charset="0"/>
-                <a:ea typeface="Helvetica Neue Light" panose="02000403000000020004" pitchFamily="2" charset="0"/>
-              </a:rPr>
-              <a:t>Cell pool libraries may vary due to technical factors</a:t>
-            </a:r>
-          </a:p>
-          <a:p>
-            <a:r>
-              <a:rPr lang="en-US" dirty="0">
-                <a:latin typeface="Helvetica Neue Light" panose="02000403000000020004" pitchFamily="2" charset="0"/>
-                <a:ea typeface="Helvetica Neue Light" panose="02000403000000020004" pitchFamily="2" charset="0"/>
-              </a:rPr>
-              <a:t>Batch effects occur when</a:t>
-            </a:r>
-          </a:p>
-          <a:p>
-            <a:pPr lvl="1"/>
-            <a:r>
-              <a:rPr lang="en-US" dirty="0">
-                <a:latin typeface="Helvetica Neue Light" panose="02000403000000020004" pitchFamily="2" charset="0"/>
-                <a:ea typeface="Helvetica Neue Light" panose="02000403000000020004" pitchFamily="2" charset="0"/>
-              </a:rPr>
-              <a:t>Some % of expression variation across libraries due to technical factors</a:t>
-            </a:r>
-          </a:p>
-          <a:p>
-            <a:pPr lvl="2"/>
-            <a:r>
-              <a:rPr lang="en-US" dirty="0">
-                <a:latin typeface="Helvetica Neue Light" panose="02000403000000020004" pitchFamily="2" charset="0"/>
-                <a:ea typeface="Helvetica Neue Light" panose="02000403000000020004" pitchFamily="2" charset="0"/>
-              </a:rPr>
-              <a:t>E.g. Pipetting differences, amplification bias, sequencing depth</a:t>
-            </a:r>
-          </a:p>
-          <a:p>
-            <a:r>
-              <a:rPr lang="en-US" dirty="0">
-                <a:latin typeface="Helvetica Neue Light" panose="02000403000000020004" pitchFamily="2" charset="0"/>
-                <a:ea typeface="Helvetica Neue Light" panose="02000403000000020004" pitchFamily="2" charset="0"/>
-              </a:rPr>
-              <a:t>In the worst case scenario, batch and biological condition are completely confounded</a:t>
-            </a:r>
-          </a:p>
-          <a:p>
-            <a:pPr marL="457200" lvl="1" indent="0">
-              <a:buNone/>
-            </a:pPr>
-            <a:endParaRPr lang="en-US" dirty="0">
-              <a:latin typeface="Helvetica Neue Light" panose="02000403000000020004" pitchFamily="2" charset="0"/>
-              <a:ea typeface="Helvetica Neue Light" panose="02000403000000020004" pitchFamily="2" charset="0"/>
-            </a:endParaRPr>
-          </a:p>
-          <a:p>
-            <a:pPr lvl="1"/>
-            <a:endParaRPr lang="en-US" dirty="0">
-              <a:latin typeface="Helvetica Neue Light" panose="02000403000000020004" pitchFamily="2" charset="0"/>
-              <a:ea typeface="Helvetica Neue Light" panose="02000403000000020004" pitchFamily="2" charset="0"/>
-            </a:endParaRPr>
-          </a:p>
-          <a:p>
-            <a:pPr lvl="1"/>
-            <a:endParaRPr lang="en-US" dirty="0">
-              <a:latin typeface="Helvetica Neue Light" panose="02000403000000020004" pitchFamily="2" charset="0"/>
-              <a:ea typeface="Helvetica Neue Light" panose="02000403000000020004" pitchFamily="2" charset="0"/>
-            </a:endParaRPr>
-          </a:p>
-          <a:p>
-            <a:endParaRPr lang="en-US" dirty="0">
-              <a:latin typeface="Helvetica Neue Light" panose="02000403000000020004" pitchFamily="2" charset="0"/>
-              <a:ea typeface="Helvetica Neue Light" panose="02000403000000020004" pitchFamily="2" charset="0"/>
-            </a:endParaRPr>
-          </a:p>
-          <a:p>
-            <a:pPr marL="0" indent="0">
-              <a:buNone/>
-            </a:pPr>
-            <a:endParaRPr lang="en-US" dirty="0">
-              <a:latin typeface="Helvetica Neue Light" panose="02000403000000020004" pitchFamily="2" charset="0"/>
-              <a:ea typeface="Helvetica Neue Light" panose="02000403000000020004" pitchFamily="2" charset="0"/>
-            </a:endParaRPr>
-          </a:p>
-        </p:txBody>
-      </p:sp>
-    </p:spTree>
-    <p:extLst>
-      <p:ext uri="{BB962C8B-B14F-4D97-AF65-F5344CB8AC3E}">
-        <p14:creationId xmlns:p14="http://schemas.microsoft.com/office/powerpoint/2010/main" val="405681923"/>
-      </p:ext>
-    </p:extLst>
-  </p:cSld>
-  <p:clrMapOvr>
-    <a:masterClrMapping/>
-  </p:clrMapOvr>
-</p:sld>
-</file>
-
-<file path=ppt/slides/slide26.xml><?xml version="1.0" encoding="utf-8"?>
-<p:sld xmlns:a="http://schemas.openxmlformats.org/drawingml/2006/main" xmlns:r="http://schemas.openxmlformats.org/officeDocument/2006/relationships" xmlns:p="http://schemas.openxmlformats.org/presentationml/2006/main">
-  <p:cSld>
-    <p:spTree>
-      <p:nvGrpSpPr>
-        <p:cNvPr id="1" name=""/>
-        <p:cNvGrpSpPr/>
-        <p:nvPr/>
-      </p:nvGrpSpPr>
-      <p:grpSpPr>
-        <a:xfrm>
-          <a:off x="0" y="0"/>
-          <a:ext cx="0" cy="0"/>
-          <a:chOff x="0" y="0"/>
-          <a:chExt cx="0" cy="0"/>
-        </a:xfrm>
-      </p:grpSpPr>
-      <p:cxnSp>
-        <p:nvCxnSpPr>
-          <p:cNvPr id="5" name="Straight Connector 4">
-            <a:extLst>
-              <a:ext uri="{FF2B5EF4-FFF2-40B4-BE49-F238E27FC236}">
-                <a16:creationId xmlns:a16="http://schemas.microsoft.com/office/drawing/2014/main" id="{97A6922C-54C3-694F-9492-EAC388C3E954}"/>
-              </a:ext>
-            </a:extLst>
-          </p:cNvPr>
-          <p:cNvCxnSpPr/>
-          <p:nvPr/>
-        </p:nvCxnSpPr>
-        <p:spPr>
-          <a:xfrm>
-            <a:off x="262467" y="1417638"/>
-            <a:ext cx="11216519" cy="0"/>
-          </a:xfrm>
-          <a:prstGeom prst="line">
-            <a:avLst/>
-          </a:prstGeom>
-          <a:ln w="19050">
-            <a:solidFill>
-              <a:schemeClr val="tx1"/>
-            </a:solidFill>
-          </a:ln>
-          <a:effectLst/>
-        </p:spPr>
-        <p:style>
-          <a:lnRef idx="2">
-            <a:schemeClr val="accent1"/>
-          </a:lnRef>
-          <a:fillRef idx="0">
-            <a:schemeClr val="accent1"/>
-          </a:fillRef>
-          <a:effectRef idx="1">
-            <a:schemeClr val="accent1"/>
-          </a:effectRef>
-          <a:fontRef idx="minor">
-            <a:schemeClr val="tx1"/>
-          </a:fontRef>
-        </p:style>
-      </p:cxnSp>
-      <p:sp>
-        <p:nvSpPr>
-          <p:cNvPr id="12" name="Title 1">
-            <a:extLst>
-              <a:ext uri="{FF2B5EF4-FFF2-40B4-BE49-F238E27FC236}">
-                <a16:creationId xmlns:a16="http://schemas.microsoft.com/office/drawing/2014/main" id="{B48711B5-D460-7044-939F-EAFD1BB7A648}"/>
-              </a:ext>
-            </a:extLst>
-          </p:cNvPr>
-          <p:cNvSpPr>
-            <a:spLocks noGrp="1"/>
-          </p:cNvSpPr>
-          <p:nvPr>
-            <p:ph type="title"/>
-          </p:nvPr>
-        </p:nvSpPr>
-        <p:spPr>
-          <a:xfrm>
-            <a:off x="262467" y="365125"/>
-            <a:ext cx="11634788" cy="1325563"/>
-          </a:xfrm>
-        </p:spPr>
-        <p:txBody>
-          <a:bodyPr/>
-          <a:lstStyle/>
-          <a:p>
-            <a:r>
-              <a:rPr lang="en-US" dirty="0"/>
-              <a:t>Batch effects: good vs. bad design</a:t>
-            </a:r>
-          </a:p>
-        </p:txBody>
-      </p:sp>
-      <p:pic>
-        <p:nvPicPr>
-          <p:cNvPr id="6" name="Picture 5">
-            <a:extLst>
-              <a:ext uri="{FF2B5EF4-FFF2-40B4-BE49-F238E27FC236}">
-                <a16:creationId xmlns:a16="http://schemas.microsoft.com/office/drawing/2014/main" id="{39ADC853-8061-654A-86D6-CEBD309CAF32}"/>
-              </a:ext>
-            </a:extLst>
-          </p:cNvPr>
-          <p:cNvPicPr>
-            <a:picLocks noChangeAspect="1"/>
-          </p:cNvPicPr>
-          <p:nvPr/>
-        </p:nvPicPr>
-        <p:blipFill>
-          <a:blip r:embed="rId2"/>
-          <a:stretch>
-            <a:fillRect/>
-          </a:stretch>
-        </p:blipFill>
-        <p:spPr>
-          <a:xfrm>
-            <a:off x="2267245" y="1690688"/>
-            <a:ext cx="6802327" cy="4582809"/>
-          </a:xfrm>
-          <a:prstGeom prst="rect">
-            <a:avLst/>
-          </a:prstGeom>
-        </p:spPr>
-      </p:pic>
-      <p:sp>
-        <p:nvSpPr>
-          <p:cNvPr id="9" name="TextBox 8">
-            <a:extLst>
-              <a:ext uri="{FF2B5EF4-FFF2-40B4-BE49-F238E27FC236}">
-                <a16:creationId xmlns:a16="http://schemas.microsoft.com/office/drawing/2014/main" id="{731B44A0-008D-0D4D-84E7-BB0371296C43}"/>
-              </a:ext>
-            </a:extLst>
-          </p:cNvPr>
-          <p:cNvSpPr txBox="1"/>
-          <p:nvPr/>
-        </p:nvSpPr>
-        <p:spPr>
-          <a:xfrm>
-            <a:off x="8165977" y="6408046"/>
-            <a:ext cx="2617075" cy="276999"/>
-          </a:xfrm>
-          <a:prstGeom prst="rect">
-            <a:avLst/>
-          </a:prstGeom>
-          <a:noFill/>
-        </p:spPr>
-        <p:txBody>
-          <a:bodyPr wrap="square" rtlCol="0">
-            <a:spAutoFit/>
-          </a:bodyPr>
-          <a:lstStyle/>
-          <a:p>
-            <a:r>
-              <a:rPr lang="en-US" sz="1200" dirty="0">
-                <a:latin typeface="Helvetica Neue Light" panose="02000403000000020004" pitchFamily="2" charset="0"/>
-                <a:ea typeface="Helvetica Neue Light" panose="02000403000000020004" pitchFamily="2" charset="0"/>
-              </a:rPr>
-              <a:t>Hicks et al. 2015 </a:t>
-            </a:r>
-            <a:r>
-              <a:rPr lang="en-US" sz="1200" i="1" dirty="0" err="1">
-                <a:latin typeface="Helvetica Neue Light" panose="02000403000000020004" pitchFamily="2" charset="0"/>
-                <a:ea typeface="Helvetica Neue Light" panose="02000403000000020004" pitchFamily="2" charset="0"/>
-              </a:rPr>
-              <a:t>BioRxiv</a:t>
-            </a:r>
-            <a:endParaRPr lang="en-US" sz="1200" i="1" dirty="0">
-              <a:latin typeface="Helvetica Neue Light" panose="02000403000000020004" pitchFamily="2" charset="0"/>
-              <a:ea typeface="Helvetica Neue Light" panose="02000403000000020004" pitchFamily="2" charset="0"/>
-            </a:endParaRPr>
-          </a:p>
-        </p:txBody>
-      </p:sp>
-    </p:spTree>
-    <p:extLst>
-      <p:ext uri="{BB962C8B-B14F-4D97-AF65-F5344CB8AC3E}">
-        <p14:creationId xmlns:p14="http://schemas.microsoft.com/office/powerpoint/2010/main" val="3948969100"/>
-      </p:ext>
-    </p:extLst>
-  </p:cSld>
-  <p:clrMapOvr>
-    <a:masterClrMapping/>
-  </p:clrMapOvr>
-</p:sld>
-</file>
-
-<file path=ppt/slides/slide27.xml><?xml version="1.0" encoding="utf-8"?>
-<p:sld xmlns:a="http://schemas.openxmlformats.org/drawingml/2006/main" xmlns:r="http://schemas.openxmlformats.org/officeDocument/2006/relationships" xmlns:p="http://schemas.openxmlformats.org/presentationml/2006/main">
-  <p:cSld>
-    <p:spTree>
-      <p:nvGrpSpPr>
-        <p:cNvPr id="1" name=""/>
-        <p:cNvGrpSpPr/>
-        <p:nvPr/>
-      </p:nvGrpSpPr>
-      <p:grpSpPr>
-        <a:xfrm>
-          <a:off x="0" y="0"/>
-          <a:ext cx="0" cy="0"/>
-          <a:chOff x="0" y="0"/>
-          <a:chExt cx="0" cy="0"/>
-        </a:xfrm>
-      </p:grpSpPr>
-      <p:cxnSp>
-        <p:nvCxnSpPr>
-          <p:cNvPr id="5" name="Straight Connector 4">
-            <a:extLst>
-              <a:ext uri="{FF2B5EF4-FFF2-40B4-BE49-F238E27FC236}">
-                <a16:creationId xmlns:a16="http://schemas.microsoft.com/office/drawing/2014/main" id="{97A6922C-54C3-694F-9492-EAC388C3E954}"/>
-              </a:ext>
-            </a:extLst>
-          </p:cNvPr>
-          <p:cNvCxnSpPr/>
-          <p:nvPr/>
-        </p:nvCxnSpPr>
-        <p:spPr>
-          <a:xfrm>
-            <a:off x="262467" y="1417638"/>
-            <a:ext cx="11216519" cy="0"/>
-          </a:xfrm>
-          <a:prstGeom prst="line">
-            <a:avLst/>
-          </a:prstGeom>
-          <a:ln w="19050">
-            <a:solidFill>
-              <a:schemeClr val="tx1"/>
-            </a:solidFill>
-          </a:ln>
-          <a:effectLst/>
-        </p:spPr>
-        <p:style>
-          <a:lnRef idx="2">
-            <a:schemeClr val="accent1"/>
-          </a:lnRef>
-          <a:fillRef idx="0">
-            <a:schemeClr val="accent1"/>
-          </a:fillRef>
-          <a:effectRef idx="1">
-            <a:schemeClr val="accent1"/>
-          </a:effectRef>
-          <a:fontRef idx="minor">
-            <a:schemeClr val="tx1"/>
-          </a:fontRef>
-        </p:style>
-      </p:cxnSp>
-      <p:sp>
-        <p:nvSpPr>
-          <p:cNvPr id="12" name="Title 1">
-            <a:extLst>
-              <a:ext uri="{FF2B5EF4-FFF2-40B4-BE49-F238E27FC236}">
-                <a16:creationId xmlns:a16="http://schemas.microsoft.com/office/drawing/2014/main" id="{B48711B5-D460-7044-939F-EAFD1BB7A648}"/>
-              </a:ext>
-            </a:extLst>
-          </p:cNvPr>
-          <p:cNvSpPr>
-            <a:spLocks noGrp="1"/>
-          </p:cNvSpPr>
-          <p:nvPr>
-            <p:ph type="title"/>
-          </p:nvPr>
-        </p:nvSpPr>
-        <p:spPr>
-          <a:xfrm>
-            <a:off x="262467" y="365125"/>
-            <a:ext cx="11634788" cy="1325563"/>
-          </a:xfrm>
-        </p:spPr>
-        <p:txBody>
-          <a:bodyPr/>
-          <a:lstStyle/>
-          <a:p>
-            <a:r>
-              <a:rPr lang="en-US" dirty="0"/>
-              <a:t>Batch effects can screw up cell groupings</a:t>
-            </a:r>
-          </a:p>
-        </p:txBody>
-      </p:sp>
-      <p:sp>
-        <p:nvSpPr>
-          <p:cNvPr id="9" name="TextBox 8">
-            <a:extLst>
-              <a:ext uri="{FF2B5EF4-FFF2-40B4-BE49-F238E27FC236}">
-                <a16:creationId xmlns:a16="http://schemas.microsoft.com/office/drawing/2014/main" id="{731B44A0-008D-0D4D-84E7-BB0371296C43}"/>
-              </a:ext>
-            </a:extLst>
-          </p:cNvPr>
-          <p:cNvSpPr txBox="1"/>
-          <p:nvPr/>
-        </p:nvSpPr>
-        <p:spPr>
-          <a:xfrm>
-            <a:off x="8165977" y="6408046"/>
-            <a:ext cx="2617075" cy="276999"/>
-          </a:xfrm>
-          <a:prstGeom prst="rect">
-            <a:avLst/>
-          </a:prstGeom>
-          <a:noFill/>
-        </p:spPr>
-        <p:txBody>
-          <a:bodyPr wrap="square" rtlCol="0">
-            <a:spAutoFit/>
-          </a:bodyPr>
-          <a:lstStyle/>
-          <a:p>
-            <a:r>
-              <a:rPr lang="en-US" sz="1200" dirty="0">
-                <a:latin typeface="Helvetica Neue Light" panose="02000403000000020004" pitchFamily="2" charset="0"/>
-                <a:ea typeface="Helvetica Neue Light" panose="02000403000000020004" pitchFamily="2" charset="0"/>
-              </a:rPr>
-              <a:t>Hicks et al. 2015 </a:t>
-            </a:r>
-            <a:r>
-              <a:rPr lang="en-US" sz="1200" i="1" dirty="0" err="1">
-                <a:latin typeface="Helvetica Neue Light" panose="02000403000000020004" pitchFamily="2" charset="0"/>
-                <a:ea typeface="Helvetica Neue Light" panose="02000403000000020004" pitchFamily="2" charset="0"/>
-              </a:rPr>
-              <a:t>BioRxiv</a:t>
-            </a:r>
-            <a:endParaRPr lang="en-US" sz="1200" i="1" dirty="0">
-              <a:latin typeface="Helvetica Neue Light" panose="02000403000000020004" pitchFamily="2" charset="0"/>
-              <a:ea typeface="Helvetica Neue Light" panose="02000403000000020004" pitchFamily="2" charset="0"/>
-            </a:endParaRPr>
-          </a:p>
-        </p:txBody>
-      </p:sp>
-      <p:sp>
-        <p:nvSpPr>
-          <p:cNvPr id="7" name="Content Placeholder 7">
-            <a:extLst>
-              <a:ext uri="{FF2B5EF4-FFF2-40B4-BE49-F238E27FC236}">
-                <a16:creationId xmlns:a16="http://schemas.microsoft.com/office/drawing/2014/main" id="{0B8D925C-197D-3D48-A350-B35093A9231E}"/>
-              </a:ext>
-            </a:extLst>
-          </p:cNvPr>
-          <p:cNvSpPr>
-            <a:spLocks noGrp="1"/>
-          </p:cNvSpPr>
-          <p:nvPr>
-            <p:ph sz="half" idx="1"/>
-          </p:nvPr>
-        </p:nvSpPr>
-        <p:spPr>
-          <a:xfrm>
-            <a:off x="482600" y="1827747"/>
-            <a:ext cx="5043778" cy="4448175"/>
-          </a:xfrm>
-        </p:spPr>
-        <p:txBody>
-          <a:bodyPr>
-            <a:normAutofit fontScale="92500" lnSpcReduction="20000"/>
-          </a:bodyPr>
-          <a:lstStyle/>
-          <a:p>
-            <a:r>
-              <a:rPr lang="en-US" dirty="0">
-                <a:latin typeface="Helvetica Neue Light" panose="02000403000000020004" pitchFamily="2" charset="0"/>
-                <a:ea typeface="Helvetica Neue Light" panose="02000403000000020004" pitchFamily="2" charset="0"/>
-              </a:rPr>
-              <a:t>Hicks et al. (2015) looked at four high profile </a:t>
-            </a:r>
-            <a:r>
-              <a:rPr lang="en-US" dirty="0" err="1">
-                <a:latin typeface="Helvetica Neue Light" panose="02000403000000020004" pitchFamily="2" charset="0"/>
-                <a:ea typeface="Helvetica Neue Light" panose="02000403000000020004" pitchFamily="2" charset="0"/>
-              </a:rPr>
-              <a:t>scRNA-seq</a:t>
-            </a:r>
-            <a:r>
-              <a:rPr lang="en-US" dirty="0">
-                <a:latin typeface="Helvetica Neue Light" panose="02000403000000020004" pitchFamily="2" charset="0"/>
-                <a:ea typeface="Helvetica Neue Light" panose="02000403000000020004" pitchFamily="2" charset="0"/>
-              </a:rPr>
-              <a:t> data sets</a:t>
-            </a:r>
-          </a:p>
-          <a:p>
-            <a:r>
-              <a:rPr lang="en-US" dirty="0">
-                <a:latin typeface="Helvetica Neue Light" panose="02000403000000020004" pitchFamily="2" charset="0"/>
-                <a:ea typeface="Helvetica Neue Light" panose="02000403000000020004" pitchFamily="2" charset="0"/>
-              </a:rPr>
-              <a:t>all showed evidence of batch effect confounding</a:t>
-            </a:r>
-          </a:p>
-          <a:p>
-            <a:r>
-              <a:rPr lang="en-US" dirty="0">
-                <a:latin typeface="Helvetica Neue Light" panose="02000403000000020004" pitchFamily="2" charset="0"/>
-                <a:ea typeface="Helvetica Neue Light" panose="02000403000000020004" pitchFamily="2" charset="0"/>
-              </a:rPr>
-              <a:t>Close correspondence between groups and batches in PC space</a:t>
-            </a:r>
-          </a:p>
-          <a:p>
-            <a:r>
-              <a:rPr lang="en-US" dirty="0">
-                <a:latin typeface="Helvetica Neue Light" panose="02000403000000020004" pitchFamily="2" charset="0"/>
-                <a:ea typeface="Helvetica Neue Light" panose="02000403000000020004" pitchFamily="2" charset="0"/>
-              </a:rPr>
-              <a:t>Even within a group, batch effects observed</a:t>
-            </a:r>
-          </a:p>
-          <a:p>
-            <a:pPr lvl="1"/>
-            <a:r>
-              <a:rPr lang="en-US" dirty="0">
-                <a:latin typeface="Helvetica Neue Light" panose="02000403000000020004" pitchFamily="2" charset="0"/>
-                <a:ea typeface="Helvetica Neue Light" panose="02000403000000020004" pitchFamily="2" charset="0"/>
-              </a:rPr>
-              <a:t>Imagine you are interested in variation among groups in gene expression noise ….. </a:t>
-            </a:r>
-          </a:p>
-          <a:p>
-            <a:pPr marL="0" indent="0">
-              <a:buNone/>
-            </a:pPr>
-            <a:endParaRPr lang="en-US" dirty="0">
-              <a:latin typeface="Helvetica Neue Light" panose="02000403000000020004" pitchFamily="2" charset="0"/>
-              <a:ea typeface="Helvetica Neue Light" panose="02000403000000020004" pitchFamily="2" charset="0"/>
-            </a:endParaRPr>
-          </a:p>
-          <a:p>
-            <a:pPr marL="457200" lvl="1" indent="0">
-              <a:buNone/>
-            </a:pPr>
-            <a:endParaRPr lang="en-US" dirty="0">
-              <a:latin typeface="Helvetica Neue Light" panose="02000403000000020004" pitchFamily="2" charset="0"/>
-              <a:ea typeface="Helvetica Neue Light" panose="02000403000000020004" pitchFamily="2" charset="0"/>
-            </a:endParaRPr>
-          </a:p>
-          <a:p>
-            <a:pPr lvl="1"/>
-            <a:endParaRPr lang="en-US" dirty="0">
-              <a:latin typeface="Helvetica Neue Light" panose="02000403000000020004" pitchFamily="2" charset="0"/>
-              <a:ea typeface="Helvetica Neue Light" panose="02000403000000020004" pitchFamily="2" charset="0"/>
-            </a:endParaRPr>
-          </a:p>
-          <a:p>
-            <a:pPr lvl="1"/>
-            <a:endParaRPr lang="en-US" dirty="0">
-              <a:latin typeface="Helvetica Neue Light" panose="02000403000000020004" pitchFamily="2" charset="0"/>
-              <a:ea typeface="Helvetica Neue Light" panose="02000403000000020004" pitchFamily="2" charset="0"/>
-            </a:endParaRPr>
-          </a:p>
-          <a:p>
-            <a:endParaRPr lang="en-US" dirty="0">
-              <a:latin typeface="Helvetica Neue Light" panose="02000403000000020004" pitchFamily="2" charset="0"/>
-              <a:ea typeface="Helvetica Neue Light" panose="02000403000000020004" pitchFamily="2" charset="0"/>
-            </a:endParaRPr>
-          </a:p>
-          <a:p>
-            <a:pPr marL="0" indent="0">
-              <a:buNone/>
-            </a:pPr>
-            <a:endParaRPr lang="en-US" dirty="0">
-              <a:latin typeface="Helvetica Neue Light" panose="02000403000000020004" pitchFamily="2" charset="0"/>
-              <a:ea typeface="Helvetica Neue Light" panose="02000403000000020004" pitchFamily="2" charset="0"/>
-            </a:endParaRPr>
-          </a:p>
-        </p:txBody>
-      </p:sp>
-      <p:pic>
-        <p:nvPicPr>
-          <p:cNvPr id="3" name="Picture 2">
-            <a:extLst>
-              <a:ext uri="{FF2B5EF4-FFF2-40B4-BE49-F238E27FC236}">
-                <a16:creationId xmlns:a16="http://schemas.microsoft.com/office/drawing/2014/main" id="{F6CDAA35-9A12-5543-B9D8-466E6E7AF7D7}"/>
-              </a:ext>
-            </a:extLst>
-          </p:cNvPr>
-          <p:cNvPicPr>
-            <a:picLocks noChangeAspect="1"/>
-          </p:cNvPicPr>
-          <p:nvPr/>
-        </p:nvPicPr>
-        <p:blipFill>
-          <a:blip r:embed="rId2"/>
-          <a:stretch>
-            <a:fillRect/>
-          </a:stretch>
-        </p:blipFill>
-        <p:spPr>
-          <a:xfrm>
-            <a:off x="5526378" y="1690688"/>
-            <a:ext cx="5952608" cy="3732486"/>
-          </a:xfrm>
-          <a:prstGeom prst="rect">
-            <a:avLst/>
-          </a:prstGeom>
-        </p:spPr>
-      </p:pic>
-    </p:spTree>
-    <p:extLst>
-      <p:ext uri="{BB962C8B-B14F-4D97-AF65-F5344CB8AC3E}">
-        <p14:creationId xmlns:p14="http://schemas.microsoft.com/office/powerpoint/2010/main" val="1651831573"/>
-      </p:ext>
-    </p:extLst>
-  </p:cSld>
-  <p:clrMapOvr>
-    <a:masterClrMapping/>
-  </p:clrMapOvr>
-</p:sld>
-</file>
-
-<file path=ppt/slides/slide28.xml><?xml version="1.0" encoding="utf-8"?>
-<p:sld xmlns:a="http://schemas.openxmlformats.org/drawingml/2006/main" xmlns:r="http://schemas.openxmlformats.org/officeDocument/2006/relationships" xmlns:p="http://schemas.openxmlformats.org/presentationml/2006/main">
-  <p:cSld>
-    <p:spTree>
-      <p:nvGrpSpPr>
-        <p:cNvPr id="1" name=""/>
-        <p:cNvGrpSpPr/>
-        <p:nvPr/>
-      </p:nvGrpSpPr>
-      <p:grpSpPr>
-        <a:xfrm>
-          <a:off x="0" y="0"/>
-          <a:ext cx="0" cy="0"/>
-          <a:chOff x="0" y="0"/>
-          <a:chExt cx="0" cy="0"/>
-        </a:xfrm>
-      </p:grpSpPr>
-      <p:pic>
-        <p:nvPicPr>
-          <p:cNvPr id="8" name="Picture 7">
-            <a:extLst>
-              <a:ext uri="{FF2B5EF4-FFF2-40B4-BE49-F238E27FC236}">
-                <a16:creationId xmlns:a16="http://schemas.microsoft.com/office/drawing/2014/main" id="{116B92B0-19D0-6444-A7BD-F4C111B18A78}"/>
-              </a:ext>
-            </a:extLst>
-          </p:cNvPr>
-          <p:cNvPicPr>
-            <a:picLocks noChangeAspect="1"/>
-          </p:cNvPicPr>
-          <p:nvPr/>
-        </p:nvPicPr>
-        <p:blipFill rotWithShape="1">
-          <a:blip r:embed="rId2"/>
-          <a:srcRect l="3" t="6003" r="48530" b="53995"/>
-          <a:stretch/>
-        </p:blipFill>
-        <p:spPr>
-          <a:xfrm>
-            <a:off x="8932122" y="1597915"/>
-            <a:ext cx="3108960" cy="2194560"/>
-          </a:xfrm>
-          <a:prstGeom prst="rect">
-            <a:avLst/>
-          </a:prstGeom>
-        </p:spPr>
-      </p:pic>
-      <p:pic>
-        <p:nvPicPr>
-          <p:cNvPr id="4" name="Picture 3">
-            <a:extLst>
-              <a:ext uri="{FF2B5EF4-FFF2-40B4-BE49-F238E27FC236}">
-                <a16:creationId xmlns:a16="http://schemas.microsoft.com/office/drawing/2014/main" id="{61379CD6-2B1B-D44D-B065-F5E8A91318ED}"/>
-              </a:ext>
-            </a:extLst>
-          </p:cNvPr>
-          <p:cNvPicPr>
-            <a:picLocks noChangeAspect="1"/>
-          </p:cNvPicPr>
-          <p:nvPr/>
-        </p:nvPicPr>
-        <p:blipFill>
-          <a:blip r:embed="rId3"/>
-          <a:stretch>
-            <a:fillRect/>
-          </a:stretch>
-        </p:blipFill>
-        <p:spPr>
-          <a:xfrm>
-            <a:off x="6370517" y="1554605"/>
-            <a:ext cx="2702173" cy="3465466"/>
-          </a:xfrm>
-          <a:prstGeom prst="rect">
-            <a:avLst/>
-          </a:prstGeom>
-        </p:spPr>
-      </p:pic>
-      <p:cxnSp>
-        <p:nvCxnSpPr>
-          <p:cNvPr id="5" name="Straight Connector 4">
-            <a:extLst>
-              <a:ext uri="{FF2B5EF4-FFF2-40B4-BE49-F238E27FC236}">
-                <a16:creationId xmlns:a16="http://schemas.microsoft.com/office/drawing/2014/main" id="{97A6922C-54C3-694F-9492-EAC388C3E954}"/>
-              </a:ext>
-            </a:extLst>
-          </p:cNvPr>
-          <p:cNvCxnSpPr/>
-          <p:nvPr/>
-        </p:nvCxnSpPr>
-        <p:spPr>
-          <a:xfrm>
-            <a:off x="262467" y="1417638"/>
-            <a:ext cx="11216519" cy="0"/>
-          </a:xfrm>
-          <a:prstGeom prst="line">
-            <a:avLst/>
-          </a:prstGeom>
-          <a:ln w="19050">
-            <a:solidFill>
-              <a:schemeClr val="tx1"/>
-            </a:solidFill>
-          </a:ln>
-          <a:effectLst/>
-        </p:spPr>
-        <p:style>
-          <a:lnRef idx="2">
-            <a:schemeClr val="accent1"/>
-          </a:lnRef>
-          <a:fillRef idx="0">
-            <a:schemeClr val="accent1"/>
-          </a:fillRef>
-          <a:effectRef idx="1">
-            <a:schemeClr val="accent1"/>
-          </a:effectRef>
-          <a:fontRef idx="minor">
-            <a:schemeClr val="tx1"/>
-          </a:fontRef>
-        </p:style>
-      </p:cxnSp>
-      <p:sp>
-        <p:nvSpPr>
-          <p:cNvPr id="12" name="Title 1">
-            <a:extLst>
-              <a:ext uri="{FF2B5EF4-FFF2-40B4-BE49-F238E27FC236}">
-                <a16:creationId xmlns:a16="http://schemas.microsoft.com/office/drawing/2014/main" id="{B48711B5-D460-7044-939F-EAFD1BB7A648}"/>
-              </a:ext>
-            </a:extLst>
-          </p:cNvPr>
-          <p:cNvSpPr>
-            <a:spLocks noGrp="1"/>
-          </p:cNvSpPr>
-          <p:nvPr>
-            <p:ph type="title"/>
-          </p:nvPr>
-        </p:nvSpPr>
-        <p:spPr>
-          <a:xfrm>
-            <a:off x="262467" y="365125"/>
-            <a:ext cx="11634788" cy="1325563"/>
-          </a:xfrm>
-        </p:spPr>
-        <p:txBody>
-          <a:bodyPr/>
-          <a:lstStyle/>
-          <a:p>
-            <a:r>
-              <a:rPr lang="en-US" dirty="0"/>
               <a:t>Batch effects: spike-ins don’t necessarily fix ‘</a:t>
             </a:r>
             <a:r>
@@ -11604,7 +11199,7 @@
 </p:sld>
 </file>
 
-<file path=ppt/slides/slide29.xml><?xml version="1.0" encoding="utf-8"?>
+<file path=ppt/slides/slide26.xml><?xml version="1.0" encoding="utf-8"?>
 <p:sld xmlns:a="http://schemas.openxmlformats.org/drawingml/2006/main" xmlns:r="http://schemas.openxmlformats.org/officeDocument/2006/relationships" xmlns:p="http://schemas.openxmlformats.org/presentationml/2006/main">
   <p:cSld>
     <p:spTree>
@@ -12009,270 +11604,7 @@
 </p:sld>
 </file>
 
-<file path=ppt/slides/slide3.xml><?xml version="1.0" encoding="utf-8"?>
-<p:sld xmlns:a="http://schemas.openxmlformats.org/drawingml/2006/main" xmlns:r="http://schemas.openxmlformats.org/officeDocument/2006/relationships" xmlns:p="http://schemas.openxmlformats.org/presentationml/2006/main">
-  <p:cSld>
-    <p:spTree>
-      <p:nvGrpSpPr>
-        <p:cNvPr id="1" name=""/>
-        <p:cNvGrpSpPr/>
-        <p:nvPr/>
-      </p:nvGrpSpPr>
-      <p:grpSpPr>
-        <a:xfrm>
-          <a:off x="0" y="0"/>
-          <a:ext cx="0" cy="0"/>
-          <a:chOff x="0" y="0"/>
-          <a:chExt cx="0" cy="0"/>
-        </a:xfrm>
-      </p:grpSpPr>
-      <p:sp>
-        <p:nvSpPr>
-          <p:cNvPr id="4" name="Title 1">
-            <a:extLst>
-              <a:ext uri="{FF2B5EF4-FFF2-40B4-BE49-F238E27FC236}">
-                <a16:creationId xmlns:a16="http://schemas.microsoft.com/office/drawing/2014/main" id="{8E78658E-9087-214F-84AF-33F023194D43}"/>
-              </a:ext>
-            </a:extLst>
-          </p:cNvPr>
-          <p:cNvSpPr>
-            <a:spLocks noGrp="1"/>
-          </p:cNvSpPr>
-          <p:nvPr>
-            <p:ph type="title"/>
-          </p:nvPr>
-        </p:nvSpPr>
-        <p:spPr>
-          <a:xfrm>
-            <a:off x="262467" y="365125"/>
-            <a:ext cx="11634788" cy="1325563"/>
-          </a:xfrm>
-        </p:spPr>
-        <p:txBody>
-          <a:bodyPr/>
-          <a:lstStyle/>
-          <a:p>
-            <a:r>
-              <a:rPr lang="en-US" dirty="0"/>
-              <a:t>Motivations</a:t>
-            </a:r>
-          </a:p>
-        </p:txBody>
-      </p:sp>
-      <p:cxnSp>
-        <p:nvCxnSpPr>
-          <p:cNvPr id="5" name="Straight Connector 4">
-            <a:extLst>
-              <a:ext uri="{FF2B5EF4-FFF2-40B4-BE49-F238E27FC236}">
-                <a16:creationId xmlns:a16="http://schemas.microsoft.com/office/drawing/2014/main" id="{97A6922C-54C3-694F-9492-EAC388C3E954}"/>
-              </a:ext>
-            </a:extLst>
-          </p:cNvPr>
-          <p:cNvCxnSpPr/>
-          <p:nvPr/>
-        </p:nvCxnSpPr>
-        <p:spPr>
-          <a:xfrm>
-            <a:off x="262467" y="1417638"/>
-            <a:ext cx="11216519" cy="0"/>
-          </a:xfrm>
-          <a:prstGeom prst="line">
-            <a:avLst/>
-          </a:prstGeom>
-          <a:ln w="19050">
-            <a:solidFill>
-              <a:schemeClr val="tx1"/>
-            </a:solidFill>
-          </a:ln>
-          <a:effectLst/>
-        </p:spPr>
-        <p:style>
-          <a:lnRef idx="2">
-            <a:schemeClr val="accent1"/>
-          </a:lnRef>
-          <a:fillRef idx="0">
-            <a:schemeClr val="accent1"/>
-          </a:fillRef>
-          <a:effectRef idx="1">
-            <a:schemeClr val="accent1"/>
-          </a:effectRef>
-          <a:fontRef idx="minor">
-            <a:schemeClr val="tx1"/>
-          </a:fontRef>
-        </p:style>
-      </p:cxnSp>
-      <p:sp>
-        <p:nvSpPr>
-          <p:cNvPr id="203" name="TextBox 202">
-            <a:extLst>
-              <a:ext uri="{FF2B5EF4-FFF2-40B4-BE49-F238E27FC236}">
-                <a16:creationId xmlns:a16="http://schemas.microsoft.com/office/drawing/2014/main" id="{3B31D32C-9DCE-A941-A38A-058C2EB87CD6}"/>
-              </a:ext>
-            </a:extLst>
-          </p:cNvPr>
-          <p:cNvSpPr txBox="1"/>
-          <p:nvPr/>
-        </p:nvSpPr>
-        <p:spPr>
-          <a:xfrm>
-            <a:off x="592667" y="1896533"/>
-            <a:ext cx="10947400" cy="4462760"/>
-          </a:xfrm>
-          <a:prstGeom prst="rect">
-            <a:avLst/>
-          </a:prstGeom>
-          <a:noFill/>
-        </p:spPr>
-        <p:txBody>
-          <a:bodyPr wrap="square" rtlCol="0">
-            <a:spAutoFit/>
-          </a:bodyPr>
-          <a:lstStyle/>
-          <a:p>
-            <a:pPr marL="285750" indent="-285750">
-              <a:buFont typeface="Arial" panose="020B0604020202020204" pitchFamily="34" charset="0"/>
-              <a:buChar char="•"/>
-            </a:pPr>
-            <a:r>
-              <a:rPr lang="en-US" sz="2800" dirty="0">
-                <a:latin typeface="Helvetica Neue Light" panose="02000403000000020004" pitchFamily="2" charset="0"/>
-                <a:ea typeface="Helvetica Neue Light" panose="02000403000000020004" pitchFamily="2" charset="0"/>
-              </a:rPr>
-              <a:t>Analyze rare populations hard to detect in bulk experiments</a:t>
-            </a:r>
-          </a:p>
-          <a:p>
-            <a:pPr marL="285750" indent="-285750">
-              <a:buFont typeface="Arial" panose="020B0604020202020204" pitchFamily="34" charset="0"/>
-              <a:buChar char="•"/>
-            </a:pPr>
-            <a:r>
-              <a:rPr lang="en-US" sz="2800" dirty="0">
-                <a:latin typeface="Helvetica Neue Light" panose="02000403000000020004" pitchFamily="2" charset="0"/>
-                <a:ea typeface="Helvetica Neue Light" panose="02000403000000020004" pitchFamily="2" charset="0"/>
-              </a:rPr>
-              <a:t>Understand cell subpopulation distributions</a:t>
-            </a:r>
-          </a:p>
-          <a:p>
-            <a:pPr marL="742950" lvl="1" indent="-285750">
-              <a:buFont typeface="Arial" panose="020B0604020202020204" pitchFamily="34" charset="0"/>
-              <a:buChar char="•"/>
-            </a:pPr>
-            <a:r>
-              <a:rPr lang="en-US" sz="2400" dirty="0">
-                <a:latin typeface="Helvetica Neue Light" panose="02000403000000020004" pitchFamily="2" charset="0"/>
-                <a:ea typeface="Helvetica Neue Light" panose="02000403000000020004" pitchFamily="2" charset="0"/>
-              </a:rPr>
-              <a:t>Pre-</a:t>
-            </a:r>
-            <a:r>
-              <a:rPr lang="en-US" sz="2400" dirty="0" err="1">
-                <a:latin typeface="Helvetica Neue Light" panose="02000403000000020004" pitchFamily="2" charset="0"/>
-                <a:ea typeface="Helvetica Neue Light" panose="02000403000000020004" pitchFamily="2" charset="0"/>
-              </a:rPr>
-              <a:t>scRNAseq</a:t>
-            </a:r>
-            <a:r>
-              <a:rPr lang="en-US" sz="2400" dirty="0">
-                <a:latin typeface="Helvetica Neue Light" panose="02000403000000020004" pitchFamily="2" charset="0"/>
-                <a:ea typeface="Helvetica Neue Light" panose="02000403000000020004" pitchFamily="2" charset="0"/>
-              </a:rPr>
-              <a:t> assays (e.g. FISH) detected orders of magnitude expression variation in putatively ”identical cells”</a:t>
-            </a:r>
-          </a:p>
-          <a:p>
-            <a:pPr marL="742950" lvl="1" indent="-285750">
-              <a:buFont typeface="Arial" panose="020B0604020202020204" pitchFamily="34" charset="0"/>
-              <a:buChar char="•"/>
-            </a:pPr>
-            <a:r>
-              <a:rPr lang="en-US" sz="2400" dirty="0">
-                <a:latin typeface="Helvetica Neue Light" panose="02000403000000020004" pitchFamily="2" charset="0"/>
-                <a:ea typeface="Helvetica Neue Light" panose="02000403000000020004" pitchFamily="2" charset="0"/>
-              </a:rPr>
-              <a:t>Developmental, tissue-specific, and intra-tissue treatment </a:t>
-            </a:r>
-            <a:r>
-              <a:rPr lang="en-US" sz="2400" dirty="0" err="1">
-                <a:latin typeface="Helvetica Neue Light" panose="02000403000000020004" pitchFamily="2" charset="0"/>
-                <a:ea typeface="Helvetica Neue Light" panose="02000403000000020004" pitchFamily="2" charset="0"/>
-              </a:rPr>
-              <a:t>diferences</a:t>
-            </a:r>
-            <a:endParaRPr lang="en-US" sz="2800" dirty="0">
-              <a:latin typeface="Helvetica Neue Light" panose="02000403000000020004" pitchFamily="2" charset="0"/>
-              <a:ea typeface="Helvetica Neue Light" panose="02000403000000020004" pitchFamily="2" charset="0"/>
-            </a:endParaRPr>
-          </a:p>
-          <a:p>
-            <a:pPr marL="285750" indent="-285750">
-              <a:buFont typeface="Arial" panose="020B0604020202020204" pitchFamily="34" charset="0"/>
-              <a:buChar char="•"/>
-            </a:pPr>
-            <a:r>
-              <a:rPr lang="en-US" sz="2800" dirty="0">
-                <a:latin typeface="Helvetica Neue Light" panose="02000403000000020004" pitchFamily="2" charset="0"/>
-                <a:ea typeface="Helvetica Neue Light" panose="02000403000000020004" pitchFamily="2" charset="0"/>
-              </a:rPr>
-              <a:t>Remove potential biases of bulk perspective</a:t>
-            </a:r>
-          </a:p>
-          <a:p>
-            <a:pPr marL="742950" lvl="1" indent="-285750">
-              <a:buFont typeface="Arial" panose="020B0604020202020204" pitchFamily="34" charset="0"/>
-              <a:buChar char="•"/>
-            </a:pPr>
-            <a:r>
-              <a:rPr lang="en-US" sz="2400" dirty="0">
-                <a:latin typeface="Helvetica Neue Light" panose="02000403000000020004" pitchFamily="2" charset="0"/>
-                <a:ea typeface="Helvetica Neue Light" panose="02000403000000020004" pitchFamily="2" charset="0"/>
-              </a:rPr>
-              <a:t>Mean expression for cell population can be biased by a few cells</a:t>
-            </a:r>
-          </a:p>
-          <a:p>
-            <a:pPr lvl="1"/>
-            <a:endParaRPr lang="en-US" sz="2400" dirty="0">
-              <a:latin typeface="Helvetica Neue Light" panose="02000403000000020004" pitchFamily="2" charset="0"/>
-              <a:ea typeface="Helvetica Neue Light" panose="02000403000000020004" pitchFamily="2" charset="0"/>
-            </a:endParaRPr>
-          </a:p>
-          <a:p>
-            <a:pPr marL="285750" indent="-285750">
-              <a:buFont typeface="Arial" panose="020B0604020202020204" pitchFamily="34" charset="0"/>
-              <a:buChar char="•"/>
-            </a:pPr>
-            <a:r>
-              <a:rPr lang="en-US" sz="2800" dirty="0">
-                <a:latin typeface="Helvetica Neue Light" panose="02000403000000020004" pitchFamily="2" charset="0"/>
-                <a:ea typeface="Helvetica Neue Light" panose="02000403000000020004" pitchFamily="2" charset="0"/>
-              </a:rPr>
-              <a:t>Distinguish patterns and processes that are unidentifiable in bulk experiments</a:t>
-            </a:r>
-          </a:p>
-          <a:p>
-            <a:endParaRPr lang="en-US" sz="2400" dirty="0">
-              <a:latin typeface="Helvetica Neue Light" panose="02000403000000020004" pitchFamily="2" charset="0"/>
-              <a:ea typeface="Helvetica Neue Light" panose="02000403000000020004" pitchFamily="2" charset="0"/>
-            </a:endParaRPr>
-          </a:p>
-        </p:txBody>
-      </p:sp>
-    </p:spTree>
-    <p:extLst>
-      <p:ext uri="{BB962C8B-B14F-4D97-AF65-F5344CB8AC3E}">
-        <p14:creationId xmlns:p14="http://schemas.microsoft.com/office/powerpoint/2010/main" val="578784395"/>
-      </p:ext>
-    </p:extLst>
-  </p:cSld>
-  <p:clrMapOvr>
-    <a:masterClrMapping/>
-  </p:clrMapOvr>
-</p:sld>
-</file>
-
-<file path=ppt/slides/slide30.xml><?xml version="1.0" encoding="utf-8"?>
+<file path=ppt/slides/slide27.xml><?xml version="1.0" encoding="utf-8"?>
 <p:sld xmlns:a="http://schemas.openxmlformats.org/drawingml/2006/main" xmlns:r="http://schemas.openxmlformats.org/officeDocument/2006/relationships" xmlns:p="http://schemas.openxmlformats.org/presentationml/2006/main">
   <p:cSld>
     <p:spTree>
@@ -12569,7 +11901,7 @@
 </p:sld>
 </file>
 
-<file path=ppt/slides/slide31.xml><?xml version="1.0" encoding="utf-8"?>
+<file path=ppt/slides/slide28.xml><?xml version="1.0" encoding="utf-8"?>
 <p:sld xmlns:a="http://schemas.openxmlformats.org/drawingml/2006/main" xmlns:r="http://schemas.openxmlformats.org/officeDocument/2006/relationships" xmlns:p="http://schemas.openxmlformats.org/presentationml/2006/main">
   <p:cSld>
     <p:spTree>
@@ -13313,7 +12645,7 @@
 </p:sld>
 </file>
 
-<file path=ppt/slides/slide32.xml><?xml version="1.0" encoding="utf-8"?>
+<file path=ppt/slides/slide29.xml><?xml version="1.0" encoding="utf-8"?>
 <p:sld xmlns:a="http://schemas.openxmlformats.org/drawingml/2006/main" xmlns:r="http://schemas.openxmlformats.org/officeDocument/2006/relationships" xmlns:p="http://schemas.openxmlformats.org/presentationml/2006/main">
   <p:cSld>
     <p:spTree>
@@ -13400,47 +12732,17 @@
           <a:p>
             <a:r>
               <a:rPr lang="en-US" dirty="0"/>
-              <a:t>Evaluating available methods</a:t>
+              <a:t>Next steps: workflow examples</a:t>
             </a:r>
           </a:p>
         </p:txBody>
       </p:sp>
-      <p:pic>
-        <p:nvPicPr>
-          <p:cNvPr id="6" name="Picture 5">
-            <a:extLst>
-              <a:ext uri="{FF2B5EF4-FFF2-40B4-BE49-F238E27FC236}">
-                <a16:creationId xmlns:a16="http://schemas.microsoft.com/office/drawing/2014/main" id="{BCA27C8E-2CB4-6B44-8064-0FBB75495802}"/>
-              </a:ext>
-            </a:extLst>
-          </p:cNvPr>
-          <p:cNvPicPr>
-            <a:picLocks noChangeAspect="1"/>
-          </p:cNvPicPr>
-          <p:nvPr/>
-        </p:nvPicPr>
-        <p:blipFill>
-          <a:blip r:embed="rId3"/>
-          <a:stretch>
-            <a:fillRect/>
-          </a:stretch>
-        </p:blipFill>
-        <p:spPr>
-          <a:xfrm>
-            <a:off x="2409677" y="1561591"/>
-            <a:ext cx="7372646" cy="4539237"/>
-          </a:xfrm>
-          <a:prstGeom prst="rect">
-            <a:avLst/>
-          </a:prstGeom>
-        </p:spPr>
-      </p:pic>
       <p:sp>
         <p:nvSpPr>
-          <p:cNvPr id="25" name="Content Placeholder 7">
-            <a:extLst>
-              <a:ext uri="{FF2B5EF4-FFF2-40B4-BE49-F238E27FC236}">
-                <a16:creationId xmlns:a16="http://schemas.microsoft.com/office/drawing/2014/main" id="{8F071305-CD6D-A847-A402-05CD098BED71}"/>
+          <p:cNvPr id="7" name="Content Placeholder 7">
+            <a:extLst>
+              <a:ext uri="{FF2B5EF4-FFF2-40B4-BE49-F238E27FC236}">
+                <a16:creationId xmlns:a16="http://schemas.microsoft.com/office/drawing/2014/main" id="{0B8D925C-197D-3D48-A350-B35093A9231E}"/>
               </a:ext>
             </a:extLst>
           </p:cNvPr>
@@ -13453,8 +12755,8 @@
         </p:nvSpPr>
         <p:spPr>
           <a:xfrm>
-            <a:off x="482599" y="6158719"/>
-            <a:ext cx="10244667" cy="584679"/>
+            <a:off x="482600" y="1827747"/>
+            <a:ext cx="11176000" cy="4448175"/>
           </a:xfrm>
         </p:spPr>
         <p:txBody>
@@ -13464,29 +12766,164 @@
           <a:lstStyle/>
           <a:p>
             <a:r>
-              <a:rPr lang="en-US" sz="1400" dirty="0">
-                <a:latin typeface="Helvetica Neue Light" panose="02000403000000020004" pitchFamily="2" charset="0"/>
-                <a:ea typeface="Helvetica Neue Light" panose="02000403000000020004" pitchFamily="2" charset="0"/>
-              </a:rPr>
-              <a:t>Accuracy: Pearson correlation with known spike-in concentration</a:t>
-            </a:r>
-          </a:p>
-          <a:p>
-            <a:r>
-              <a:rPr lang="en-US" sz="1400" dirty="0">
-                <a:latin typeface="Helvetica Neue Light" panose="02000403000000020004" pitchFamily="2" charset="0"/>
-                <a:ea typeface="Helvetica Neue Light" panose="02000403000000020004" pitchFamily="2" charset="0"/>
-              </a:rPr>
-              <a:t>Sensitivity: # input molecules at which detection probability reaches 50%</a:t>
-            </a:r>
-          </a:p>
-          <a:p>
+              <a:rPr lang="en-US" dirty="0">
+                <a:latin typeface="Helvetica Neue Light" panose="02000403000000020004" pitchFamily="2" charset="0"/>
+                <a:ea typeface="Helvetica Neue Light" panose="02000403000000020004" pitchFamily="2" charset="0"/>
+              </a:rPr>
+              <a:t>Importing data into Seurat</a:t>
+            </a:r>
+          </a:p>
+          <a:p>
+            <a:pPr lvl="1"/>
+            <a:r>
+              <a:rPr lang="en-US" dirty="0">
+                <a:latin typeface="Helvetica Neue Light" panose="02000403000000020004" pitchFamily="2" charset="0"/>
+                <a:ea typeface="Helvetica Neue Light" panose="02000403000000020004" pitchFamily="2" charset="0"/>
+              </a:rPr>
+              <a:t>Data pre-processing</a:t>
+            </a:r>
+          </a:p>
+          <a:p>
+            <a:pPr lvl="1"/>
+            <a:r>
+              <a:rPr lang="en-US" dirty="0">
+                <a:latin typeface="Helvetica Neue Light" panose="02000403000000020004" pitchFamily="2" charset="0"/>
+                <a:ea typeface="Helvetica Neue Light" panose="02000403000000020004" pitchFamily="2" charset="0"/>
+              </a:rPr>
+              <a:t>Identifying cell subpopulations (w/ </a:t>
+            </a:r>
+            <a:r>
+              <a:rPr lang="en-US" dirty="0" err="1">
+                <a:latin typeface="Helvetica Neue Light" panose="02000403000000020004" pitchFamily="2" charset="0"/>
+                <a:ea typeface="Helvetica Neue Light" panose="02000403000000020004" pitchFamily="2" charset="0"/>
+              </a:rPr>
+              <a:t>tSNE</a:t>
+            </a:r>
+            <a:r>
+              <a:rPr lang="en-US" dirty="0">
+                <a:latin typeface="Helvetica Neue Light" panose="02000403000000020004" pitchFamily="2" charset="0"/>
+                <a:ea typeface="Helvetica Neue Light" panose="02000403000000020004" pitchFamily="2" charset="0"/>
+              </a:rPr>
+              <a:t>)</a:t>
+            </a:r>
+          </a:p>
+          <a:p>
+            <a:pPr lvl="1"/>
+            <a:r>
+              <a:rPr lang="en-US" dirty="0">
+                <a:latin typeface="Helvetica Neue Light" panose="02000403000000020004" pitchFamily="2" charset="0"/>
+                <a:ea typeface="Helvetica Neue Light" panose="02000403000000020004" pitchFamily="2" charset="0"/>
+              </a:rPr>
+              <a:t>10x PBMC data set</a:t>
+            </a:r>
+          </a:p>
+          <a:p>
+            <a:r>
+              <a:rPr lang="en-US" dirty="0">
+                <a:latin typeface="Helvetica Neue Light" panose="02000403000000020004" pitchFamily="2" charset="0"/>
+                <a:ea typeface="Helvetica Neue Light" panose="02000403000000020004" pitchFamily="2" charset="0"/>
+              </a:rPr>
+              <a:t>Multi-sample integrative analysis </a:t>
+            </a:r>
+          </a:p>
+          <a:p>
+            <a:pPr lvl="1"/>
+            <a:r>
+              <a:rPr lang="en-US" dirty="0">
+                <a:latin typeface="Helvetica Neue Light" panose="02000403000000020004" pitchFamily="2" charset="0"/>
+                <a:ea typeface="Helvetica Neue Light" panose="02000403000000020004" pitchFamily="2" charset="0"/>
+              </a:rPr>
+              <a:t>Brand new approach (Butler et al. 2018, </a:t>
+            </a:r>
+            <a:r>
+              <a:rPr lang="en-US" i="1" dirty="0">
+                <a:latin typeface="Helvetica Neue Light" panose="02000403000000020004" pitchFamily="2" charset="0"/>
+                <a:ea typeface="Helvetica Neue Light" panose="02000403000000020004" pitchFamily="2" charset="0"/>
+              </a:rPr>
+              <a:t>Nat. Biotech.)</a:t>
+            </a:r>
             <a:endParaRPr lang="en-US" dirty="0">
               <a:latin typeface="Helvetica Neue Light" panose="02000403000000020004" pitchFamily="2" charset="0"/>
               <a:ea typeface="Helvetica Neue Light" panose="02000403000000020004" pitchFamily="2" charset="0"/>
             </a:endParaRPr>
           </a:p>
           <a:p>
+            <a:pPr lvl="1"/>
+            <a:r>
+              <a:rPr lang="en-US" dirty="0">
+                <a:latin typeface="Helvetica Neue Light" panose="02000403000000020004" pitchFamily="2" charset="0"/>
+                <a:ea typeface="Helvetica Neue Light" panose="02000403000000020004" pitchFamily="2" charset="0"/>
+              </a:rPr>
+              <a:t>Can compare tissues, treatments, species</a:t>
+            </a:r>
+          </a:p>
+          <a:p>
+            <a:pPr lvl="2"/>
+            <a:r>
+              <a:rPr lang="en-US" dirty="0">
+                <a:latin typeface="Helvetica Neue Light" panose="02000403000000020004" pitchFamily="2" charset="0"/>
+                <a:ea typeface="Helvetica Neue Light" panose="02000403000000020004" pitchFamily="2" charset="0"/>
+              </a:rPr>
+              <a:t>”Aligns” samples using shared correlation structure</a:t>
+            </a:r>
+          </a:p>
+          <a:p>
+            <a:r>
+              <a:rPr lang="en-US" dirty="0">
+                <a:latin typeface="Helvetica Neue Light" panose="02000403000000020004" pitchFamily="2" charset="0"/>
+                <a:ea typeface="Helvetica Neue Light" panose="02000403000000020004" pitchFamily="2" charset="0"/>
+              </a:rPr>
+              <a:t>Alternative ways to do clustering</a:t>
+            </a:r>
+          </a:p>
+          <a:p>
+            <a:pPr lvl="1"/>
+            <a:r>
+              <a:rPr lang="en-US" dirty="0">
+                <a:latin typeface="Helvetica Neue Light" panose="02000403000000020004" pitchFamily="2" charset="0"/>
+                <a:ea typeface="Helvetica Neue Light" panose="02000403000000020004" pitchFamily="2" charset="0"/>
+              </a:rPr>
+              <a:t>A quick run of SIMLR to</a:t>
+            </a:r>
+          </a:p>
+          <a:p>
+            <a:pPr lvl="2"/>
+            <a:r>
+              <a:rPr lang="en-US" dirty="0">
+                <a:latin typeface="Helvetica Neue Light" panose="02000403000000020004" pitchFamily="2" charset="0"/>
+                <a:ea typeface="Helvetica Neue Light" panose="02000403000000020004" pitchFamily="2" charset="0"/>
+              </a:rPr>
+              <a:t>Identify # of clusters</a:t>
+            </a:r>
+          </a:p>
+          <a:p>
+            <a:pPr lvl="2"/>
+            <a:r>
+              <a:rPr lang="en-US" dirty="0">
+                <a:latin typeface="Helvetica Neue Light" panose="02000403000000020004" pitchFamily="2" charset="0"/>
+                <a:ea typeface="Helvetica Neue Light" panose="02000403000000020004" pitchFamily="2" charset="0"/>
+              </a:rPr>
+              <a:t>Visualize clusters in </a:t>
+            </a:r>
+            <a:r>
+              <a:rPr lang="en-US" dirty="0" err="1">
+                <a:latin typeface="Helvetica Neue Light" panose="02000403000000020004" pitchFamily="2" charset="0"/>
+                <a:ea typeface="Helvetica Neue Light" panose="02000403000000020004" pitchFamily="2" charset="0"/>
+              </a:rPr>
+              <a:t>tSNE</a:t>
+            </a:r>
+            <a:r>
+              <a:rPr lang="en-US" dirty="0">
+                <a:latin typeface="Helvetica Neue Light" panose="02000403000000020004" pitchFamily="2" charset="0"/>
+                <a:ea typeface="Helvetica Neue Light" panose="02000403000000020004" pitchFamily="2" charset="0"/>
+              </a:rPr>
+              <a:t> space</a:t>
+            </a:r>
+          </a:p>
+          <a:p>
+            <a:pPr marL="0" indent="0">
+              <a:buNone/>
+            </a:pPr>
             <a:endParaRPr lang="en-US" dirty="0">
               <a:latin typeface="Helvetica Neue Light" panose="02000403000000020004" pitchFamily="2" charset="0"/>
               <a:ea typeface="Helvetica Neue Light" panose="02000403000000020004" pitchFamily="2" charset="0"/>
@@ -13532,62 +12969,10 @@
           </a:p>
         </p:txBody>
       </p:sp>
-      <p:sp>
-        <p:nvSpPr>
-          <p:cNvPr id="26" name="TextBox 25">
-            <a:extLst>
-              <a:ext uri="{FF2B5EF4-FFF2-40B4-BE49-F238E27FC236}">
-                <a16:creationId xmlns:a16="http://schemas.microsoft.com/office/drawing/2014/main" id="{7DDB48AD-5AE1-CE49-85D8-E1283C677555}"/>
-              </a:ext>
-            </a:extLst>
-          </p:cNvPr>
-          <p:cNvSpPr txBox="1"/>
-          <p:nvPr/>
-        </p:nvSpPr>
-        <p:spPr>
-          <a:xfrm>
-            <a:off x="8080917" y="6312558"/>
-            <a:ext cx="3121623" cy="276999"/>
-          </a:xfrm>
-          <a:prstGeom prst="rect">
-            <a:avLst/>
-          </a:prstGeom>
-          <a:noFill/>
-        </p:spPr>
-        <p:txBody>
-          <a:bodyPr wrap="square" rtlCol="0">
-            <a:spAutoFit/>
-          </a:bodyPr>
-          <a:lstStyle/>
-          <a:p>
-            <a:r>
-              <a:rPr lang="en-US" sz="1200" dirty="0" err="1">
-                <a:latin typeface="Helvetica Neue Light" panose="02000403000000020004" pitchFamily="2" charset="0"/>
-                <a:ea typeface="Helvetica Neue Light" panose="02000403000000020004" pitchFamily="2" charset="0"/>
-              </a:rPr>
-              <a:t>Svensson</a:t>
-            </a:r>
-            <a:r>
-              <a:rPr lang="en-US" sz="1200" dirty="0">
-                <a:latin typeface="Helvetica Neue Light" panose="02000403000000020004" pitchFamily="2" charset="0"/>
-                <a:ea typeface="Helvetica Neue Light" panose="02000403000000020004" pitchFamily="2" charset="0"/>
-              </a:rPr>
-              <a:t> et al. 2017, </a:t>
-            </a:r>
-            <a:r>
-              <a:rPr lang="en-US" sz="1200" i="1" dirty="0">
-                <a:latin typeface="Helvetica Neue Light" panose="02000403000000020004" pitchFamily="2" charset="0"/>
-                <a:ea typeface="Helvetica Neue Light" panose="02000403000000020004" pitchFamily="2" charset="0"/>
-              </a:rPr>
-              <a:t>Nature Methods</a:t>
-            </a:r>
-          </a:p>
-        </p:txBody>
-      </p:sp>
     </p:spTree>
     <p:extLst>
       <p:ext uri="{BB962C8B-B14F-4D97-AF65-F5344CB8AC3E}">
-        <p14:creationId xmlns:p14="http://schemas.microsoft.com/office/powerpoint/2010/main" val="1711564555"/>
+        <p14:creationId xmlns:p14="http://schemas.microsoft.com/office/powerpoint/2010/main" val="2301558071"/>
       </p:ext>
     </p:extLst>
   </p:cSld>
@@ -13597,7 +12982,7 @@
 </p:sld>
 </file>
 
-<file path=ppt/slides/slide33.xml><?xml version="1.0" encoding="utf-8"?>
+<file path=ppt/slides/slide3.xml><?xml version="1.0" encoding="utf-8"?>
 <p:sld xmlns:a="http://schemas.openxmlformats.org/drawingml/2006/main" xmlns:r="http://schemas.openxmlformats.org/officeDocument/2006/relationships" xmlns:p="http://schemas.openxmlformats.org/presentationml/2006/main">
   <p:cSld>
     <p:spTree>
@@ -13614,6 +12999,39 @@
           <a:chExt cx="0" cy="0"/>
         </a:xfrm>
       </p:grpSpPr>
+      <p:sp>
+        <p:nvSpPr>
+          <p:cNvPr id="4" name="Title 1">
+            <a:extLst>
+              <a:ext uri="{FF2B5EF4-FFF2-40B4-BE49-F238E27FC236}">
+                <a16:creationId xmlns:a16="http://schemas.microsoft.com/office/drawing/2014/main" id="{8E78658E-9087-214F-84AF-33F023194D43}"/>
+              </a:ext>
+            </a:extLst>
+          </p:cNvPr>
+          <p:cNvSpPr>
+            <a:spLocks noGrp="1"/>
+          </p:cNvSpPr>
+          <p:nvPr>
+            <p:ph type="title"/>
+          </p:nvPr>
+        </p:nvSpPr>
+        <p:spPr>
+          <a:xfrm>
+            <a:off x="262467" y="365125"/>
+            <a:ext cx="11634788" cy="1325563"/>
+          </a:xfrm>
+        </p:spPr>
+        <p:txBody>
+          <a:bodyPr/>
+          <a:lstStyle/>
+          <a:p>
+            <a:r>
+              <a:rPr lang="en-US" dirty="0"/>
+              <a:t>Motivations</a:t>
+            </a:r>
+          </a:p>
+        </p:txBody>
+      </p:sp>
       <p:cxnSp>
         <p:nvCxnSpPr>
           <p:cNvPr id="5" name="Straight Connector 4">
@@ -13658,283 +13076,10 @@
       </p:cxnSp>
       <p:sp>
         <p:nvSpPr>
-          <p:cNvPr id="12" name="Title 1">
-            <a:extLst>
-              <a:ext uri="{FF2B5EF4-FFF2-40B4-BE49-F238E27FC236}">
-                <a16:creationId xmlns:a16="http://schemas.microsoft.com/office/drawing/2014/main" id="{B48711B5-D460-7044-939F-EAFD1BB7A648}"/>
-              </a:ext>
-            </a:extLst>
-          </p:cNvPr>
-          <p:cNvSpPr>
-            <a:spLocks noGrp="1"/>
-          </p:cNvSpPr>
-          <p:nvPr>
-            <p:ph type="title"/>
-          </p:nvPr>
-        </p:nvSpPr>
-        <p:spPr>
-          <a:xfrm>
-            <a:off x="262467" y="365125"/>
-            <a:ext cx="11634788" cy="1325563"/>
-          </a:xfrm>
-        </p:spPr>
-        <p:txBody>
-          <a:bodyPr/>
-          <a:lstStyle/>
-          <a:p>
-            <a:r>
-              <a:rPr lang="en-US" dirty="0"/>
-              <a:t>Identifying cell populations: a closer look</a:t>
-            </a:r>
-          </a:p>
-        </p:txBody>
-      </p:sp>
-      <p:sp>
-        <p:nvSpPr>
-          <p:cNvPr id="7" name="Content Placeholder 7">
-            <a:extLst>
-              <a:ext uri="{FF2B5EF4-FFF2-40B4-BE49-F238E27FC236}">
-                <a16:creationId xmlns:a16="http://schemas.microsoft.com/office/drawing/2014/main" id="{0B8D925C-197D-3D48-A350-B35093A9231E}"/>
-              </a:ext>
-            </a:extLst>
-          </p:cNvPr>
-          <p:cNvSpPr>
-            <a:spLocks noGrp="1"/>
-          </p:cNvSpPr>
-          <p:nvPr>
-            <p:ph sz="half" idx="1"/>
-          </p:nvPr>
-        </p:nvSpPr>
-        <p:spPr>
-          <a:xfrm>
-            <a:off x="482600" y="1827747"/>
-            <a:ext cx="11176000" cy="4448175"/>
-          </a:xfrm>
-        </p:spPr>
-        <p:txBody>
-          <a:bodyPr>
-            <a:normAutofit fontScale="92500" lnSpcReduction="10000"/>
-          </a:bodyPr>
-          <a:lstStyle/>
-          <a:p>
-            <a:r>
-              <a:rPr lang="en-US" dirty="0">
-                <a:latin typeface="Helvetica Neue Light" panose="02000403000000020004" pitchFamily="2" charset="0"/>
-                <a:ea typeface="Helvetica Neue Light" panose="02000403000000020004" pitchFamily="2" charset="0"/>
-              </a:rPr>
-              <a:t>Projecting cell expression profiles to lower dimensional space (dimension reduction)</a:t>
-            </a:r>
-          </a:p>
-          <a:p>
-            <a:pPr lvl="1"/>
-            <a:r>
-              <a:rPr lang="en-US" dirty="0">
-                <a:latin typeface="Helvetica Neue Light" panose="02000403000000020004" pitchFamily="2" charset="0"/>
-                <a:ea typeface="Helvetica Neue Light" panose="02000403000000020004" pitchFamily="2" charset="0"/>
-              </a:rPr>
-              <a:t>PCA</a:t>
-            </a:r>
-          </a:p>
-          <a:p>
-            <a:pPr lvl="1"/>
-            <a:r>
-              <a:rPr lang="en-US" dirty="0" err="1">
-                <a:latin typeface="Helvetica Neue Light" panose="02000403000000020004" pitchFamily="2" charset="0"/>
-                <a:ea typeface="Helvetica Neue Light" panose="02000403000000020004" pitchFamily="2" charset="0"/>
-              </a:rPr>
-              <a:t>tSNE</a:t>
-            </a:r>
-            <a:endParaRPr lang="en-US" dirty="0">
-              <a:latin typeface="Helvetica Neue Light" panose="02000403000000020004" pitchFamily="2" charset="0"/>
-              <a:ea typeface="Helvetica Neue Light" panose="02000403000000020004" pitchFamily="2" charset="0"/>
-            </a:endParaRPr>
-          </a:p>
-          <a:p>
-            <a:pPr lvl="1"/>
-            <a:r>
-              <a:rPr lang="en-US" dirty="0">
-                <a:latin typeface="Helvetica Neue Light" panose="02000403000000020004" pitchFamily="2" charset="0"/>
-                <a:ea typeface="Helvetica Neue Light" panose="02000403000000020004" pitchFamily="2" charset="0"/>
-              </a:rPr>
-              <a:t>SIMLR</a:t>
-            </a:r>
-          </a:p>
-          <a:p>
-            <a:pPr lvl="2"/>
-            <a:r>
-              <a:rPr lang="en-US" dirty="0">
-                <a:latin typeface="Helvetica Neue Light" panose="02000403000000020004" pitchFamily="2" charset="0"/>
-                <a:ea typeface="Helvetica Neue Light" panose="02000403000000020004" pitchFamily="2" charset="0"/>
-              </a:rPr>
-              <a:t>Learns cell-to-cell similarity matrix with multiple kernels, and feeds matrix to </a:t>
-            </a:r>
-            <a:r>
-              <a:rPr lang="en-US" dirty="0" err="1">
-                <a:latin typeface="Helvetica Neue Light" panose="02000403000000020004" pitchFamily="2" charset="0"/>
-                <a:ea typeface="Helvetica Neue Light" panose="02000403000000020004" pitchFamily="2" charset="0"/>
-              </a:rPr>
-              <a:t>tSNE</a:t>
-            </a:r>
-            <a:endParaRPr lang="en-US" dirty="0">
-              <a:latin typeface="Helvetica Neue Light" panose="02000403000000020004" pitchFamily="2" charset="0"/>
-              <a:ea typeface="Helvetica Neue Light" panose="02000403000000020004" pitchFamily="2" charset="0"/>
-            </a:endParaRPr>
-          </a:p>
-          <a:p>
-            <a:r>
-              <a:rPr lang="en-US" dirty="0">
-                <a:latin typeface="Helvetica Neue Light" panose="02000403000000020004" pitchFamily="2" charset="0"/>
-                <a:ea typeface="Helvetica Neue Light" panose="02000403000000020004" pitchFamily="2" charset="0"/>
-              </a:rPr>
-              <a:t>Define cell subpopulations by clustering on reduced dimensional space variables</a:t>
-            </a:r>
-          </a:p>
-          <a:p>
-            <a:pPr lvl="1"/>
-            <a:r>
-              <a:rPr lang="en-US" dirty="0">
-                <a:latin typeface="Helvetica Neue Light" panose="02000403000000020004" pitchFamily="2" charset="0"/>
-                <a:ea typeface="Helvetica Neue Light" panose="02000403000000020004" pitchFamily="2" charset="0"/>
-              </a:rPr>
-              <a:t>K-means (SIMLR uses this) </a:t>
-            </a:r>
-          </a:p>
-          <a:p>
-            <a:pPr lvl="1"/>
-            <a:r>
-              <a:rPr lang="en-US" dirty="0">
-                <a:latin typeface="Helvetica Neue Light" panose="02000403000000020004" pitchFamily="2" charset="0"/>
-                <a:ea typeface="Helvetica Neue Light" panose="02000403000000020004" pitchFamily="2" charset="0"/>
-              </a:rPr>
-              <a:t>Hierarchical clustering</a:t>
-            </a:r>
-          </a:p>
-          <a:p>
-            <a:pPr lvl="1"/>
-            <a:r>
-              <a:rPr lang="en-US" dirty="0">
-                <a:latin typeface="Helvetica Neue Light" panose="02000403000000020004" pitchFamily="2" charset="0"/>
-                <a:ea typeface="Helvetica Neue Light" panose="02000403000000020004" pitchFamily="2" charset="0"/>
-              </a:rPr>
-              <a:t>Graph-based</a:t>
-            </a:r>
-          </a:p>
-          <a:p>
-            <a:pPr lvl="2"/>
-            <a:r>
-              <a:rPr lang="en-US" dirty="0">
-                <a:latin typeface="Helvetica Neue Light" panose="02000403000000020004" pitchFamily="2" charset="0"/>
-                <a:ea typeface="Helvetica Neue Light" panose="02000403000000020004" pitchFamily="2" charset="0"/>
-              </a:rPr>
-              <a:t>Seurat** uses shared nearest neighbor (SNN) counts, in a manner similar to SNN-</a:t>
-            </a:r>
-            <a:r>
-              <a:rPr lang="en-US" dirty="0" err="1">
-                <a:latin typeface="Helvetica Neue Light" panose="02000403000000020004" pitchFamily="2" charset="0"/>
-                <a:ea typeface="Helvetica Neue Light" panose="02000403000000020004" pitchFamily="2" charset="0"/>
-              </a:rPr>
-              <a:t>Cliq</a:t>
-            </a:r>
-            <a:r>
-              <a:rPr lang="en-US" dirty="0">
-                <a:latin typeface="Helvetica Neue Light" panose="02000403000000020004" pitchFamily="2" charset="0"/>
-                <a:ea typeface="Helvetica Neue Light" panose="02000403000000020004" pitchFamily="2" charset="0"/>
-              </a:rPr>
-              <a:t> </a:t>
-            </a:r>
-            <a:r>
-              <a:rPr lang="en-US" sz="1400" dirty="0">
-                <a:latin typeface="Helvetica Neue Light" panose="02000403000000020004" pitchFamily="2" charset="0"/>
-                <a:ea typeface="Helvetica Neue Light" panose="02000403000000020004" pitchFamily="2" charset="0"/>
-              </a:rPr>
-              <a:t>(Xu and Su, 2015, </a:t>
-            </a:r>
-            <a:r>
-              <a:rPr lang="en-US" sz="1400" i="1" dirty="0">
-                <a:latin typeface="Helvetica Neue Light" panose="02000403000000020004" pitchFamily="2" charset="0"/>
-                <a:ea typeface="Helvetica Neue Light" panose="02000403000000020004" pitchFamily="2" charset="0"/>
-              </a:rPr>
-              <a:t>Bioinformatics</a:t>
-            </a:r>
-            <a:r>
-              <a:rPr lang="en-US" sz="1400" dirty="0">
-                <a:latin typeface="Helvetica Neue Light" panose="02000403000000020004" pitchFamily="2" charset="0"/>
-                <a:ea typeface="Helvetica Neue Light" panose="02000403000000020004" pitchFamily="2" charset="0"/>
-              </a:rPr>
-              <a:t>)</a:t>
-            </a:r>
-          </a:p>
-          <a:p>
-            <a:pPr lvl="1"/>
-            <a:endParaRPr lang="en-US" dirty="0">
-              <a:latin typeface="Helvetica Neue Light" panose="02000403000000020004" pitchFamily="2" charset="0"/>
-              <a:ea typeface="Helvetica Neue Light" panose="02000403000000020004" pitchFamily="2" charset="0"/>
-            </a:endParaRPr>
-          </a:p>
-          <a:p>
-            <a:pPr marL="457200" lvl="1" indent="0">
-              <a:buNone/>
-            </a:pPr>
-            <a:endParaRPr lang="en-US" dirty="0">
-              <a:latin typeface="Helvetica Neue Light" panose="02000403000000020004" pitchFamily="2" charset="0"/>
-              <a:ea typeface="Helvetica Neue Light" panose="02000403000000020004" pitchFamily="2" charset="0"/>
-            </a:endParaRPr>
-          </a:p>
-          <a:p>
-            <a:pPr marL="0" indent="0">
-              <a:buNone/>
-            </a:pPr>
-            <a:endParaRPr lang="en-US" dirty="0">
-              <a:latin typeface="Helvetica Neue Light" panose="02000403000000020004" pitchFamily="2" charset="0"/>
-              <a:ea typeface="Helvetica Neue Light" panose="02000403000000020004" pitchFamily="2" charset="0"/>
-            </a:endParaRPr>
-          </a:p>
-          <a:p>
-            <a:pPr marL="457200" lvl="1" indent="0">
-              <a:buNone/>
-            </a:pPr>
-            <a:endParaRPr lang="en-US" dirty="0">
-              <a:latin typeface="Helvetica Neue Light" panose="02000403000000020004" pitchFamily="2" charset="0"/>
-              <a:ea typeface="Helvetica Neue Light" panose="02000403000000020004" pitchFamily="2" charset="0"/>
-            </a:endParaRPr>
-          </a:p>
-          <a:p>
-            <a:pPr lvl="1"/>
-            <a:endParaRPr lang="en-US" dirty="0">
-              <a:latin typeface="Helvetica Neue Light" panose="02000403000000020004" pitchFamily="2" charset="0"/>
-              <a:ea typeface="Helvetica Neue Light" panose="02000403000000020004" pitchFamily="2" charset="0"/>
-            </a:endParaRPr>
-          </a:p>
-          <a:p>
-            <a:pPr lvl="1"/>
-            <a:endParaRPr lang="en-US" dirty="0">
-              <a:latin typeface="Helvetica Neue Light" panose="02000403000000020004" pitchFamily="2" charset="0"/>
-              <a:ea typeface="Helvetica Neue Light" panose="02000403000000020004" pitchFamily="2" charset="0"/>
-            </a:endParaRPr>
-          </a:p>
-          <a:p>
-            <a:endParaRPr lang="en-US" dirty="0">
-              <a:latin typeface="Helvetica Neue Light" panose="02000403000000020004" pitchFamily="2" charset="0"/>
-              <a:ea typeface="Helvetica Neue Light" panose="02000403000000020004" pitchFamily="2" charset="0"/>
-            </a:endParaRPr>
-          </a:p>
-          <a:p>
-            <a:pPr marL="0" indent="0">
-              <a:buNone/>
-            </a:pPr>
-            <a:endParaRPr lang="en-US" dirty="0">
-              <a:latin typeface="Helvetica Neue Light" panose="02000403000000020004" pitchFamily="2" charset="0"/>
-              <a:ea typeface="Helvetica Neue Light" panose="02000403000000020004" pitchFamily="2" charset="0"/>
-            </a:endParaRPr>
-          </a:p>
-        </p:txBody>
-      </p:sp>
-      <p:sp>
-        <p:nvSpPr>
-          <p:cNvPr id="6" name="TextBox 5">
-            <a:extLst>
-              <a:ext uri="{FF2B5EF4-FFF2-40B4-BE49-F238E27FC236}">
-                <a16:creationId xmlns:a16="http://schemas.microsoft.com/office/drawing/2014/main" id="{021E6A12-B390-AB4B-BD6A-8BE323C3E0AC}"/>
+          <p:cNvPr id="203" name="TextBox 202">
+            <a:extLst>
+              <a:ext uri="{FF2B5EF4-FFF2-40B4-BE49-F238E27FC236}">
+                <a16:creationId xmlns:a16="http://schemas.microsoft.com/office/drawing/2014/main" id="{3B31D32C-9DCE-A941-A38A-058C2EB87CD6}"/>
               </a:ext>
             </a:extLst>
           </p:cNvPr>
@@ -13943,8 +13088,8 @@
         </p:nvSpPr>
         <p:spPr>
           <a:xfrm>
-            <a:off x="8038215" y="6422080"/>
-            <a:ext cx="3772786" cy="307777"/>
+            <a:off x="592667" y="1896533"/>
+            <a:ext cx="10947400" cy="4462760"/>
           </a:xfrm>
           <a:prstGeom prst="rect">
             <a:avLst/>
@@ -13957,14 +13102,130 @@
           </a:bodyPr>
           <a:lstStyle/>
           <a:p>
-            <a:r>
-              <a:rPr lang="en-US" sz="1400" dirty="0">
-                <a:latin typeface="Helvetica Neue Light" panose="02000403000000020004" pitchFamily="2" charset="0"/>
-                <a:ea typeface="Helvetica Neue Light" panose="02000403000000020004" pitchFamily="2" charset="0"/>
-              </a:rPr>
-              <a:t>** Our workflow today will mostly use Seurat</a:t>
-            </a:r>
-            <a:endParaRPr lang="en-US" sz="1400" i="1" dirty="0">
+            <a:pPr marL="285750" indent="-285750">
+              <a:buFont typeface="Arial" panose="020B0604020202020204" pitchFamily="34" charset="0"/>
+              <a:buChar char="•"/>
+            </a:pPr>
+            <a:r>
+              <a:rPr lang="en-US" sz="2800" dirty="0">
+                <a:latin typeface="Helvetica Neue Light" panose="02000403000000020004" pitchFamily="2" charset="0"/>
+                <a:ea typeface="Helvetica Neue Light" panose="02000403000000020004" pitchFamily="2" charset="0"/>
+              </a:rPr>
+              <a:t>Analyze rare populations hard to detect in bulk experiments</a:t>
+            </a:r>
+          </a:p>
+          <a:p>
+            <a:pPr marL="285750" indent="-285750">
+              <a:buFont typeface="Arial" panose="020B0604020202020204" pitchFamily="34" charset="0"/>
+              <a:buChar char="•"/>
+            </a:pPr>
+            <a:r>
+              <a:rPr lang="en-US" sz="2800" dirty="0">
+                <a:latin typeface="Helvetica Neue Light" panose="02000403000000020004" pitchFamily="2" charset="0"/>
+                <a:ea typeface="Helvetica Neue Light" panose="02000403000000020004" pitchFamily="2" charset="0"/>
+              </a:rPr>
+              <a:t>Understand cell subpopulation distributions</a:t>
+            </a:r>
+          </a:p>
+          <a:p>
+            <a:pPr marL="742950" lvl="1" indent="-285750">
+              <a:buFont typeface="Arial" panose="020B0604020202020204" pitchFamily="34" charset="0"/>
+              <a:buChar char="•"/>
+            </a:pPr>
+            <a:r>
+              <a:rPr lang="en-US" sz="2400" dirty="0">
+                <a:latin typeface="Helvetica Neue Light" panose="02000403000000020004" pitchFamily="2" charset="0"/>
+                <a:ea typeface="Helvetica Neue Light" panose="02000403000000020004" pitchFamily="2" charset="0"/>
+              </a:rPr>
+              <a:t>Pre-</a:t>
+            </a:r>
+            <a:r>
+              <a:rPr lang="en-US" sz="2400" dirty="0" err="1">
+                <a:latin typeface="Helvetica Neue Light" panose="02000403000000020004" pitchFamily="2" charset="0"/>
+                <a:ea typeface="Helvetica Neue Light" panose="02000403000000020004" pitchFamily="2" charset="0"/>
+              </a:rPr>
+              <a:t>scRNAseq</a:t>
+            </a:r>
+            <a:r>
+              <a:rPr lang="en-US" sz="2400" dirty="0">
+                <a:latin typeface="Helvetica Neue Light" panose="02000403000000020004" pitchFamily="2" charset="0"/>
+                <a:ea typeface="Helvetica Neue Light" panose="02000403000000020004" pitchFamily="2" charset="0"/>
+              </a:rPr>
+              <a:t> assays (e.g. FISH) detected orders of magnitude expression variation in putatively ”identical cells”</a:t>
+            </a:r>
+          </a:p>
+          <a:p>
+            <a:pPr marL="742950" lvl="1" indent="-285750">
+              <a:buFont typeface="Arial" panose="020B0604020202020204" pitchFamily="34" charset="0"/>
+              <a:buChar char="•"/>
+            </a:pPr>
+            <a:r>
+              <a:rPr lang="en-US" sz="2400" dirty="0">
+                <a:latin typeface="Helvetica Neue Light" panose="02000403000000020004" pitchFamily="2" charset="0"/>
+                <a:ea typeface="Helvetica Neue Light" panose="02000403000000020004" pitchFamily="2" charset="0"/>
+              </a:rPr>
+              <a:t>Developmental, tissue-specific, and intra-tissue treatment </a:t>
+            </a:r>
+            <a:r>
+              <a:rPr lang="en-US" sz="2400" dirty="0" err="1">
+                <a:latin typeface="Helvetica Neue Light" panose="02000403000000020004" pitchFamily="2" charset="0"/>
+                <a:ea typeface="Helvetica Neue Light" panose="02000403000000020004" pitchFamily="2" charset="0"/>
+              </a:rPr>
+              <a:t>diferences</a:t>
+            </a:r>
+            <a:endParaRPr lang="en-US" sz="2800" dirty="0">
+              <a:latin typeface="Helvetica Neue Light" panose="02000403000000020004" pitchFamily="2" charset="0"/>
+              <a:ea typeface="Helvetica Neue Light" panose="02000403000000020004" pitchFamily="2" charset="0"/>
+            </a:endParaRPr>
+          </a:p>
+          <a:p>
+            <a:pPr marL="285750" indent="-285750">
+              <a:buFont typeface="Arial" panose="020B0604020202020204" pitchFamily="34" charset="0"/>
+              <a:buChar char="•"/>
+            </a:pPr>
+            <a:r>
+              <a:rPr lang="en-US" sz="2800" dirty="0">
+                <a:latin typeface="Helvetica Neue Light" panose="02000403000000020004" pitchFamily="2" charset="0"/>
+                <a:ea typeface="Helvetica Neue Light" panose="02000403000000020004" pitchFamily="2" charset="0"/>
+              </a:rPr>
+              <a:t>Remove potential biases of bulk perspective</a:t>
+            </a:r>
+          </a:p>
+          <a:p>
+            <a:pPr marL="742950" lvl="1" indent="-285750">
+              <a:buFont typeface="Arial" panose="020B0604020202020204" pitchFamily="34" charset="0"/>
+              <a:buChar char="•"/>
+            </a:pPr>
+            <a:r>
+              <a:rPr lang="en-US" sz="2400" dirty="0">
+                <a:latin typeface="Helvetica Neue Light" panose="02000403000000020004" pitchFamily="2" charset="0"/>
+                <a:ea typeface="Helvetica Neue Light" panose="02000403000000020004" pitchFamily="2" charset="0"/>
+              </a:rPr>
+              <a:t>Mean expression for cell population can be biased by a few cells</a:t>
+            </a:r>
+          </a:p>
+          <a:p>
+            <a:pPr lvl="1"/>
+            <a:endParaRPr lang="en-US" sz="2400" dirty="0">
+              <a:latin typeface="Helvetica Neue Light" panose="02000403000000020004" pitchFamily="2" charset="0"/>
+              <a:ea typeface="Helvetica Neue Light" panose="02000403000000020004" pitchFamily="2" charset="0"/>
+            </a:endParaRPr>
+          </a:p>
+          <a:p>
+            <a:pPr marL="285750" indent="-285750">
+              <a:buFont typeface="Arial" panose="020B0604020202020204" pitchFamily="34" charset="0"/>
+              <a:buChar char="•"/>
+            </a:pPr>
+            <a:r>
+              <a:rPr lang="en-US" sz="2800" dirty="0">
+                <a:latin typeface="Helvetica Neue Light" panose="02000403000000020004" pitchFamily="2" charset="0"/>
+                <a:ea typeface="Helvetica Neue Light" panose="02000403000000020004" pitchFamily="2" charset="0"/>
+              </a:rPr>
+              <a:t>Distinguish patterns and processes that are unidentifiable in bulk experiments</a:t>
+            </a:r>
+          </a:p>
+          <a:p>
+            <a:endParaRPr lang="en-US" sz="2400" dirty="0">
               <a:latin typeface="Helvetica Neue Light" panose="02000403000000020004" pitchFamily="2" charset="0"/>
               <a:ea typeface="Helvetica Neue Light" panose="02000403000000020004" pitchFamily="2" charset="0"/>
             </a:endParaRPr>
@@ -13974,7 +13235,7 @@
     </p:spTree>
     <p:extLst>
       <p:ext uri="{BB962C8B-B14F-4D97-AF65-F5344CB8AC3E}">
-        <p14:creationId xmlns:p14="http://schemas.microsoft.com/office/powerpoint/2010/main" val="4112105623"/>
+        <p14:creationId xmlns:p14="http://schemas.microsoft.com/office/powerpoint/2010/main" val="578784395"/>
       </p:ext>
     </p:extLst>
   </p:cSld>
@@ -13984,344 +13245,7 @@
 </p:sld>
 </file>
 
-<file path=ppt/slides/slide34.xml><?xml version="1.0" encoding="utf-8"?>
-<p:sld xmlns:a="http://schemas.openxmlformats.org/drawingml/2006/main" xmlns:r="http://schemas.openxmlformats.org/officeDocument/2006/relationships" xmlns:p="http://schemas.openxmlformats.org/presentationml/2006/main">
-  <p:cSld>
-    <p:spTree>
-      <p:nvGrpSpPr>
-        <p:cNvPr id="1" name=""/>
-        <p:cNvGrpSpPr/>
-        <p:nvPr/>
-      </p:nvGrpSpPr>
-      <p:grpSpPr>
-        <a:xfrm>
-          <a:off x="0" y="0"/>
-          <a:ext cx="0" cy="0"/>
-          <a:chOff x="0" y="0"/>
-          <a:chExt cx="0" cy="0"/>
-        </a:xfrm>
-      </p:grpSpPr>
-      <p:cxnSp>
-        <p:nvCxnSpPr>
-          <p:cNvPr id="5" name="Straight Connector 4">
-            <a:extLst>
-              <a:ext uri="{FF2B5EF4-FFF2-40B4-BE49-F238E27FC236}">
-                <a16:creationId xmlns:a16="http://schemas.microsoft.com/office/drawing/2014/main" id="{97A6922C-54C3-694F-9492-EAC388C3E954}"/>
-              </a:ext>
-            </a:extLst>
-          </p:cNvPr>
-          <p:cNvCxnSpPr/>
-          <p:nvPr/>
-        </p:nvCxnSpPr>
-        <p:spPr>
-          <a:xfrm>
-            <a:off x="262467" y="1417638"/>
-            <a:ext cx="11216519" cy="0"/>
-          </a:xfrm>
-          <a:prstGeom prst="line">
-            <a:avLst/>
-          </a:prstGeom>
-          <a:ln w="19050">
-            <a:solidFill>
-              <a:schemeClr val="tx1"/>
-            </a:solidFill>
-          </a:ln>
-          <a:effectLst/>
-        </p:spPr>
-        <p:style>
-          <a:lnRef idx="2">
-            <a:schemeClr val="accent1"/>
-          </a:lnRef>
-          <a:fillRef idx="0">
-            <a:schemeClr val="accent1"/>
-          </a:fillRef>
-          <a:effectRef idx="1">
-            <a:schemeClr val="accent1"/>
-          </a:effectRef>
-          <a:fontRef idx="minor">
-            <a:schemeClr val="tx1"/>
-          </a:fontRef>
-        </p:style>
-      </p:cxnSp>
-      <p:sp>
-        <p:nvSpPr>
-          <p:cNvPr id="12" name="Title 1">
-            <a:extLst>
-              <a:ext uri="{FF2B5EF4-FFF2-40B4-BE49-F238E27FC236}">
-                <a16:creationId xmlns:a16="http://schemas.microsoft.com/office/drawing/2014/main" id="{B48711B5-D460-7044-939F-EAFD1BB7A648}"/>
-              </a:ext>
-            </a:extLst>
-          </p:cNvPr>
-          <p:cNvSpPr>
-            <a:spLocks noGrp="1"/>
-          </p:cNvSpPr>
-          <p:nvPr>
-            <p:ph type="title"/>
-          </p:nvPr>
-        </p:nvSpPr>
-        <p:spPr>
-          <a:xfrm>
-            <a:off x="262467" y="365125"/>
-            <a:ext cx="11634788" cy="1325563"/>
-          </a:xfrm>
-        </p:spPr>
-        <p:txBody>
-          <a:bodyPr/>
-          <a:lstStyle/>
-          <a:p>
-            <a:r>
-              <a:rPr lang="en-US" dirty="0"/>
-              <a:t>Next steps: workflow examples</a:t>
-            </a:r>
-          </a:p>
-        </p:txBody>
-      </p:sp>
-      <p:sp>
-        <p:nvSpPr>
-          <p:cNvPr id="7" name="Content Placeholder 7">
-            <a:extLst>
-              <a:ext uri="{FF2B5EF4-FFF2-40B4-BE49-F238E27FC236}">
-                <a16:creationId xmlns:a16="http://schemas.microsoft.com/office/drawing/2014/main" id="{0B8D925C-197D-3D48-A350-B35093A9231E}"/>
-              </a:ext>
-            </a:extLst>
-          </p:cNvPr>
-          <p:cNvSpPr>
-            <a:spLocks noGrp="1"/>
-          </p:cNvSpPr>
-          <p:nvPr>
-            <p:ph sz="half" idx="1"/>
-          </p:nvPr>
-        </p:nvSpPr>
-        <p:spPr>
-          <a:xfrm>
-            <a:off x="482600" y="1827747"/>
-            <a:ext cx="11176000" cy="4448175"/>
-          </a:xfrm>
-        </p:spPr>
-        <p:txBody>
-          <a:bodyPr>
-            <a:normAutofit lnSpcReduction="10000"/>
-          </a:bodyPr>
-          <a:lstStyle/>
-          <a:p>
-            <a:r>
-              <a:rPr lang="en-US" dirty="0">
-                <a:latin typeface="Helvetica Neue Light" panose="02000403000000020004" pitchFamily="2" charset="0"/>
-                <a:ea typeface="Helvetica Neue Light" panose="02000403000000020004" pitchFamily="2" charset="0"/>
-              </a:rPr>
-              <a:t>Importing data into Seurat</a:t>
-            </a:r>
-          </a:p>
-          <a:p>
-            <a:pPr lvl="1"/>
-            <a:r>
-              <a:rPr lang="en-US" dirty="0">
-                <a:latin typeface="Helvetica Neue Light" panose="02000403000000020004" pitchFamily="2" charset="0"/>
-                <a:ea typeface="Helvetica Neue Light" panose="02000403000000020004" pitchFamily="2" charset="0"/>
-              </a:rPr>
-              <a:t>Data pre-processing</a:t>
-            </a:r>
-          </a:p>
-          <a:p>
-            <a:pPr lvl="1"/>
-            <a:r>
-              <a:rPr lang="en-US" dirty="0">
-                <a:latin typeface="Helvetica Neue Light" panose="02000403000000020004" pitchFamily="2" charset="0"/>
-                <a:ea typeface="Helvetica Neue Light" panose="02000403000000020004" pitchFamily="2" charset="0"/>
-              </a:rPr>
-              <a:t>Identifying cell subpopulations (w/ </a:t>
-            </a:r>
-            <a:r>
-              <a:rPr lang="en-US" dirty="0" err="1">
-                <a:latin typeface="Helvetica Neue Light" panose="02000403000000020004" pitchFamily="2" charset="0"/>
-                <a:ea typeface="Helvetica Neue Light" panose="02000403000000020004" pitchFamily="2" charset="0"/>
-              </a:rPr>
-              <a:t>tSNE</a:t>
-            </a:r>
-            <a:r>
-              <a:rPr lang="en-US" dirty="0">
-                <a:latin typeface="Helvetica Neue Light" panose="02000403000000020004" pitchFamily="2" charset="0"/>
-                <a:ea typeface="Helvetica Neue Light" panose="02000403000000020004" pitchFamily="2" charset="0"/>
-              </a:rPr>
-              <a:t>)</a:t>
-            </a:r>
-          </a:p>
-          <a:p>
-            <a:pPr lvl="1"/>
-            <a:r>
-              <a:rPr lang="en-US" dirty="0">
-                <a:latin typeface="Helvetica Neue Light" panose="02000403000000020004" pitchFamily="2" charset="0"/>
-                <a:ea typeface="Helvetica Neue Light" panose="02000403000000020004" pitchFamily="2" charset="0"/>
-              </a:rPr>
-              <a:t>10x PBMC data set</a:t>
-            </a:r>
-          </a:p>
-          <a:p>
-            <a:r>
-              <a:rPr lang="en-US" dirty="0">
-                <a:latin typeface="Helvetica Neue Light" panose="02000403000000020004" pitchFamily="2" charset="0"/>
-                <a:ea typeface="Helvetica Neue Light" panose="02000403000000020004" pitchFamily="2" charset="0"/>
-              </a:rPr>
-              <a:t>Multi-sample integrative analysis </a:t>
-            </a:r>
-          </a:p>
-          <a:p>
-            <a:pPr lvl="1"/>
-            <a:r>
-              <a:rPr lang="en-US" dirty="0">
-                <a:latin typeface="Helvetica Neue Light" panose="02000403000000020004" pitchFamily="2" charset="0"/>
-                <a:ea typeface="Helvetica Neue Light" panose="02000403000000020004" pitchFamily="2" charset="0"/>
-              </a:rPr>
-              <a:t>Brand new approach (Butler et al. 2018, </a:t>
-            </a:r>
-            <a:r>
-              <a:rPr lang="en-US" i="1" dirty="0">
-                <a:latin typeface="Helvetica Neue Light" panose="02000403000000020004" pitchFamily="2" charset="0"/>
-                <a:ea typeface="Helvetica Neue Light" panose="02000403000000020004" pitchFamily="2" charset="0"/>
-              </a:rPr>
-              <a:t>Nat. Biotech.)</a:t>
-            </a:r>
-            <a:endParaRPr lang="en-US" dirty="0">
-              <a:latin typeface="Helvetica Neue Light" panose="02000403000000020004" pitchFamily="2" charset="0"/>
-              <a:ea typeface="Helvetica Neue Light" panose="02000403000000020004" pitchFamily="2" charset="0"/>
-            </a:endParaRPr>
-          </a:p>
-          <a:p>
-            <a:pPr lvl="1"/>
-            <a:r>
-              <a:rPr lang="en-US" dirty="0">
-                <a:latin typeface="Helvetica Neue Light" panose="02000403000000020004" pitchFamily="2" charset="0"/>
-                <a:ea typeface="Helvetica Neue Light" panose="02000403000000020004" pitchFamily="2" charset="0"/>
-              </a:rPr>
-              <a:t>Can compare tissues, treatments, species</a:t>
-            </a:r>
-          </a:p>
-          <a:p>
-            <a:pPr lvl="2"/>
-            <a:r>
-              <a:rPr lang="en-US" dirty="0">
-                <a:latin typeface="Helvetica Neue Light" panose="02000403000000020004" pitchFamily="2" charset="0"/>
-                <a:ea typeface="Helvetica Neue Light" panose="02000403000000020004" pitchFamily="2" charset="0"/>
-              </a:rPr>
-              <a:t>”Aligns” samples using shared correlation structure</a:t>
-            </a:r>
-          </a:p>
-          <a:p>
-            <a:r>
-              <a:rPr lang="en-US" dirty="0">
-                <a:latin typeface="Helvetica Neue Light" panose="02000403000000020004" pitchFamily="2" charset="0"/>
-                <a:ea typeface="Helvetica Neue Light" panose="02000403000000020004" pitchFamily="2" charset="0"/>
-              </a:rPr>
-              <a:t>Alternative ways to do clustering</a:t>
-            </a:r>
-          </a:p>
-          <a:p>
-            <a:pPr lvl="1"/>
-            <a:r>
-              <a:rPr lang="en-US" dirty="0">
-                <a:latin typeface="Helvetica Neue Light" panose="02000403000000020004" pitchFamily="2" charset="0"/>
-                <a:ea typeface="Helvetica Neue Light" panose="02000403000000020004" pitchFamily="2" charset="0"/>
-              </a:rPr>
-              <a:t>A quick run of SIMLR to</a:t>
-            </a:r>
-          </a:p>
-          <a:p>
-            <a:pPr lvl="2"/>
-            <a:r>
-              <a:rPr lang="en-US" dirty="0">
-                <a:latin typeface="Helvetica Neue Light" panose="02000403000000020004" pitchFamily="2" charset="0"/>
-                <a:ea typeface="Helvetica Neue Light" panose="02000403000000020004" pitchFamily="2" charset="0"/>
-              </a:rPr>
-              <a:t>Identify # of clusters</a:t>
-            </a:r>
-          </a:p>
-          <a:p>
-            <a:pPr lvl="2"/>
-            <a:r>
-              <a:rPr lang="en-US" dirty="0">
-                <a:latin typeface="Helvetica Neue Light" panose="02000403000000020004" pitchFamily="2" charset="0"/>
-                <a:ea typeface="Helvetica Neue Light" panose="02000403000000020004" pitchFamily="2" charset="0"/>
-              </a:rPr>
-              <a:t>Visualize clusters in </a:t>
-            </a:r>
-            <a:r>
-              <a:rPr lang="en-US" dirty="0" err="1">
-                <a:latin typeface="Helvetica Neue Light" panose="02000403000000020004" pitchFamily="2" charset="0"/>
-                <a:ea typeface="Helvetica Neue Light" panose="02000403000000020004" pitchFamily="2" charset="0"/>
-              </a:rPr>
-              <a:t>tSNE</a:t>
-            </a:r>
-            <a:r>
-              <a:rPr lang="en-US" dirty="0">
-                <a:latin typeface="Helvetica Neue Light" panose="02000403000000020004" pitchFamily="2" charset="0"/>
-                <a:ea typeface="Helvetica Neue Light" panose="02000403000000020004" pitchFamily="2" charset="0"/>
-              </a:rPr>
-              <a:t> space</a:t>
-            </a:r>
-          </a:p>
-          <a:p>
-            <a:pPr marL="0" indent="0">
-              <a:buNone/>
-            </a:pPr>
-            <a:endParaRPr lang="en-US" dirty="0">
-              <a:latin typeface="Helvetica Neue Light" panose="02000403000000020004" pitchFamily="2" charset="0"/>
-              <a:ea typeface="Helvetica Neue Light" panose="02000403000000020004" pitchFamily="2" charset="0"/>
-            </a:endParaRPr>
-          </a:p>
-          <a:p>
-            <a:pPr marL="457200" lvl="1" indent="0">
-              <a:buNone/>
-            </a:pPr>
-            <a:endParaRPr lang="en-US" dirty="0">
-              <a:latin typeface="Helvetica Neue Light" panose="02000403000000020004" pitchFamily="2" charset="0"/>
-              <a:ea typeface="Helvetica Neue Light" panose="02000403000000020004" pitchFamily="2" charset="0"/>
-            </a:endParaRPr>
-          </a:p>
-          <a:p>
-            <a:pPr lvl="1"/>
-            <a:endParaRPr lang="en-US" dirty="0">
-              <a:latin typeface="Helvetica Neue Light" panose="02000403000000020004" pitchFamily="2" charset="0"/>
-              <a:ea typeface="Helvetica Neue Light" panose="02000403000000020004" pitchFamily="2" charset="0"/>
-            </a:endParaRPr>
-          </a:p>
-          <a:p>
-            <a:pPr lvl="1"/>
-            <a:endParaRPr lang="en-US" dirty="0">
-              <a:latin typeface="Helvetica Neue Light" panose="02000403000000020004" pitchFamily="2" charset="0"/>
-              <a:ea typeface="Helvetica Neue Light" panose="02000403000000020004" pitchFamily="2" charset="0"/>
-            </a:endParaRPr>
-          </a:p>
-          <a:p>
-            <a:endParaRPr lang="en-US" dirty="0">
-              <a:latin typeface="Helvetica Neue Light" panose="02000403000000020004" pitchFamily="2" charset="0"/>
-              <a:ea typeface="Helvetica Neue Light" panose="02000403000000020004" pitchFamily="2" charset="0"/>
-            </a:endParaRPr>
-          </a:p>
-          <a:p>
-            <a:pPr marL="0" indent="0">
-              <a:buNone/>
-            </a:pPr>
-            <a:endParaRPr lang="en-US" dirty="0">
-              <a:latin typeface="Helvetica Neue Light" panose="02000403000000020004" pitchFamily="2" charset="0"/>
-              <a:ea typeface="Helvetica Neue Light" panose="02000403000000020004" pitchFamily="2" charset="0"/>
-            </a:endParaRPr>
-          </a:p>
-        </p:txBody>
-      </p:sp>
-    </p:spTree>
-    <p:extLst>
-      <p:ext uri="{BB962C8B-B14F-4D97-AF65-F5344CB8AC3E}">
-        <p14:creationId xmlns:p14="http://schemas.microsoft.com/office/powerpoint/2010/main" val="2301558071"/>
-      </p:ext>
-    </p:extLst>
-  </p:cSld>
-  <p:clrMapOvr>
-    <a:masterClrMapping/>
-  </p:clrMapOvr>
-</p:sld>
-</file>
-
-<file path=ppt/slides/slide35.xml><?xml version="1.0" encoding="utf-8"?>
+<file path=ppt/slides/slide30.xml><?xml version="1.0" encoding="utf-8"?>
 <p:sld xmlns:a="http://schemas.openxmlformats.org/drawingml/2006/main" xmlns:r="http://schemas.openxmlformats.org/officeDocument/2006/relationships" xmlns:p="http://schemas.openxmlformats.org/presentationml/2006/main">
   <p:cSld>
     <p:spTree>
